--- a/投影片/1.網頁基礎.pptx
+++ b/投影片/1.網頁基礎.pptx
@@ -5,11 +5,25 @@
     <p:sldMasterId id="2147483648" r:id="rId1"/>
   </p:sldMasterIdLst>
   <p:notesMasterIdLst>
-    <p:notesMasterId r:id="rId4"/>
+    <p:notesMasterId r:id="rId18"/>
   </p:notesMasterIdLst>
   <p:sldIdLst>
     <p:sldId id="256" r:id="rId2"/>
     <p:sldId id="257" r:id="rId3"/>
+    <p:sldId id="258" r:id="rId4"/>
+    <p:sldId id="259" r:id="rId5"/>
+    <p:sldId id="261" r:id="rId6"/>
+    <p:sldId id="260" r:id="rId7"/>
+    <p:sldId id="262" r:id="rId8"/>
+    <p:sldId id="263" r:id="rId9"/>
+    <p:sldId id="264" r:id="rId10"/>
+    <p:sldId id="265" r:id="rId11"/>
+    <p:sldId id="268" r:id="rId12"/>
+    <p:sldId id="267" r:id="rId13"/>
+    <p:sldId id="269" r:id="rId14"/>
+    <p:sldId id="270" r:id="rId15"/>
+    <p:sldId id="271" r:id="rId16"/>
+    <p:sldId id="266" r:id="rId17"/>
   </p:sldIdLst>
   <p:sldSz cx="12192000" cy="6858000"/>
   <p:notesSz cx="6858000" cy="9144000"/>
@@ -198,7 +212,7 @@
           <a:p>
             <a:fld id="{F5256C98-7E13-4A3B-A33B-9E5E0B6B38C5}" type="datetimeFigureOut">
               <a:rPr lang="zh-TW" altLang="en-US" smtClean="0"/>
-              <a:t>2022/1/20</a:t>
+              <a:t>2022/1/24</a:t>
             </a:fld>
             <a:endParaRPr lang="zh-TW" altLang="en-US"/>
           </a:p>
@@ -598,7 +612,6 @@
               <a:rPr lang="en-US" altLang="zh-TW" dirty="0" smtClean="0"/>
               <a:t>JS</a:t>
             </a:r>
-            <a:endParaRPr lang="en-US" altLang="zh-TW" dirty="0" smtClean="0"/>
           </a:p>
         </p:txBody>
       </p:sp>
@@ -769,7 +782,7 @@
           <a:p>
             <a:fld id="{23309831-A5D7-4AD2-8DD2-40EBD65AC398}" type="datetimeFigureOut">
               <a:rPr lang="zh-TW" altLang="en-US" smtClean="0"/>
-              <a:t>2022/1/20</a:t>
+              <a:t>2022/1/24</a:t>
             </a:fld>
             <a:endParaRPr lang="zh-TW" altLang="en-US"/>
           </a:p>
@@ -939,7 +952,7 @@
           <a:p>
             <a:fld id="{23309831-A5D7-4AD2-8DD2-40EBD65AC398}" type="datetimeFigureOut">
               <a:rPr lang="zh-TW" altLang="en-US" smtClean="0"/>
-              <a:t>2022/1/20</a:t>
+              <a:t>2022/1/24</a:t>
             </a:fld>
             <a:endParaRPr lang="zh-TW" altLang="en-US"/>
           </a:p>
@@ -1119,7 +1132,7 @@
           <a:p>
             <a:fld id="{23309831-A5D7-4AD2-8DD2-40EBD65AC398}" type="datetimeFigureOut">
               <a:rPr lang="zh-TW" altLang="en-US" smtClean="0"/>
-              <a:t>2022/1/20</a:t>
+              <a:t>2022/1/24</a:t>
             </a:fld>
             <a:endParaRPr lang="zh-TW" altLang="en-US"/>
           </a:p>
@@ -1289,7 +1302,7 @@
           <a:p>
             <a:fld id="{23309831-A5D7-4AD2-8DD2-40EBD65AC398}" type="datetimeFigureOut">
               <a:rPr lang="zh-TW" altLang="en-US" smtClean="0"/>
-              <a:t>2022/1/20</a:t>
+              <a:t>2022/1/24</a:t>
             </a:fld>
             <a:endParaRPr lang="zh-TW" altLang="en-US"/>
           </a:p>
@@ -1535,7 +1548,7 @@
           <a:p>
             <a:fld id="{23309831-A5D7-4AD2-8DD2-40EBD65AC398}" type="datetimeFigureOut">
               <a:rPr lang="zh-TW" altLang="en-US" smtClean="0"/>
-              <a:t>2022/1/20</a:t>
+              <a:t>2022/1/24</a:t>
             </a:fld>
             <a:endParaRPr lang="zh-TW" altLang="en-US"/>
           </a:p>
@@ -1767,7 +1780,7 @@
           <a:p>
             <a:fld id="{23309831-A5D7-4AD2-8DD2-40EBD65AC398}" type="datetimeFigureOut">
               <a:rPr lang="zh-TW" altLang="en-US" smtClean="0"/>
-              <a:t>2022/1/20</a:t>
+              <a:t>2022/1/24</a:t>
             </a:fld>
             <a:endParaRPr lang="zh-TW" altLang="en-US"/>
           </a:p>
@@ -2134,7 +2147,7 @@
           <a:p>
             <a:fld id="{23309831-A5D7-4AD2-8DD2-40EBD65AC398}" type="datetimeFigureOut">
               <a:rPr lang="zh-TW" altLang="en-US" smtClean="0"/>
-              <a:t>2022/1/20</a:t>
+              <a:t>2022/1/24</a:t>
             </a:fld>
             <a:endParaRPr lang="zh-TW" altLang="en-US"/>
           </a:p>
@@ -2252,7 +2265,7 @@
           <a:p>
             <a:fld id="{23309831-A5D7-4AD2-8DD2-40EBD65AC398}" type="datetimeFigureOut">
               <a:rPr lang="zh-TW" altLang="en-US" smtClean="0"/>
-              <a:t>2022/1/20</a:t>
+              <a:t>2022/1/24</a:t>
             </a:fld>
             <a:endParaRPr lang="zh-TW" altLang="en-US"/>
           </a:p>
@@ -2347,7 +2360,7 @@
           <a:p>
             <a:fld id="{23309831-A5D7-4AD2-8DD2-40EBD65AC398}" type="datetimeFigureOut">
               <a:rPr lang="zh-TW" altLang="en-US" smtClean="0"/>
-              <a:t>2022/1/20</a:t>
+              <a:t>2022/1/24</a:t>
             </a:fld>
             <a:endParaRPr lang="zh-TW" altLang="en-US"/>
           </a:p>
@@ -2624,7 +2637,7 @@
           <a:p>
             <a:fld id="{23309831-A5D7-4AD2-8DD2-40EBD65AC398}" type="datetimeFigureOut">
               <a:rPr lang="zh-TW" altLang="en-US" smtClean="0"/>
-              <a:t>2022/1/20</a:t>
+              <a:t>2022/1/24</a:t>
             </a:fld>
             <a:endParaRPr lang="zh-TW" altLang="en-US"/>
           </a:p>
@@ -2877,7 +2890,7 @@
           <a:p>
             <a:fld id="{23309831-A5D7-4AD2-8DD2-40EBD65AC398}" type="datetimeFigureOut">
               <a:rPr lang="zh-TW" altLang="en-US" smtClean="0"/>
-              <a:t>2022/1/20</a:t>
+              <a:t>2022/1/24</a:t>
             </a:fld>
             <a:endParaRPr lang="zh-TW" altLang="en-US"/>
           </a:p>
@@ -3090,7 +3103,7 @@
           <a:p>
             <a:fld id="{23309831-A5D7-4AD2-8DD2-40EBD65AC398}" type="datetimeFigureOut">
               <a:rPr lang="zh-TW" altLang="en-US" smtClean="0"/>
-              <a:t>2022/1/20</a:t>
+              <a:t>2022/1/24</a:t>
             </a:fld>
             <a:endParaRPr lang="zh-TW" altLang="en-US"/>
           </a:p>
@@ -3546,6 +3559,591 @@
 </p:sld>
 </file>
 
+<file path=ppt/slides/slide10.xml><?xml version="1.0" encoding="utf-8"?>
+<p:sld xmlns:a="http://schemas.openxmlformats.org/drawingml/2006/main" xmlns:r="http://schemas.openxmlformats.org/officeDocument/2006/relationships" xmlns:p="http://schemas.openxmlformats.org/presentationml/2006/main">
+  <p:cSld>
+    <p:spTree>
+      <p:nvGrpSpPr>
+        <p:cNvPr id="1" name=""/>
+        <p:cNvGrpSpPr/>
+        <p:nvPr/>
+      </p:nvGrpSpPr>
+      <p:grpSpPr>
+        <a:xfrm>
+          <a:off x="0" y="0"/>
+          <a:ext cx="0" cy="0"/>
+          <a:chOff x="0" y="0"/>
+          <a:chExt cx="0" cy="0"/>
+        </a:xfrm>
+      </p:grpSpPr>
+      <p:sp>
+        <p:nvSpPr>
+          <p:cNvPr id="2" name="標題 1"/>
+          <p:cNvSpPr>
+            <a:spLocks noGrp="1"/>
+          </p:cNvSpPr>
+          <p:nvPr>
+            <p:ph type="title"/>
+          </p:nvPr>
+        </p:nvSpPr>
+        <p:spPr/>
+        <p:txBody>
+          <a:bodyPr/>
+          <a:lstStyle/>
+          <a:p>
+            <a:r>
+              <a:rPr lang="zh-TW" altLang="en-US" dirty="0"/>
+              <a:t>前</a:t>
+            </a:r>
+            <a:r>
+              <a:rPr lang="zh-TW" altLang="en-US" dirty="0" smtClean="0"/>
+              <a:t>端基礎</a:t>
+            </a:r>
+            <a:endParaRPr lang="zh-TW" altLang="en-US" dirty="0"/>
+          </a:p>
+        </p:txBody>
+      </p:sp>
+      <p:sp>
+        <p:nvSpPr>
+          <p:cNvPr id="3" name="內容版面配置區 2"/>
+          <p:cNvSpPr>
+            <a:spLocks noGrp="1"/>
+          </p:cNvSpPr>
+          <p:nvPr>
+            <p:ph idx="1"/>
+          </p:nvPr>
+        </p:nvSpPr>
+        <p:spPr/>
+        <p:txBody>
+          <a:bodyPr/>
+          <a:lstStyle/>
+          <a:p>
+            <a:r>
+              <a:rPr lang="en-US" altLang="zh-TW" dirty="0" smtClean="0"/>
+              <a:t>HTML</a:t>
+            </a:r>
+          </a:p>
+          <a:p>
+            <a:r>
+              <a:rPr lang="en-US" altLang="zh-TW" dirty="0" smtClean="0"/>
+              <a:t>CSS</a:t>
+            </a:r>
+          </a:p>
+          <a:p>
+            <a:r>
+              <a:rPr lang="en-US" altLang="zh-TW" dirty="0" smtClean="0"/>
+              <a:t>JS</a:t>
+            </a:r>
+            <a:endParaRPr lang="zh-TW" altLang="en-US" dirty="0"/>
+          </a:p>
+        </p:txBody>
+      </p:sp>
+    </p:spTree>
+    <p:extLst>
+      <p:ext uri="{BB962C8B-B14F-4D97-AF65-F5344CB8AC3E}">
+        <p14:creationId xmlns:p14="http://schemas.microsoft.com/office/powerpoint/2010/main" val="3054099825"/>
+      </p:ext>
+    </p:extLst>
+  </p:cSld>
+  <p:clrMapOvr>
+    <a:masterClrMapping/>
+  </p:clrMapOvr>
+</p:sld>
+</file>
+
+<file path=ppt/slides/slide11.xml><?xml version="1.0" encoding="utf-8"?>
+<p:sld xmlns:a="http://schemas.openxmlformats.org/drawingml/2006/main" xmlns:r="http://schemas.openxmlformats.org/officeDocument/2006/relationships" xmlns:p="http://schemas.openxmlformats.org/presentationml/2006/main">
+  <p:cSld>
+    <p:spTree>
+      <p:nvGrpSpPr>
+        <p:cNvPr id="1" name=""/>
+        <p:cNvGrpSpPr/>
+        <p:nvPr/>
+      </p:nvGrpSpPr>
+      <p:grpSpPr>
+        <a:xfrm>
+          <a:off x="0" y="0"/>
+          <a:ext cx="0" cy="0"/>
+          <a:chOff x="0" y="0"/>
+          <a:chExt cx="0" cy="0"/>
+        </a:xfrm>
+      </p:grpSpPr>
+      <p:sp>
+        <p:nvSpPr>
+          <p:cNvPr id="2" name="標題 1"/>
+          <p:cNvSpPr>
+            <a:spLocks noGrp="1"/>
+          </p:cNvSpPr>
+          <p:nvPr>
+            <p:ph type="title"/>
+          </p:nvPr>
+        </p:nvSpPr>
+        <p:spPr/>
+        <p:txBody>
+          <a:bodyPr/>
+          <a:lstStyle/>
+          <a:p>
+            <a:r>
+              <a:rPr lang="en-US" altLang="zh-TW" dirty="0" smtClean="0"/>
+              <a:t>HTML</a:t>
+            </a:r>
+            <a:endParaRPr lang="zh-TW" altLang="en-US" dirty="0"/>
+          </a:p>
+        </p:txBody>
+      </p:sp>
+      <p:sp>
+        <p:nvSpPr>
+          <p:cNvPr id="3" name="內容版面配置區 2"/>
+          <p:cNvSpPr>
+            <a:spLocks noGrp="1"/>
+          </p:cNvSpPr>
+          <p:nvPr>
+            <p:ph idx="1"/>
+          </p:nvPr>
+        </p:nvSpPr>
+        <p:spPr/>
+        <p:txBody>
+          <a:bodyPr/>
+          <a:lstStyle/>
+          <a:p>
+            <a:endParaRPr lang="zh-TW" altLang="en-US" dirty="0"/>
+          </a:p>
+        </p:txBody>
+      </p:sp>
+    </p:spTree>
+    <p:extLst>
+      <p:ext uri="{BB962C8B-B14F-4D97-AF65-F5344CB8AC3E}">
+        <p14:creationId xmlns:p14="http://schemas.microsoft.com/office/powerpoint/2010/main" val="2627460742"/>
+      </p:ext>
+    </p:extLst>
+  </p:cSld>
+  <p:clrMapOvr>
+    <a:masterClrMapping/>
+  </p:clrMapOvr>
+</p:sld>
+</file>
+
+<file path=ppt/slides/slide12.xml><?xml version="1.0" encoding="utf-8"?>
+<p:sld xmlns:a="http://schemas.openxmlformats.org/drawingml/2006/main" xmlns:r="http://schemas.openxmlformats.org/officeDocument/2006/relationships" xmlns:p="http://schemas.openxmlformats.org/presentationml/2006/main">
+  <p:cSld>
+    <p:spTree>
+      <p:nvGrpSpPr>
+        <p:cNvPr id="1" name=""/>
+        <p:cNvGrpSpPr/>
+        <p:nvPr/>
+      </p:nvGrpSpPr>
+      <p:grpSpPr>
+        <a:xfrm>
+          <a:off x="0" y="0"/>
+          <a:ext cx="0" cy="0"/>
+          <a:chOff x="0" y="0"/>
+          <a:chExt cx="0" cy="0"/>
+        </a:xfrm>
+      </p:grpSpPr>
+      <p:sp>
+        <p:nvSpPr>
+          <p:cNvPr id="2" name="標題 1"/>
+          <p:cNvSpPr>
+            <a:spLocks noGrp="1"/>
+          </p:cNvSpPr>
+          <p:nvPr>
+            <p:ph type="title"/>
+          </p:nvPr>
+        </p:nvSpPr>
+        <p:spPr/>
+        <p:txBody>
+          <a:bodyPr/>
+          <a:lstStyle/>
+          <a:p>
+            <a:r>
+              <a:rPr lang="zh-TW" altLang="en-US" dirty="0" smtClean="0"/>
+              <a:t>常用</a:t>
+            </a:r>
+            <a:r>
+              <a:rPr lang="en-US" altLang="zh-TW" dirty="0" smtClean="0"/>
+              <a:t>HTML tag</a:t>
+            </a:r>
+            <a:endParaRPr lang="zh-TW" altLang="en-US" dirty="0"/>
+          </a:p>
+        </p:txBody>
+      </p:sp>
+      <p:sp>
+        <p:nvSpPr>
+          <p:cNvPr id="3" name="內容版面配置區 2"/>
+          <p:cNvSpPr>
+            <a:spLocks noGrp="1"/>
+          </p:cNvSpPr>
+          <p:nvPr>
+            <p:ph idx="1"/>
+          </p:nvPr>
+        </p:nvSpPr>
+        <p:spPr/>
+        <p:txBody>
+          <a:bodyPr/>
+          <a:lstStyle/>
+          <a:p>
+            <a:endParaRPr lang="zh-TW" altLang="en-US" dirty="0"/>
+          </a:p>
+        </p:txBody>
+      </p:sp>
+    </p:spTree>
+    <p:extLst>
+      <p:ext uri="{BB962C8B-B14F-4D97-AF65-F5344CB8AC3E}">
+        <p14:creationId xmlns:p14="http://schemas.microsoft.com/office/powerpoint/2010/main" val="1924051277"/>
+      </p:ext>
+    </p:extLst>
+  </p:cSld>
+  <p:clrMapOvr>
+    <a:masterClrMapping/>
+  </p:clrMapOvr>
+</p:sld>
+</file>
+
+<file path=ppt/slides/slide13.xml><?xml version="1.0" encoding="utf-8"?>
+<p:sld xmlns:a="http://schemas.openxmlformats.org/drawingml/2006/main" xmlns:r="http://schemas.openxmlformats.org/officeDocument/2006/relationships" xmlns:p="http://schemas.openxmlformats.org/presentationml/2006/main">
+  <p:cSld>
+    <p:spTree>
+      <p:nvGrpSpPr>
+        <p:cNvPr id="1" name=""/>
+        <p:cNvGrpSpPr/>
+        <p:nvPr/>
+      </p:nvGrpSpPr>
+      <p:grpSpPr>
+        <a:xfrm>
+          <a:off x="0" y="0"/>
+          <a:ext cx="0" cy="0"/>
+          <a:chOff x="0" y="0"/>
+          <a:chExt cx="0" cy="0"/>
+        </a:xfrm>
+      </p:grpSpPr>
+      <p:sp>
+        <p:nvSpPr>
+          <p:cNvPr id="2" name="標題 1"/>
+          <p:cNvSpPr>
+            <a:spLocks noGrp="1"/>
+          </p:cNvSpPr>
+          <p:nvPr>
+            <p:ph type="title"/>
+          </p:nvPr>
+        </p:nvSpPr>
+        <p:spPr/>
+        <p:txBody>
+          <a:bodyPr/>
+          <a:lstStyle/>
+          <a:p>
+            <a:r>
+              <a:rPr lang="en-US" altLang="zh-TW" dirty="0" smtClean="0"/>
+              <a:t>CSS</a:t>
+            </a:r>
+            <a:endParaRPr lang="zh-TW" altLang="en-US" dirty="0"/>
+          </a:p>
+        </p:txBody>
+      </p:sp>
+      <p:sp>
+        <p:nvSpPr>
+          <p:cNvPr id="3" name="內容版面配置區 2"/>
+          <p:cNvSpPr>
+            <a:spLocks noGrp="1"/>
+          </p:cNvSpPr>
+          <p:nvPr>
+            <p:ph idx="1"/>
+          </p:nvPr>
+        </p:nvSpPr>
+        <p:spPr/>
+        <p:txBody>
+          <a:bodyPr/>
+          <a:lstStyle/>
+          <a:p>
+            <a:endParaRPr lang="zh-TW" altLang="en-US"/>
+          </a:p>
+        </p:txBody>
+      </p:sp>
+    </p:spTree>
+    <p:extLst>
+      <p:ext uri="{BB962C8B-B14F-4D97-AF65-F5344CB8AC3E}">
+        <p14:creationId xmlns:p14="http://schemas.microsoft.com/office/powerpoint/2010/main" val="3142124162"/>
+      </p:ext>
+    </p:extLst>
+  </p:cSld>
+  <p:clrMapOvr>
+    <a:masterClrMapping/>
+  </p:clrMapOvr>
+</p:sld>
+</file>
+
+<file path=ppt/slides/slide14.xml><?xml version="1.0" encoding="utf-8"?>
+<p:sld xmlns:a="http://schemas.openxmlformats.org/drawingml/2006/main" xmlns:r="http://schemas.openxmlformats.org/officeDocument/2006/relationships" xmlns:p="http://schemas.openxmlformats.org/presentationml/2006/main">
+  <p:cSld>
+    <p:spTree>
+      <p:nvGrpSpPr>
+        <p:cNvPr id="1" name=""/>
+        <p:cNvGrpSpPr/>
+        <p:nvPr/>
+      </p:nvGrpSpPr>
+      <p:grpSpPr>
+        <a:xfrm>
+          <a:off x="0" y="0"/>
+          <a:ext cx="0" cy="0"/>
+          <a:chOff x="0" y="0"/>
+          <a:chExt cx="0" cy="0"/>
+        </a:xfrm>
+      </p:grpSpPr>
+      <p:sp>
+        <p:nvSpPr>
+          <p:cNvPr id="2" name="標題 1"/>
+          <p:cNvSpPr>
+            <a:spLocks noGrp="1"/>
+          </p:cNvSpPr>
+          <p:nvPr>
+            <p:ph type="title"/>
+          </p:nvPr>
+        </p:nvSpPr>
+        <p:spPr/>
+        <p:txBody>
+          <a:bodyPr/>
+          <a:lstStyle/>
+          <a:p>
+            <a:r>
+              <a:rPr lang="en-US" altLang="zh-TW" dirty="0" smtClean="0"/>
+              <a:t>CSS </a:t>
+            </a:r>
+            <a:r>
+              <a:rPr lang="zh-TW" altLang="en-US" dirty="0" smtClean="0"/>
+              <a:t>基礎</a:t>
+            </a:r>
+            <a:endParaRPr lang="zh-TW" altLang="en-US" dirty="0"/>
+          </a:p>
+        </p:txBody>
+      </p:sp>
+      <p:sp>
+        <p:nvSpPr>
+          <p:cNvPr id="3" name="內容版面配置區 2"/>
+          <p:cNvSpPr>
+            <a:spLocks noGrp="1"/>
+          </p:cNvSpPr>
+          <p:nvPr>
+            <p:ph idx="1"/>
+          </p:nvPr>
+        </p:nvSpPr>
+        <p:spPr/>
+        <p:txBody>
+          <a:bodyPr/>
+          <a:lstStyle/>
+          <a:p>
+            <a:r>
+              <a:rPr lang="en-US" altLang="zh-TW" dirty="0" smtClean="0"/>
+              <a:t>Inline</a:t>
+            </a:r>
+          </a:p>
+          <a:p>
+            <a:endParaRPr lang="zh-TW" altLang="en-US" dirty="0"/>
+          </a:p>
+        </p:txBody>
+      </p:sp>
+    </p:spTree>
+    <p:extLst>
+      <p:ext uri="{BB962C8B-B14F-4D97-AF65-F5344CB8AC3E}">
+        <p14:creationId xmlns:p14="http://schemas.microsoft.com/office/powerpoint/2010/main" val="2024589683"/>
+      </p:ext>
+    </p:extLst>
+  </p:cSld>
+  <p:clrMapOvr>
+    <a:masterClrMapping/>
+  </p:clrMapOvr>
+</p:sld>
+</file>
+
+<file path=ppt/slides/slide15.xml><?xml version="1.0" encoding="utf-8"?>
+<p:sld xmlns:a="http://schemas.openxmlformats.org/drawingml/2006/main" xmlns:r="http://schemas.openxmlformats.org/officeDocument/2006/relationships" xmlns:p="http://schemas.openxmlformats.org/presentationml/2006/main">
+  <p:cSld>
+    <p:spTree>
+      <p:nvGrpSpPr>
+        <p:cNvPr id="1" name=""/>
+        <p:cNvGrpSpPr/>
+        <p:nvPr/>
+      </p:nvGrpSpPr>
+      <p:grpSpPr>
+        <a:xfrm>
+          <a:off x="0" y="0"/>
+          <a:ext cx="0" cy="0"/>
+          <a:chOff x="0" y="0"/>
+          <a:chExt cx="0" cy="0"/>
+        </a:xfrm>
+      </p:grpSpPr>
+      <p:sp>
+        <p:nvSpPr>
+          <p:cNvPr id="2" name="標題 1"/>
+          <p:cNvSpPr>
+            <a:spLocks noGrp="1"/>
+          </p:cNvSpPr>
+          <p:nvPr>
+            <p:ph type="title"/>
+          </p:nvPr>
+        </p:nvSpPr>
+        <p:spPr/>
+        <p:txBody>
+          <a:bodyPr/>
+          <a:lstStyle/>
+          <a:p>
+            <a:r>
+              <a:rPr lang="en-US" altLang="zh-TW" dirty="0" smtClean="0"/>
+              <a:t>JS</a:t>
+            </a:r>
+            <a:endParaRPr lang="zh-TW" altLang="en-US" dirty="0"/>
+          </a:p>
+        </p:txBody>
+      </p:sp>
+      <p:sp>
+        <p:nvSpPr>
+          <p:cNvPr id="3" name="內容版面配置區 2"/>
+          <p:cNvSpPr>
+            <a:spLocks noGrp="1"/>
+          </p:cNvSpPr>
+          <p:nvPr>
+            <p:ph idx="1"/>
+          </p:nvPr>
+        </p:nvSpPr>
+        <p:spPr/>
+        <p:txBody>
+          <a:bodyPr/>
+          <a:lstStyle/>
+          <a:p>
+            <a:r>
+              <a:rPr lang="zh-TW" altLang="en-US" dirty="0" smtClean="0"/>
+              <a:t>變數型別</a:t>
+            </a:r>
+            <a:endParaRPr lang="en-US" altLang="zh-TW" dirty="0" smtClean="0"/>
+          </a:p>
+          <a:p>
+            <a:r>
+              <a:rPr lang="en-US" altLang="zh-TW" dirty="0" smtClean="0"/>
+              <a:t>Function</a:t>
+            </a:r>
+          </a:p>
+          <a:p>
+            <a:r>
+              <a:rPr lang="zh-TW" altLang="en-US" dirty="0" smtClean="0"/>
+              <a:t>事件</a:t>
+            </a:r>
+            <a:endParaRPr lang="en-US" altLang="zh-TW" dirty="0" smtClean="0"/>
+          </a:p>
+          <a:p>
+            <a:r>
+              <a:rPr lang="en-US" altLang="zh-TW" dirty="0" smtClean="0"/>
+              <a:t>Dom</a:t>
+            </a:r>
+          </a:p>
+          <a:p>
+            <a:endParaRPr lang="en-US" altLang="zh-TW" dirty="0" smtClean="0"/>
+          </a:p>
+          <a:p>
+            <a:endParaRPr lang="zh-TW" altLang="en-US" dirty="0"/>
+          </a:p>
+        </p:txBody>
+      </p:sp>
+    </p:spTree>
+    <p:extLst>
+      <p:ext uri="{BB962C8B-B14F-4D97-AF65-F5344CB8AC3E}">
+        <p14:creationId xmlns:p14="http://schemas.microsoft.com/office/powerpoint/2010/main" val="1816823316"/>
+      </p:ext>
+    </p:extLst>
+  </p:cSld>
+  <p:clrMapOvr>
+    <a:masterClrMapping/>
+  </p:clrMapOvr>
+</p:sld>
+</file>
+
+<file path=ppt/slides/slide16.xml><?xml version="1.0" encoding="utf-8"?>
+<p:sld xmlns:a="http://schemas.openxmlformats.org/drawingml/2006/main" xmlns:r="http://schemas.openxmlformats.org/officeDocument/2006/relationships" xmlns:p="http://schemas.openxmlformats.org/presentationml/2006/main">
+  <p:cSld>
+    <p:spTree>
+      <p:nvGrpSpPr>
+        <p:cNvPr id="1" name=""/>
+        <p:cNvGrpSpPr/>
+        <p:nvPr/>
+      </p:nvGrpSpPr>
+      <p:grpSpPr>
+        <a:xfrm>
+          <a:off x="0" y="0"/>
+          <a:ext cx="0" cy="0"/>
+          <a:chOff x="0" y="0"/>
+          <a:chExt cx="0" cy="0"/>
+        </a:xfrm>
+      </p:grpSpPr>
+      <p:sp>
+        <p:nvSpPr>
+          <p:cNvPr id="2" name="標題 1"/>
+          <p:cNvSpPr>
+            <a:spLocks noGrp="1"/>
+          </p:cNvSpPr>
+          <p:nvPr>
+            <p:ph type="title"/>
+          </p:nvPr>
+        </p:nvSpPr>
+        <p:spPr/>
+        <p:txBody>
+          <a:bodyPr/>
+          <a:lstStyle/>
+          <a:p>
+            <a:r>
+              <a:rPr lang="zh-TW" altLang="en-US" dirty="0"/>
+              <a:t>後</a:t>
+            </a:r>
+            <a:r>
+              <a:rPr lang="zh-TW" altLang="en-US" dirty="0" smtClean="0"/>
+              <a:t>端</a:t>
+            </a:r>
+            <a:endParaRPr lang="zh-TW" altLang="en-US" dirty="0"/>
+          </a:p>
+        </p:txBody>
+      </p:sp>
+      <p:sp>
+        <p:nvSpPr>
+          <p:cNvPr id="3" name="內容版面配置區 2"/>
+          <p:cNvSpPr>
+            <a:spLocks noGrp="1"/>
+          </p:cNvSpPr>
+          <p:nvPr>
+            <p:ph idx="1"/>
+          </p:nvPr>
+        </p:nvSpPr>
+        <p:spPr/>
+        <p:txBody>
+          <a:bodyPr/>
+          <a:lstStyle/>
+          <a:p>
+            <a:r>
+              <a:rPr lang="en-US" altLang="zh-TW" dirty="0"/>
+              <a:t>Asp.net </a:t>
+            </a:r>
+            <a:r>
+              <a:rPr lang="en-US" altLang="zh-TW" dirty="0" err="1"/>
+              <a:t>WebForm</a:t>
+            </a:r>
+            <a:endParaRPr lang="en-US" altLang="zh-TW" dirty="0"/>
+          </a:p>
+          <a:p>
+            <a:r>
+              <a:rPr lang="en-US" altLang="zh-TW" dirty="0"/>
+              <a:t>MS SQL</a:t>
+            </a:r>
+          </a:p>
+        </p:txBody>
+      </p:sp>
+    </p:spTree>
+    <p:extLst>
+      <p:ext uri="{BB962C8B-B14F-4D97-AF65-F5344CB8AC3E}">
+        <p14:creationId xmlns:p14="http://schemas.microsoft.com/office/powerpoint/2010/main" val="1376430804"/>
+      </p:ext>
+    </p:extLst>
+  </p:cSld>
+  <p:clrMapOvr>
+    <a:masterClrMapping/>
+  </p:clrMapOvr>
+</p:sld>
+</file>
+
 <file path=ppt/slides/slide2.xml><?xml version="1.0" encoding="utf-8"?>
 <p:sld xmlns:a="http://schemas.openxmlformats.org/drawingml/2006/main" xmlns:r="http://schemas.openxmlformats.org/officeDocument/2006/relationships" xmlns:p="http://schemas.openxmlformats.org/presentationml/2006/main">
   <p:cSld>
@@ -3660,7 +4258,6 @@
               <a:rPr lang="en-US" altLang="zh-TW" dirty="0" smtClean="0"/>
               <a:t>HTTPS</a:t>
             </a:r>
-            <a:endParaRPr lang="en-US" altLang="zh-TW" dirty="0" smtClean="0"/>
           </a:p>
           <a:p>
             <a:r>
@@ -3739,6 +4336,1670 @@
     <p:extLst>
       <p:ext uri="{BB962C8B-B14F-4D97-AF65-F5344CB8AC3E}">
         <p14:creationId xmlns:p14="http://schemas.microsoft.com/office/powerpoint/2010/main" val="1833885385"/>
+      </p:ext>
+    </p:extLst>
+  </p:cSld>
+  <p:clrMapOvr>
+    <a:masterClrMapping/>
+  </p:clrMapOvr>
+</p:sld>
+</file>
+
+<file path=ppt/slides/slide3.xml><?xml version="1.0" encoding="utf-8"?>
+<p:sld xmlns:a="http://schemas.openxmlformats.org/drawingml/2006/main" xmlns:r="http://schemas.openxmlformats.org/officeDocument/2006/relationships" xmlns:p="http://schemas.openxmlformats.org/presentationml/2006/main">
+  <p:cSld>
+    <p:spTree>
+      <p:nvGrpSpPr>
+        <p:cNvPr id="1" name=""/>
+        <p:cNvGrpSpPr/>
+        <p:nvPr/>
+      </p:nvGrpSpPr>
+      <p:grpSpPr>
+        <a:xfrm>
+          <a:off x="0" y="0"/>
+          <a:ext cx="0" cy="0"/>
+          <a:chOff x="0" y="0"/>
+          <a:chExt cx="0" cy="0"/>
+        </a:xfrm>
+      </p:grpSpPr>
+      <p:sp>
+        <p:nvSpPr>
+          <p:cNvPr id="2" name="標題 1"/>
+          <p:cNvSpPr>
+            <a:spLocks noGrp="1"/>
+          </p:cNvSpPr>
+          <p:nvPr>
+            <p:ph type="title"/>
+          </p:nvPr>
+        </p:nvSpPr>
+        <p:spPr/>
+        <p:txBody>
+          <a:bodyPr/>
+          <a:lstStyle/>
+          <a:p>
+            <a:r>
+              <a:rPr lang="en-US" altLang="zh-TW" b="1" dirty="0"/>
+              <a:t>Client &amp; </a:t>
+            </a:r>
+            <a:r>
+              <a:rPr lang="en-US" altLang="zh-TW" b="1" dirty="0" smtClean="0"/>
+              <a:t>Server</a:t>
+            </a:r>
+            <a:endParaRPr lang="zh-TW" altLang="en-US" dirty="0"/>
+          </a:p>
+        </p:txBody>
+      </p:sp>
+      <p:sp>
+        <p:nvSpPr>
+          <p:cNvPr id="3" name="內容版面配置區 2"/>
+          <p:cNvSpPr>
+            <a:spLocks noGrp="1"/>
+          </p:cNvSpPr>
+          <p:nvPr>
+            <p:ph idx="1"/>
+          </p:nvPr>
+        </p:nvSpPr>
+        <p:spPr>
+          <a:xfrm>
+            <a:off x="838200" y="1825625"/>
+            <a:ext cx="10515600" cy="2563495"/>
+          </a:xfrm>
+        </p:spPr>
+        <p:txBody>
+          <a:bodyPr/>
+          <a:lstStyle/>
+          <a:p>
+            <a:pPr algn="just"/>
+            <a:r>
+              <a:rPr lang="en-US" altLang="zh-TW" dirty="0"/>
+              <a:t>Client</a:t>
+            </a:r>
+            <a:r>
+              <a:rPr lang="zh-TW" altLang="en-US" dirty="0" smtClean="0"/>
+              <a:t>：以</a:t>
+            </a:r>
+            <a:r>
+              <a:rPr lang="zh-TW" altLang="en-US" dirty="0"/>
+              <a:t>網頁來說就是你的瀏覽器、電腦，主要會</a:t>
+            </a:r>
+            <a:r>
+              <a:rPr lang="zh-TW" altLang="en-US" dirty="0" smtClean="0"/>
+              <a:t>發送</a:t>
+            </a:r>
+            <a:r>
+              <a:rPr lang="en-US" altLang="zh-TW" dirty="0">
+                <a:solidFill>
+                  <a:srgbClr val="FF0000"/>
+                </a:solidFill>
+              </a:rPr>
+              <a:t>request</a:t>
+            </a:r>
+            <a:r>
+              <a:rPr lang="zh-TW" altLang="en-US" dirty="0" smtClean="0"/>
+              <a:t> </a:t>
+            </a:r>
+            <a:r>
+              <a:rPr lang="en-US" altLang="zh-TW" dirty="0" smtClean="0"/>
+              <a:t>(</a:t>
+            </a:r>
+            <a:r>
+              <a:rPr lang="zh-TW" altLang="en-US" dirty="0" smtClean="0"/>
+              <a:t>請求</a:t>
+            </a:r>
+            <a:r>
+              <a:rPr lang="en-US" altLang="zh-TW" dirty="0" smtClean="0"/>
+              <a:t>) </a:t>
+            </a:r>
+            <a:r>
+              <a:rPr lang="zh-TW" altLang="en-US" dirty="0" smtClean="0"/>
+              <a:t>到 </a:t>
+            </a:r>
+            <a:r>
+              <a:rPr lang="en-US" altLang="zh-TW" dirty="0"/>
+              <a:t>Server </a:t>
+            </a:r>
+            <a:r>
+              <a:rPr lang="zh-TW" altLang="en-US" dirty="0" smtClean="0"/>
+              <a:t>端</a:t>
+            </a:r>
+            <a:endParaRPr lang="en-US" altLang="zh-TW" dirty="0" smtClean="0"/>
+          </a:p>
+          <a:p>
+            <a:pPr algn="just"/>
+            <a:endParaRPr lang="zh-TW" altLang="en-US" dirty="0"/>
+          </a:p>
+          <a:p>
+            <a:pPr algn="just"/>
+            <a:r>
+              <a:rPr lang="en-US" altLang="zh-TW" dirty="0"/>
+              <a:t>Server</a:t>
+            </a:r>
+            <a:r>
+              <a:rPr lang="zh-TW" altLang="en-US" dirty="0" smtClean="0"/>
+              <a:t>：收到</a:t>
+            </a:r>
+            <a:r>
+              <a:rPr lang="en-US" altLang="zh-TW" dirty="0" smtClean="0"/>
+              <a:t>Client</a:t>
+            </a:r>
+            <a:r>
+              <a:rPr lang="zh-TW" altLang="en-US" dirty="0" smtClean="0"/>
+              <a:t>的 </a:t>
+            </a:r>
+            <a:r>
+              <a:rPr lang="en-US" altLang="zh-TW" dirty="0"/>
+              <a:t>request </a:t>
+            </a:r>
+            <a:r>
+              <a:rPr lang="zh-TW" altLang="en-US" dirty="0"/>
+              <a:t>開始處理資料，完成後會回</a:t>
+            </a:r>
+            <a:r>
+              <a:rPr lang="zh-TW" altLang="en-US" dirty="0" smtClean="0"/>
+              <a:t>傳 </a:t>
+            </a:r>
+            <a:r>
+              <a:rPr lang="en-US" altLang="zh-TW" dirty="0" smtClean="0">
+                <a:solidFill>
+                  <a:srgbClr val="FF0000"/>
+                </a:solidFill>
+              </a:rPr>
+              <a:t>response</a:t>
+            </a:r>
+            <a:r>
+              <a:rPr lang="en-US" altLang="zh-TW" dirty="0" smtClean="0"/>
+              <a:t>(</a:t>
+            </a:r>
+            <a:r>
+              <a:rPr lang="zh-TW" altLang="en-US" dirty="0"/>
+              <a:t>回應</a:t>
+            </a:r>
+            <a:r>
+              <a:rPr lang="en-US" altLang="zh-TW" dirty="0" smtClean="0"/>
+              <a:t>)</a:t>
+            </a:r>
+            <a:r>
+              <a:rPr lang="zh-TW" altLang="en-US" dirty="0" smtClean="0"/>
+              <a:t>到 </a:t>
+            </a:r>
+            <a:r>
+              <a:rPr lang="en-US" altLang="zh-TW" dirty="0"/>
+              <a:t>Client </a:t>
+            </a:r>
+            <a:r>
+              <a:rPr lang="zh-TW" altLang="en-US" dirty="0"/>
+              <a:t>端</a:t>
+            </a:r>
+          </a:p>
+          <a:p>
+            <a:endParaRPr lang="zh-TW" altLang="en-US" dirty="0"/>
+          </a:p>
+        </p:txBody>
+      </p:sp>
+      <p:sp>
+        <p:nvSpPr>
+          <p:cNvPr id="5" name="圓角矩形 4"/>
+          <p:cNvSpPr/>
+          <p:nvPr/>
+        </p:nvSpPr>
+        <p:spPr>
+          <a:xfrm>
+            <a:off x="307490" y="4470269"/>
+            <a:ext cx="3270325" cy="1957892"/>
+          </a:xfrm>
+          <a:prstGeom prst="roundRect">
+            <a:avLst/>
+          </a:prstGeom>
+          <a:ln/>
+        </p:spPr>
+        <p:style>
+          <a:lnRef idx="2">
+            <a:schemeClr val="accent1"/>
+          </a:lnRef>
+          <a:fillRef idx="1">
+            <a:schemeClr val="lt1"/>
+          </a:fillRef>
+          <a:effectRef idx="0">
+            <a:schemeClr val="accent1"/>
+          </a:effectRef>
+          <a:fontRef idx="minor">
+            <a:schemeClr val="dk1"/>
+          </a:fontRef>
+        </p:style>
+        <p:txBody>
+          <a:bodyPr rtlCol="0" anchor="t"/>
+          <a:lstStyle/>
+          <a:p>
+            <a:pPr algn="ctr"/>
+            <a:r>
+              <a:rPr lang="en-US" altLang="zh-TW" sz="2400" dirty="0"/>
+              <a:t>Client</a:t>
+            </a:r>
+            <a:endParaRPr lang="zh-TW" altLang="en-US" sz="2400" dirty="0"/>
+          </a:p>
+        </p:txBody>
+      </p:sp>
+      <p:sp>
+        <p:nvSpPr>
+          <p:cNvPr id="7" name="雲朵形 6"/>
+          <p:cNvSpPr/>
+          <p:nvPr/>
+        </p:nvSpPr>
+        <p:spPr>
+          <a:xfrm>
+            <a:off x="4352467" y="4228845"/>
+            <a:ext cx="3450571" cy="2342061"/>
+          </a:xfrm>
+          <a:prstGeom prst="cloud">
+            <a:avLst/>
+          </a:prstGeom>
+        </p:spPr>
+        <p:style>
+          <a:lnRef idx="2">
+            <a:schemeClr val="accent6"/>
+          </a:lnRef>
+          <a:fillRef idx="1">
+            <a:schemeClr val="lt1"/>
+          </a:fillRef>
+          <a:effectRef idx="0">
+            <a:schemeClr val="accent6"/>
+          </a:effectRef>
+          <a:fontRef idx="minor">
+            <a:schemeClr val="dk1"/>
+          </a:fontRef>
+        </p:style>
+        <p:txBody>
+          <a:bodyPr rtlCol="0" anchor="t"/>
+          <a:lstStyle/>
+          <a:p>
+            <a:pPr algn="ctr"/>
+            <a:r>
+              <a:rPr lang="en-US" altLang="zh-TW" dirty="0" smtClean="0"/>
+              <a:t>internet</a:t>
+            </a:r>
+            <a:endParaRPr lang="zh-TW" altLang="en-US" dirty="0"/>
+          </a:p>
+        </p:txBody>
+      </p:sp>
+      <p:sp>
+        <p:nvSpPr>
+          <p:cNvPr id="9" name="圓角矩形 8"/>
+          <p:cNvSpPr/>
+          <p:nvPr/>
+        </p:nvSpPr>
+        <p:spPr>
+          <a:xfrm>
+            <a:off x="8442956" y="4524057"/>
+            <a:ext cx="3270325" cy="1957892"/>
+          </a:xfrm>
+          <a:prstGeom prst="roundRect">
+            <a:avLst/>
+          </a:prstGeom>
+        </p:spPr>
+        <p:style>
+          <a:lnRef idx="2">
+            <a:schemeClr val="accent4"/>
+          </a:lnRef>
+          <a:fillRef idx="1">
+            <a:schemeClr val="lt1"/>
+          </a:fillRef>
+          <a:effectRef idx="0">
+            <a:schemeClr val="accent4"/>
+          </a:effectRef>
+          <a:fontRef idx="minor">
+            <a:schemeClr val="dk1"/>
+          </a:fontRef>
+        </p:style>
+        <p:txBody>
+          <a:bodyPr rtlCol="0" anchor="t"/>
+          <a:lstStyle/>
+          <a:p>
+            <a:pPr algn="ctr"/>
+            <a:r>
+              <a:rPr lang="en-US" altLang="zh-TW" sz="2400" dirty="0"/>
+              <a:t>Server</a:t>
+            </a:r>
+            <a:endParaRPr lang="zh-TW" altLang="en-US" sz="2400" dirty="0"/>
+          </a:p>
+        </p:txBody>
+      </p:sp>
+      <p:grpSp>
+        <p:nvGrpSpPr>
+          <p:cNvPr id="12" name="群組 11"/>
+          <p:cNvGrpSpPr/>
+          <p:nvPr/>
+        </p:nvGrpSpPr>
+        <p:grpSpPr>
+          <a:xfrm>
+            <a:off x="2032337" y="5227944"/>
+            <a:ext cx="1121036" cy="644525"/>
+            <a:chOff x="5921114" y="346075"/>
+            <a:chExt cx="1121036" cy="644525"/>
+          </a:xfrm>
+        </p:grpSpPr>
+        <p:sp>
+          <p:nvSpPr>
+            <p:cNvPr id="10" name="矩形 9"/>
+            <p:cNvSpPr/>
+            <p:nvPr/>
+          </p:nvSpPr>
+          <p:spPr>
+            <a:xfrm>
+              <a:off x="5921114" y="346075"/>
+              <a:ext cx="1121036" cy="644525"/>
+            </a:xfrm>
+            <a:prstGeom prst="rect">
+              <a:avLst/>
+            </a:prstGeom>
+          </p:spPr>
+          <p:style>
+            <a:lnRef idx="2">
+              <a:schemeClr val="dk1"/>
+            </a:lnRef>
+            <a:fillRef idx="1">
+              <a:schemeClr val="lt1"/>
+            </a:fillRef>
+            <a:effectRef idx="0">
+              <a:schemeClr val="dk1"/>
+            </a:effectRef>
+            <a:fontRef idx="minor">
+              <a:schemeClr val="dk1"/>
+            </a:fontRef>
+          </p:style>
+          <p:txBody>
+            <a:bodyPr rtlCol="0" anchor="ctr"/>
+            <a:lstStyle/>
+            <a:p>
+              <a:pPr algn="ctr"/>
+              <a:endParaRPr lang="zh-TW" altLang="en-US"/>
+            </a:p>
+          </p:txBody>
+        </p:sp>
+        <p:sp>
+          <p:nvSpPr>
+            <p:cNvPr id="11" name="矩形 10"/>
+            <p:cNvSpPr/>
+            <p:nvPr/>
+          </p:nvSpPr>
+          <p:spPr>
+            <a:xfrm>
+              <a:off x="5970253" y="390187"/>
+              <a:ext cx="1028252" cy="571370"/>
+            </a:xfrm>
+            <a:prstGeom prst="rect">
+              <a:avLst/>
+            </a:prstGeom>
+          </p:spPr>
+          <p:style>
+            <a:lnRef idx="2">
+              <a:schemeClr val="dk1"/>
+            </a:lnRef>
+            <a:fillRef idx="1">
+              <a:schemeClr val="lt1"/>
+            </a:fillRef>
+            <a:effectRef idx="0">
+              <a:schemeClr val="dk1"/>
+            </a:effectRef>
+            <a:fontRef idx="minor">
+              <a:schemeClr val="dk1"/>
+            </a:fontRef>
+          </p:style>
+          <p:txBody>
+            <a:bodyPr rtlCol="0" anchor="ctr"/>
+            <a:lstStyle/>
+            <a:p>
+              <a:pPr algn="ctr"/>
+              <a:r>
+                <a:rPr lang="en-US" altLang="zh-TW" dirty="0" smtClean="0">
+                  <a:solidFill>
+                    <a:schemeClr val="tx1"/>
+                  </a:solidFill>
+                </a:rPr>
+                <a:t>Browser</a:t>
+              </a:r>
+              <a:endParaRPr lang="zh-TW" altLang="en-US" dirty="0">
+                <a:solidFill>
+                  <a:schemeClr val="tx1"/>
+                </a:solidFill>
+              </a:endParaRPr>
+            </a:p>
+          </p:txBody>
+        </p:sp>
+      </p:grpSp>
+      <p:sp>
+        <p:nvSpPr>
+          <p:cNvPr id="13" name="向右箭號 12"/>
+          <p:cNvSpPr/>
+          <p:nvPr/>
+        </p:nvSpPr>
+        <p:spPr>
+          <a:xfrm>
+            <a:off x="3685276" y="5138649"/>
+            <a:ext cx="4721859" cy="403543"/>
+          </a:xfrm>
+          <a:prstGeom prst="rightArrow">
+            <a:avLst/>
+          </a:prstGeom>
+        </p:spPr>
+        <p:style>
+          <a:lnRef idx="2">
+            <a:schemeClr val="accent2">
+              <a:shade val="50000"/>
+            </a:schemeClr>
+          </a:lnRef>
+          <a:fillRef idx="1">
+            <a:schemeClr val="accent2"/>
+          </a:fillRef>
+          <a:effectRef idx="0">
+            <a:schemeClr val="accent2"/>
+          </a:effectRef>
+          <a:fontRef idx="minor">
+            <a:schemeClr val="lt1"/>
+          </a:fontRef>
+        </p:style>
+        <p:txBody>
+          <a:bodyPr rtlCol="0" anchor="ctr"/>
+          <a:lstStyle/>
+          <a:p>
+            <a:pPr algn="ctr"/>
+            <a:r>
+              <a:rPr lang="en-US" altLang="zh-TW" dirty="0" smtClean="0"/>
+              <a:t>Request</a:t>
+            </a:r>
+            <a:endParaRPr lang="zh-TW" altLang="en-US" dirty="0"/>
+          </a:p>
+        </p:txBody>
+      </p:sp>
+      <p:sp>
+        <p:nvSpPr>
+          <p:cNvPr id="15" name="向左箭號 14"/>
+          <p:cNvSpPr/>
+          <p:nvPr/>
+        </p:nvSpPr>
+        <p:spPr>
+          <a:xfrm>
+            <a:off x="3649456" y="5550207"/>
+            <a:ext cx="4721859" cy="442539"/>
+          </a:xfrm>
+          <a:prstGeom prst="leftArrow">
+            <a:avLst/>
+          </a:prstGeom>
+        </p:spPr>
+        <p:style>
+          <a:lnRef idx="2">
+            <a:schemeClr val="accent1">
+              <a:shade val="50000"/>
+            </a:schemeClr>
+          </a:lnRef>
+          <a:fillRef idx="1">
+            <a:schemeClr val="accent1"/>
+          </a:fillRef>
+          <a:effectRef idx="0">
+            <a:schemeClr val="accent1"/>
+          </a:effectRef>
+          <a:fontRef idx="minor">
+            <a:schemeClr val="lt1"/>
+          </a:fontRef>
+        </p:style>
+        <p:txBody>
+          <a:bodyPr rtlCol="0" anchor="ctr"/>
+          <a:lstStyle/>
+          <a:p>
+            <a:pPr algn="ctr"/>
+            <a:r>
+              <a:rPr lang="en-US" altLang="zh-TW" dirty="0" smtClean="0"/>
+              <a:t>Response</a:t>
+            </a:r>
+            <a:endParaRPr lang="zh-TW" altLang="en-US" dirty="0"/>
+          </a:p>
+        </p:txBody>
+      </p:sp>
+      <p:grpSp>
+        <p:nvGrpSpPr>
+          <p:cNvPr id="18" name="群組 17"/>
+          <p:cNvGrpSpPr/>
+          <p:nvPr/>
+        </p:nvGrpSpPr>
+        <p:grpSpPr>
+          <a:xfrm>
+            <a:off x="675875" y="5145603"/>
+            <a:ext cx="436059" cy="714799"/>
+            <a:chOff x="5175470" y="6037448"/>
+            <a:chExt cx="436059" cy="714799"/>
+          </a:xfrm>
+        </p:grpSpPr>
+        <p:sp>
+          <p:nvSpPr>
+            <p:cNvPr id="16" name="橢圓 15"/>
+            <p:cNvSpPr/>
+            <p:nvPr/>
+          </p:nvSpPr>
+          <p:spPr>
+            <a:xfrm>
+              <a:off x="5253312" y="6037448"/>
+              <a:ext cx="280374" cy="238672"/>
+            </a:xfrm>
+            <a:prstGeom prst="ellipse">
+              <a:avLst/>
+            </a:prstGeom>
+          </p:spPr>
+          <p:style>
+            <a:lnRef idx="2">
+              <a:schemeClr val="dk1"/>
+            </a:lnRef>
+            <a:fillRef idx="1">
+              <a:schemeClr val="lt1"/>
+            </a:fillRef>
+            <a:effectRef idx="0">
+              <a:schemeClr val="dk1"/>
+            </a:effectRef>
+            <a:fontRef idx="minor">
+              <a:schemeClr val="dk1"/>
+            </a:fontRef>
+          </p:style>
+          <p:txBody>
+            <a:bodyPr rtlCol="0" anchor="ctr"/>
+            <a:lstStyle/>
+            <a:p>
+              <a:pPr algn="ctr"/>
+              <a:endParaRPr lang="zh-TW" altLang="en-US"/>
+            </a:p>
+          </p:txBody>
+        </p:sp>
+        <p:sp>
+          <p:nvSpPr>
+            <p:cNvPr id="17" name="圓角矩形 16"/>
+            <p:cNvSpPr/>
+            <p:nvPr/>
+          </p:nvSpPr>
+          <p:spPr>
+            <a:xfrm>
+              <a:off x="5175470" y="6291721"/>
+              <a:ext cx="436059" cy="460526"/>
+            </a:xfrm>
+            <a:prstGeom prst="roundRect">
+              <a:avLst/>
+            </a:prstGeom>
+          </p:spPr>
+          <p:style>
+            <a:lnRef idx="2">
+              <a:schemeClr val="dk1"/>
+            </a:lnRef>
+            <a:fillRef idx="1">
+              <a:schemeClr val="lt1"/>
+            </a:fillRef>
+            <a:effectRef idx="0">
+              <a:schemeClr val="dk1"/>
+            </a:effectRef>
+            <a:fontRef idx="minor">
+              <a:schemeClr val="dk1"/>
+            </a:fontRef>
+          </p:style>
+          <p:txBody>
+            <a:bodyPr rtlCol="0" anchor="ctr"/>
+            <a:lstStyle/>
+            <a:p>
+              <a:pPr algn="ctr"/>
+              <a:endParaRPr lang="zh-TW" altLang="en-US"/>
+            </a:p>
+          </p:txBody>
+        </p:sp>
+      </p:grpSp>
+      <p:grpSp>
+        <p:nvGrpSpPr>
+          <p:cNvPr id="22" name="群組 21"/>
+          <p:cNvGrpSpPr/>
+          <p:nvPr/>
+        </p:nvGrpSpPr>
+        <p:grpSpPr>
+          <a:xfrm>
+            <a:off x="8862289" y="5069322"/>
+            <a:ext cx="732341" cy="1121634"/>
+            <a:chOff x="8876577" y="5069322"/>
+            <a:chExt cx="732341" cy="1121634"/>
+          </a:xfrm>
+        </p:grpSpPr>
+        <p:sp>
+          <p:nvSpPr>
+            <p:cNvPr id="19" name="立方體 18"/>
+            <p:cNvSpPr/>
+            <p:nvPr/>
+          </p:nvSpPr>
+          <p:spPr>
+            <a:xfrm>
+              <a:off x="8876577" y="5069322"/>
+              <a:ext cx="732341" cy="1121634"/>
+            </a:xfrm>
+            <a:prstGeom prst="cube">
+              <a:avLst/>
+            </a:prstGeom>
+          </p:spPr>
+          <p:style>
+            <a:lnRef idx="2">
+              <a:schemeClr val="dk1"/>
+            </a:lnRef>
+            <a:fillRef idx="1">
+              <a:schemeClr val="lt1"/>
+            </a:fillRef>
+            <a:effectRef idx="0">
+              <a:schemeClr val="dk1"/>
+            </a:effectRef>
+            <a:fontRef idx="minor">
+              <a:schemeClr val="dk1"/>
+            </a:fontRef>
+          </p:style>
+          <p:txBody>
+            <a:bodyPr rtlCol="0" anchor="ctr"/>
+            <a:lstStyle/>
+            <a:p>
+              <a:pPr algn="ctr"/>
+              <a:endParaRPr lang="zh-TW" altLang="en-US"/>
+            </a:p>
+          </p:txBody>
+        </p:sp>
+        <p:sp>
+          <p:nvSpPr>
+            <p:cNvPr id="20" name="橢圓 19"/>
+            <p:cNvSpPr/>
+            <p:nvPr/>
+          </p:nvSpPr>
+          <p:spPr>
+            <a:xfrm>
+              <a:off x="9089050" y="5951914"/>
+              <a:ext cx="108012" cy="81664"/>
+            </a:xfrm>
+            <a:prstGeom prst="ellipse">
+              <a:avLst/>
+            </a:prstGeom>
+          </p:spPr>
+          <p:style>
+            <a:lnRef idx="2">
+              <a:schemeClr val="dk1"/>
+            </a:lnRef>
+            <a:fillRef idx="1">
+              <a:schemeClr val="lt1"/>
+            </a:fillRef>
+            <a:effectRef idx="0">
+              <a:schemeClr val="dk1"/>
+            </a:effectRef>
+            <a:fontRef idx="minor">
+              <a:schemeClr val="dk1"/>
+            </a:fontRef>
+          </p:style>
+          <p:txBody>
+            <a:bodyPr rtlCol="0" anchor="ctr"/>
+            <a:lstStyle/>
+            <a:p>
+              <a:pPr algn="ctr"/>
+              <a:endParaRPr lang="zh-TW" altLang="en-US"/>
+            </a:p>
+          </p:txBody>
+        </p:sp>
+        <p:sp>
+          <p:nvSpPr>
+            <p:cNvPr id="21" name="矩形 20"/>
+            <p:cNvSpPr/>
+            <p:nvPr/>
+          </p:nvSpPr>
+          <p:spPr>
+            <a:xfrm>
+              <a:off x="8967788" y="5399876"/>
+              <a:ext cx="347662" cy="49339"/>
+            </a:xfrm>
+            <a:prstGeom prst="rect">
+              <a:avLst/>
+            </a:prstGeom>
+          </p:spPr>
+          <p:style>
+            <a:lnRef idx="2">
+              <a:schemeClr val="dk1"/>
+            </a:lnRef>
+            <a:fillRef idx="1">
+              <a:schemeClr val="lt1"/>
+            </a:fillRef>
+            <a:effectRef idx="0">
+              <a:schemeClr val="dk1"/>
+            </a:effectRef>
+            <a:fontRef idx="minor">
+              <a:schemeClr val="dk1"/>
+            </a:fontRef>
+          </p:style>
+          <p:txBody>
+            <a:bodyPr rtlCol="0" anchor="ctr"/>
+            <a:lstStyle/>
+            <a:p>
+              <a:pPr algn="ctr"/>
+              <a:endParaRPr lang="zh-TW" altLang="en-US"/>
+            </a:p>
+          </p:txBody>
+        </p:sp>
+      </p:grpSp>
+      <p:sp>
+        <p:nvSpPr>
+          <p:cNvPr id="23" name="流程圖: 磁碟 22"/>
+          <p:cNvSpPr/>
+          <p:nvPr/>
+        </p:nvSpPr>
+        <p:spPr>
+          <a:xfrm>
+            <a:off x="10484746" y="5116840"/>
+            <a:ext cx="738188" cy="1026597"/>
+          </a:xfrm>
+          <a:prstGeom prst="flowChartMagneticDisk">
+            <a:avLst/>
+          </a:prstGeom>
+        </p:spPr>
+        <p:style>
+          <a:lnRef idx="2">
+            <a:schemeClr val="dk1"/>
+          </a:lnRef>
+          <a:fillRef idx="1">
+            <a:schemeClr val="lt1"/>
+          </a:fillRef>
+          <a:effectRef idx="0">
+            <a:schemeClr val="dk1"/>
+          </a:effectRef>
+          <a:fontRef idx="minor">
+            <a:schemeClr val="dk1"/>
+          </a:fontRef>
+        </p:style>
+        <p:txBody>
+          <a:bodyPr rtlCol="0" anchor="ctr"/>
+          <a:lstStyle/>
+          <a:p>
+            <a:pPr algn="ctr"/>
+            <a:endParaRPr lang="zh-TW" altLang="en-US"/>
+          </a:p>
+        </p:txBody>
+      </p:sp>
+      <p:cxnSp>
+        <p:nvCxnSpPr>
+          <p:cNvPr id="25" name="直線單箭頭接點 24"/>
+          <p:cNvCxnSpPr/>
+          <p:nvPr/>
+        </p:nvCxnSpPr>
+        <p:spPr>
+          <a:xfrm>
+            <a:off x="9630451" y="5449215"/>
+            <a:ext cx="818474" cy="0"/>
+          </a:xfrm>
+          <a:prstGeom prst="straightConnector1">
+            <a:avLst/>
+          </a:prstGeom>
+          <a:ln w="19050">
+            <a:solidFill>
+              <a:schemeClr val="tx1"/>
+            </a:solidFill>
+            <a:headEnd type="none" w="med" len="med"/>
+            <a:tailEnd type="arrow" w="med" len="med"/>
+          </a:ln>
+        </p:spPr>
+        <p:style>
+          <a:lnRef idx="1">
+            <a:schemeClr val="accent1"/>
+          </a:lnRef>
+          <a:fillRef idx="0">
+            <a:schemeClr val="accent1"/>
+          </a:fillRef>
+          <a:effectRef idx="0">
+            <a:schemeClr val="accent1"/>
+          </a:effectRef>
+          <a:fontRef idx="minor">
+            <a:schemeClr val="tx1"/>
+          </a:fontRef>
+        </p:style>
+      </p:cxnSp>
+      <p:cxnSp>
+        <p:nvCxnSpPr>
+          <p:cNvPr id="27" name="直線單箭頭接點 26"/>
+          <p:cNvCxnSpPr/>
+          <p:nvPr/>
+        </p:nvCxnSpPr>
+        <p:spPr>
+          <a:xfrm flipH="1">
+            <a:off x="9648755" y="5771476"/>
+            <a:ext cx="781866" cy="0"/>
+          </a:xfrm>
+          <a:prstGeom prst="straightConnector1">
+            <a:avLst/>
+          </a:prstGeom>
+          <a:ln w="19050">
+            <a:solidFill>
+              <a:schemeClr val="tx1"/>
+            </a:solidFill>
+            <a:headEnd type="none" w="med" len="med"/>
+            <a:tailEnd type="arrow" w="med" len="med"/>
+          </a:ln>
+        </p:spPr>
+        <p:style>
+          <a:lnRef idx="1">
+            <a:schemeClr val="accent1"/>
+          </a:lnRef>
+          <a:fillRef idx="0">
+            <a:schemeClr val="accent1"/>
+          </a:fillRef>
+          <a:effectRef idx="0">
+            <a:schemeClr val="accent1"/>
+          </a:effectRef>
+          <a:fontRef idx="minor">
+            <a:schemeClr val="tx1"/>
+          </a:fontRef>
+        </p:style>
+      </p:cxnSp>
+      <p:cxnSp>
+        <p:nvCxnSpPr>
+          <p:cNvPr id="30" name="直線單箭頭接點 29"/>
+          <p:cNvCxnSpPr/>
+          <p:nvPr/>
+        </p:nvCxnSpPr>
+        <p:spPr>
+          <a:xfrm>
+            <a:off x="1160786" y="5424545"/>
+            <a:ext cx="818474" cy="0"/>
+          </a:xfrm>
+          <a:prstGeom prst="straightConnector1">
+            <a:avLst/>
+          </a:prstGeom>
+          <a:ln w="19050">
+            <a:solidFill>
+              <a:schemeClr val="tx1"/>
+            </a:solidFill>
+            <a:headEnd type="none" w="med" len="med"/>
+            <a:tailEnd type="arrow" w="med" len="med"/>
+          </a:ln>
+        </p:spPr>
+        <p:style>
+          <a:lnRef idx="1">
+            <a:schemeClr val="accent1"/>
+          </a:lnRef>
+          <a:fillRef idx="0">
+            <a:schemeClr val="accent1"/>
+          </a:fillRef>
+          <a:effectRef idx="0">
+            <a:schemeClr val="accent1"/>
+          </a:effectRef>
+          <a:fontRef idx="minor">
+            <a:schemeClr val="tx1"/>
+          </a:fontRef>
+        </p:style>
+      </p:cxnSp>
+      <p:cxnSp>
+        <p:nvCxnSpPr>
+          <p:cNvPr id="31" name="直線單箭頭接點 30"/>
+          <p:cNvCxnSpPr/>
+          <p:nvPr/>
+        </p:nvCxnSpPr>
+        <p:spPr>
+          <a:xfrm flipH="1">
+            <a:off x="1179090" y="5640965"/>
+            <a:ext cx="781866" cy="0"/>
+          </a:xfrm>
+          <a:prstGeom prst="straightConnector1">
+            <a:avLst/>
+          </a:prstGeom>
+          <a:ln w="19050">
+            <a:solidFill>
+              <a:schemeClr val="tx1"/>
+            </a:solidFill>
+            <a:headEnd type="none" w="med" len="med"/>
+            <a:tailEnd type="arrow" w="med" len="med"/>
+          </a:ln>
+        </p:spPr>
+        <p:style>
+          <a:lnRef idx="1">
+            <a:schemeClr val="accent1"/>
+          </a:lnRef>
+          <a:fillRef idx="0">
+            <a:schemeClr val="accent1"/>
+          </a:fillRef>
+          <a:effectRef idx="0">
+            <a:schemeClr val="accent1"/>
+          </a:effectRef>
+          <a:fontRef idx="minor">
+            <a:schemeClr val="tx1"/>
+          </a:fontRef>
+        </p:style>
+      </p:cxnSp>
+    </p:spTree>
+    <p:extLst>
+      <p:ext uri="{BB962C8B-B14F-4D97-AF65-F5344CB8AC3E}">
+        <p14:creationId xmlns:p14="http://schemas.microsoft.com/office/powerpoint/2010/main" val="3323221261"/>
+      </p:ext>
+    </p:extLst>
+  </p:cSld>
+  <p:clrMapOvr>
+    <a:masterClrMapping/>
+  </p:clrMapOvr>
+</p:sld>
+</file>
+
+<file path=ppt/slides/slide4.xml><?xml version="1.0" encoding="utf-8"?>
+<p:sld xmlns:a="http://schemas.openxmlformats.org/drawingml/2006/main" xmlns:r="http://schemas.openxmlformats.org/officeDocument/2006/relationships" xmlns:p="http://schemas.openxmlformats.org/presentationml/2006/main">
+  <p:cSld>
+    <p:spTree>
+      <p:nvGrpSpPr>
+        <p:cNvPr id="1" name=""/>
+        <p:cNvGrpSpPr/>
+        <p:nvPr/>
+      </p:nvGrpSpPr>
+      <p:grpSpPr>
+        <a:xfrm>
+          <a:off x="0" y="0"/>
+          <a:ext cx="0" cy="0"/>
+          <a:chOff x="0" y="0"/>
+          <a:chExt cx="0" cy="0"/>
+        </a:xfrm>
+      </p:grpSpPr>
+      <p:sp>
+        <p:nvSpPr>
+          <p:cNvPr id="2" name="標題 1"/>
+          <p:cNvSpPr>
+            <a:spLocks noGrp="1"/>
+          </p:cNvSpPr>
+          <p:nvPr>
+            <p:ph type="title"/>
+          </p:nvPr>
+        </p:nvSpPr>
+        <p:spPr/>
+        <p:txBody>
+          <a:bodyPr/>
+          <a:lstStyle/>
+          <a:p>
+            <a:r>
+              <a:rPr lang="zh-TW" altLang="en-US" dirty="0" smtClean="0"/>
+              <a:t>練習 新增專案查看開發人員工具</a:t>
+            </a:r>
+            <a:endParaRPr lang="zh-TW" altLang="en-US" dirty="0"/>
+          </a:p>
+        </p:txBody>
+      </p:sp>
+      <p:sp>
+        <p:nvSpPr>
+          <p:cNvPr id="3" name="內容版面配置區 2"/>
+          <p:cNvSpPr>
+            <a:spLocks noGrp="1"/>
+          </p:cNvSpPr>
+          <p:nvPr>
+            <p:ph idx="1"/>
+          </p:nvPr>
+        </p:nvSpPr>
+        <p:spPr/>
+        <p:txBody>
+          <a:bodyPr/>
+          <a:lstStyle/>
+          <a:p>
+            <a:r>
+              <a:rPr lang="zh-TW" altLang="en-US" dirty="0" smtClean="0"/>
+              <a:t>開啟</a:t>
+            </a:r>
+            <a:r>
+              <a:rPr lang="en-US" altLang="zh-TW" dirty="0" smtClean="0"/>
+              <a:t>VS2019</a:t>
+            </a:r>
+          </a:p>
+          <a:p>
+            <a:r>
+              <a:rPr lang="zh-TW" altLang="en-US" dirty="0" smtClean="0"/>
+              <a:t>新增</a:t>
+            </a:r>
+            <a:r>
+              <a:rPr lang="en-US" altLang="zh-TW" dirty="0" err="1" smtClean="0"/>
+              <a:t>WebForm</a:t>
+            </a:r>
+            <a:r>
+              <a:rPr lang="zh-TW" altLang="en-US" dirty="0" smtClean="0"/>
+              <a:t>專案</a:t>
+            </a:r>
+            <a:endParaRPr lang="en-US" altLang="zh-TW" dirty="0" smtClean="0"/>
+          </a:p>
+          <a:p>
+            <a:r>
+              <a:rPr lang="zh-TW" altLang="en-US" dirty="0" smtClean="0"/>
+              <a:t>加入</a:t>
+            </a:r>
+            <a:r>
+              <a:rPr lang="en-US" altLang="zh-TW" dirty="0" smtClean="0"/>
+              <a:t>page</a:t>
+            </a:r>
+          </a:p>
+          <a:p>
+            <a:pPr lvl="1"/>
+            <a:r>
+              <a:rPr lang="zh-TW" altLang="en-US" dirty="0" smtClean="0"/>
+              <a:t>空白</a:t>
+            </a:r>
+            <a:endParaRPr lang="en-US" altLang="zh-TW" dirty="0" smtClean="0"/>
+          </a:p>
+          <a:p>
+            <a:pPr lvl="1"/>
+            <a:r>
+              <a:rPr lang="zh-TW" altLang="en-US" dirty="0"/>
+              <a:t>交換</a:t>
+            </a:r>
+          </a:p>
+        </p:txBody>
+      </p:sp>
+    </p:spTree>
+    <p:extLst>
+      <p:ext uri="{BB962C8B-B14F-4D97-AF65-F5344CB8AC3E}">
+        <p14:creationId xmlns:p14="http://schemas.microsoft.com/office/powerpoint/2010/main" val="3575554709"/>
+      </p:ext>
+    </p:extLst>
+  </p:cSld>
+  <p:clrMapOvr>
+    <a:masterClrMapping/>
+  </p:clrMapOvr>
+</p:sld>
+</file>
+
+<file path=ppt/slides/slide5.xml><?xml version="1.0" encoding="utf-8"?>
+<p:sld xmlns:a="http://schemas.openxmlformats.org/drawingml/2006/main" xmlns:r="http://schemas.openxmlformats.org/officeDocument/2006/relationships" xmlns:p="http://schemas.openxmlformats.org/presentationml/2006/main">
+  <p:cSld>
+    <p:spTree>
+      <p:nvGrpSpPr>
+        <p:cNvPr id="1" name=""/>
+        <p:cNvGrpSpPr/>
+        <p:nvPr/>
+      </p:nvGrpSpPr>
+      <p:grpSpPr>
+        <a:xfrm>
+          <a:off x="0" y="0"/>
+          <a:ext cx="0" cy="0"/>
+          <a:chOff x="0" y="0"/>
+          <a:chExt cx="0" cy="0"/>
+        </a:xfrm>
+      </p:grpSpPr>
+      <p:sp>
+        <p:nvSpPr>
+          <p:cNvPr id="2" name="標題 1"/>
+          <p:cNvSpPr>
+            <a:spLocks noGrp="1"/>
+          </p:cNvSpPr>
+          <p:nvPr>
+            <p:ph type="title"/>
+          </p:nvPr>
+        </p:nvSpPr>
+        <p:spPr/>
+        <p:txBody>
+          <a:bodyPr/>
+          <a:lstStyle/>
+          <a:p>
+            <a:r>
+              <a:rPr lang="zh-TW" altLang="en-US" b="1" dirty="0" smtClean="0"/>
+              <a:t>常見的 </a:t>
+            </a:r>
+            <a:r>
+              <a:rPr lang="en-US" altLang="zh-TW" b="1" dirty="0" smtClean="0"/>
+              <a:t>HTTP </a:t>
+            </a:r>
+            <a:r>
+              <a:rPr lang="en-US" altLang="zh-TW" b="1" dirty="0"/>
+              <a:t>Method</a:t>
+            </a:r>
+            <a:endParaRPr lang="zh-TW" altLang="en-US" b="1" dirty="0"/>
+          </a:p>
+        </p:txBody>
+      </p:sp>
+      <p:sp>
+        <p:nvSpPr>
+          <p:cNvPr id="3" name="內容版面配置區 2"/>
+          <p:cNvSpPr>
+            <a:spLocks noGrp="1"/>
+          </p:cNvSpPr>
+          <p:nvPr>
+            <p:ph idx="1"/>
+          </p:nvPr>
+        </p:nvSpPr>
+        <p:spPr/>
+        <p:txBody>
+          <a:bodyPr/>
+          <a:lstStyle/>
+          <a:p>
+            <a:pPr marL="0" indent="0">
+              <a:buNone/>
+            </a:pPr>
+            <a:r>
+              <a:rPr lang="en-US" altLang="zh-TW" dirty="0" smtClean="0"/>
+              <a:t>HTTP </a:t>
+            </a:r>
+            <a:r>
+              <a:rPr lang="zh-TW" altLang="en-US" dirty="0"/>
+              <a:t>定義了一組能令給定資源，執行特定操作的</a:t>
+            </a:r>
+            <a:r>
+              <a:rPr lang="zh-TW" altLang="en-US" b="1" dirty="0"/>
+              <a:t>請求方法</a:t>
+            </a:r>
+            <a:r>
+              <a:rPr lang="zh-TW" altLang="en-US" dirty="0"/>
+              <a:t>（</a:t>
+            </a:r>
+            <a:r>
+              <a:rPr lang="en-US" altLang="zh-TW" dirty="0"/>
+              <a:t>request methods</a:t>
+            </a:r>
+            <a:r>
+              <a:rPr lang="zh-TW" altLang="en-US" dirty="0" smtClean="0"/>
+              <a:t>）</a:t>
+            </a:r>
+            <a:endParaRPr lang="en-US" altLang="zh-TW" dirty="0" smtClean="0"/>
+          </a:p>
+          <a:p>
+            <a:pPr marL="0" indent="0">
+              <a:buNone/>
+            </a:pPr>
+            <a:endParaRPr lang="en-US" altLang="zh-TW" dirty="0"/>
+          </a:p>
+          <a:p>
+            <a:r>
+              <a:rPr lang="en-US" altLang="zh-TW" b="1" dirty="0" smtClean="0"/>
+              <a:t>GET</a:t>
+            </a:r>
+            <a:r>
+              <a:rPr lang="zh-TW" altLang="en-US" dirty="0"/>
+              <a:t>：向指定的資源發出「顯示」請求</a:t>
+            </a:r>
+            <a:r>
+              <a:rPr lang="zh-TW" altLang="en-US" dirty="0" smtClean="0"/>
+              <a:t>。</a:t>
+            </a:r>
+            <a:endParaRPr lang="en-US" altLang="zh-TW" dirty="0" smtClean="0"/>
+          </a:p>
+          <a:p>
+            <a:r>
+              <a:rPr lang="en-US" altLang="zh-TW" b="1" dirty="0" smtClean="0"/>
+              <a:t>POST</a:t>
+            </a:r>
+            <a:r>
+              <a:rPr lang="zh-TW" altLang="en-US" dirty="0"/>
+              <a:t>：向指定資源提交資料，並且</a:t>
+            </a:r>
+            <a:r>
+              <a:rPr lang="en-US" altLang="zh-TW" dirty="0"/>
+              <a:t>Body</a:t>
+            </a:r>
+            <a:r>
+              <a:rPr lang="zh-TW" altLang="en-US" dirty="0"/>
+              <a:t>中可帶傳輸的資料</a:t>
+            </a:r>
+            <a:r>
+              <a:rPr lang="zh-TW" altLang="en-US" dirty="0" smtClean="0"/>
+              <a:t>。</a:t>
+            </a:r>
+            <a:endParaRPr lang="en-US" altLang="zh-TW" dirty="0" smtClean="0"/>
+          </a:p>
+          <a:p>
+            <a:r>
+              <a:rPr lang="en-US" altLang="zh-TW" dirty="0" smtClean="0"/>
+              <a:t>PUT</a:t>
+            </a:r>
+            <a:r>
+              <a:rPr lang="zh-TW" altLang="en-US" dirty="0"/>
+              <a:t>：上傳或取代指定的資源</a:t>
+            </a:r>
+            <a:r>
+              <a:rPr lang="zh-TW" altLang="en-US" dirty="0" smtClean="0"/>
+              <a:t>。</a:t>
+            </a:r>
+            <a:endParaRPr lang="en-US" altLang="zh-TW" dirty="0" smtClean="0"/>
+          </a:p>
+          <a:p>
+            <a:r>
+              <a:rPr lang="en-US" altLang="zh-TW" dirty="0" smtClean="0"/>
+              <a:t>DELETE</a:t>
+            </a:r>
+            <a:r>
+              <a:rPr lang="zh-TW" altLang="en-US" dirty="0"/>
+              <a:t>：刪除指定的資源</a:t>
+            </a:r>
+            <a:r>
+              <a:rPr lang="zh-TW" altLang="en-US" dirty="0" smtClean="0"/>
+              <a:t>。</a:t>
+            </a:r>
+            <a:endParaRPr lang="en-US" altLang="zh-TW" dirty="0" smtClean="0"/>
+          </a:p>
+          <a:p>
+            <a:r>
+              <a:rPr lang="en-US" altLang="zh-TW" dirty="0" smtClean="0"/>
+              <a:t>…</a:t>
+            </a:r>
+            <a:endParaRPr lang="zh-TW" altLang="en-US" dirty="0"/>
+          </a:p>
+        </p:txBody>
+      </p:sp>
+    </p:spTree>
+    <p:extLst>
+      <p:ext uri="{BB962C8B-B14F-4D97-AF65-F5344CB8AC3E}">
+        <p14:creationId xmlns:p14="http://schemas.microsoft.com/office/powerpoint/2010/main" val="960925944"/>
+      </p:ext>
+    </p:extLst>
+  </p:cSld>
+  <p:clrMapOvr>
+    <a:masterClrMapping/>
+  </p:clrMapOvr>
+</p:sld>
+</file>
+
+<file path=ppt/slides/slide6.xml><?xml version="1.0" encoding="utf-8"?>
+<p:sld xmlns:a="http://schemas.openxmlformats.org/drawingml/2006/main" xmlns:r="http://schemas.openxmlformats.org/officeDocument/2006/relationships" xmlns:p="http://schemas.openxmlformats.org/presentationml/2006/main">
+  <p:cSld>
+    <p:spTree>
+      <p:nvGrpSpPr>
+        <p:cNvPr id="1" name=""/>
+        <p:cNvGrpSpPr/>
+        <p:nvPr/>
+      </p:nvGrpSpPr>
+      <p:grpSpPr>
+        <a:xfrm>
+          <a:off x="0" y="0"/>
+          <a:ext cx="0" cy="0"/>
+          <a:chOff x="0" y="0"/>
+          <a:chExt cx="0" cy="0"/>
+        </a:xfrm>
+      </p:grpSpPr>
+      <p:sp>
+        <p:nvSpPr>
+          <p:cNvPr id="2" name="標題 1"/>
+          <p:cNvSpPr>
+            <a:spLocks noGrp="1"/>
+          </p:cNvSpPr>
+          <p:nvPr>
+            <p:ph type="title"/>
+          </p:nvPr>
+        </p:nvSpPr>
+        <p:spPr/>
+        <p:txBody>
+          <a:bodyPr/>
+          <a:lstStyle/>
+          <a:p>
+            <a:r>
+              <a:rPr lang="zh-TW" altLang="en-US" dirty="0"/>
+              <a:t>練習 新增專案查看開發人員工具</a:t>
+            </a:r>
+          </a:p>
+        </p:txBody>
+      </p:sp>
+      <p:sp>
+        <p:nvSpPr>
+          <p:cNvPr id="3" name="內容版面配置區 2"/>
+          <p:cNvSpPr>
+            <a:spLocks noGrp="1"/>
+          </p:cNvSpPr>
+          <p:nvPr>
+            <p:ph idx="1"/>
+          </p:nvPr>
+        </p:nvSpPr>
+        <p:spPr/>
+        <p:txBody>
+          <a:bodyPr/>
+          <a:lstStyle/>
+          <a:p>
+            <a:pPr marL="228600" lvl="1">
+              <a:spcBef>
+                <a:spcPts val="1000"/>
+              </a:spcBef>
+            </a:pPr>
+            <a:r>
+              <a:rPr lang="zh-TW" altLang="en-US" dirty="0" smtClean="0"/>
+              <a:t>網頁交換差異</a:t>
+            </a:r>
+            <a:endParaRPr lang="zh-TW" altLang="en-US" dirty="0"/>
+          </a:p>
+        </p:txBody>
+      </p:sp>
+    </p:spTree>
+    <p:extLst>
+      <p:ext uri="{BB962C8B-B14F-4D97-AF65-F5344CB8AC3E}">
+        <p14:creationId xmlns:p14="http://schemas.microsoft.com/office/powerpoint/2010/main" val="2906641071"/>
+      </p:ext>
+    </p:extLst>
+  </p:cSld>
+  <p:clrMapOvr>
+    <a:masterClrMapping/>
+  </p:clrMapOvr>
+</p:sld>
+</file>
+
+<file path=ppt/slides/slide7.xml><?xml version="1.0" encoding="utf-8"?>
+<p:sld xmlns:a="http://schemas.openxmlformats.org/drawingml/2006/main" xmlns:r="http://schemas.openxmlformats.org/officeDocument/2006/relationships" xmlns:p="http://schemas.openxmlformats.org/presentationml/2006/main">
+  <p:cSld>
+    <p:spTree>
+      <p:nvGrpSpPr>
+        <p:cNvPr id="1" name=""/>
+        <p:cNvGrpSpPr/>
+        <p:nvPr/>
+      </p:nvGrpSpPr>
+      <p:grpSpPr>
+        <a:xfrm>
+          <a:off x="0" y="0"/>
+          <a:ext cx="0" cy="0"/>
+          <a:chOff x="0" y="0"/>
+          <a:chExt cx="0" cy="0"/>
+        </a:xfrm>
+      </p:grpSpPr>
+      <p:sp>
+        <p:nvSpPr>
+          <p:cNvPr id="2" name="標題 1"/>
+          <p:cNvSpPr>
+            <a:spLocks noGrp="1"/>
+          </p:cNvSpPr>
+          <p:nvPr>
+            <p:ph type="title"/>
+          </p:nvPr>
+        </p:nvSpPr>
+        <p:spPr/>
+        <p:txBody>
+          <a:bodyPr/>
+          <a:lstStyle/>
+          <a:p>
+            <a:r>
+              <a:rPr lang="en-US" altLang="zh-TW" b="1" dirty="0"/>
+              <a:t>HTTP Code</a:t>
+            </a:r>
+            <a:endParaRPr lang="zh-TW" altLang="en-US" b="1" dirty="0"/>
+          </a:p>
+        </p:txBody>
+      </p:sp>
+      <p:sp>
+        <p:nvSpPr>
+          <p:cNvPr id="3" name="內容版面配置區 2"/>
+          <p:cNvSpPr>
+            <a:spLocks noGrp="1"/>
+          </p:cNvSpPr>
+          <p:nvPr>
+            <p:ph idx="1"/>
+          </p:nvPr>
+        </p:nvSpPr>
+        <p:spPr/>
+        <p:txBody>
+          <a:bodyPr/>
+          <a:lstStyle/>
+          <a:p>
+            <a:r>
+              <a:rPr lang="zh-TW" altLang="en-US" dirty="0"/>
+              <a:t>資訊回應 </a:t>
+            </a:r>
+            <a:r>
+              <a:rPr lang="en-US" altLang="zh-TW" dirty="0"/>
+              <a:t>(Informational responses, 100–199),</a:t>
+            </a:r>
+          </a:p>
+          <a:p>
+            <a:r>
+              <a:rPr lang="zh-TW" altLang="en-US" dirty="0"/>
+              <a:t>成功回應 </a:t>
+            </a:r>
+            <a:r>
+              <a:rPr lang="en-US" altLang="zh-TW" dirty="0"/>
+              <a:t>(Successful responses, 200–299),</a:t>
+            </a:r>
+          </a:p>
+          <a:p>
+            <a:r>
+              <a:rPr lang="zh-TW" altLang="en-US" dirty="0"/>
+              <a:t>重定向 </a:t>
+            </a:r>
+            <a:r>
+              <a:rPr lang="en-US" altLang="zh-TW" dirty="0"/>
+              <a:t>(Redirects, 300–399),</a:t>
+            </a:r>
+          </a:p>
+          <a:p>
+            <a:r>
+              <a:rPr lang="zh-TW" altLang="en-US" dirty="0"/>
+              <a:t>用戶端錯誤 </a:t>
+            </a:r>
+            <a:r>
+              <a:rPr lang="en-US" altLang="zh-TW" dirty="0"/>
+              <a:t>(Client errors, 400–499),</a:t>
+            </a:r>
+          </a:p>
+          <a:p>
+            <a:r>
+              <a:rPr lang="zh-TW" altLang="en-US" dirty="0"/>
+              <a:t>伺服器端錯誤 </a:t>
+            </a:r>
+            <a:r>
+              <a:rPr lang="en-US" altLang="zh-TW" dirty="0"/>
+              <a:t>(Server errors, 500–599).</a:t>
+            </a:r>
+            <a:endParaRPr lang="zh-TW" altLang="en-US" dirty="0"/>
+          </a:p>
+        </p:txBody>
+      </p:sp>
+    </p:spTree>
+    <p:extLst>
+      <p:ext uri="{BB962C8B-B14F-4D97-AF65-F5344CB8AC3E}">
+        <p14:creationId xmlns:p14="http://schemas.microsoft.com/office/powerpoint/2010/main" val="3094440724"/>
+      </p:ext>
+    </p:extLst>
+  </p:cSld>
+  <p:clrMapOvr>
+    <a:masterClrMapping/>
+  </p:clrMapOvr>
+</p:sld>
+</file>
+
+<file path=ppt/slides/slide8.xml><?xml version="1.0" encoding="utf-8"?>
+<p:sld xmlns:a="http://schemas.openxmlformats.org/drawingml/2006/main" xmlns:r="http://schemas.openxmlformats.org/officeDocument/2006/relationships" xmlns:p="http://schemas.openxmlformats.org/presentationml/2006/main">
+  <p:cSld>
+    <p:spTree>
+      <p:nvGrpSpPr>
+        <p:cNvPr id="1" name=""/>
+        <p:cNvGrpSpPr/>
+        <p:nvPr/>
+      </p:nvGrpSpPr>
+      <p:grpSpPr>
+        <a:xfrm>
+          <a:off x="0" y="0"/>
+          <a:ext cx="0" cy="0"/>
+          <a:chOff x="0" y="0"/>
+          <a:chExt cx="0" cy="0"/>
+        </a:xfrm>
+      </p:grpSpPr>
+      <p:sp>
+        <p:nvSpPr>
+          <p:cNvPr id="2" name="標題 1"/>
+          <p:cNvSpPr>
+            <a:spLocks noGrp="1"/>
+          </p:cNvSpPr>
+          <p:nvPr>
+            <p:ph type="title"/>
+          </p:nvPr>
+        </p:nvSpPr>
+        <p:spPr/>
+        <p:txBody>
+          <a:bodyPr/>
+          <a:lstStyle/>
+          <a:p>
+            <a:r>
+              <a:rPr lang="zh-TW" altLang="en-US" dirty="0"/>
+              <a:t>練習 新增專案查看開發人員工具</a:t>
+            </a:r>
+          </a:p>
+        </p:txBody>
+      </p:sp>
+      <p:sp>
+        <p:nvSpPr>
+          <p:cNvPr id="3" name="內容版面配置區 2"/>
+          <p:cNvSpPr>
+            <a:spLocks noGrp="1"/>
+          </p:cNvSpPr>
+          <p:nvPr>
+            <p:ph idx="1"/>
+          </p:nvPr>
+        </p:nvSpPr>
+        <p:spPr/>
+        <p:txBody>
+          <a:bodyPr/>
+          <a:lstStyle/>
+          <a:p>
+            <a:pPr marL="228600" lvl="1">
+              <a:spcBef>
+                <a:spcPts val="1000"/>
+              </a:spcBef>
+            </a:pPr>
+            <a:r>
+              <a:rPr lang="zh-TW" altLang="en-US" dirty="0" smtClean="0"/>
+              <a:t>測試成功</a:t>
+            </a:r>
+            <a:endParaRPr lang="en-US" altLang="zh-TW" dirty="0" smtClean="0"/>
+          </a:p>
+          <a:p>
+            <a:pPr marL="228600" lvl="1">
+              <a:spcBef>
+                <a:spcPts val="1000"/>
+              </a:spcBef>
+            </a:pPr>
+            <a:r>
+              <a:rPr lang="zh-TW" altLang="en-US" dirty="0" smtClean="0"/>
+              <a:t>測試重定向 </a:t>
+            </a:r>
+            <a:r>
+              <a:rPr lang="en-US" altLang="zh-TW" dirty="0" smtClean="0"/>
+              <a:t>200</a:t>
+            </a:r>
+          </a:p>
+          <a:p>
+            <a:pPr marL="228600" lvl="1">
+              <a:spcBef>
+                <a:spcPts val="1000"/>
+              </a:spcBef>
+            </a:pPr>
+            <a:r>
+              <a:rPr lang="zh-TW" altLang="en-US" dirty="0"/>
+              <a:t>測試</a:t>
+            </a:r>
+            <a:r>
+              <a:rPr lang="zh-TW" altLang="en-US" dirty="0" smtClean="0"/>
+              <a:t>端錯誤 </a:t>
+            </a:r>
+            <a:r>
+              <a:rPr lang="en-US" altLang="zh-TW" dirty="0" smtClean="0"/>
+              <a:t>404</a:t>
+            </a:r>
+          </a:p>
+          <a:p>
+            <a:pPr marL="228600" lvl="1">
+              <a:spcBef>
+                <a:spcPts val="1000"/>
+              </a:spcBef>
+            </a:pPr>
+            <a:r>
+              <a:rPr lang="zh-TW" altLang="en-US" dirty="0"/>
+              <a:t>測試</a:t>
+            </a:r>
+            <a:r>
+              <a:rPr lang="zh-TW" altLang="en-US" dirty="0" smtClean="0"/>
+              <a:t>伺服器</a:t>
+            </a:r>
+            <a:r>
+              <a:rPr lang="zh-TW" altLang="en-US" dirty="0"/>
+              <a:t>端</a:t>
+            </a:r>
+            <a:r>
+              <a:rPr lang="zh-TW" altLang="en-US" dirty="0" smtClean="0"/>
+              <a:t>錯誤 </a:t>
+            </a:r>
+            <a:r>
+              <a:rPr lang="en-US" altLang="zh-TW" dirty="0" smtClean="0"/>
+              <a:t>500</a:t>
+            </a:r>
+          </a:p>
+          <a:p>
+            <a:pPr marL="228600" lvl="1">
+              <a:spcBef>
+                <a:spcPts val="1000"/>
+              </a:spcBef>
+            </a:pPr>
+            <a:endParaRPr lang="zh-TW" altLang="en-US" dirty="0"/>
+          </a:p>
+        </p:txBody>
+      </p:sp>
+    </p:spTree>
+    <p:extLst>
+      <p:ext uri="{BB962C8B-B14F-4D97-AF65-F5344CB8AC3E}">
+        <p14:creationId xmlns:p14="http://schemas.microsoft.com/office/powerpoint/2010/main" val="1947028154"/>
+      </p:ext>
+    </p:extLst>
+  </p:cSld>
+  <p:clrMapOvr>
+    <a:masterClrMapping/>
+  </p:clrMapOvr>
+</p:sld>
+</file>
+
+<file path=ppt/slides/slide9.xml><?xml version="1.0" encoding="utf-8"?>
+<p:sld xmlns:a="http://schemas.openxmlformats.org/drawingml/2006/main" xmlns:r="http://schemas.openxmlformats.org/officeDocument/2006/relationships" xmlns:p="http://schemas.openxmlformats.org/presentationml/2006/main">
+  <p:cSld>
+    <p:spTree>
+      <p:nvGrpSpPr>
+        <p:cNvPr id="1" name=""/>
+        <p:cNvGrpSpPr/>
+        <p:nvPr/>
+      </p:nvGrpSpPr>
+      <p:grpSpPr>
+        <a:xfrm>
+          <a:off x="0" y="0"/>
+          <a:ext cx="0" cy="0"/>
+          <a:chOff x="0" y="0"/>
+          <a:chExt cx="0" cy="0"/>
+        </a:xfrm>
+      </p:grpSpPr>
+      <p:sp>
+        <p:nvSpPr>
+          <p:cNvPr id="2" name="標題 1"/>
+          <p:cNvSpPr>
+            <a:spLocks noGrp="1"/>
+          </p:cNvSpPr>
+          <p:nvPr>
+            <p:ph type="title"/>
+          </p:nvPr>
+        </p:nvSpPr>
+        <p:spPr/>
+        <p:txBody>
+          <a:bodyPr/>
+          <a:lstStyle/>
+          <a:p>
+            <a:r>
+              <a:rPr lang="en-US" altLang="zh-TW" dirty="0" smtClean="0"/>
+              <a:t>HTTP</a:t>
+            </a:r>
+            <a:r>
+              <a:rPr lang="zh-TW" altLang="en-US" dirty="0" smtClean="0"/>
+              <a:t>與</a:t>
+            </a:r>
+            <a:r>
+              <a:rPr lang="en-US" altLang="zh-TW" dirty="0" smtClean="0"/>
+              <a:t>HTTPS</a:t>
+            </a:r>
+            <a:endParaRPr lang="zh-TW" altLang="en-US" dirty="0"/>
+          </a:p>
+        </p:txBody>
+      </p:sp>
+      <p:sp>
+        <p:nvSpPr>
+          <p:cNvPr id="3" name="內容版面配置區 2"/>
+          <p:cNvSpPr>
+            <a:spLocks noGrp="1"/>
+          </p:cNvSpPr>
+          <p:nvPr>
+            <p:ph idx="1"/>
+          </p:nvPr>
+        </p:nvSpPr>
+        <p:spPr/>
+        <p:txBody>
+          <a:bodyPr/>
+          <a:lstStyle/>
+          <a:p>
+            <a:endParaRPr lang="zh-TW" altLang="en-US"/>
+          </a:p>
+        </p:txBody>
+      </p:sp>
+    </p:spTree>
+    <p:extLst>
+      <p:ext uri="{BB962C8B-B14F-4D97-AF65-F5344CB8AC3E}">
+        <p14:creationId xmlns:p14="http://schemas.microsoft.com/office/powerpoint/2010/main" val="4022362455"/>
       </p:ext>
     </p:extLst>
   </p:cSld>

--- a/投影片/1.網頁基礎.pptx
+++ b/投影片/1.網頁基礎.pptx
@@ -5,7 +5,7 @@
     <p:sldMasterId id="2147483648" r:id="rId1"/>
   </p:sldMasterIdLst>
   <p:notesMasterIdLst>
-    <p:notesMasterId r:id="rId18"/>
+    <p:notesMasterId r:id="rId20"/>
   </p:notesMasterIdLst>
   <p:sldIdLst>
     <p:sldId id="256" r:id="rId2"/>
@@ -17,13 +17,15 @@
     <p:sldId id="262" r:id="rId8"/>
     <p:sldId id="263" r:id="rId9"/>
     <p:sldId id="264" r:id="rId10"/>
-    <p:sldId id="265" r:id="rId11"/>
-    <p:sldId id="268" r:id="rId12"/>
-    <p:sldId id="267" r:id="rId13"/>
+    <p:sldId id="272" r:id="rId11"/>
+    <p:sldId id="265" r:id="rId12"/>
+    <p:sldId id="274" r:id="rId13"/>
     <p:sldId id="269" r:id="rId14"/>
-    <p:sldId id="270" r:id="rId15"/>
-    <p:sldId id="271" r:id="rId16"/>
-    <p:sldId id="266" r:id="rId17"/>
+    <p:sldId id="275" r:id="rId15"/>
+    <p:sldId id="276" r:id="rId16"/>
+    <p:sldId id="273" r:id="rId17"/>
+    <p:sldId id="271" r:id="rId18"/>
+    <p:sldId id="266" r:id="rId19"/>
   </p:sldIdLst>
   <p:sldSz cx="12192000" cy="6858000"/>
   <p:notesSz cx="6858000" cy="9144000"/>
@@ -212,7 +214,7 @@
           <a:p>
             <a:fld id="{F5256C98-7E13-4A3B-A33B-9E5E0B6B38C5}" type="datetimeFigureOut">
               <a:rPr lang="zh-TW" altLang="en-US" smtClean="0"/>
-              <a:t>2022/1/24</a:t>
+              <a:t>2022/1/25</a:t>
             </a:fld>
             <a:endParaRPr lang="zh-TW" altLang="en-US"/>
           </a:p>
@@ -782,7 +784,7 @@
           <a:p>
             <a:fld id="{23309831-A5D7-4AD2-8DD2-40EBD65AC398}" type="datetimeFigureOut">
               <a:rPr lang="zh-TW" altLang="en-US" smtClean="0"/>
-              <a:t>2022/1/24</a:t>
+              <a:t>2022/1/25</a:t>
             </a:fld>
             <a:endParaRPr lang="zh-TW" altLang="en-US"/>
           </a:p>
@@ -952,7 +954,7 @@
           <a:p>
             <a:fld id="{23309831-A5D7-4AD2-8DD2-40EBD65AC398}" type="datetimeFigureOut">
               <a:rPr lang="zh-TW" altLang="en-US" smtClean="0"/>
-              <a:t>2022/1/24</a:t>
+              <a:t>2022/1/25</a:t>
             </a:fld>
             <a:endParaRPr lang="zh-TW" altLang="en-US"/>
           </a:p>
@@ -1132,7 +1134,7 @@
           <a:p>
             <a:fld id="{23309831-A5D7-4AD2-8DD2-40EBD65AC398}" type="datetimeFigureOut">
               <a:rPr lang="zh-TW" altLang="en-US" smtClean="0"/>
-              <a:t>2022/1/24</a:t>
+              <a:t>2022/1/25</a:t>
             </a:fld>
             <a:endParaRPr lang="zh-TW" altLang="en-US"/>
           </a:p>
@@ -1302,7 +1304,7 @@
           <a:p>
             <a:fld id="{23309831-A5D7-4AD2-8DD2-40EBD65AC398}" type="datetimeFigureOut">
               <a:rPr lang="zh-TW" altLang="en-US" smtClean="0"/>
-              <a:t>2022/1/24</a:t>
+              <a:t>2022/1/25</a:t>
             </a:fld>
             <a:endParaRPr lang="zh-TW" altLang="en-US"/>
           </a:p>
@@ -1548,7 +1550,7 @@
           <a:p>
             <a:fld id="{23309831-A5D7-4AD2-8DD2-40EBD65AC398}" type="datetimeFigureOut">
               <a:rPr lang="zh-TW" altLang="en-US" smtClean="0"/>
-              <a:t>2022/1/24</a:t>
+              <a:t>2022/1/25</a:t>
             </a:fld>
             <a:endParaRPr lang="zh-TW" altLang="en-US"/>
           </a:p>
@@ -1780,7 +1782,7 @@
           <a:p>
             <a:fld id="{23309831-A5D7-4AD2-8DD2-40EBD65AC398}" type="datetimeFigureOut">
               <a:rPr lang="zh-TW" altLang="en-US" smtClean="0"/>
-              <a:t>2022/1/24</a:t>
+              <a:t>2022/1/25</a:t>
             </a:fld>
             <a:endParaRPr lang="zh-TW" altLang="en-US"/>
           </a:p>
@@ -2147,7 +2149,7 @@
           <a:p>
             <a:fld id="{23309831-A5D7-4AD2-8DD2-40EBD65AC398}" type="datetimeFigureOut">
               <a:rPr lang="zh-TW" altLang="en-US" smtClean="0"/>
-              <a:t>2022/1/24</a:t>
+              <a:t>2022/1/25</a:t>
             </a:fld>
             <a:endParaRPr lang="zh-TW" altLang="en-US"/>
           </a:p>
@@ -2265,7 +2267,7 @@
           <a:p>
             <a:fld id="{23309831-A5D7-4AD2-8DD2-40EBD65AC398}" type="datetimeFigureOut">
               <a:rPr lang="zh-TW" altLang="en-US" smtClean="0"/>
-              <a:t>2022/1/24</a:t>
+              <a:t>2022/1/25</a:t>
             </a:fld>
             <a:endParaRPr lang="zh-TW" altLang="en-US"/>
           </a:p>
@@ -2360,7 +2362,7 @@
           <a:p>
             <a:fld id="{23309831-A5D7-4AD2-8DD2-40EBD65AC398}" type="datetimeFigureOut">
               <a:rPr lang="zh-TW" altLang="en-US" smtClean="0"/>
-              <a:t>2022/1/24</a:t>
+              <a:t>2022/1/25</a:t>
             </a:fld>
             <a:endParaRPr lang="zh-TW" altLang="en-US"/>
           </a:p>
@@ -2637,7 +2639,7 @@
           <a:p>
             <a:fld id="{23309831-A5D7-4AD2-8DD2-40EBD65AC398}" type="datetimeFigureOut">
               <a:rPr lang="zh-TW" altLang="en-US" smtClean="0"/>
-              <a:t>2022/1/24</a:t>
+              <a:t>2022/1/25</a:t>
             </a:fld>
             <a:endParaRPr lang="zh-TW" altLang="en-US"/>
           </a:p>
@@ -2890,7 +2892,7 @@
           <a:p>
             <a:fld id="{23309831-A5D7-4AD2-8DD2-40EBD65AC398}" type="datetimeFigureOut">
               <a:rPr lang="zh-TW" altLang="en-US" smtClean="0"/>
-              <a:t>2022/1/24</a:t>
+              <a:t>2022/1/25</a:t>
             </a:fld>
             <a:endParaRPr lang="zh-TW" altLang="en-US"/>
           </a:p>
@@ -3103,7 +3105,7 @@
           <a:p>
             <a:fld id="{23309831-A5D7-4AD2-8DD2-40EBD65AC398}" type="datetimeFigureOut">
               <a:rPr lang="zh-TW" altLang="en-US" smtClean="0"/>
-              <a:t>2022/1/24</a:t>
+              <a:t>2022/1/25</a:t>
             </a:fld>
             <a:endParaRPr lang="zh-TW" altLang="en-US"/>
           </a:p>
@@ -3592,47 +3594,169 @@
           <a:lstStyle/>
           <a:p>
             <a:r>
+              <a:rPr lang="zh-TW" altLang="en-US" dirty="0" smtClean="0"/>
+              <a:t>網頁前端 </a:t>
+            </a:r>
+            <a:r>
+              <a:rPr lang="en-US" altLang="zh-TW" b="1" dirty="0" smtClean="0"/>
+              <a:t>&amp;</a:t>
+            </a:r>
+            <a:r>
+              <a:rPr lang="zh-TW" altLang="en-US" b="1" dirty="0" smtClean="0"/>
+              <a:t> </a:t>
+            </a:r>
+            <a:r>
+              <a:rPr lang="zh-TW" altLang="en-US" dirty="0" smtClean="0"/>
+              <a:t>後端</a:t>
+            </a:r>
+            <a:endParaRPr lang="zh-TW" altLang="en-US" dirty="0"/>
+          </a:p>
+        </p:txBody>
+      </p:sp>
+      <p:sp>
+        <p:nvSpPr>
+          <p:cNvPr id="3" name="內容版面配置區 2"/>
+          <p:cNvSpPr>
+            <a:spLocks noGrp="1"/>
+          </p:cNvSpPr>
+          <p:nvPr>
+            <p:ph idx="1"/>
+          </p:nvPr>
+        </p:nvSpPr>
+        <p:spPr/>
+        <p:txBody>
+          <a:bodyPr/>
+          <a:lstStyle/>
+          <a:p>
+            <a:r>
+              <a:rPr lang="en-US" altLang="zh-TW" dirty="0"/>
+              <a:t>Client</a:t>
+            </a:r>
+            <a:r>
+              <a:rPr lang="zh-TW" altLang="en-US" dirty="0" smtClean="0"/>
+              <a:t>：</a:t>
+            </a:r>
+            <a:r>
               <a:rPr lang="zh-TW" altLang="en-US" dirty="0"/>
               <a:t>前</a:t>
             </a:r>
             <a:r>
               <a:rPr lang="zh-TW" altLang="en-US" dirty="0" smtClean="0"/>
-              <a:t>端基礎</a:t>
-            </a:r>
-            <a:endParaRPr lang="zh-TW" altLang="en-US" dirty="0"/>
-          </a:p>
-        </p:txBody>
-      </p:sp>
-      <p:sp>
-        <p:nvSpPr>
-          <p:cNvPr id="3" name="內容版面配置區 2"/>
-          <p:cNvSpPr>
-            <a:spLocks noGrp="1"/>
-          </p:cNvSpPr>
-          <p:nvPr>
-            <p:ph idx="1"/>
-          </p:nvPr>
-        </p:nvSpPr>
-        <p:spPr/>
-        <p:txBody>
-          <a:bodyPr/>
-          <a:lstStyle/>
-          <a:p>
+              <a:t>端</a:t>
+            </a:r>
+            <a:endParaRPr lang="en-US" altLang="zh-TW" dirty="0" smtClean="0"/>
+          </a:p>
+          <a:p>
+            <a:pPr lvl="1"/>
             <a:r>
               <a:rPr lang="en-US" altLang="zh-TW" dirty="0" smtClean="0"/>
               <a:t>HTML</a:t>
             </a:r>
-          </a:p>
-          <a:p>
+            <a:r>
+              <a:rPr lang="zh-TW" altLang="en-US" dirty="0" smtClean="0"/>
+              <a:t>：</a:t>
+            </a:r>
+            <a:r>
+              <a:rPr lang="zh-TW" altLang="en-US" dirty="0"/>
+              <a:t>網頁結構</a:t>
+            </a:r>
+            <a:endParaRPr lang="en-US" altLang="zh-TW" dirty="0"/>
+          </a:p>
+          <a:p>
+            <a:pPr lvl="1"/>
             <a:r>
               <a:rPr lang="en-US" altLang="zh-TW" dirty="0" smtClean="0"/>
               <a:t>CSS</a:t>
             </a:r>
+            <a:r>
+              <a:rPr lang="zh-TW" altLang="en-US" dirty="0" smtClean="0"/>
+              <a:t>：</a:t>
+            </a:r>
+            <a:r>
+              <a:rPr lang="zh-TW" altLang="en-US" dirty="0"/>
+              <a:t>網頁</a:t>
+            </a:r>
+            <a:r>
+              <a:rPr lang="zh-TW" altLang="en-US" dirty="0" smtClean="0"/>
+              <a:t>顏色、排版、動畫</a:t>
+            </a:r>
+            <a:endParaRPr lang="en-US" altLang="zh-TW" dirty="0"/>
+          </a:p>
+          <a:p>
+            <a:pPr lvl="1"/>
+            <a:r>
+              <a:rPr lang="en-US" altLang="zh-TW" dirty="0"/>
+              <a:t>JavaScript</a:t>
+            </a:r>
+            <a:r>
+              <a:rPr lang="zh-TW" altLang="en-US" dirty="0" smtClean="0"/>
+              <a:t>：互動功能</a:t>
+            </a:r>
+          </a:p>
+          <a:p>
+            <a:pPr lvl="1"/>
+            <a:endParaRPr lang="en-US" altLang="zh-TW" dirty="0" smtClean="0"/>
           </a:p>
           <a:p>
             <a:r>
               <a:rPr lang="en-US" altLang="zh-TW" dirty="0" smtClean="0"/>
-              <a:t>JS</a:t>
+              <a:t>Server</a:t>
+            </a:r>
+            <a:r>
+              <a:rPr lang="zh-TW" altLang="en-US" dirty="0" smtClean="0"/>
+              <a:t>：後端</a:t>
+            </a:r>
+            <a:endParaRPr lang="en-US" altLang="zh-TW" dirty="0" smtClean="0"/>
+          </a:p>
+          <a:p>
+            <a:pPr lvl="1"/>
+            <a:r>
+              <a:rPr lang="en-US" altLang="zh-TW" dirty="0" smtClean="0"/>
+              <a:t>DB</a:t>
+            </a:r>
+            <a:r>
+              <a:rPr lang="zh-TW" altLang="en-US" dirty="0"/>
+              <a:t> </a:t>
+            </a:r>
+            <a:r>
+              <a:rPr lang="en-US" altLang="zh-TW" dirty="0" smtClean="0"/>
+              <a:t>(MS-SQL)</a:t>
+            </a:r>
+            <a:r>
+              <a:rPr lang="zh-TW" altLang="en-US" dirty="0" smtClean="0"/>
+              <a:t>：資料管理</a:t>
+            </a:r>
+            <a:endParaRPr lang="en-US" altLang="zh-TW" dirty="0" smtClean="0"/>
+          </a:p>
+          <a:p>
+            <a:pPr lvl="1"/>
+            <a:r>
+              <a:rPr lang="en-US" altLang="zh-TW" dirty="0" smtClean="0"/>
+              <a:t>C#(Asp.net</a:t>
+            </a:r>
+            <a:r>
+              <a:rPr lang="zh-TW" altLang="en-US" dirty="0" smtClean="0"/>
+              <a:t> </a:t>
+            </a:r>
+            <a:r>
+              <a:rPr lang="en-US" altLang="zh-TW" dirty="0"/>
+              <a:t>W</a:t>
+            </a:r>
+            <a:r>
+              <a:rPr lang="en-US" altLang="zh-TW" dirty="0" smtClean="0"/>
+              <a:t>eb Form)</a:t>
+            </a:r>
+            <a:r>
+              <a:rPr lang="zh-TW" altLang="en-US" dirty="0" smtClean="0"/>
+              <a:t> ：</a:t>
+            </a:r>
+            <a:r>
+              <a:rPr lang="zh-TW" altLang="en-US" dirty="0"/>
+              <a:t>互動</a:t>
+            </a:r>
+            <a:r>
+              <a:rPr lang="zh-TW" altLang="en-US" dirty="0" smtClean="0"/>
+              <a:t>功能</a:t>
             </a:r>
             <a:endParaRPr lang="zh-TW" altLang="en-US" dirty="0"/>
           </a:p>
@@ -3641,7 +3765,7 @@
     </p:spTree>
     <p:extLst>
       <p:ext uri="{BB962C8B-B14F-4D97-AF65-F5344CB8AC3E}">
-        <p14:creationId xmlns:p14="http://schemas.microsoft.com/office/powerpoint/2010/main" val="3054099825"/>
+        <p14:creationId xmlns:p14="http://schemas.microsoft.com/office/powerpoint/2010/main" val="3386783531"/>
       </p:ext>
     </p:extLst>
   </p:cSld>
@@ -3684,6 +3808,22 @@
           <a:lstStyle/>
           <a:p>
             <a:r>
+              <a:rPr lang="zh-TW" altLang="en-US" dirty="0"/>
+              <a:t>前</a:t>
+            </a:r>
+            <a:r>
+              <a:rPr lang="zh-TW" altLang="en-US" dirty="0" smtClean="0"/>
+              <a:t>端</a:t>
+            </a:r>
+            <a:r>
+              <a:rPr lang="zh-TW" altLang="en-US" dirty="0" smtClean="0"/>
+              <a:t>基礎</a:t>
+            </a:r>
+            <a:r>
+              <a:rPr lang="en-US" altLang="zh-TW" dirty="0"/>
+              <a:t>_</a:t>
+            </a:r>
+            <a:r>
               <a:rPr lang="en-US" altLang="zh-TW" dirty="0" smtClean="0"/>
               <a:t>HTML</a:t>
             </a:r>
@@ -3706,14 +3846,69 @@
           <a:bodyPr/>
           <a:lstStyle/>
           <a:p>
-            <a:endParaRPr lang="zh-TW" altLang="en-US" dirty="0"/>
+            <a:r>
+              <a:rPr lang="en-US" altLang="zh-TW" dirty="0" smtClean="0"/>
+              <a:t>HTML</a:t>
+            </a:r>
+            <a:r>
+              <a:rPr lang="zh-TW" altLang="en-US" dirty="0"/>
+              <a:t>（</a:t>
+            </a:r>
+            <a:r>
+              <a:rPr lang="en-US" altLang="zh-TW" b="1" dirty="0"/>
+              <a:t>H</a:t>
+            </a:r>
+            <a:r>
+              <a:rPr lang="en-US" altLang="zh-TW" dirty="0"/>
+              <a:t>ypertext </a:t>
+            </a:r>
+            <a:r>
+              <a:rPr lang="en-US" altLang="zh-TW" b="1" dirty="0"/>
+              <a:t>M</a:t>
+            </a:r>
+            <a:r>
+              <a:rPr lang="en-US" altLang="zh-TW" dirty="0"/>
+              <a:t>arkup </a:t>
+            </a:r>
+            <a:r>
+              <a:rPr lang="en-US" altLang="zh-TW" b="1" dirty="0"/>
+              <a:t>L</a:t>
+            </a:r>
+            <a:r>
+              <a:rPr lang="en-US" altLang="zh-TW" dirty="0"/>
+              <a:t>anguage</a:t>
+            </a:r>
+            <a:r>
+              <a:rPr lang="zh-TW" altLang="en-US" dirty="0"/>
+              <a:t>），中文全名為「超文字標示語言」，是一種用來組織架構並呈現網頁內容的程式語言</a:t>
+            </a:r>
+            <a:r>
+              <a:rPr lang="zh-TW" altLang="en-US" dirty="0" smtClean="0"/>
+              <a:t>。</a:t>
+            </a:r>
+            <a:endParaRPr lang="en-US" altLang="zh-TW" dirty="0" smtClean="0"/>
+          </a:p>
+          <a:p>
+            <a:r>
+              <a:rPr lang="zh-TW" altLang="en-US" dirty="0" smtClean="0"/>
+              <a:t>網頁</a:t>
+            </a:r>
+            <a:r>
+              <a:rPr lang="zh-TW" altLang="en-US" dirty="0"/>
+              <a:t>內容的組成，可能包含了段落、清單、圖片或</a:t>
+            </a:r>
+            <a:r>
+              <a:rPr lang="zh-TW" altLang="en-US" dirty="0" smtClean="0"/>
+              <a:t>表格等。</a:t>
+            </a:r>
+            <a:endParaRPr lang="en-US" altLang="zh-TW" dirty="0" smtClean="0"/>
           </a:p>
         </p:txBody>
       </p:sp>
     </p:spTree>
     <p:extLst>
       <p:ext uri="{BB962C8B-B14F-4D97-AF65-F5344CB8AC3E}">
-        <p14:creationId xmlns:p14="http://schemas.microsoft.com/office/powerpoint/2010/main" val="2627460742"/>
+        <p14:creationId xmlns:p14="http://schemas.microsoft.com/office/powerpoint/2010/main" val="3054099825"/>
       </p:ext>
     </p:extLst>
   </p:cSld>
@@ -3756,40 +3951,213 @@
           <a:lstStyle/>
           <a:p>
             <a:r>
-              <a:rPr lang="zh-TW" altLang="en-US" dirty="0" smtClean="0"/>
-              <a:t>常用</a:t>
-            </a:r>
-            <a:r>
-              <a:rPr lang="en-US" altLang="zh-TW" dirty="0" smtClean="0"/>
-              <a:t>HTML tag</a:t>
+              <a:rPr lang="en-US" altLang="zh-TW" dirty="0"/>
+              <a:t>HTML </a:t>
+            </a:r>
+            <a:r>
+              <a:rPr lang="zh-TW" altLang="en-US" dirty="0"/>
+              <a:t>元素的組成</a:t>
+            </a:r>
+            <a:endParaRPr lang="en-US" altLang="zh-TW" dirty="0"/>
+          </a:p>
+        </p:txBody>
+      </p:sp>
+      <p:sp>
+        <p:nvSpPr>
+          <p:cNvPr id="3" name="內容版面配置區 2"/>
+          <p:cNvSpPr>
+            <a:spLocks noGrp="1"/>
+          </p:cNvSpPr>
+          <p:nvPr>
+            <p:ph idx="1"/>
+          </p:nvPr>
+        </p:nvSpPr>
+        <p:spPr/>
+        <p:txBody>
+          <a:bodyPr>
+            <a:normAutofit/>
+          </a:bodyPr>
+          <a:lstStyle/>
+          <a:p>
+            <a:r>
+              <a:rPr lang="zh-TW" altLang="en-US" b="1" dirty="0" smtClean="0"/>
+              <a:t>起始</a:t>
+            </a:r>
+            <a:r>
+              <a:rPr lang="zh-TW" altLang="en-US" b="1" dirty="0"/>
+              <a:t>標籤 （</a:t>
+            </a:r>
+            <a:r>
+              <a:rPr lang="en-US" altLang="zh-TW" b="1" dirty="0"/>
+              <a:t>The opening tag</a:t>
+            </a:r>
+            <a:r>
+              <a:rPr lang="zh-TW" altLang="en-US" b="1" dirty="0"/>
+              <a:t>）：</a:t>
+            </a:r>
+            <a:r>
+              <a:rPr lang="zh-TW" altLang="en-US" dirty="0"/>
+              <a:t>先打角括弧，也就是大於、小於的符號「</a:t>
+            </a:r>
+            <a:r>
+              <a:rPr lang="en-US" altLang="zh-TW" dirty="0"/>
+              <a:t>&lt; &gt;</a:t>
+            </a:r>
+            <a:r>
+              <a:rPr lang="zh-TW" altLang="en-US" dirty="0"/>
+              <a:t>」，裡面再放入元素</a:t>
+            </a:r>
+            <a:r>
+              <a:rPr lang="zh-TW" altLang="en-US" dirty="0" smtClean="0"/>
+              <a:t>名稱。</a:t>
             </a:r>
             <a:endParaRPr lang="zh-TW" altLang="en-US" dirty="0"/>
           </a:p>
-        </p:txBody>
-      </p:sp>
-      <p:sp>
-        <p:nvSpPr>
-          <p:cNvPr id="3" name="內容版面配置區 2"/>
-          <p:cNvSpPr>
-            <a:spLocks noGrp="1"/>
-          </p:cNvSpPr>
-          <p:nvPr>
-            <p:ph idx="1"/>
-          </p:nvPr>
-        </p:nvSpPr>
-        <p:spPr/>
-        <p:txBody>
-          <a:bodyPr/>
-          <a:lstStyle/>
-          <a:p>
+          <a:p>
+            <a:r>
+              <a:rPr lang="zh-TW" altLang="en-US" b="1" dirty="0"/>
+              <a:t>結束標籤 （</a:t>
+            </a:r>
+            <a:r>
+              <a:rPr lang="en-US" altLang="zh-TW" b="1" dirty="0"/>
+              <a:t>The closing tag</a:t>
+            </a:r>
+            <a:r>
+              <a:rPr lang="zh-TW" altLang="en-US" b="1" dirty="0"/>
+              <a:t>）：</a:t>
+            </a:r>
+            <a:r>
+              <a:rPr lang="zh-TW" altLang="en-US" dirty="0"/>
+              <a:t> 與起始標籤一樣，只是在元素名稱前面多了個</a:t>
+            </a:r>
+            <a:r>
+              <a:rPr lang="zh-TW" altLang="en-US" i="1" dirty="0"/>
+              <a:t>前置斜線</a:t>
+            </a:r>
+            <a:r>
+              <a:rPr lang="zh-TW" altLang="en-US" dirty="0"/>
+              <a:t>「</a:t>
+            </a:r>
+            <a:r>
+              <a:rPr lang="en-US" altLang="zh-TW" dirty="0"/>
+              <a:t>/</a:t>
+            </a:r>
+            <a:r>
+              <a:rPr lang="zh-TW" altLang="en-US" dirty="0" smtClean="0"/>
+              <a:t>」。</a:t>
+            </a:r>
             <a:endParaRPr lang="zh-TW" altLang="en-US" dirty="0"/>
           </a:p>
-        </p:txBody>
-      </p:sp>
+          <a:p>
+            <a:r>
+              <a:rPr lang="zh-TW" altLang="en-US" b="1" dirty="0"/>
+              <a:t>內容（</a:t>
+            </a:r>
+            <a:r>
+              <a:rPr lang="en-US" altLang="zh-TW" b="1" dirty="0"/>
+              <a:t>The content</a:t>
+            </a:r>
+            <a:r>
+              <a:rPr lang="zh-TW" altLang="en-US" b="1" dirty="0"/>
+              <a:t>）：</a:t>
+            </a:r>
+            <a:r>
+              <a:rPr lang="zh-TW" altLang="en-US" dirty="0"/>
+              <a:t> 這個元素的內容</a:t>
+            </a:r>
+            <a:r>
+              <a:rPr lang="zh-TW" altLang="en-US" dirty="0" smtClean="0"/>
+              <a:t>，內容可以是文字或標籤。</a:t>
+            </a:r>
+            <a:endParaRPr lang="zh-TW" altLang="en-US" dirty="0"/>
+          </a:p>
+          <a:p>
+            <a:r>
+              <a:rPr lang="zh-TW" altLang="en-US" b="1" dirty="0"/>
+              <a:t>元素（</a:t>
+            </a:r>
+            <a:r>
+              <a:rPr lang="en-US" altLang="zh-TW" b="1" dirty="0"/>
+              <a:t>The element</a:t>
+            </a:r>
+            <a:r>
+              <a:rPr lang="zh-TW" altLang="en-US" b="1" dirty="0"/>
+              <a:t>）：</a:t>
+            </a:r>
+            <a:r>
+              <a:rPr lang="zh-TW" altLang="en-US" dirty="0"/>
+              <a:t> 由起始標籤、結束標籤、內容所組成。</a:t>
+            </a:r>
+          </a:p>
+          <a:p>
+            <a:endParaRPr lang="zh-TW" altLang="en-US" dirty="0"/>
+          </a:p>
+        </p:txBody>
+      </p:sp>
+      <p:pic>
+        <p:nvPicPr>
+          <p:cNvPr id="5" name="圖片 4" descr="畫面剪輯"/>
+          <p:cNvPicPr>
+            <a:picLocks noChangeAspect="1"/>
+          </p:cNvPicPr>
+          <p:nvPr/>
+        </p:nvPicPr>
+        <p:blipFill>
+          <a:blip r:embed="rId2">
+            <a:extLst>
+              <a:ext uri="{28A0092B-C50C-407E-A947-70E740481C1C}">
+                <a14:useLocalDpi xmlns:a14="http://schemas.microsoft.com/office/drawing/2010/main" val="0"/>
+              </a:ext>
+            </a:extLst>
+          </a:blip>
+          <a:stretch>
+            <a:fillRect/>
+          </a:stretch>
+        </p:blipFill>
+        <p:spPr>
+          <a:xfrm>
+            <a:off x="149710" y="5029795"/>
+            <a:ext cx="5766996" cy="354396"/>
+          </a:xfrm>
+          <a:prstGeom prst="rect">
+            <a:avLst/>
+          </a:prstGeom>
+        </p:spPr>
+      </p:pic>
+      <p:pic>
+        <p:nvPicPr>
+          <p:cNvPr id="6" name="圖片 5" descr="畫面剪輯"/>
+          <p:cNvPicPr>
+            <a:picLocks noChangeAspect="1"/>
+          </p:cNvPicPr>
+          <p:nvPr/>
+        </p:nvPicPr>
+        <p:blipFill>
+          <a:blip r:embed="rId3">
+            <a:extLst>
+              <a:ext uri="{28A0092B-C50C-407E-A947-70E740481C1C}">
+                <a14:useLocalDpi xmlns:a14="http://schemas.microsoft.com/office/drawing/2010/main" val="0"/>
+              </a:ext>
+            </a:extLst>
+          </a:blip>
+          <a:stretch>
+            <a:fillRect/>
+          </a:stretch>
+        </p:blipFill>
+        <p:spPr>
+          <a:xfrm>
+            <a:off x="149710" y="5828053"/>
+            <a:ext cx="11984277" cy="348910"/>
+          </a:xfrm>
+          <a:prstGeom prst="rect">
+            <a:avLst/>
+          </a:prstGeom>
+        </p:spPr>
+      </p:pic>
     </p:spTree>
     <p:extLst>
       <p:ext uri="{BB962C8B-B14F-4D97-AF65-F5344CB8AC3E}">
-        <p14:creationId xmlns:p14="http://schemas.microsoft.com/office/powerpoint/2010/main" val="1924051277"/>
+        <p14:creationId xmlns:p14="http://schemas.microsoft.com/office/powerpoint/2010/main" val="4040082286"/>
       </p:ext>
     </p:extLst>
   </p:cSld>
@@ -3832,8 +4200,12 @@
           <a:lstStyle/>
           <a:p>
             <a:r>
+              <a:rPr lang="zh-TW" altLang="en-US" dirty="0"/>
+              <a:t>前端基礎</a:t>
+            </a:r>
+            <a:r>
               <a:rPr lang="en-US" altLang="zh-TW" dirty="0" smtClean="0"/>
-              <a:t>CSS</a:t>
+              <a:t>_CSS</a:t>
             </a:r>
             <a:endParaRPr lang="zh-TW" altLang="en-US" dirty="0"/>
           </a:p>
@@ -3854,7 +4226,101 @@
           <a:bodyPr/>
           <a:lstStyle/>
           <a:p>
-            <a:endParaRPr lang="zh-TW" altLang="en-US"/>
+            <a:r>
+              <a:rPr lang="zh-TW" altLang="en-US" b="1" dirty="0"/>
+              <a:t>階層樣式表</a:t>
+            </a:r>
+            <a:r>
+              <a:rPr lang="zh-TW" altLang="en-US" dirty="0"/>
+              <a:t> </a:t>
+            </a:r>
+            <a:r>
+              <a:rPr lang="en-US" altLang="zh-TW" dirty="0"/>
+              <a:t>(Cascading Stylesheets</a:t>
+            </a:r>
+            <a:r>
+              <a:rPr lang="zh-TW" altLang="en-US" dirty="0"/>
+              <a:t>；</a:t>
+            </a:r>
+            <a:r>
+              <a:rPr lang="en-US" altLang="zh-TW" dirty="0"/>
+              <a:t>CSS) </a:t>
+            </a:r>
+            <a:r>
+              <a:rPr lang="zh-TW" altLang="en-US" dirty="0"/>
+              <a:t>可用以塑造網站的特殊</a:t>
+            </a:r>
+            <a:r>
+              <a:rPr lang="zh-TW" altLang="en-US" dirty="0" smtClean="0"/>
+              <a:t>風格</a:t>
+            </a:r>
+            <a:endParaRPr lang="en-US" altLang="zh-TW" dirty="0" smtClean="0"/>
+          </a:p>
+          <a:p>
+            <a:endParaRPr lang="en-US" altLang="zh-TW" dirty="0" smtClean="0"/>
+          </a:p>
+          <a:p>
+            <a:r>
+              <a:rPr lang="zh-TW" altLang="en-US" dirty="0"/>
+              <a:t>跟 </a:t>
+            </a:r>
+            <a:r>
+              <a:rPr lang="en-US" altLang="zh-TW" dirty="0"/>
+              <a:t>HTML </a:t>
+            </a:r>
+            <a:r>
+              <a:rPr lang="zh-TW" altLang="en-US" dirty="0"/>
+              <a:t>一樣，</a:t>
+            </a:r>
+            <a:r>
+              <a:rPr lang="en-US" altLang="zh-TW" dirty="0"/>
+              <a:t>CSS </a:t>
+            </a:r>
+            <a:r>
+              <a:rPr lang="zh-TW" altLang="en-US" dirty="0"/>
+              <a:t>既非標準程式語言，也不是標記語言</a:t>
+            </a:r>
+            <a:r>
+              <a:rPr lang="en-US" altLang="zh-TW" dirty="0"/>
+              <a:t>, </a:t>
+            </a:r>
+            <a:r>
+              <a:rPr lang="zh-TW" altLang="en-US" dirty="0"/>
+              <a:t>而是一種風格頁面語言（</a:t>
+            </a:r>
+            <a:r>
+              <a:rPr lang="en-US" altLang="zh-TW" i="1" dirty="0"/>
+              <a:t>style sheet language</a:t>
+            </a:r>
+            <a:r>
+              <a:rPr lang="zh-TW" altLang="en-US" dirty="0"/>
+              <a:t>）：它能讓你在 </a:t>
+            </a:r>
+            <a:r>
+              <a:rPr lang="en-US" altLang="zh-TW" dirty="0"/>
+              <a:t>HTML </a:t>
+            </a:r>
+            <a:r>
+              <a:rPr lang="zh-TW" altLang="en-US" dirty="0"/>
+              <a:t>文件中的元素（</a:t>
+            </a:r>
+            <a:r>
+              <a:rPr lang="en-US" altLang="zh-TW" dirty="0"/>
+              <a:t>element</a:t>
+            </a:r>
+            <a:r>
+              <a:rPr lang="zh-TW" altLang="en-US" dirty="0"/>
+              <a:t>）上套用不同的頁面樣式（</a:t>
+            </a:r>
+            <a:r>
+              <a:rPr lang="en-US" altLang="zh-TW" dirty="0"/>
+              <a:t>style</a:t>
+            </a:r>
+            <a:r>
+              <a:rPr lang="zh-TW" altLang="en-US" dirty="0"/>
+              <a:t>）。</a:t>
+            </a:r>
+            <a:endParaRPr lang="zh-TW" altLang="en-US" dirty="0"/>
           </a:p>
         </p:txBody>
       </p:sp>
@@ -3904,35 +4370,55 @@
           <a:lstStyle/>
           <a:p>
             <a:r>
+              <a:rPr lang="zh-TW" altLang="en-US" dirty="0"/>
+              <a:t>前端基礎</a:t>
+            </a:r>
+            <a:r>
+              <a:rPr lang="en-US" altLang="zh-TW" dirty="0"/>
+              <a:t>_CSS</a:t>
+            </a:r>
+            <a:endParaRPr lang="zh-TW" altLang="en-US" dirty="0"/>
+          </a:p>
+        </p:txBody>
+      </p:sp>
+      <p:sp>
+        <p:nvSpPr>
+          <p:cNvPr id="3" name="內容版面配置區 2"/>
+          <p:cNvSpPr>
+            <a:spLocks noGrp="1"/>
+          </p:cNvSpPr>
+          <p:nvPr>
+            <p:ph idx="1"/>
+          </p:nvPr>
+        </p:nvSpPr>
+        <p:spPr/>
+        <p:txBody>
+          <a:bodyPr/>
+          <a:lstStyle/>
+          <a:p>
+            <a:r>
+              <a:rPr lang="en-US" altLang="zh-TW" dirty="0"/>
+              <a:t>Inline </a:t>
+            </a:r>
+            <a:r>
               <a:rPr lang="en-US" altLang="zh-TW" dirty="0" smtClean="0"/>
-              <a:t>CSS </a:t>
-            </a:r>
-            <a:r>
-              <a:rPr lang="zh-TW" altLang="en-US" dirty="0" smtClean="0"/>
-              <a:t>基礎</a:t>
-            </a:r>
-            <a:endParaRPr lang="zh-TW" altLang="en-US" dirty="0"/>
-          </a:p>
-        </p:txBody>
-      </p:sp>
-      <p:sp>
-        <p:nvSpPr>
-          <p:cNvPr id="3" name="內容版面配置區 2"/>
-          <p:cNvSpPr>
-            <a:spLocks noGrp="1"/>
-          </p:cNvSpPr>
-          <p:nvPr>
-            <p:ph idx="1"/>
-          </p:nvPr>
-        </p:nvSpPr>
-        <p:spPr/>
-        <p:txBody>
-          <a:bodyPr/>
-          <a:lstStyle/>
+              <a:t>Styles</a:t>
+            </a:r>
+          </a:p>
           <a:p>
             <a:r>
               <a:rPr lang="en-US" altLang="zh-TW" dirty="0" smtClean="0"/>
-              <a:t>Inline</a:t>
+              <a:t>Internal Styles</a:t>
+            </a:r>
+          </a:p>
+          <a:p>
+            <a:r>
+              <a:rPr lang="en-US" altLang="zh-TW" dirty="0" smtClean="0"/>
+              <a:t>Multiple </a:t>
+            </a:r>
+            <a:r>
+              <a:rPr lang="en-US" altLang="zh-TW" dirty="0"/>
+              <a:t>Style Sheets</a:t>
             </a:r>
           </a:p>
           <a:p>
@@ -3943,7 +4429,7 @@
     </p:spTree>
     <p:extLst>
       <p:ext uri="{BB962C8B-B14F-4D97-AF65-F5344CB8AC3E}">
-        <p14:creationId xmlns:p14="http://schemas.microsoft.com/office/powerpoint/2010/main" val="2024589683"/>
+        <p14:creationId xmlns:p14="http://schemas.microsoft.com/office/powerpoint/2010/main" val="2789666710"/>
       </p:ext>
     </p:extLst>
   </p:cSld>
@@ -3987,6 +4473,166 @@
           <a:p>
             <a:r>
               <a:rPr lang="en-US" altLang="zh-TW" dirty="0" smtClean="0"/>
+              <a:t>CSS</a:t>
+            </a:r>
+            <a:r>
+              <a:rPr lang="zh-TW" altLang="en-US" dirty="0" smtClean="0"/>
+              <a:t> </a:t>
+            </a:r>
+            <a:r>
+              <a:rPr lang="en-US" altLang="zh-TW" dirty="0" smtClean="0"/>
+              <a:t>Internal styles</a:t>
+            </a:r>
+            <a:endParaRPr lang="zh-TW" altLang="en-US" dirty="0"/>
+          </a:p>
+        </p:txBody>
+      </p:sp>
+      <p:sp>
+        <p:nvSpPr>
+          <p:cNvPr id="3" name="內容版面配置區 2"/>
+          <p:cNvSpPr>
+            <a:spLocks noGrp="1"/>
+          </p:cNvSpPr>
+          <p:nvPr>
+            <p:ph idx="1"/>
+          </p:nvPr>
+        </p:nvSpPr>
+        <p:spPr/>
+        <p:txBody>
+          <a:bodyPr/>
+          <a:lstStyle/>
+          <a:p>
+            <a:r>
+              <a:rPr lang="zh-TW" altLang="en-US" dirty="0" smtClean="0"/>
+              <a:t>選取器</a:t>
+            </a:r>
+            <a:endParaRPr lang="zh-TW" altLang="en-US" dirty="0"/>
+          </a:p>
+        </p:txBody>
+      </p:sp>
+    </p:spTree>
+    <p:extLst>
+      <p:ext uri="{BB962C8B-B14F-4D97-AF65-F5344CB8AC3E}">
+        <p14:creationId xmlns:p14="http://schemas.microsoft.com/office/powerpoint/2010/main" val="3949796659"/>
+      </p:ext>
+    </p:extLst>
+  </p:cSld>
+  <p:clrMapOvr>
+    <a:masterClrMapping/>
+  </p:clrMapOvr>
+</p:sld>
+</file>
+
+<file path=ppt/slides/slide16.xml><?xml version="1.0" encoding="utf-8"?>
+<p:sld xmlns:a="http://schemas.openxmlformats.org/drawingml/2006/main" xmlns:r="http://schemas.openxmlformats.org/officeDocument/2006/relationships" xmlns:p="http://schemas.openxmlformats.org/presentationml/2006/main">
+  <p:cSld>
+    <p:spTree>
+      <p:nvGrpSpPr>
+        <p:cNvPr id="1" name=""/>
+        <p:cNvGrpSpPr/>
+        <p:nvPr/>
+      </p:nvGrpSpPr>
+      <p:grpSpPr>
+        <a:xfrm>
+          <a:off x="0" y="0"/>
+          <a:ext cx="0" cy="0"/>
+          <a:chOff x="0" y="0"/>
+          <a:chExt cx="0" cy="0"/>
+        </a:xfrm>
+      </p:grpSpPr>
+      <p:sp>
+        <p:nvSpPr>
+          <p:cNvPr id="2" name="標題 1"/>
+          <p:cNvSpPr>
+            <a:spLocks noGrp="1"/>
+          </p:cNvSpPr>
+          <p:nvPr>
+            <p:ph type="title"/>
+          </p:nvPr>
+        </p:nvSpPr>
+        <p:spPr/>
+        <p:txBody>
+          <a:bodyPr/>
+          <a:lstStyle/>
+          <a:p>
+            <a:r>
+              <a:rPr lang="zh-TW" altLang="en-US" dirty="0"/>
+              <a:t>前端基礎</a:t>
+            </a:r>
+            <a:r>
+              <a:rPr lang="en-US" altLang="zh-TW" dirty="0" smtClean="0"/>
+              <a:t>_JavaScript</a:t>
+            </a:r>
+            <a:endParaRPr lang="zh-TW" altLang="en-US" dirty="0"/>
+          </a:p>
+        </p:txBody>
+      </p:sp>
+      <p:sp>
+        <p:nvSpPr>
+          <p:cNvPr id="3" name="內容版面配置區 2"/>
+          <p:cNvSpPr>
+            <a:spLocks noGrp="1"/>
+          </p:cNvSpPr>
+          <p:nvPr>
+            <p:ph idx="1"/>
+          </p:nvPr>
+        </p:nvSpPr>
+        <p:spPr/>
+        <p:txBody>
+          <a:bodyPr/>
+          <a:lstStyle/>
+          <a:p>
+            <a:endParaRPr lang="zh-TW" altLang="en-US" dirty="0"/>
+          </a:p>
+        </p:txBody>
+      </p:sp>
+    </p:spTree>
+    <p:extLst>
+      <p:ext uri="{BB962C8B-B14F-4D97-AF65-F5344CB8AC3E}">
+        <p14:creationId xmlns:p14="http://schemas.microsoft.com/office/powerpoint/2010/main" val="1059881755"/>
+      </p:ext>
+    </p:extLst>
+  </p:cSld>
+  <p:clrMapOvr>
+    <a:masterClrMapping/>
+  </p:clrMapOvr>
+</p:sld>
+</file>
+
+<file path=ppt/slides/slide17.xml><?xml version="1.0" encoding="utf-8"?>
+<p:sld xmlns:a="http://schemas.openxmlformats.org/drawingml/2006/main" xmlns:r="http://schemas.openxmlformats.org/officeDocument/2006/relationships" xmlns:p="http://schemas.openxmlformats.org/presentationml/2006/main">
+  <p:cSld>
+    <p:spTree>
+      <p:nvGrpSpPr>
+        <p:cNvPr id="1" name=""/>
+        <p:cNvGrpSpPr/>
+        <p:nvPr/>
+      </p:nvGrpSpPr>
+      <p:grpSpPr>
+        <a:xfrm>
+          <a:off x="0" y="0"/>
+          <a:ext cx="0" cy="0"/>
+          <a:chOff x="0" y="0"/>
+          <a:chExt cx="0" cy="0"/>
+        </a:xfrm>
+      </p:grpSpPr>
+      <p:sp>
+        <p:nvSpPr>
+          <p:cNvPr id="2" name="標題 1"/>
+          <p:cNvSpPr>
+            <a:spLocks noGrp="1"/>
+          </p:cNvSpPr>
+          <p:nvPr>
+            <p:ph type="title"/>
+          </p:nvPr>
+        </p:nvSpPr>
+        <p:spPr/>
+        <p:txBody>
+          <a:bodyPr/>
+          <a:lstStyle/>
+          <a:p>
+            <a:r>
+              <a:rPr lang="en-US" altLang="zh-TW" dirty="0" smtClean="0"/>
               <a:t>JS</a:t>
             </a:r>
             <a:endParaRPr lang="zh-TW" altLang="en-US" dirty="0"/>
@@ -4054,7 +4700,7 @@
 </p:sld>
 </file>
 
-<file path=ppt/slides/slide16.xml><?xml version="1.0" encoding="utf-8"?>
+<file path=ppt/slides/slide18.xml><?xml version="1.0" encoding="utf-8"?>
 <p:sld xmlns:a="http://schemas.openxmlformats.org/drawingml/2006/main" xmlns:r="http://schemas.openxmlformats.org/officeDocument/2006/relationships" xmlns:p="http://schemas.openxmlformats.org/presentationml/2006/main">
   <p:cSld>
     <p:spTree>
@@ -5372,10 +6018,7 @@
           </a:p>
           <a:p>
             <a:pPr lvl="1"/>
-            <a:r>
-              <a:rPr lang="zh-TW" altLang="en-US" dirty="0"/>
-              <a:t>交換</a:t>
-            </a:r>
+            <a:endParaRPr lang="zh-TW" altLang="en-US" dirty="0"/>
           </a:p>
         </p:txBody>
       </p:sp>

--- a/投影片/1.網頁基礎.pptx
+++ b/投影片/1.網頁基礎.pptx
@@ -5,27 +5,29 @@
     <p:sldMasterId id="2147483648" r:id="rId1"/>
   </p:sldMasterIdLst>
   <p:notesMasterIdLst>
-    <p:notesMasterId r:id="rId20"/>
+    <p:notesMasterId r:id="rId22"/>
   </p:notesMasterIdLst>
   <p:sldIdLst>
     <p:sldId id="256" r:id="rId2"/>
     <p:sldId id="257" r:id="rId3"/>
     <p:sldId id="258" r:id="rId4"/>
-    <p:sldId id="259" r:id="rId5"/>
-    <p:sldId id="261" r:id="rId6"/>
-    <p:sldId id="260" r:id="rId7"/>
-    <p:sldId id="262" r:id="rId8"/>
-    <p:sldId id="263" r:id="rId9"/>
-    <p:sldId id="264" r:id="rId10"/>
-    <p:sldId id="272" r:id="rId11"/>
-    <p:sldId id="265" r:id="rId12"/>
-    <p:sldId id="274" r:id="rId13"/>
-    <p:sldId id="269" r:id="rId14"/>
-    <p:sldId id="275" r:id="rId15"/>
-    <p:sldId id="276" r:id="rId16"/>
-    <p:sldId id="273" r:id="rId17"/>
-    <p:sldId id="271" r:id="rId18"/>
-    <p:sldId id="266" r:id="rId19"/>
+    <p:sldId id="272" r:id="rId5"/>
+    <p:sldId id="266" r:id="rId6"/>
+    <p:sldId id="277" r:id="rId7"/>
+    <p:sldId id="259" r:id="rId8"/>
+    <p:sldId id="278" r:id="rId9"/>
+    <p:sldId id="265" r:id="rId10"/>
+    <p:sldId id="274" r:id="rId11"/>
+    <p:sldId id="269" r:id="rId12"/>
+    <p:sldId id="275" r:id="rId13"/>
+    <p:sldId id="276" r:id="rId14"/>
+    <p:sldId id="273" r:id="rId15"/>
+    <p:sldId id="271" r:id="rId16"/>
+    <p:sldId id="261" r:id="rId17"/>
+    <p:sldId id="260" r:id="rId18"/>
+    <p:sldId id="262" r:id="rId19"/>
+    <p:sldId id="263" r:id="rId20"/>
+    <p:sldId id="264" r:id="rId21"/>
   </p:sldIdLst>
   <p:sldSz cx="12192000" cy="6858000"/>
   <p:notesSz cx="6858000" cy="9144000"/>
@@ -214,7 +216,7 @@
           <a:p>
             <a:fld id="{F5256C98-7E13-4A3B-A33B-9E5E0B6B38C5}" type="datetimeFigureOut">
               <a:rPr lang="zh-TW" altLang="en-US" smtClean="0"/>
-              <a:t>2022/1/25</a:t>
+              <a:t>2022/1/26</a:t>
             </a:fld>
             <a:endParaRPr lang="zh-TW" altLang="en-US"/>
           </a:p>
@@ -784,7 +786,7 @@
           <a:p>
             <a:fld id="{23309831-A5D7-4AD2-8DD2-40EBD65AC398}" type="datetimeFigureOut">
               <a:rPr lang="zh-TW" altLang="en-US" smtClean="0"/>
-              <a:t>2022/1/25</a:t>
+              <a:t>2022/1/26</a:t>
             </a:fld>
             <a:endParaRPr lang="zh-TW" altLang="en-US"/>
           </a:p>
@@ -954,7 +956,7 @@
           <a:p>
             <a:fld id="{23309831-A5D7-4AD2-8DD2-40EBD65AC398}" type="datetimeFigureOut">
               <a:rPr lang="zh-TW" altLang="en-US" smtClean="0"/>
-              <a:t>2022/1/25</a:t>
+              <a:t>2022/1/26</a:t>
             </a:fld>
             <a:endParaRPr lang="zh-TW" altLang="en-US"/>
           </a:p>
@@ -1134,7 +1136,7 @@
           <a:p>
             <a:fld id="{23309831-A5D7-4AD2-8DD2-40EBD65AC398}" type="datetimeFigureOut">
               <a:rPr lang="zh-TW" altLang="en-US" smtClean="0"/>
-              <a:t>2022/1/25</a:t>
+              <a:t>2022/1/26</a:t>
             </a:fld>
             <a:endParaRPr lang="zh-TW" altLang="en-US"/>
           </a:p>
@@ -1304,7 +1306,7 @@
           <a:p>
             <a:fld id="{23309831-A5D7-4AD2-8DD2-40EBD65AC398}" type="datetimeFigureOut">
               <a:rPr lang="zh-TW" altLang="en-US" smtClean="0"/>
-              <a:t>2022/1/25</a:t>
+              <a:t>2022/1/26</a:t>
             </a:fld>
             <a:endParaRPr lang="zh-TW" altLang="en-US"/>
           </a:p>
@@ -1550,7 +1552,7 @@
           <a:p>
             <a:fld id="{23309831-A5D7-4AD2-8DD2-40EBD65AC398}" type="datetimeFigureOut">
               <a:rPr lang="zh-TW" altLang="en-US" smtClean="0"/>
-              <a:t>2022/1/25</a:t>
+              <a:t>2022/1/26</a:t>
             </a:fld>
             <a:endParaRPr lang="zh-TW" altLang="en-US"/>
           </a:p>
@@ -1782,7 +1784,7 @@
           <a:p>
             <a:fld id="{23309831-A5D7-4AD2-8DD2-40EBD65AC398}" type="datetimeFigureOut">
               <a:rPr lang="zh-TW" altLang="en-US" smtClean="0"/>
-              <a:t>2022/1/25</a:t>
+              <a:t>2022/1/26</a:t>
             </a:fld>
             <a:endParaRPr lang="zh-TW" altLang="en-US"/>
           </a:p>
@@ -2149,7 +2151,7 @@
           <a:p>
             <a:fld id="{23309831-A5D7-4AD2-8DD2-40EBD65AC398}" type="datetimeFigureOut">
               <a:rPr lang="zh-TW" altLang="en-US" smtClean="0"/>
-              <a:t>2022/1/25</a:t>
+              <a:t>2022/1/26</a:t>
             </a:fld>
             <a:endParaRPr lang="zh-TW" altLang="en-US"/>
           </a:p>
@@ -2267,7 +2269,7 @@
           <a:p>
             <a:fld id="{23309831-A5D7-4AD2-8DD2-40EBD65AC398}" type="datetimeFigureOut">
               <a:rPr lang="zh-TW" altLang="en-US" smtClean="0"/>
-              <a:t>2022/1/25</a:t>
+              <a:t>2022/1/26</a:t>
             </a:fld>
             <a:endParaRPr lang="zh-TW" altLang="en-US"/>
           </a:p>
@@ -2362,7 +2364,7 @@
           <a:p>
             <a:fld id="{23309831-A5D7-4AD2-8DD2-40EBD65AC398}" type="datetimeFigureOut">
               <a:rPr lang="zh-TW" altLang="en-US" smtClean="0"/>
-              <a:t>2022/1/25</a:t>
+              <a:t>2022/1/26</a:t>
             </a:fld>
             <a:endParaRPr lang="zh-TW" altLang="en-US"/>
           </a:p>
@@ -2639,7 +2641,7 @@
           <a:p>
             <a:fld id="{23309831-A5D7-4AD2-8DD2-40EBD65AC398}" type="datetimeFigureOut">
               <a:rPr lang="zh-TW" altLang="en-US" smtClean="0"/>
-              <a:t>2022/1/25</a:t>
+              <a:t>2022/1/26</a:t>
             </a:fld>
             <a:endParaRPr lang="zh-TW" altLang="en-US"/>
           </a:p>
@@ -2892,7 +2894,7 @@
           <a:p>
             <a:fld id="{23309831-A5D7-4AD2-8DD2-40EBD65AC398}" type="datetimeFigureOut">
               <a:rPr lang="zh-TW" altLang="en-US" smtClean="0"/>
-              <a:t>2022/1/25</a:t>
+              <a:t>2022/1/26</a:t>
             </a:fld>
             <a:endParaRPr lang="zh-TW" altLang="en-US"/>
           </a:p>
@@ -3105,7 +3107,7 @@
           <a:p>
             <a:fld id="{23309831-A5D7-4AD2-8DD2-40EBD65AC398}" type="datetimeFigureOut">
               <a:rPr lang="zh-TW" altLang="en-US" smtClean="0"/>
-              <a:t>2022/1/25</a:t>
+              <a:t>2022/1/26</a:t>
             </a:fld>
             <a:endParaRPr lang="zh-TW" altLang="en-US"/>
           </a:p>
@@ -3525,7 +3527,11 @@
           <a:bodyPr/>
           <a:lstStyle/>
           <a:p>
-            <a:endParaRPr lang="zh-TW" altLang="en-US"/>
+            <a:r>
+              <a:rPr lang="zh-TW" altLang="en-US" dirty="0"/>
+              <a:t>網頁基礎</a:t>
+            </a:r>
+            <a:endParaRPr lang="zh-TW" altLang="en-US" dirty="0"/>
           </a:p>
         </p:txBody>
       </p:sp>
@@ -3562,363 +3568,6 @@
 </file>
 
 <file path=ppt/slides/slide10.xml><?xml version="1.0" encoding="utf-8"?>
-<p:sld xmlns:a="http://schemas.openxmlformats.org/drawingml/2006/main" xmlns:r="http://schemas.openxmlformats.org/officeDocument/2006/relationships" xmlns:p="http://schemas.openxmlformats.org/presentationml/2006/main">
-  <p:cSld>
-    <p:spTree>
-      <p:nvGrpSpPr>
-        <p:cNvPr id="1" name=""/>
-        <p:cNvGrpSpPr/>
-        <p:nvPr/>
-      </p:nvGrpSpPr>
-      <p:grpSpPr>
-        <a:xfrm>
-          <a:off x="0" y="0"/>
-          <a:ext cx="0" cy="0"/>
-          <a:chOff x="0" y="0"/>
-          <a:chExt cx="0" cy="0"/>
-        </a:xfrm>
-      </p:grpSpPr>
-      <p:sp>
-        <p:nvSpPr>
-          <p:cNvPr id="2" name="標題 1"/>
-          <p:cNvSpPr>
-            <a:spLocks noGrp="1"/>
-          </p:cNvSpPr>
-          <p:nvPr>
-            <p:ph type="title"/>
-          </p:nvPr>
-        </p:nvSpPr>
-        <p:spPr/>
-        <p:txBody>
-          <a:bodyPr/>
-          <a:lstStyle/>
-          <a:p>
-            <a:r>
-              <a:rPr lang="zh-TW" altLang="en-US" dirty="0" smtClean="0"/>
-              <a:t>網頁前端 </a:t>
-            </a:r>
-            <a:r>
-              <a:rPr lang="en-US" altLang="zh-TW" b="1" dirty="0" smtClean="0"/>
-              <a:t>&amp;</a:t>
-            </a:r>
-            <a:r>
-              <a:rPr lang="zh-TW" altLang="en-US" b="1" dirty="0" smtClean="0"/>
-              <a:t> </a:t>
-            </a:r>
-            <a:r>
-              <a:rPr lang="zh-TW" altLang="en-US" dirty="0" smtClean="0"/>
-              <a:t>後端</a:t>
-            </a:r>
-            <a:endParaRPr lang="zh-TW" altLang="en-US" dirty="0"/>
-          </a:p>
-        </p:txBody>
-      </p:sp>
-      <p:sp>
-        <p:nvSpPr>
-          <p:cNvPr id="3" name="內容版面配置區 2"/>
-          <p:cNvSpPr>
-            <a:spLocks noGrp="1"/>
-          </p:cNvSpPr>
-          <p:nvPr>
-            <p:ph idx="1"/>
-          </p:nvPr>
-        </p:nvSpPr>
-        <p:spPr/>
-        <p:txBody>
-          <a:bodyPr/>
-          <a:lstStyle/>
-          <a:p>
-            <a:r>
-              <a:rPr lang="en-US" altLang="zh-TW" dirty="0"/>
-              <a:t>Client</a:t>
-            </a:r>
-            <a:r>
-              <a:rPr lang="zh-TW" altLang="en-US" dirty="0" smtClean="0"/>
-              <a:t>：</a:t>
-            </a:r>
-            <a:r>
-              <a:rPr lang="zh-TW" altLang="en-US" dirty="0"/>
-              <a:t>前</a:t>
-            </a:r>
-            <a:r>
-              <a:rPr lang="zh-TW" altLang="en-US" dirty="0" smtClean="0"/>
-              <a:t>端</a:t>
-            </a:r>
-            <a:endParaRPr lang="en-US" altLang="zh-TW" dirty="0" smtClean="0"/>
-          </a:p>
-          <a:p>
-            <a:pPr lvl="1"/>
-            <a:r>
-              <a:rPr lang="en-US" altLang="zh-TW" dirty="0" smtClean="0"/>
-              <a:t>HTML</a:t>
-            </a:r>
-            <a:r>
-              <a:rPr lang="zh-TW" altLang="en-US" dirty="0" smtClean="0"/>
-              <a:t>：</a:t>
-            </a:r>
-            <a:r>
-              <a:rPr lang="zh-TW" altLang="en-US" dirty="0"/>
-              <a:t>網頁結構</a:t>
-            </a:r>
-            <a:endParaRPr lang="en-US" altLang="zh-TW" dirty="0"/>
-          </a:p>
-          <a:p>
-            <a:pPr lvl="1"/>
-            <a:r>
-              <a:rPr lang="en-US" altLang="zh-TW" dirty="0" smtClean="0"/>
-              <a:t>CSS</a:t>
-            </a:r>
-            <a:r>
-              <a:rPr lang="zh-TW" altLang="en-US" dirty="0" smtClean="0"/>
-              <a:t>：</a:t>
-            </a:r>
-            <a:r>
-              <a:rPr lang="zh-TW" altLang="en-US" dirty="0"/>
-              <a:t>網頁</a:t>
-            </a:r>
-            <a:r>
-              <a:rPr lang="zh-TW" altLang="en-US" dirty="0" smtClean="0"/>
-              <a:t>顏色、排版、動畫</a:t>
-            </a:r>
-            <a:endParaRPr lang="en-US" altLang="zh-TW" dirty="0"/>
-          </a:p>
-          <a:p>
-            <a:pPr lvl="1"/>
-            <a:r>
-              <a:rPr lang="en-US" altLang="zh-TW" dirty="0"/>
-              <a:t>JavaScript</a:t>
-            </a:r>
-            <a:r>
-              <a:rPr lang="zh-TW" altLang="en-US" dirty="0" smtClean="0"/>
-              <a:t>：互動功能</a:t>
-            </a:r>
-          </a:p>
-          <a:p>
-            <a:pPr lvl="1"/>
-            <a:endParaRPr lang="en-US" altLang="zh-TW" dirty="0" smtClean="0"/>
-          </a:p>
-          <a:p>
-            <a:r>
-              <a:rPr lang="en-US" altLang="zh-TW" dirty="0" smtClean="0"/>
-              <a:t>Server</a:t>
-            </a:r>
-            <a:r>
-              <a:rPr lang="zh-TW" altLang="en-US" dirty="0" smtClean="0"/>
-              <a:t>：後端</a:t>
-            </a:r>
-            <a:endParaRPr lang="en-US" altLang="zh-TW" dirty="0" smtClean="0"/>
-          </a:p>
-          <a:p>
-            <a:pPr lvl="1"/>
-            <a:r>
-              <a:rPr lang="en-US" altLang="zh-TW" dirty="0" smtClean="0"/>
-              <a:t>DB</a:t>
-            </a:r>
-            <a:r>
-              <a:rPr lang="zh-TW" altLang="en-US" dirty="0"/>
-              <a:t> </a:t>
-            </a:r>
-            <a:r>
-              <a:rPr lang="en-US" altLang="zh-TW" dirty="0" smtClean="0"/>
-              <a:t>(MS-SQL)</a:t>
-            </a:r>
-            <a:r>
-              <a:rPr lang="zh-TW" altLang="en-US" dirty="0" smtClean="0"/>
-              <a:t>：資料管理</a:t>
-            </a:r>
-            <a:endParaRPr lang="en-US" altLang="zh-TW" dirty="0" smtClean="0"/>
-          </a:p>
-          <a:p>
-            <a:pPr lvl="1"/>
-            <a:r>
-              <a:rPr lang="en-US" altLang="zh-TW" dirty="0" smtClean="0"/>
-              <a:t>C#(Asp.net</a:t>
-            </a:r>
-            <a:r>
-              <a:rPr lang="zh-TW" altLang="en-US" dirty="0" smtClean="0"/>
-              <a:t> </a:t>
-            </a:r>
-            <a:r>
-              <a:rPr lang="en-US" altLang="zh-TW" dirty="0"/>
-              <a:t>W</a:t>
-            </a:r>
-            <a:r>
-              <a:rPr lang="en-US" altLang="zh-TW" dirty="0" smtClean="0"/>
-              <a:t>eb Form)</a:t>
-            </a:r>
-            <a:r>
-              <a:rPr lang="zh-TW" altLang="en-US" dirty="0" smtClean="0"/>
-              <a:t> ：</a:t>
-            </a:r>
-            <a:r>
-              <a:rPr lang="zh-TW" altLang="en-US" dirty="0"/>
-              <a:t>互動</a:t>
-            </a:r>
-            <a:r>
-              <a:rPr lang="zh-TW" altLang="en-US" dirty="0" smtClean="0"/>
-              <a:t>功能</a:t>
-            </a:r>
-            <a:endParaRPr lang="zh-TW" altLang="en-US" dirty="0"/>
-          </a:p>
-        </p:txBody>
-      </p:sp>
-    </p:spTree>
-    <p:extLst>
-      <p:ext uri="{BB962C8B-B14F-4D97-AF65-F5344CB8AC3E}">
-        <p14:creationId xmlns:p14="http://schemas.microsoft.com/office/powerpoint/2010/main" val="3386783531"/>
-      </p:ext>
-    </p:extLst>
-  </p:cSld>
-  <p:clrMapOvr>
-    <a:masterClrMapping/>
-  </p:clrMapOvr>
-</p:sld>
-</file>
-
-<file path=ppt/slides/slide11.xml><?xml version="1.0" encoding="utf-8"?>
-<p:sld xmlns:a="http://schemas.openxmlformats.org/drawingml/2006/main" xmlns:r="http://schemas.openxmlformats.org/officeDocument/2006/relationships" xmlns:p="http://schemas.openxmlformats.org/presentationml/2006/main">
-  <p:cSld>
-    <p:spTree>
-      <p:nvGrpSpPr>
-        <p:cNvPr id="1" name=""/>
-        <p:cNvGrpSpPr/>
-        <p:nvPr/>
-      </p:nvGrpSpPr>
-      <p:grpSpPr>
-        <a:xfrm>
-          <a:off x="0" y="0"/>
-          <a:ext cx="0" cy="0"/>
-          <a:chOff x="0" y="0"/>
-          <a:chExt cx="0" cy="0"/>
-        </a:xfrm>
-      </p:grpSpPr>
-      <p:sp>
-        <p:nvSpPr>
-          <p:cNvPr id="2" name="標題 1"/>
-          <p:cNvSpPr>
-            <a:spLocks noGrp="1"/>
-          </p:cNvSpPr>
-          <p:nvPr>
-            <p:ph type="title"/>
-          </p:nvPr>
-        </p:nvSpPr>
-        <p:spPr/>
-        <p:txBody>
-          <a:bodyPr/>
-          <a:lstStyle/>
-          <a:p>
-            <a:r>
-              <a:rPr lang="zh-TW" altLang="en-US" dirty="0"/>
-              <a:t>前</a:t>
-            </a:r>
-            <a:r>
-              <a:rPr lang="zh-TW" altLang="en-US" dirty="0" smtClean="0"/>
-              <a:t>端</a:t>
-            </a:r>
-            <a:r>
-              <a:rPr lang="zh-TW" altLang="en-US" dirty="0" smtClean="0"/>
-              <a:t>基礎</a:t>
-            </a:r>
-            <a:r>
-              <a:rPr lang="en-US" altLang="zh-TW" dirty="0"/>
-              <a:t>_</a:t>
-            </a:r>
-            <a:r>
-              <a:rPr lang="en-US" altLang="zh-TW" dirty="0" smtClean="0"/>
-              <a:t>HTML</a:t>
-            </a:r>
-            <a:endParaRPr lang="zh-TW" altLang="en-US" dirty="0"/>
-          </a:p>
-        </p:txBody>
-      </p:sp>
-      <p:sp>
-        <p:nvSpPr>
-          <p:cNvPr id="3" name="內容版面配置區 2"/>
-          <p:cNvSpPr>
-            <a:spLocks noGrp="1"/>
-          </p:cNvSpPr>
-          <p:nvPr>
-            <p:ph idx="1"/>
-          </p:nvPr>
-        </p:nvSpPr>
-        <p:spPr/>
-        <p:txBody>
-          <a:bodyPr/>
-          <a:lstStyle/>
-          <a:p>
-            <a:r>
-              <a:rPr lang="en-US" altLang="zh-TW" dirty="0" smtClean="0"/>
-              <a:t>HTML</a:t>
-            </a:r>
-            <a:r>
-              <a:rPr lang="zh-TW" altLang="en-US" dirty="0"/>
-              <a:t>（</a:t>
-            </a:r>
-            <a:r>
-              <a:rPr lang="en-US" altLang="zh-TW" b="1" dirty="0"/>
-              <a:t>H</a:t>
-            </a:r>
-            <a:r>
-              <a:rPr lang="en-US" altLang="zh-TW" dirty="0"/>
-              <a:t>ypertext </a:t>
-            </a:r>
-            <a:r>
-              <a:rPr lang="en-US" altLang="zh-TW" b="1" dirty="0"/>
-              <a:t>M</a:t>
-            </a:r>
-            <a:r>
-              <a:rPr lang="en-US" altLang="zh-TW" dirty="0"/>
-              <a:t>arkup </a:t>
-            </a:r>
-            <a:r>
-              <a:rPr lang="en-US" altLang="zh-TW" b="1" dirty="0"/>
-              <a:t>L</a:t>
-            </a:r>
-            <a:r>
-              <a:rPr lang="en-US" altLang="zh-TW" dirty="0"/>
-              <a:t>anguage</a:t>
-            </a:r>
-            <a:r>
-              <a:rPr lang="zh-TW" altLang="en-US" dirty="0"/>
-              <a:t>），中文全名為「超文字標示語言」，是一種用來組織架構並呈現網頁內容的程式語言</a:t>
-            </a:r>
-            <a:r>
-              <a:rPr lang="zh-TW" altLang="en-US" dirty="0" smtClean="0"/>
-              <a:t>。</a:t>
-            </a:r>
-            <a:endParaRPr lang="en-US" altLang="zh-TW" dirty="0" smtClean="0"/>
-          </a:p>
-          <a:p>
-            <a:r>
-              <a:rPr lang="zh-TW" altLang="en-US" dirty="0" smtClean="0"/>
-              <a:t>網頁</a:t>
-            </a:r>
-            <a:r>
-              <a:rPr lang="zh-TW" altLang="en-US" dirty="0"/>
-              <a:t>內容的組成，可能包含了段落、清單、圖片或</a:t>
-            </a:r>
-            <a:r>
-              <a:rPr lang="zh-TW" altLang="en-US" dirty="0" smtClean="0"/>
-              <a:t>表格等。</a:t>
-            </a:r>
-            <a:endParaRPr lang="en-US" altLang="zh-TW" dirty="0" smtClean="0"/>
-          </a:p>
-        </p:txBody>
-      </p:sp>
-    </p:spTree>
-    <p:extLst>
-      <p:ext uri="{BB962C8B-B14F-4D97-AF65-F5344CB8AC3E}">
-        <p14:creationId xmlns:p14="http://schemas.microsoft.com/office/powerpoint/2010/main" val="3054099825"/>
-      </p:ext>
-    </p:extLst>
-  </p:cSld>
-  <p:clrMapOvr>
-    <a:masterClrMapping/>
-  </p:clrMapOvr>
-</p:sld>
-</file>
-
-<file path=ppt/slides/slide12.xml><?xml version="1.0" encoding="utf-8"?>
 <p:sld xmlns:a="http://schemas.openxmlformats.org/drawingml/2006/main" xmlns:r="http://schemas.openxmlformats.org/officeDocument/2006/relationships" xmlns:p="http://schemas.openxmlformats.org/presentationml/2006/main">
   <p:cSld>
     <p:spTree>
@@ -4167,6 +3816,277 @@
 </p:sld>
 </file>
 
+<file path=ppt/slides/slide11.xml><?xml version="1.0" encoding="utf-8"?>
+<p:sld xmlns:a="http://schemas.openxmlformats.org/drawingml/2006/main" xmlns:r="http://schemas.openxmlformats.org/officeDocument/2006/relationships" xmlns:p="http://schemas.openxmlformats.org/presentationml/2006/main">
+  <p:cSld>
+    <p:spTree>
+      <p:nvGrpSpPr>
+        <p:cNvPr id="1" name=""/>
+        <p:cNvGrpSpPr/>
+        <p:nvPr/>
+      </p:nvGrpSpPr>
+      <p:grpSpPr>
+        <a:xfrm>
+          <a:off x="0" y="0"/>
+          <a:ext cx="0" cy="0"/>
+          <a:chOff x="0" y="0"/>
+          <a:chExt cx="0" cy="0"/>
+        </a:xfrm>
+      </p:grpSpPr>
+      <p:sp>
+        <p:nvSpPr>
+          <p:cNvPr id="2" name="標題 1"/>
+          <p:cNvSpPr>
+            <a:spLocks noGrp="1"/>
+          </p:cNvSpPr>
+          <p:nvPr>
+            <p:ph type="title"/>
+          </p:nvPr>
+        </p:nvSpPr>
+        <p:spPr/>
+        <p:txBody>
+          <a:bodyPr/>
+          <a:lstStyle/>
+          <a:p>
+            <a:r>
+              <a:rPr lang="zh-TW" altLang="en-US" dirty="0"/>
+              <a:t>前端基礎</a:t>
+            </a:r>
+            <a:r>
+              <a:rPr lang="en-US" altLang="zh-TW" dirty="0" smtClean="0"/>
+              <a:t>_CSS</a:t>
+            </a:r>
+            <a:endParaRPr lang="zh-TW" altLang="en-US" dirty="0"/>
+          </a:p>
+        </p:txBody>
+      </p:sp>
+      <p:sp>
+        <p:nvSpPr>
+          <p:cNvPr id="3" name="內容版面配置區 2"/>
+          <p:cNvSpPr>
+            <a:spLocks noGrp="1"/>
+          </p:cNvSpPr>
+          <p:nvPr>
+            <p:ph idx="1"/>
+          </p:nvPr>
+        </p:nvSpPr>
+        <p:spPr/>
+        <p:txBody>
+          <a:bodyPr/>
+          <a:lstStyle/>
+          <a:p>
+            <a:r>
+              <a:rPr lang="zh-TW" altLang="en-US" b="1" dirty="0"/>
+              <a:t>階層樣式表</a:t>
+            </a:r>
+            <a:r>
+              <a:rPr lang="zh-TW" altLang="en-US" dirty="0"/>
+              <a:t> </a:t>
+            </a:r>
+            <a:r>
+              <a:rPr lang="en-US" altLang="zh-TW" dirty="0"/>
+              <a:t>(Cascading Stylesheets</a:t>
+            </a:r>
+            <a:r>
+              <a:rPr lang="zh-TW" altLang="en-US" dirty="0"/>
+              <a:t>；</a:t>
+            </a:r>
+            <a:r>
+              <a:rPr lang="en-US" altLang="zh-TW" dirty="0"/>
+              <a:t>CSS) </a:t>
+            </a:r>
+            <a:r>
+              <a:rPr lang="zh-TW" altLang="en-US" dirty="0"/>
+              <a:t>可用以塑造網站的特殊</a:t>
+            </a:r>
+            <a:r>
+              <a:rPr lang="zh-TW" altLang="en-US" dirty="0" smtClean="0"/>
+              <a:t>風格</a:t>
+            </a:r>
+            <a:endParaRPr lang="en-US" altLang="zh-TW" dirty="0" smtClean="0"/>
+          </a:p>
+          <a:p>
+            <a:endParaRPr lang="en-US" altLang="zh-TW" dirty="0" smtClean="0"/>
+          </a:p>
+          <a:p>
+            <a:r>
+              <a:rPr lang="zh-TW" altLang="en-US" dirty="0"/>
+              <a:t>跟 </a:t>
+            </a:r>
+            <a:r>
+              <a:rPr lang="en-US" altLang="zh-TW" dirty="0"/>
+              <a:t>HTML </a:t>
+            </a:r>
+            <a:r>
+              <a:rPr lang="zh-TW" altLang="en-US" dirty="0"/>
+              <a:t>一樣，</a:t>
+            </a:r>
+            <a:r>
+              <a:rPr lang="en-US" altLang="zh-TW" dirty="0"/>
+              <a:t>CSS </a:t>
+            </a:r>
+            <a:r>
+              <a:rPr lang="zh-TW" altLang="en-US" dirty="0"/>
+              <a:t>既非標準程式語言，也不是標記語言</a:t>
+            </a:r>
+            <a:r>
+              <a:rPr lang="en-US" altLang="zh-TW" dirty="0"/>
+              <a:t>, </a:t>
+            </a:r>
+            <a:r>
+              <a:rPr lang="zh-TW" altLang="en-US" dirty="0"/>
+              <a:t>而是一種風格頁面語言（</a:t>
+            </a:r>
+            <a:r>
+              <a:rPr lang="en-US" altLang="zh-TW" i="1" dirty="0"/>
+              <a:t>style sheet language</a:t>
+            </a:r>
+            <a:r>
+              <a:rPr lang="zh-TW" altLang="en-US" dirty="0"/>
+              <a:t>）：它能讓你在 </a:t>
+            </a:r>
+            <a:r>
+              <a:rPr lang="en-US" altLang="zh-TW" dirty="0"/>
+              <a:t>HTML </a:t>
+            </a:r>
+            <a:r>
+              <a:rPr lang="zh-TW" altLang="en-US" dirty="0"/>
+              <a:t>文件中的元素（</a:t>
+            </a:r>
+            <a:r>
+              <a:rPr lang="en-US" altLang="zh-TW" dirty="0"/>
+              <a:t>element</a:t>
+            </a:r>
+            <a:r>
+              <a:rPr lang="zh-TW" altLang="en-US" dirty="0"/>
+              <a:t>）上套用不同的頁面樣式（</a:t>
+            </a:r>
+            <a:r>
+              <a:rPr lang="en-US" altLang="zh-TW" dirty="0"/>
+              <a:t>style</a:t>
+            </a:r>
+            <a:r>
+              <a:rPr lang="zh-TW" altLang="en-US" dirty="0"/>
+              <a:t>）。</a:t>
+            </a:r>
+          </a:p>
+        </p:txBody>
+      </p:sp>
+    </p:spTree>
+    <p:extLst>
+      <p:ext uri="{BB962C8B-B14F-4D97-AF65-F5344CB8AC3E}">
+        <p14:creationId xmlns:p14="http://schemas.microsoft.com/office/powerpoint/2010/main" val="3142124162"/>
+      </p:ext>
+    </p:extLst>
+  </p:cSld>
+  <p:clrMapOvr>
+    <a:masterClrMapping/>
+  </p:clrMapOvr>
+</p:sld>
+</file>
+
+<file path=ppt/slides/slide12.xml><?xml version="1.0" encoding="utf-8"?>
+<p:sld xmlns:a="http://schemas.openxmlformats.org/drawingml/2006/main" xmlns:r="http://schemas.openxmlformats.org/officeDocument/2006/relationships" xmlns:p="http://schemas.openxmlformats.org/presentationml/2006/main">
+  <p:cSld>
+    <p:spTree>
+      <p:nvGrpSpPr>
+        <p:cNvPr id="1" name=""/>
+        <p:cNvGrpSpPr/>
+        <p:nvPr/>
+      </p:nvGrpSpPr>
+      <p:grpSpPr>
+        <a:xfrm>
+          <a:off x="0" y="0"/>
+          <a:ext cx="0" cy="0"/>
+          <a:chOff x="0" y="0"/>
+          <a:chExt cx="0" cy="0"/>
+        </a:xfrm>
+      </p:grpSpPr>
+      <p:sp>
+        <p:nvSpPr>
+          <p:cNvPr id="2" name="標題 1"/>
+          <p:cNvSpPr>
+            <a:spLocks noGrp="1"/>
+          </p:cNvSpPr>
+          <p:nvPr>
+            <p:ph type="title"/>
+          </p:nvPr>
+        </p:nvSpPr>
+        <p:spPr/>
+        <p:txBody>
+          <a:bodyPr/>
+          <a:lstStyle/>
+          <a:p>
+            <a:r>
+              <a:rPr lang="zh-TW" altLang="en-US" dirty="0"/>
+              <a:t>前端基礎</a:t>
+            </a:r>
+            <a:r>
+              <a:rPr lang="en-US" altLang="zh-TW" dirty="0"/>
+              <a:t>_CSS</a:t>
+            </a:r>
+            <a:endParaRPr lang="zh-TW" altLang="en-US" dirty="0"/>
+          </a:p>
+        </p:txBody>
+      </p:sp>
+      <p:sp>
+        <p:nvSpPr>
+          <p:cNvPr id="3" name="內容版面配置區 2"/>
+          <p:cNvSpPr>
+            <a:spLocks noGrp="1"/>
+          </p:cNvSpPr>
+          <p:nvPr>
+            <p:ph idx="1"/>
+          </p:nvPr>
+        </p:nvSpPr>
+        <p:spPr/>
+        <p:txBody>
+          <a:bodyPr/>
+          <a:lstStyle/>
+          <a:p>
+            <a:r>
+              <a:rPr lang="en-US" altLang="zh-TW" dirty="0"/>
+              <a:t>Inline </a:t>
+            </a:r>
+            <a:r>
+              <a:rPr lang="en-US" altLang="zh-TW" dirty="0" smtClean="0"/>
+              <a:t>Styles</a:t>
+            </a:r>
+          </a:p>
+          <a:p>
+            <a:r>
+              <a:rPr lang="en-US" altLang="zh-TW" dirty="0" smtClean="0"/>
+              <a:t>Internal Styles</a:t>
+            </a:r>
+          </a:p>
+          <a:p>
+            <a:r>
+              <a:rPr lang="en-US" altLang="zh-TW" dirty="0" smtClean="0"/>
+              <a:t>Multiple </a:t>
+            </a:r>
+            <a:r>
+              <a:rPr lang="en-US" altLang="zh-TW" dirty="0"/>
+              <a:t>Style Sheets</a:t>
+            </a:r>
+          </a:p>
+          <a:p>
+            <a:endParaRPr lang="zh-TW" altLang="en-US" dirty="0"/>
+          </a:p>
+        </p:txBody>
+      </p:sp>
+    </p:spTree>
+    <p:extLst>
+      <p:ext uri="{BB962C8B-B14F-4D97-AF65-F5344CB8AC3E}">
+        <p14:creationId xmlns:p14="http://schemas.microsoft.com/office/powerpoint/2010/main" val="2789666710"/>
+      </p:ext>
+    </p:extLst>
+  </p:cSld>
+  <p:clrMapOvr>
+    <a:masterClrMapping/>
+  </p:clrMapOvr>
+</p:sld>
+</file>
+
 <file path=ppt/slides/slide13.xml><?xml version="1.0" encoding="utf-8"?>
 <p:sld xmlns:a="http://schemas.openxmlformats.org/drawingml/2006/main" xmlns:r="http://schemas.openxmlformats.org/officeDocument/2006/relationships" xmlns:p="http://schemas.openxmlformats.org/presentationml/2006/main">
   <p:cSld>
@@ -4200,12 +4120,16 @@
           <a:lstStyle/>
           <a:p>
             <a:r>
-              <a:rPr lang="zh-TW" altLang="en-US" dirty="0"/>
-              <a:t>前端基礎</a:t>
-            </a:r>
-            <a:r>
               <a:rPr lang="en-US" altLang="zh-TW" dirty="0" smtClean="0"/>
-              <a:t>_CSS</a:t>
+              <a:t>CSS</a:t>
+            </a:r>
+            <a:r>
+              <a:rPr lang="zh-TW" altLang="en-US" dirty="0" smtClean="0"/>
+              <a:t> </a:t>
+            </a:r>
+            <a:r>
+              <a:rPr lang="en-US" altLang="zh-TW" dirty="0" smtClean="0"/>
+              <a:t>Internal styles</a:t>
             </a:r>
             <a:endParaRPr lang="zh-TW" altLang="en-US" dirty="0"/>
           </a:p>
@@ -4227,98 +4151,8 @@
           <a:lstStyle/>
           <a:p>
             <a:r>
-              <a:rPr lang="zh-TW" altLang="en-US" b="1" dirty="0"/>
-              <a:t>階層樣式表</a:t>
-            </a:r>
-            <a:r>
-              <a:rPr lang="zh-TW" altLang="en-US" dirty="0"/>
-              <a:t> </a:t>
-            </a:r>
-            <a:r>
-              <a:rPr lang="en-US" altLang="zh-TW" dirty="0"/>
-              <a:t>(Cascading Stylesheets</a:t>
-            </a:r>
-            <a:r>
-              <a:rPr lang="zh-TW" altLang="en-US" dirty="0"/>
-              <a:t>；</a:t>
-            </a:r>
-            <a:r>
-              <a:rPr lang="en-US" altLang="zh-TW" dirty="0"/>
-              <a:t>CSS) </a:t>
-            </a:r>
-            <a:r>
-              <a:rPr lang="zh-TW" altLang="en-US" dirty="0"/>
-              <a:t>可用以塑造網站的特殊</a:t>
-            </a:r>
-            <a:r>
               <a:rPr lang="zh-TW" altLang="en-US" dirty="0" smtClean="0"/>
-              <a:t>風格</a:t>
-            </a:r>
-            <a:endParaRPr lang="en-US" altLang="zh-TW" dirty="0" smtClean="0"/>
-          </a:p>
-          <a:p>
-            <a:endParaRPr lang="en-US" altLang="zh-TW" dirty="0" smtClean="0"/>
-          </a:p>
-          <a:p>
-            <a:r>
-              <a:rPr lang="zh-TW" altLang="en-US" dirty="0"/>
-              <a:t>跟 </a:t>
-            </a:r>
-            <a:r>
-              <a:rPr lang="en-US" altLang="zh-TW" dirty="0"/>
-              <a:t>HTML </a:t>
-            </a:r>
-            <a:r>
-              <a:rPr lang="zh-TW" altLang="en-US" dirty="0"/>
-              <a:t>一樣，</a:t>
-            </a:r>
-            <a:r>
-              <a:rPr lang="en-US" altLang="zh-TW" dirty="0"/>
-              <a:t>CSS </a:t>
-            </a:r>
-            <a:r>
-              <a:rPr lang="zh-TW" altLang="en-US" dirty="0"/>
-              <a:t>既非標準程式語言，也不是標記語言</a:t>
-            </a:r>
-            <a:r>
-              <a:rPr lang="en-US" altLang="zh-TW" dirty="0"/>
-              <a:t>, </a:t>
-            </a:r>
-            <a:r>
-              <a:rPr lang="zh-TW" altLang="en-US" dirty="0"/>
-              <a:t>而是一種風格頁面語言（</a:t>
-            </a:r>
-            <a:r>
-              <a:rPr lang="en-US" altLang="zh-TW" i="1" dirty="0"/>
-              <a:t>style sheet language</a:t>
-            </a:r>
-            <a:r>
-              <a:rPr lang="zh-TW" altLang="en-US" dirty="0"/>
-              <a:t>）：它能讓你在 </a:t>
-            </a:r>
-            <a:r>
-              <a:rPr lang="en-US" altLang="zh-TW" dirty="0"/>
-              <a:t>HTML </a:t>
-            </a:r>
-            <a:r>
-              <a:rPr lang="zh-TW" altLang="en-US" dirty="0"/>
-              <a:t>文件中的元素（</a:t>
-            </a:r>
-            <a:r>
-              <a:rPr lang="en-US" altLang="zh-TW" dirty="0"/>
-              <a:t>element</a:t>
-            </a:r>
-            <a:r>
-              <a:rPr lang="zh-TW" altLang="en-US" dirty="0"/>
-              <a:t>）上套用不同的頁面樣式（</a:t>
-            </a:r>
-            <a:r>
-              <a:rPr lang="en-US" altLang="zh-TW" dirty="0"/>
-              <a:t>style</a:t>
-            </a:r>
-            <a:r>
-              <a:rPr lang="zh-TW" altLang="en-US" dirty="0"/>
-              <a:t>）。</a:t>
+              <a:t>選取器</a:t>
             </a:r>
             <a:endParaRPr lang="zh-TW" altLang="en-US" dirty="0"/>
           </a:p>
@@ -4327,7 +4161,7 @@
     </p:spTree>
     <p:extLst>
       <p:ext uri="{BB962C8B-B14F-4D97-AF65-F5344CB8AC3E}">
-        <p14:creationId xmlns:p14="http://schemas.microsoft.com/office/powerpoint/2010/main" val="3142124162"/>
+        <p14:creationId xmlns:p14="http://schemas.microsoft.com/office/powerpoint/2010/main" val="3949796659"/>
       </p:ext>
     </p:extLst>
   </p:cSld>
@@ -4374,54 +4208,142 @@
               <a:t>前端基礎</a:t>
             </a:r>
             <a:r>
+              <a:rPr lang="en-US" altLang="zh-TW" dirty="0" smtClean="0"/>
+              <a:t>_JavaScript</a:t>
+            </a:r>
+            <a:endParaRPr lang="zh-TW" altLang="en-US" dirty="0"/>
+          </a:p>
+        </p:txBody>
+      </p:sp>
+      <p:sp>
+        <p:nvSpPr>
+          <p:cNvPr id="3" name="內容版面配置區 2"/>
+          <p:cNvSpPr>
+            <a:spLocks noGrp="1"/>
+          </p:cNvSpPr>
+          <p:nvPr>
+            <p:ph idx="1"/>
+          </p:nvPr>
+        </p:nvSpPr>
+        <p:spPr/>
+        <p:txBody>
+          <a:bodyPr/>
+          <a:lstStyle/>
+          <a:p>
+            <a:r>
               <a:rPr lang="en-US" altLang="zh-TW" dirty="0"/>
-              <a:t>_CSS</a:t>
-            </a:r>
-            <a:endParaRPr lang="zh-TW" altLang="en-US" dirty="0"/>
-          </a:p>
-        </p:txBody>
-      </p:sp>
-      <p:sp>
-        <p:nvSpPr>
-          <p:cNvPr id="3" name="內容版面配置區 2"/>
-          <p:cNvSpPr>
-            <a:spLocks noGrp="1"/>
-          </p:cNvSpPr>
-          <p:nvPr>
-            <p:ph idx="1"/>
-          </p:nvPr>
-        </p:nvSpPr>
-        <p:spPr/>
-        <p:txBody>
-          <a:bodyPr/>
-          <a:lstStyle/>
-          <a:p>
+              <a:t>JavaScript (</a:t>
+            </a:r>
+            <a:r>
+              <a:rPr lang="zh-TW" altLang="en-US" dirty="0"/>
+              <a:t>簡稱 </a:t>
+            </a:r>
             <a:r>
               <a:rPr lang="en-US" altLang="zh-TW" dirty="0"/>
-              <a:t>Inline </a:t>
-            </a:r>
+              <a:t>JS) </a:t>
+            </a:r>
+            <a:r>
+              <a:rPr lang="zh-TW" altLang="en-US" dirty="0"/>
+              <a:t>是具有一級函數 </a:t>
+            </a:r>
+            <a:r>
+              <a:rPr lang="en-US" altLang="zh-TW" dirty="0"/>
+              <a:t>(First-class functions) </a:t>
+            </a:r>
+            <a:r>
+              <a:rPr lang="zh-TW" altLang="en-US" dirty="0"/>
+              <a:t>的輕量級、直譯式或即時編譯（</a:t>
+            </a:r>
+            <a:r>
+              <a:rPr lang="en-US" altLang="zh-TW" dirty="0"/>
+              <a:t>JIT-compiled</a:t>
+            </a:r>
+            <a:r>
+              <a:rPr lang="zh-TW" altLang="en-US" dirty="0"/>
+              <a:t>）的程式語言</a:t>
+            </a:r>
+            <a:r>
+              <a:rPr lang="zh-TW" altLang="en-US" dirty="0" smtClean="0"/>
+              <a:t>。</a:t>
+            </a:r>
+            <a:endParaRPr lang="en-US" altLang="zh-TW" dirty="0" smtClean="0"/>
+          </a:p>
+          <a:p>
+            <a:r>
+              <a:rPr lang="zh-TW" altLang="en-US" dirty="0" smtClean="0"/>
+              <a:t>它</a:t>
+            </a:r>
+            <a:r>
+              <a:rPr lang="zh-TW" altLang="en-US" dirty="0"/>
+              <a:t>因為用作網頁的腳本語言而大為知名，但也用於許多非瀏覽器的環境，像是 </a:t>
+            </a:r>
+            <a:r>
+              <a:rPr lang="en-US" altLang="zh-TW" dirty="0"/>
+              <a:t>node.js</a:t>
+            </a:r>
+            <a:r>
+              <a:rPr lang="zh-TW" altLang="en-US" dirty="0"/>
+              <a:t>、</a:t>
+            </a:r>
+            <a:r>
+              <a:rPr lang="en-US" altLang="zh-TW" dirty="0"/>
+              <a:t>Apache </a:t>
+            </a:r>
+            <a:r>
+              <a:rPr lang="en-US" altLang="zh-TW" dirty="0" err="1"/>
+              <a:t>CouchDB</a:t>
+            </a:r>
+            <a:r>
+              <a:rPr lang="zh-TW" altLang="en-US" dirty="0" smtClean="0"/>
+              <a:t>。</a:t>
+            </a:r>
+            <a:endParaRPr lang="en-US" altLang="zh-TW" dirty="0" smtClean="0"/>
+          </a:p>
+          <a:p>
             <a:r>
               <a:rPr lang="en-US" altLang="zh-TW" dirty="0" smtClean="0"/>
-              <a:t>Styles</a:t>
-            </a:r>
-          </a:p>
-          <a:p>
-            <a:r>
-              <a:rPr lang="en-US" altLang="zh-TW" dirty="0" smtClean="0"/>
-              <a:t>Internal Styles</a:t>
-            </a:r>
-          </a:p>
-          <a:p>
-            <a:r>
-              <a:rPr lang="en-US" altLang="zh-TW" dirty="0" smtClean="0"/>
-              <a:t>Multiple </a:t>
+              <a:t>JavaScript </a:t>
+            </a:r>
+            <a:r>
+              <a:rPr lang="zh-TW" altLang="en-US" dirty="0"/>
+              <a:t>是一個基於原型的 </a:t>
             </a:r>
             <a:r>
               <a:rPr lang="en-US" altLang="zh-TW" dirty="0"/>
-              <a:t>Style Sheets</a:t>
-            </a:r>
-          </a:p>
-          <a:p>
+              <a:t>(Prototype-based (</a:t>
+            </a:r>
+            <a:r>
+              <a:rPr lang="en-US" altLang="zh-TW" dirty="0" err="1"/>
+              <a:t>en</a:t>
+            </a:r>
+            <a:r>
+              <a:rPr lang="en-US" altLang="zh-TW" dirty="0"/>
+              <a:t>-US))</a:t>
+            </a:r>
+            <a:r>
+              <a:rPr lang="zh-TW" altLang="en-US" dirty="0"/>
+              <a:t>、多範型的、動態語言，支援物件導向、指令式以及宣告式 </a:t>
+            </a:r>
+            <a:r>
+              <a:rPr lang="en-US" altLang="zh-TW" dirty="0"/>
+              <a:t>(</a:t>
+            </a:r>
+            <a:r>
+              <a:rPr lang="zh-TW" altLang="en-US" dirty="0"/>
+              <a:t>如函數式程式設計</a:t>
+            </a:r>
+            <a:r>
+              <a:rPr lang="en-US" altLang="zh-TW" dirty="0"/>
+              <a:t>) </a:t>
+            </a:r>
+            <a:r>
+              <a:rPr lang="zh-TW" altLang="en-US" dirty="0"/>
+              <a:t>風格</a:t>
+            </a:r>
+            <a:r>
+              <a:rPr lang="zh-TW" altLang="en-US" dirty="0" smtClean="0"/>
+              <a:t>。</a:t>
+            </a:r>
             <a:endParaRPr lang="zh-TW" altLang="en-US" dirty="0"/>
           </a:p>
         </p:txBody>
@@ -4429,7 +4351,7 @@
     </p:spTree>
     <p:extLst>
       <p:ext uri="{BB962C8B-B14F-4D97-AF65-F5344CB8AC3E}">
-        <p14:creationId xmlns:p14="http://schemas.microsoft.com/office/powerpoint/2010/main" val="2789666710"/>
+        <p14:creationId xmlns:p14="http://schemas.microsoft.com/office/powerpoint/2010/main" val="1059881755"/>
       </p:ext>
     </p:extLst>
   </p:cSld>
@@ -4473,39 +4395,56 @@
           <a:p>
             <a:r>
               <a:rPr lang="en-US" altLang="zh-TW" dirty="0" smtClean="0"/>
-              <a:t>CSS</a:t>
-            </a:r>
+              <a:t>JS</a:t>
+            </a:r>
+            <a:endParaRPr lang="zh-TW" altLang="en-US" dirty="0"/>
+          </a:p>
+        </p:txBody>
+      </p:sp>
+      <p:sp>
+        <p:nvSpPr>
+          <p:cNvPr id="3" name="內容版面配置區 2"/>
+          <p:cNvSpPr>
+            <a:spLocks noGrp="1"/>
+          </p:cNvSpPr>
+          <p:nvPr>
+            <p:ph idx="1"/>
+          </p:nvPr>
+        </p:nvSpPr>
+        <p:spPr/>
+        <p:txBody>
+          <a:bodyPr/>
+          <a:lstStyle/>
+          <a:p>
             <a:r>
               <a:rPr lang="zh-TW" altLang="en-US" dirty="0" smtClean="0"/>
-              <a:t> </a:t>
-            </a:r>
+              <a:t>變數型別</a:t>
+            </a:r>
+            <a:endParaRPr lang="en-US" altLang="zh-TW" dirty="0" smtClean="0"/>
+          </a:p>
+          <a:p>
             <a:r>
               <a:rPr lang="en-US" altLang="zh-TW" dirty="0" smtClean="0"/>
-              <a:t>Internal styles</a:t>
-            </a:r>
-            <a:endParaRPr lang="zh-TW" altLang="en-US" dirty="0"/>
-          </a:p>
-        </p:txBody>
-      </p:sp>
-      <p:sp>
-        <p:nvSpPr>
-          <p:cNvPr id="3" name="內容版面配置區 2"/>
-          <p:cNvSpPr>
-            <a:spLocks noGrp="1"/>
-          </p:cNvSpPr>
-          <p:nvPr>
-            <p:ph idx="1"/>
-          </p:nvPr>
-        </p:nvSpPr>
-        <p:spPr/>
-        <p:txBody>
-          <a:bodyPr/>
-          <a:lstStyle/>
+              <a:t>Function</a:t>
+            </a:r>
+          </a:p>
           <a:p>
             <a:r>
               <a:rPr lang="zh-TW" altLang="en-US" dirty="0" smtClean="0"/>
-              <a:t>選取器</a:t>
-            </a:r>
+              <a:t>事件</a:t>
+            </a:r>
+            <a:endParaRPr lang="en-US" altLang="zh-TW" dirty="0" smtClean="0"/>
+          </a:p>
+          <a:p>
+            <a:r>
+              <a:rPr lang="en-US" altLang="zh-TW" dirty="0" smtClean="0"/>
+              <a:t>Dom</a:t>
+            </a:r>
+          </a:p>
+          <a:p>
+            <a:endParaRPr lang="en-US" altLang="zh-TW" dirty="0" smtClean="0"/>
+          </a:p>
+          <a:p>
             <a:endParaRPr lang="zh-TW" altLang="en-US" dirty="0"/>
           </a:p>
         </p:txBody>
@@ -4513,7 +4452,7 @@
     </p:spTree>
     <p:extLst>
       <p:ext uri="{BB962C8B-B14F-4D97-AF65-F5344CB8AC3E}">
-        <p14:creationId xmlns:p14="http://schemas.microsoft.com/office/powerpoint/2010/main" val="3949796659"/>
+        <p14:creationId xmlns:p14="http://schemas.microsoft.com/office/powerpoint/2010/main" val="1816823316"/>
       </p:ext>
     </p:extLst>
   </p:cSld>
@@ -4556,32 +4495,144 @@
           <a:lstStyle/>
           <a:p>
             <a:r>
+              <a:rPr lang="zh-TW" altLang="en-US" b="1" dirty="0" smtClean="0"/>
+              <a:t>常見的 </a:t>
+            </a:r>
+            <a:r>
+              <a:rPr lang="en-US" altLang="zh-TW" b="1" dirty="0" smtClean="0"/>
+              <a:t>HTTP </a:t>
+            </a:r>
+            <a:r>
+              <a:rPr lang="en-US" altLang="zh-TW" b="1" dirty="0"/>
+              <a:t>Method</a:t>
+            </a:r>
+            <a:endParaRPr lang="zh-TW" altLang="en-US" b="1" dirty="0"/>
+          </a:p>
+        </p:txBody>
+      </p:sp>
+      <p:sp>
+        <p:nvSpPr>
+          <p:cNvPr id="3" name="內容版面配置區 2"/>
+          <p:cNvSpPr>
+            <a:spLocks noGrp="1"/>
+          </p:cNvSpPr>
+          <p:nvPr>
+            <p:ph idx="1"/>
+          </p:nvPr>
+        </p:nvSpPr>
+        <p:spPr/>
+        <p:txBody>
+          <a:bodyPr/>
+          <a:lstStyle/>
+          <a:p>
+            <a:pPr marL="0" indent="0">
+              <a:buNone/>
+            </a:pPr>
+            <a:r>
+              <a:rPr lang="en-US" altLang="zh-TW" dirty="0" smtClean="0"/>
+              <a:t>HTTP </a:t>
+            </a:r>
+            <a:r>
               <a:rPr lang="zh-TW" altLang="en-US" dirty="0"/>
-              <a:t>前端基礎</a:t>
-            </a:r>
+              <a:t>定義了一組能令給定資源，執行特定操作的</a:t>
+            </a:r>
+            <a:r>
+              <a:rPr lang="zh-TW" altLang="en-US" b="1" dirty="0"/>
+              <a:t>請求方法</a:t>
+            </a:r>
+            <a:r>
+              <a:rPr lang="zh-TW" altLang="en-US" dirty="0"/>
+              <a:t>（</a:t>
+            </a:r>
+            <a:r>
+              <a:rPr lang="en-US" altLang="zh-TW" dirty="0"/>
+              <a:t>request methods</a:t>
+            </a:r>
+            <a:r>
+              <a:rPr lang="zh-TW" altLang="en-US" dirty="0" smtClean="0"/>
+              <a:t>）</a:t>
+            </a:r>
+            <a:endParaRPr lang="en-US" altLang="zh-TW" dirty="0" smtClean="0"/>
+          </a:p>
+          <a:p>
+            <a:pPr marL="0" indent="0">
+              <a:buNone/>
+            </a:pPr>
+            <a:endParaRPr lang="en-US" altLang="zh-TW" dirty="0"/>
+          </a:p>
+          <a:p>
+            <a:r>
+              <a:rPr lang="en-US" altLang="zh-TW" b="1" dirty="0" smtClean="0"/>
+              <a:t>GET</a:t>
+            </a:r>
+            <a:r>
+              <a:rPr lang="zh-TW" altLang="en-US" dirty="0"/>
+              <a:t>：向指定的資源發出「顯示」請求</a:t>
+            </a:r>
+            <a:r>
+              <a:rPr lang="zh-TW" altLang="en-US" dirty="0" smtClean="0"/>
+              <a:t>。</a:t>
+            </a:r>
+            <a:endParaRPr lang="en-US" altLang="zh-TW" dirty="0" smtClean="0"/>
+          </a:p>
+          <a:p>
+            <a:r>
+              <a:rPr lang="en-US" altLang="zh-TW" b="1" dirty="0" smtClean="0"/>
+              <a:t>POST</a:t>
+            </a:r>
+            <a:r>
+              <a:rPr lang="zh-TW" altLang="en-US" dirty="0"/>
+              <a:t>：向指定資源提交資料，並且</a:t>
+            </a:r>
+            <a:r>
+              <a:rPr lang="en-US" altLang="zh-TW" dirty="0"/>
+              <a:t>Body</a:t>
+            </a:r>
+            <a:r>
+              <a:rPr lang="zh-TW" altLang="en-US" dirty="0"/>
+              <a:t>中可帶傳輸的資料</a:t>
+            </a:r>
+            <a:r>
+              <a:rPr lang="zh-TW" altLang="en-US" dirty="0" smtClean="0"/>
+              <a:t>。</a:t>
+            </a:r>
+            <a:endParaRPr lang="en-US" altLang="zh-TW" dirty="0" smtClean="0"/>
+          </a:p>
+          <a:p>
             <a:r>
               <a:rPr lang="en-US" altLang="zh-TW" dirty="0" smtClean="0"/>
-              <a:t>_JavaScript</a:t>
-            </a:r>
-            <a:endParaRPr lang="zh-TW" altLang="en-US" dirty="0"/>
-          </a:p>
-        </p:txBody>
-      </p:sp>
-      <p:sp>
-        <p:nvSpPr>
-          <p:cNvPr id="3" name="內容版面配置區 2"/>
-          <p:cNvSpPr>
-            <a:spLocks noGrp="1"/>
-          </p:cNvSpPr>
-          <p:nvPr>
-            <p:ph idx="1"/>
-          </p:nvPr>
-        </p:nvSpPr>
-        <p:spPr/>
-        <p:txBody>
-          <a:bodyPr/>
-          <a:lstStyle/>
-          <a:p>
+              <a:t>PUT</a:t>
+            </a:r>
+            <a:r>
+              <a:rPr lang="zh-TW" altLang="en-US" dirty="0"/>
+              <a:t>：上傳或取代指定的資源</a:t>
+            </a:r>
+            <a:r>
+              <a:rPr lang="zh-TW" altLang="en-US" dirty="0" smtClean="0"/>
+              <a:t>。</a:t>
+            </a:r>
+            <a:endParaRPr lang="en-US" altLang="zh-TW" dirty="0" smtClean="0"/>
+          </a:p>
+          <a:p>
+            <a:r>
+              <a:rPr lang="en-US" altLang="zh-TW" dirty="0" smtClean="0"/>
+              <a:t>DELETE</a:t>
+            </a:r>
+            <a:r>
+              <a:rPr lang="zh-TW" altLang="en-US" dirty="0"/>
+              <a:t>：刪除指定的資源</a:t>
+            </a:r>
+            <a:r>
+              <a:rPr lang="zh-TW" altLang="en-US" dirty="0" smtClean="0"/>
+              <a:t>。</a:t>
+            </a:r>
+            <a:endParaRPr lang="en-US" altLang="zh-TW" dirty="0" smtClean="0"/>
+          </a:p>
+          <a:p>
+            <a:r>
+              <a:rPr lang="en-US" altLang="zh-TW" dirty="0" smtClean="0"/>
+              <a:t>…</a:t>
+            </a:r>
             <a:endParaRPr lang="zh-TW" altLang="en-US" dirty="0"/>
           </a:p>
         </p:txBody>
@@ -4589,7 +4640,7 @@
     </p:spTree>
     <p:extLst>
       <p:ext uri="{BB962C8B-B14F-4D97-AF65-F5344CB8AC3E}">
-        <p14:creationId xmlns:p14="http://schemas.microsoft.com/office/powerpoint/2010/main" val="1059881755"/>
+        <p14:creationId xmlns:p14="http://schemas.microsoft.com/office/powerpoint/2010/main" val="960925944"/>
       </p:ext>
     </p:extLst>
   </p:cSld>
@@ -4632,10 +4683,9 @@
           <a:lstStyle/>
           <a:p>
             <a:r>
-              <a:rPr lang="en-US" altLang="zh-TW" dirty="0" smtClean="0"/>
-              <a:t>JS</a:t>
-            </a:r>
-            <a:endParaRPr lang="zh-TW" altLang="en-US" dirty="0"/>
+              <a:rPr lang="zh-TW" altLang="en-US" dirty="0"/>
+              <a:t>練習 新增專案查看開發人員工具</a:t>
+            </a:r>
           </a:p>
         </p:txBody>
       </p:sp>
@@ -4654,35 +4704,15 @@
           <a:bodyPr/>
           <a:lstStyle/>
           <a:p>
+            <a:pPr marL="228600" lvl="1">
+              <a:spcBef>
+                <a:spcPts val="1000"/>
+              </a:spcBef>
+            </a:pPr>
             <a:r>
               <a:rPr lang="zh-TW" altLang="en-US" dirty="0" smtClean="0"/>
-              <a:t>變數型別</a:t>
-            </a:r>
-            <a:endParaRPr lang="en-US" altLang="zh-TW" dirty="0" smtClean="0"/>
-          </a:p>
-          <a:p>
-            <a:r>
-              <a:rPr lang="en-US" altLang="zh-TW" dirty="0" smtClean="0"/>
-              <a:t>Function</a:t>
-            </a:r>
-          </a:p>
-          <a:p>
-            <a:r>
-              <a:rPr lang="zh-TW" altLang="en-US" dirty="0" smtClean="0"/>
-              <a:t>事件</a:t>
-            </a:r>
-            <a:endParaRPr lang="en-US" altLang="zh-TW" dirty="0" smtClean="0"/>
-          </a:p>
-          <a:p>
-            <a:r>
-              <a:rPr lang="en-US" altLang="zh-TW" dirty="0" smtClean="0"/>
-              <a:t>Dom</a:t>
-            </a:r>
-          </a:p>
-          <a:p>
-            <a:endParaRPr lang="en-US" altLang="zh-TW" dirty="0" smtClean="0"/>
-          </a:p>
-          <a:p>
+              <a:t>網頁交換差異</a:t>
+            </a:r>
             <a:endParaRPr lang="zh-TW" altLang="en-US" dirty="0"/>
           </a:p>
         </p:txBody>
@@ -4690,7 +4720,7 @@
     </p:spTree>
     <p:extLst>
       <p:ext uri="{BB962C8B-B14F-4D97-AF65-F5344CB8AC3E}">
-        <p14:creationId xmlns:p14="http://schemas.microsoft.com/office/powerpoint/2010/main" val="1816823316"/>
+        <p14:creationId xmlns:p14="http://schemas.microsoft.com/office/powerpoint/2010/main" val="2906641071"/>
       </p:ext>
     </p:extLst>
   </p:cSld>
@@ -4733,54 +4763,233 @@
           <a:lstStyle/>
           <a:p>
             <a:r>
+              <a:rPr lang="en-US" altLang="zh-TW" b="1" dirty="0"/>
+              <a:t>HTTP Code</a:t>
+            </a:r>
+            <a:endParaRPr lang="zh-TW" altLang="en-US" b="1" dirty="0"/>
+          </a:p>
+        </p:txBody>
+      </p:sp>
+      <p:sp>
+        <p:nvSpPr>
+          <p:cNvPr id="3" name="內容版面配置區 2"/>
+          <p:cNvSpPr>
+            <a:spLocks noGrp="1"/>
+          </p:cNvSpPr>
+          <p:nvPr>
+            <p:ph idx="1"/>
+          </p:nvPr>
+        </p:nvSpPr>
+        <p:spPr/>
+        <p:txBody>
+          <a:bodyPr/>
+          <a:lstStyle/>
+          <a:p>
+            <a:r>
               <a:rPr lang="zh-TW" altLang="en-US" dirty="0"/>
-              <a:t>後</a:t>
-            </a:r>
-            <a:r>
-              <a:rPr lang="zh-TW" altLang="en-US" dirty="0" smtClean="0"/>
-              <a:t>端</a:t>
+              <a:t>資訊回應 </a:t>
+            </a:r>
+            <a:r>
+              <a:rPr lang="en-US" altLang="zh-TW" dirty="0"/>
+              <a:t>(Informational responses, 100–199),</a:t>
+            </a:r>
+          </a:p>
+          <a:p>
+            <a:r>
+              <a:rPr lang="zh-TW" altLang="en-US" dirty="0"/>
+              <a:t>成功回應 </a:t>
+            </a:r>
+            <a:r>
+              <a:rPr lang="en-US" altLang="zh-TW" dirty="0"/>
+              <a:t>(Successful responses, 200–299),</a:t>
+            </a:r>
+          </a:p>
+          <a:p>
+            <a:r>
+              <a:rPr lang="zh-TW" altLang="en-US" dirty="0"/>
+              <a:t>重定向 </a:t>
+            </a:r>
+            <a:r>
+              <a:rPr lang="en-US" altLang="zh-TW" dirty="0"/>
+              <a:t>(Redirects, 300–399),</a:t>
+            </a:r>
+          </a:p>
+          <a:p>
+            <a:r>
+              <a:rPr lang="zh-TW" altLang="en-US" dirty="0"/>
+              <a:t>用戶端錯誤 </a:t>
+            </a:r>
+            <a:r>
+              <a:rPr lang="en-US" altLang="zh-TW" dirty="0"/>
+              <a:t>(Client errors, 400–499),</a:t>
+            </a:r>
+          </a:p>
+          <a:p>
+            <a:r>
+              <a:rPr lang="zh-TW" altLang="en-US" dirty="0"/>
+              <a:t>伺服器端錯誤 </a:t>
+            </a:r>
+            <a:r>
+              <a:rPr lang="en-US" altLang="zh-TW" dirty="0"/>
+              <a:t>(Server errors, 500–599).</a:t>
             </a:r>
             <a:endParaRPr lang="zh-TW" altLang="en-US" dirty="0"/>
-          </a:p>
-        </p:txBody>
-      </p:sp>
-      <p:sp>
-        <p:nvSpPr>
-          <p:cNvPr id="3" name="內容版面配置區 2"/>
-          <p:cNvSpPr>
-            <a:spLocks noGrp="1"/>
-          </p:cNvSpPr>
-          <p:nvPr>
-            <p:ph idx="1"/>
-          </p:nvPr>
-        </p:nvSpPr>
-        <p:spPr/>
-        <p:txBody>
-          <a:bodyPr/>
-          <a:lstStyle/>
-          <a:p>
-            <a:r>
-              <a:rPr lang="en-US" altLang="zh-TW" dirty="0"/>
-              <a:t>Asp.net </a:t>
-            </a:r>
-            <a:r>
-              <a:rPr lang="en-US" altLang="zh-TW" dirty="0" err="1"/>
-              <a:t>WebForm</a:t>
-            </a:r>
-            <a:endParaRPr lang="en-US" altLang="zh-TW" dirty="0"/>
-          </a:p>
-          <a:p>
-            <a:r>
-              <a:rPr lang="en-US" altLang="zh-TW" dirty="0"/>
-              <a:t>MS SQL</a:t>
-            </a:r>
           </a:p>
         </p:txBody>
       </p:sp>
     </p:spTree>
     <p:extLst>
       <p:ext uri="{BB962C8B-B14F-4D97-AF65-F5344CB8AC3E}">
-        <p14:creationId xmlns:p14="http://schemas.microsoft.com/office/powerpoint/2010/main" val="1376430804"/>
+        <p14:creationId xmlns:p14="http://schemas.microsoft.com/office/powerpoint/2010/main" val="3094440724"/>
+      </p:ext>
+    </p:extLst>
+  </p:cSld>
+  <p:clrMapOvr>
+    <a:masterClrMapping/>
+  </p:clrMapOvr>
+</p:sld>
+</file>
+
+<file path=ppt/slides/slide19.xml><?xml version="1.0" encoding="utf-8"?>
+<p:sld xmlns:a="http://schemas.openxmlformats.org/drawingml/2006/main" xmlns:r="http://schemas.openxmlformats.org/officeDocument/2006/relationships" xmlns:p="http://schemas.openxmlformats.org/presentationml/2006/main">
+  <p:cSld>
+    <p:spTree>
+      <p:nvGrpSpPr>
+        <p:cNvPr id="1" name=""/>
+        <p:cNvGrpSpPr/>
+        <p:nvPr/>
+      </p:nvGrpSpPr>
+      <p:grpSpPr>
+        <a:xfrm>
+          <a:off x="0" y="0"/>
+          <a:ext cx="0" cy="0"/>
+          <a:chOff x="0" y="0"/>
+          <a:chExt cx="0" cy="0"/>
+        </a:xfrm>
+      </p:grpSpPr>
+      <p:sp>
+        <p:nvSpPr>
+          <p:cNvPr id="2" name="標題 1"/>
+          <p:cNvSpPr>
+            <a:spLocks noGrp="1"/>
+          </p:cNvSpPr>
+          <p:nvPr>
+            <p:ph type="title"/>
+          </p:nvPr>
+        </p:nvSpPr>
+        <p:spPr/>
+        <p:txBody>
+          <a:bodyPr/>
+          <a:lstStyle/>
+          <a:p>
+            <a:r>
+              <a:rPr lang="zh-TW" altLang="en-US" dirty="0"/>
+              <a:t>練習 新增專案查看開發人員工具</a:t>
+            </a:r>
+          </a:p>
+        </p:txBody>
+      </p:sp>
+      <p:sp>
+        <p:nvSpPr>
+          <p:cNvPr id="3" name="內容版面配置區 2"/>
+          <p:cNvSpPr>
+            <a:spLocks noGrp="1"/>
+          </p:cNvSpPr>
+          <p:nvPr>
+            <p:ph idx="1"/>
+          </p:nvPr>
+        </p:nvSpPr>
+        <p:spPr/>
+        <p:txBody>
+          <a:bodyPr/>
+          <a:lstStyle/>
+          <a:p>
+            <a:pPr marL="228600" lvl="1">
+              <a:spcBef>
+                <a:spcPts val="1000"/>
+              </a:spcBef>
+            </a:pPr>
+            <a:r>
+              <a:rPr lang="zh-TW" altLang="en-US" dirty="0" smtClean="0"/>
+              <a:t>測試成功</a:t>
+            </a:r>
+            <a:endParaRPr lang="en-US" altLang="zh-TW" dirty="0" smtClean="0"/>
+          </a:p>
+          <a:p>
+            <a:pPr marL="228600" lvl="1">
+              <a:spcBef>
+                <a:spcPts val="1000"/>
+              </a:spcBef>
+            </a:pPr>
+            <a:r>
+              <a:rPr lang="zh-TW" altLang="en-US" dirty="0" smtClean="0"/>
+              <a:t>測試重定向 </a:t>
+            </a:r>
+            <a:r>
+              <a:rPr lang="en-US" altLang="zh-TW" dirty="0" smtClean="0"/>
+              <a:t>200</a:t>
+            </a:r>
+          </a:p>
+          <a:p>
+            <a:pPr marL="228600" lvl="1">
+              <a:spcBef>
+                <a:spcPts val="1000"/>
+              </a:spcBef>
+            </a:pPr>
+            <a:r>
+              <a:rPr lang="zh-TW" altLang="en-US" dirty="0"/>
+              <a:t>測試</a:t>
+            </a:r>
+            <a:r>
+              <a:rPr lang="zh-TW" altLang="en-US" dirty="0" smtClean="0"/>
+              <a:t>端錯誤 </a:t>
+            </a:r>
+            <a:r>
+              <a:rPr lang="en-US" altLang="zh-TW" dirty="0" smtClean="0"/>
+              <a:t>404</a:t>
+            </a:r>
+          </a:p>
+          <a:p>
+            <a:pPr marL="228600" lvl="1">
+              <a:spcBef>
+                <a:spcPts val="1000"/>
+              </a:spcBef>
+            </a:pPr>
+            <a:r>
+              <a:rPr lang="zh-TW" altLang="en-US" dirty="0"/>
+              <a:t>測試</a:t>
+            </a:r>
+            <a:r>
+              <a:rPr lang="zh-TW" altLang="en-US" dirty="0" smtClean="0"/>
+              <a:t>伺服器</a:t>
+            </a:r>
+            <a:r>
+              <a:rPr lang="zh-TW" altLang="en-US" dirty="0"/>
+              <a:t>端</a:t>
+            </a:r>
+            <a:r>
+              <a:rPr lang="zh-TW" altLang="en-US" dirty="0" smtClean="0"/>
+              <a:t>錯誤 </a:t>
+            </a:r>
+            <a:r>
+              <a:rPr lang="en-US" altLang="zh-TW" dirty="0" smtClean="0"/>
+              <a:t>500</a:t>
+            </a:r>
+          </a:p>
+          <a:p>
+            <a:pPr marL="228600" lvl="1">
+              <a:spcBef>
+                <a:spcPts val="1000"/>
+              </a:spcBef>
+            </a:pPr>
+            <a:endParaRPr lang="zh-TW" altLang="en-US" dirty="0"/>
+          </a:p>
+        </p:txBody>
+      </p:sp>
+    </p:spTree>
+    <p:extLst>
+      <p:ext uri="{BB962C8B-B14F-4D97-AF65-F5344CB8AC3E}">
+        <p14:creationId xmlns:p14="http://schemas.microsoft.com/office/powerpoint/2010/main" val="1947028154"/>
       </p:ext>
     </p:extLst>
   </p:cSld>
@@ -4982,6 +5191,86 @@
     <p:extLst>
       <p:ext uri="{BB962C8B-B14F-4D97-AF65-F5344CB8AC3E}">
         <p14:creationId xmlns:p14="http://schemas.microsoft.com/office/powerpoint/2010/main" val="1833885385"/>
+      </p:ext>
+    </p:extLst>
+  </p:cSld>
+  <p:clrMapOvr>
+    <a:masterClrMapping/>
+  </p:clrMapOvr>
+</p:sld>
+</file>
+
+<file path=ppt/slides/slide20.xml><?xml version="1.0" encoding="utf-8"?>
+<p:sld xmlns:a="http://schemas.openxmlformats.org/drawingml/2006/main" xmlns:r="http://schemas.openxmlformats.org/officeDocument/2006/relationships" xmlns:p="http://schemas.openxmlformats.org/presentationml/2006/main">
+  <p:cSld>
+    <p:spTree>
+      <p:nvGrpSpPr>
+        <p:cNvPr id="1" name=""/>
+        <p:cNvGrpSpPr/>
+        <p:nvPr/>
+      </p:nvGrpSpPr>
+      <p:grpSpPr>
+        <a:xfrm>
+          <a:off x="0" y="0"/>
+          <a:ext cx="0" cy="0"/>
+          <a:chOff x="0" y="0"/>
+          <a:chExt cx="0" cy="0"/>
+        </a:xfrm>
+      </p:grpSpPr>
+      <p:sp>
+        <p:nvSpPr>
+          <p:cNvPr id="2" name="標題 1"/>
+          <p:cNvSpPr>
+            <a:spLocks noGrp="1"/>
+          </p:cNvSpPr>
+          <p:nvPr>
+            <p:ph type="title"/>
+          </p:nvPr>
+        </p:nvSpPr>
+        <p:spPr/>
+        <p:txBody>
+          <a:bodyPr/>
+          <a:lstStyle/>
+          <a:p>
+            <a:r>
+              <a:rPr lang="en-US" altLang="zh-TW" dirty="0" smtClean="0"/>
+              <a:t>HTTP</a:t>
+            </a:r>
+            <a:r>
+              <a:rPr lang="zh-TW" altLang="en-US" dirty="0" smtClean="0"/>
+              <a:t>與</a:t>
+            </a:r>
+            <a:r>
+              <a:rPr lang="en-US" altLang="zh-TW" dirty="0" smtClean="0"/>
+              <a:t>HTTPS</a:t>
+            </a:r>
+            <a:endParaRPr lang="zh-TW" altLang="en-US" dirty="0"/>
+          </a:p>
+        </p:txBody>
+      </p:sp>
+      <p:sp>
+        <p:nvSpPr>
+          <p:cNvPr id="3" name="內容版面配置區 2"/>
+          <p:cNvSpPr>
+            <a:spLocks noGrp="1"/>
+          </p:cNvSpPr>
+          <p:nvPr>
+            <p:ph idx="1"/>
+          </p:nvPr>
+        </p:nvSpPr>
+        <p:spPr/>
+        <p:txBody>
+          <a:bodyPr/>
+          <a:lstStyle/>
+          <a:p>
+            <a:endParaRPr lang="zh-TW" altLang="en-US"/>
+          </a:p>
+        </p:txBody>
+      </p:sp>
+    </p:spTree>
+    <p:extLst>
+      <p:ext uri="{BB962C8B-B14F-4D97-AF65-F5344CB8AC3E}">
+        <p14:creationId xmlns:p14="http://schemas.microsoft.com/office/powerpoint/2010/main" val="4022362455"/>
       </p:ext>
     </p:extLst>
   </p:cSld>
@@ -5953,7 +6242,19 @@
           <a:p>
             <a:r>
               <a:rPr lang="zh-TW" altLang="en-US" dirty="0" smtClean="0"/>
-              <a:t>練習 新增專案查看開發人員工具</a:t>
+              <a:t>網頁前端 </a:t>
+            </a:r>
+            <a:r>
+              <a:rPr lang="en-US" altLang="zh-TW" b="1" dirty="0" smtClean="0"/>
+              <a:t>&amp;</a:t>
+            </a:r>
+            <a:r>
+              <a:rPr lang="zh-TW" altLang="en-US" b="1" dirty="0" smtClean="0"/>
+              <a:t> </a:t>
+            </a:r>
+            <a:r>
+              <a:rPr lang="zh-TW" altLang="en-US" dirty="0" smtClean="0"/>
+              <a:t>後端</a:t>
             </a:r>
             <a:endParaRPr lang="zh-TW" altLang="en-US" dirty="0"/>
           </a:p>
@@ -5966,66 +6267,1134 @@
             <a:spLocks noGrp="1"/>
           </p:cNvSpPr>
           <p:nvPr>
-            <p:ph idx="1"/>
-          </p:nvPr>
-        </p:nvSpPr>
-        <p:spPr/>
-        <p:txBody>
-          <a:bodyPr/>
-          <a:lstStyle/>
-          <a:p>
+            <p:ph sz="half" idx="1"/>
+          </p:nvPr>
+        </p:nvSpPr>
+        <p:spPr>
+          <a:xfrm>
+            <a:off x="838199" y="1825625"/>
+            <a:ext cx="5218355" cy="1696445"/>
+          </a:xfrm>
+        </p:spPr>
+        <p:txBody>
+          <a:bodyPr/>
+          <a:lstStyle/>
+          <a:p>
+            <a:r>
+              <a:rPr lang="en-US" altLang="zh-TW" dirty="0"/>
+              <a:t>Client</a:t>
+            </a:r>
             <a:r>
               <a:rPr lang="zh-TW" altLang="en-US" dirty="0" smtClean="0"/>
-              <a:t>開啟</a:t>
-            </a:r>
+              <a:t>：</a:t>
+            </a:r>
+            <a:r>
+              <a:rPr lang="zh-TW" altLang="en-US" dirty="0"/>
+              <a:t>前</a:t>
+            </a:r>
+            <a:r>
+              <a:rPr lang="zh-TW" altLang="en-US" dirty="0" smtClean="0"/>
+              <a:t>端</a:t>
+            </a:r>
+            <a:endParaRPr lang="en-US" altLang="zh-TW" dirty="0" smtClean="0"/>
+          </a:p>
+          <a:p>
+            <a:pPr lvl="1"/>
             <a:r>
               <a:rPr lang="en-US" altLang="zh-TW" dirty="0" smtClean="0"/>
-              <a:t>VS2019</a:t>
-            </a:r>
-          </a:p>
-          <a:p>
+              <a:t>HTML</a:t>
+            </a:r>
             <a:r>
               <a:rPr lang="zh-TW" altLang="en-US" dirty="0" smtClean="0"/>
-              <a:t>新增</a:t>
-            </a:r>
-            <a:r>
-              <a:rPr lang="en-US" altLang="zh-TW" dirty="0" err="1" smtClean="0"/>
-              <a:t>WebForm</a:t>
+              <a:t>：</a:t>
+            </a:r>
+            <a:r>
+              <a:rPr lang="zh-TW" altLang="en-US" dirty="0"/>
+              <a:t>網頁結構</a:t>
+            </a:r>
+            <a:endParaRPr lang="en-US" altLang="zh-TW" dirty="0"/>
+          </a:p>
+          <a:p>
+            <a:pPr lvl="1"/>
+            <a:r>
+              <a:rPr lang="en-US" altLang="zh-TW" dirty="0" smtClean="0"/>
+              <a:t>CSS</a:t>
             </a:r>
             <a:r>
               <a:rPr lang="zh-TW" altLang="en-US" dirty="0" smtClean="0"/>
-              <a:t>專案</a:t>
-            </a:r>
+              <a:t>：</a:t>
+            </a:r>
+            <a:r>
+              <a:rPr lang="zh-TW" altLang="en-US" dirty="0"/>
+              <a:t>網頁</a:t>
+            </a:r>
+            <a:r>
+              <a:rPr lang="zh-TW" altLang="en-US" dirty="0" smtClean="0"/>
+              <a:t>顏色、排版、動畫</a:t>
+            </a:r>
+            <a:endParaRPr lang="en-US" altLang="zh-TW" dirty="0"/>
+          </a:p>
+          <a:p>
+            <a:pPr lvl="1"/>
+            <a:r>
+              <a:rPr lang="en-US" altLang="zh-TW" dirty="0"/>
+              <a:t>JavaScript</a:t>
+            </a:r>
+            <a:r>
+              <a:rPr lang="zh-TW" altLang="en-US" dirty="0" smtClean="0"/>
+              <a:t>：互動功能</a:t>
+            </a:r>
+          </a:p>
+          <a:p>
+            <a:pPr lvl="1"/>
             <a:endParaRPr lang="en-US" altLang="zh-TW" dirty="0" smtClean="0"/>
           </a:p>
-          <a:p>
+        </p:txBody>
+      </p:sp>
+      <p:sp>
+        <p:nvSpPr>
+          <p:cNvPr id="4" name="內容版面配置區 3"/>
+          <p:cNvSpPr>
+            <a:spLocks noGrp="1"/>
+          </p:cNvSpPr>
+          <p:nvPr>
+            <p:ph sz="half" idx="2"/>
+          </p:nvPr>
+        </p:nvSpPr>
+        <p:spPr>
+          <a:xfrm>
+            <a:off x="6172200" y="1825625"/>
+            <a:ext cx="5585908" cy="4351338"/>
+          </a:xfrm>
+        </p:spPr>
+        <p:txBody>
+          <a:bodyPr/>
+          <a:lstStyle/>
+          <a:p>
+            <a:r>
+              <a:rPr lang="en-US" altLang="zh-TW" dirty="0"/>
+              <a:t>Server</a:t>
+            </a:r>
+            <a:r>
+              <a:rPr lang="zh-TW" altLang="en-US" dirty="0"/>
+              <a:t>：後端</a:t>
+            </a:r>
+            <a:endParaRPr lang="en-US" altLang="zh-TW" dirty="0"/>
+          </a:p>
+          <a:p>
+            <a:pPr lvl="1"/>
+            <a:r>
+              <a:rPr lang="en-US" altLang="zh-TW" dirty="0" smtClean="0"/>
+              <a:t>DB</a:t>
+            </a:r>
             <a:r>
               <a:rPr lang="zh-TW" altLang="en-US" dirty="0" smtClean="0"/>
-              <a:t>加入</a:t>
-            </a:r>
+              <a:t> </a:t>
+            </a:r>
+            <a:r>
+              <a:rPr lang="en-US" altLang="zh-TW" dirty="0"/>
+              <a:t>(MS-SQL)</a:t>
+            </a:r>
+            <a:r>
+              <a:rPr lang="zh-TW" altLang="en-US" dirty="0"/>
+              <a:t>：資料管理</a:t>
+            </a:r>
+            <a:endParaRPr lang="en-US" altLang="zh-TW" dirty="0"/>
+          </a:p>
+          <a:p>
+            <a:pPr lvl="1"/>
+            <a:r>
+              <a:rPr lang="en-US" altLang="zh-TW" dirty="0"/>
+              <a:t>C#(Asp.net</a:t>
+            </a:r>
+            <a:r>
+              <a:rPr lang="zh-TW" altLang="en-US" dirty="0"/>
+              <a:t> </a:t>
+            </a:r>
+            <a:r>
+              <a:rPr lang="en-US" altLang="zh-TW" dirty="0"/>
+              <a:t>Web Form)</a:t>
+            </a:r>
+            <a:r>
+              <a:rPr lang="zh-TW" altLang="en-US" dirty="0"/>
+              <a:t> ：互動功能</a:t>
+            </a:r>
+          </a:p>
+          <a:p>
+            <a:endParaRPr lang="zh-TW" altLang="en-US" dirty="0"/>
+          </a:p>
+        </p:txBody>
+      </p:sp>
+      <p:sp>
+        <p:nvSpPr>
+          <p:cNvPr id="5" name="圓角矩形 4"/>
+          <p:cNvSpPr/>
+          <p:nvPr/>
+        </p:nvSpPr>
+        <p:spPr>
+          <a:xfrm>
+            <a:off x="352317" y="3792537"/>
+            <a:ext cx="3270325" cy="1957892"/>
+          </a:xfrm>
+          <a:prstGeom prst="roundRect">
+            <a:avLst/>
+          </a:prstGeom>
+          <a:ln/>
+        </p:spPr>
+        <p:style>
+          <a:lnRef idx="2">
+            <a:schemeClr val="accent1"/>
+          </a:lnRef>
+          <a:fillRef idx="1">
+            <a:schemeClr val="lt1"/>
+          </a:fillRef>
+          <a:effectRef idx="0">
+            <a:schemeClr val="accent1"/>
+          </a:effectRef>
+          <a:fontRef idx="minor">
+            <a:schemeClr val="dk1"/>
+          </a:fontRef>
+        </p:style>
+        <p:txBody>
+          <a:bodyPr rtlCol="0" anchor="t"/>
+          <a:lstStyle/>
+          <a:p>
+            <a:pPr algn="ctr"/>
+            <a:r>
+              <a:rPr lang="en-US" altLang="zh-TW" sz="2400" dirty="0"/>
+              <a:t>Client</a:t>
+            </a:r>
+            <a:endParaRPr lang="zh-TW" altLang="en-US" sz="2400" dirty="0"/>
+          </a:p>
+        </p:txBody>
+      </p:sp>
+      <p:sp>
+        <p:nvSpPr>
+          <p:cNvPr id="6" name="雲朵形 5"/>
+          <p:cNvSpPr/>
+          <p:nvPr/>
+        </p:nvSpPr>
+        <p:spPr>
+          <a:xfrm>
+            <a:off x="4397294" y="3551113"/>
+            <a:ext cx="3450571" cy="2342061"/>
+          </a:xfrm>
+          <a:prstGeom prst="cloud">
+            <a:avLst/>
+          </a:prstGeom>
+        </p:spPr>
+        <p:style>
+          <a:lnRef idx="2">
+            <a:schemeClr val="accent6"/>
+          </a:lnRef>
+          <a:fillRef idx="1">
+            <a:schemeClr val="lt1"/>
+          </a:fillRef>
+          <a:effectRef idx="0">
+            <a:schemeClr val="accent6"/>
+          </a:effectRef>
+          <a:fontRef idx="minor">
+            <a:schemeClr val="dk1"/>
+          </a:fontRef>
+        </p:style>
+        <p:txBody>
+          <a:bodyPr rtlCol="0" anchor="t"/>
+          <a:lstStyle/>
+          <a:p>
+            <a:pPr algn="ctr"/>
             <a:r>
               <a:rPr lang="en-US" altLang="zh-TW" dirty="0" smtClean="0"/>
-              <a:t>page</a:t>
-            </a:r>
-          </a:p>
-          <a:p>
-            <a:pPr lvl="1"/>
-            <a:r>
-              <a:rPr lang="zh-TW" altLang="en-US" dirty="0" smtClean="0"/>
-              <a:t>空白</a:t>
-            </a:r>
-            <a:endParaRPr lang="en-US" altLang="zh-TW" dirty="0" smtClean="0"/>
-          </a:p>
-          <a:p>
-            <a:pPr lvl="1"/>
+              <a:t>internet</a:t>
+            </a:r>
             <a:endParaRPr lang="zh-TW" altLang="en-US" dirty="0"/>
+          </a:p>
+        </p:txBody>
+      </p:sp>
+      <p:sp>
+        <p:nvSpPr>
+          <p:cNvPr id="7" name="圓角矩形 6"/>
+          <p:cNvSpPr/>
+          <p:nvPr/>
+        </p:nvSpPr>
+        <p:spPr>
+          <a:xfrm>
+            <a:off x="8487783" y="3846325"/>
+            <a:ext cx="3270325" cy="1957892"/>
+          </a:xfrm>
+          <a:prstGeom prst="roundRect">
+            <a:avLst/>
+          </a:prstGeom>
+        </p:spPr>
+        <p:style>
+          <a:lnRef idx="2">
+            <a:schemeClr val="accent4"/>
+          </a:lnRef>
+          <a:fillRef idx="1">
+            <a:schemeClr val="lt1"/>
+          </a:fillRef>
+          <a:effectRef idx="0">
+            <a:schemeClr val="accent4"/>
+          </a:effectRef>
+          <a:fontRef idx="minor">
+            <a:schemeClr val="dk1"/>
+          </a:fontRef>
+        </p:style>
+        <p:txBody>
+          <a:bodyPr rtlCol="0" anchor="t"/>
+          <a:lstStyle/>
+          <a:p>
+            <a:pPr algn="ctr"/>
+            <a:r>
+              <a:rPr lang="en-US" altLang="zh-TW" sz="2400" dirty="0"/>
+              <a:t>Server</a:t>
+            </a:r>
+            <a:endParaRPr lang="zh-TW" altLang="en-US" sz="2400" dirty="0"/>
+          </a:p>
+        </p:txBody>
+      </p:sp>
+      <p:grpSp>
+        <p:nvGrpSpPr>
+          <p:cNvPr id="8" name="群組 7"/>
+          <p:cNvGrpSpPr/>
+          <p:nvPr/>
+        </p:nvGrpSpPr>
+        <p:grpSpPr>
+          <a:xfrm>
+            <a:off x="2077164" y="4550212"/>
+            <a:ext cx="1121036" cy="644525"/>
+            <a:chOff x="5921114" y="346075"/>
+            <a:chExt cx="1121036" cy="644525"/>
+          </a:xfrm>
+        </p:grpSpPr>
+        <p:sp>
+          <p:nvSpPr>
+            <p:cNvPr id="9" name="矩形 8"/>
+            <p:cNvSpPr/>
+            <p:nvPr/>
+          </p:nvSpPr>
+          <p:spPr>
+            <a:xfrm>
+              <a:off x="5921114" y="346075"/>
+              <a:ext cx="1121036" cy="644525"/>
+            </a:xfrm>
+            <a:prstGeom prst="rect">
+              <a:avLst/>
+            </a:prstGeom>
+          </p:spPr>
+          <p:style>
+            <a:lnRef idx="2">
+              <a:schemeClr val="dk1"/>
+            </a:lnRef>
+            <a:fillRef idx="1">
+              <a:schemeClr val="lt1"/>
+            </a:fillRef>
+            <a:effectRef idx="0">
+              <a:schemeClr val="dk1"/>
+            </a:effectRef>
+            <a:fontRef idx="minor">
+              <a:schemeClr val="dk1"/>
+            </a:fontRef>
+          </p:style>
+          <p:txBody>
+            <a:bodyPr rtlCol="0" anchor="ctr"/>
+            <a:lstStyle/>
+            <a:p>
+              <a:pPr algn="ctr"/>
+              <a:endParaRPr lang="zh-TW" altLang="en-US"/>
+            </a:p>
+          </p:txBody>
+        </p:sp>
+        <p:sp>
+          <p:nvSpPr>
+            <p:cNvPr id="10" name="矩形 9"/>
+            <p:cNvSpPr/>
+            <p:nvPr/>
+          </p:nvSpPr>
+          <p:spPr>
+            <a:xfrm>
+              <a:off x="5970253" y="390187"/>
+              <a:ext cx="1028252" cy="571370"/>
+            </a:xfrm>
+            <a:prstGeom prst="rect">
+              <a:avLst/>
+            </a:prstGeom>
+          </p:spPr>
+          <p:style>
+            <a:lnRef idx="2">
+              <a:schemeClr val="dk1"/>
+            </a:lnRef>
+            <a:fillRef idx="1">
+              <a:schemeClr val="lt1"/>
+            </a:fillRef>
+            <a:effectRef idx="0">
+              <a:schemeClr val="dk1"/>
+            </a:effectRef>
+            <a:fontRef idx="minor">
+              <a:schemeClr val="dk1"/>
+            </a:fontRef>
+          </p:style>
+          <p:txBody>
+            <a:bodyPr rtlCol="0" anchor="ctr"/>
+            <a:lstStyle/>
+            <a:p>
+              <a:pPr algn="ctr"/>
+              <a:r>
+                <a:rPr lang="en-US" altLang="zh-TW" dirty="0" smtClean="0">
+                  <a:solidFill>
+                    <a:schemeClr val="tx1"/>
+                  </a:solidFill>
+                </a:rPr>
+                <a:t>Browser</a:t>
+              </a:r>
+              <a:endParaRPr lang="zh-TW" altLang="en-US" dirty="0">
+                <a:solidFill>
+                  <a:schemeClr val="tx1"/>
+                </a:solidFill>
+              </a:endParaRPr>
+            </a:p>
+          </p:txBody>
+        </p:sp>
+      </p:grpSp>
+      <p:sp>
+        <p:nvSpPr>
+          <p:cNvPr id="11" name="向右箭號 10"/>
+          <p:cNvSpPr/>
+          <p:nvPr/>
+        </p:nvSpPr>
+        <p:spPr>
+          <a:xfrm>
+            <a:off x="3730103" y="4460917"/>
+            <a:ext cx="4721859" cy="403543"/>
+          </a:xfrm>
+          <a:prstGeom prst="rightArrow">
+            <a:avLst/>
+          </a:prstGeom>
+        </p:spPr>
+        <p:style>
+          <a:lnRef idx="2">
+            <a:schemeClr val="accent2">
+              <a:shade val="50000"/>
+            </a:schemeClr>
+          </a:lnRef>
+          <a:fillRef idx="1">
+            <a:schemeClr val="accent2"/>
+          </a:fillRef>
+          <a:effectRef idx="0">
+            <a:schemeClr val="accent2"/>
+          </a:effectRef>
+          <a:fontRef idx="minor">
+            <a:schemeClr val="lt1"/>
+          </a:fontRef>
+        </p:style>
+        <p:txBody>
+          <a:bodyPr rtlCol="0" anchor="ctr"/>
+          <a:lstStyle/>
+          <a:p>
+            <a:pPr algn="ctr"/>
+            <a:r>
+              <a:rPr lang="en-US" altLang="zh-TW" dirty="0" smtClean="0"/>
+              <a:t>Request</a:t>
+            </a:r>
+            <a:endParaRPr lang="zh-TW" altLang="en-US" dirty="0"/>
+          </a:p>
+        </p:txBody>
+      </p:sp>
+      <p:sp>
+        <p:nvSpPr>
+          <p:cNvPr id="12" name="向左箭號 11"/>
+          <p:cNvSpPr/>
+          <p:nvPr/>
+        </p:nvSpPr>
+        <p:spPr>
+          <a:xfrm>
+            <a:off x="3694283" y="4872475"/>
+            <a:ext cx="4721859" cy="442539"/>
+          </a:xfrm>
+          <a:prstGeom prst="leftArrow">
+            <a:avLst/>
+          </a:prstGeom>
+        </p:spPr>
+        <p:style>
+          <a:lnRef idx="2">
+            <a:schemeClr val="accent1">
+              <a:shade val="50000"/>
+            </a:schemeClr>
+          </a:lnRef>
+          <a:fillRef idx="1">
+            <a:schemeClr val="accent1"/>
+          </a:fillRef>
+          <a:effectRef idx="0">
+            <a:schemeClr val="accent1"/>
+          </a:effectRef>
+          <a:fontRef idx="minor">
+            <a:schemeClr val="lt1"/>
+          </a:fontRef>
+        </p:style>
+        <p:txBody>
+          <a:bodyPr rtlCol="0" anchor="ctr"/>
+          <a:lstStyle/>
+          <a:p>
+            <a:pPr algn="ctr"/>
+            <a:r>
+              <a:rPr lang="en-US" altLang="zh-TW" dirty="0" smtClean="0"/>
+              <a:t>Response</a:t>
+            </a:r>
+            <a:endParaRPr lang="zh-TW" altLang="en-US" dirty="0"/>
+          </a:p>
+        </p:txBody>
+      </p:sp>
+      <p:grpSp>
+        <p:nvGrpSpPr>
+          <p:cNvPr id="13" name="群組 12"/>
+          <p:cNvGrpSpPr/>
+          <p:nvPr/>
+        </p:nvGrpSpPr>
+        <p:grpSpPr>
+          <a:xfrm>
+            <a:off x="720702" y="4467871"/>
+            <a:ext cx="436059" cy="714799"/>
+            <a:chOff x="5175470" y="6037448"/>
+            <a:chExt cx="436059" cy="714799"/>
+          </a:xfrm>
+        </p:grpSpPr>
+        <p:sp>
+          <p:nvSpPr>
+            <p:cNvPr id="14" name="橢圓 13"/>
+            <p:cNvSpPr/>
+            <p:nvPr/>
+          </p:nvSpPr>
+          <p:spPr>
+            <a:xfrm>
+              <a:off x="5253312" y="6037448"/>
+              <a:ext cx="280374" cy="238672"/>
+            </a:xfrm>
+            <a:prstGeom prst="ellipse">
+              <a:avLst/>
+            </a:prstGeom>
+          </p:spPr>
+          <p:style>
+            <a:lnRef idx="2">
+              <a:schemeClr val="dk1"/>
+            </a:lnRef>
+            <a:fillRef idx="1">
+              <a:schemeClr val="lt1"/>
+            </a:fillRef>
+            <a:effectRef idx="0">
+              <a:schemeClr val="dk1"/>
+            </a:effectRef>
+            <a:fontRef idx="minor">
+              <a:schemeClr val="dk1"/>
+            </a:fontRef>
+          </p:style>
+          <p:txBody>
+            <a:bodyPr rtlCol="0" anchor="ctr"/>
+            <a:lstStyle/>
+            <a:p>
+              <a:pPr algn="ctr"/>
+              <a:endParaRPr lang="zh-TW" altLang="en-US"/>
+            </a:p>
+          </p:txBody>
+        </p:sp>
+        <p:sp>
+          <p:nvSpPr>
+            <p:cNvPr id="15" name="圓角矩形 14"/>
+            <p:cNvSpPr/>
+            <p:nvPr/>
+          </p:nvSpPr>
+          <p:spPr>
+            <a:xfrm>
+              <a:off x="5175470" y="6291721"/>
+              <a:ext cx="436059" cy="460526"/>
+            </a:xfrm>
+            <a:prstGeom prst="roundRect">
+              <a:avLst/>
+            </a:prstGeom>
+          </p:spPr>
+          <p:style>
+            <a:lnRef idx="2">
+              <a:schemeClr val="dk1"/>
+            </a:lnRef>
+            <a:fillRef idx="1">
+              <a:schemeClr val="lt1"/>
+            </a:fillRef>
+            <a:effectRef idx="0">
+              <a:schemeClr val="dk1"/>
+            </a:effectRef>
+            <a:fontRef idx="minor">
+              <a:schemeClr val="dk1"/>
+            </a:fontRef>
+          </p:style>
+          <p:txBody>
+            <a:bodyPr rtlCol="0" anchor="ctr"/>
+            <a:lstStyle/>
+            <a:p>
+              <a:pPr algn="ctr"/>
+              <a:endParaRPr lang="zh-TW" altLang="en-US"/>
+            </a:p>
+          </p:txBody>
+        </p:sp>
+      </p:grpSp>
+      <p:grpSp>
+        <p:nvGrpSpPr>
+          <p:cNvPr id="16" name="群組 15"/>
+          <p:cNvGrpSpPr/>
+          <p:nvPr/>
+        </p:nvGrpSpPr>
+        <p:grpSpPr>
+          <a:xfrm>
+            <a:off x="8907116" y="4391590"/>
+            <a:ext cx="732341" cy="1121634"/>
+            <a:chOff x="8876577" y="5069322"/>
+            <a:chExt cx="732341" cy="1121634"/>
+          </a:xfrm>
+        </p:grpSpPr>
+        <p:sp>
+          <p:nvSpPr>
+            <p:cNvPr id="17" name="立方體 16"/>
+            <p:cNvSpPr/>
+            <p:nvPr/>
+          </p:nvSpPr>
+          <p:spPr>
+            <a:xfrm>
+              <a:off x="8876577" y="5069322"/>
+              <a:ext cx="732341" cy="1121634"/>
+            </a:xfrm>
+            <a:prstGeom prst="cube">
+              <a:avLst/>
+            </a:prstGeom>
+          </p:spPr>
+          <p:style>
+            <a:lnRef idx="2">
+              <a:schemeClr val="dk1"/>
+            </a:lnRef>
+            <a:fillRef idx="1">
+              <a:schemeClr val="lt1"/>
+            </a:fillRef>
+            <a:effectRef idx="0">
+              <a:schemeClr val="dk1"/>
+            </a:effectRef>
+            <a:fontRef idx="minor">
+              <a:schemeClr val="dk1"/>
+            </a:fontRef>
+          </p:style>
+          <p:txBody>
+            <a:bodyPr rtlCol="0" anchor="ctr"/>
+            <a:lstStyle/>
+            <a:p>
+              <a:pPr algn="ctr"/>
+              <a:endParaRPr lang="zh-TW" altLang="en-US"/>
+            </a:p>
+          </p:txBody>
+        </p:sp>
+        <p:sp>
+          <p:nvSpPr>
+            <p:cNvPr id="18" name="橢圓 17"/>
+            <p:cNvSpPr/>
+            <p:nvPr/>
+          </p:nvSpPr>
+          <p:spPr>
+            <a:xfrm>
+              <a:off x="9089050" y="5951914"/>
+              <a:ext cx="108012" cy="81664"/>
+            </a:xfrm>
+            <a:prstGeom prst="ellipse">
+              <a:avLst/>
+            </a:prstGeom>
+          </p:spPr>
+          <p:style>
+            <a:lnRef idx="2">
+              <a:schemeClr val="dk1"/>
+            </a:lnRef>
+            <a:fillRef idx="1">
+              <a:schemeClr val="lt1"/>
+            </a:fillRef>
+            <a:effectRef idx="0">
+              <a:schemeClr val="dk1"/>
+            </a:effectRef>
+            <a:fontRef idx="minor">
+              <a:schemeClr val="dk1"/>
+            </a:fontRef>
+          </p:style>
+          <p:txBody>
+            <a:bodyPr rtlCol="0" anchor="ctr"/>
+            <a:lstStyle/>
+            <a:p>
+              <a:pPr algn="ctr"/>
+              <a:endParaRPr lang="zh-TW" altLang="en-US"/>
+            </a:p>
+          </p:txBody>
+        </p:sp>
+        <p:sp>
+          <p:nvSpPr>
+            <p:cNvPr id="19" name="矩形 18"/>
+            <p:cNvSpPr/>
+            <p:nvPr/>
+          </p:nvSpPr>
+          <p:spPr>
+            <a:xfrm>
+              <a:off x="8967788" y="5399876"/>
+              <a:ext cx="347662" cy="49339"/>
+            </a:xfrm>
+            <a:prstGeom prst="rect">
+              <a:avLst/>
+            </a:prstGeom>
+          </p:spPr>
+          <p:style>
+            <a:lnRef idx="2">
+              <a:schemeClr val="dk1"/>
+            </a:lnRef>
+            <a:fillRef idx="1">
+              <a:schemeClr val="lt1"/>
+            </a:fillRef>
+            <a:effectRef idx="0">
+              <a:schemeClr val="dk1"/>
+            </a:effectRef>
+            <a:fontRef idx="minor">
+              <a:schemeClr val="dk1"/>
+            </a:fontRef>
+          </p:style>
+          <p:txBody>
+            <a:bodyPr rtlCol="0" anchor="ctr"/>
+            <a:lstStyle/>
+            <a:p>
+              <a:pPr algn="ctr"/>
+              <a:endParaRPr lang="zh-TW" altLang="en-US"/>
+            </a:p>
+          </p:txBody>
+        </p:sp>
+      </p:grpSp>
+      <p:sp>
+        <p:nvSpPr>
+          <p:cNvPr id="20" name="流程圖: 磁碟 19"/>
+          <p:cNvSpPr/>
+          <p:nvPr/>
+        </p:nvSpPr>
+        <p:spPr>
+          <a:xfrm>
+            <a:off x="10529573" y="4439108"/>
+            <a:ext cx="738188" cy="1026597"/>
+          </a:xfrm>
+          <a:prstGeom prst="flowChartMagneticDisk">
+            <a:avLst/>
+          </a:prstGeom>
+        </p:spPr>
+        <p:style>
+          <a:lnRef idx="2">
+            <a:schemeClr val="dk1"/>
+          </a:lnRef>
+          <a:fillRef idx="1">
+            <a:schemeClr val="lt1"/>
+          </a:fillRef>
+          <a:effectRef idx="0">
+            <a:schemeClr val="dk1"/>
+          </a:effectRef>
+          <a:fontRef idx="minor">
+            <a:schemeClr val="dk1"/>
+          </a:fontRef>
+        </p:style>
+        <p:txBody>
+          <a:bodyPr rtlCol="0" anchor="ctr"/>
+          <a:lstStyle/>
+          <a:p>
+            <a:pPr algn="ctr"/>
+            <a:endParaRPr lang="zh-TW" altLang="en-US"/>
+          </a:p>
+        </p:txBody>
+      </p:sp>
+      <p:cxnSp>
+        <p:nvCxnSpPr>
+          <p:cNvPr id="21" name="直線單箭頭接點 20"/>
+          <p:cNvCxnSpPr/>
+          <p:nvPr/>
+        </p:nvCxnSpPr>
+        <p:spPr>
+          <a:xfrm>
+            <a:off x="9675278" y="4771483"/>
+            <a:ext cx="818474" cy="0"/>
+          </a:xfrm>
+          <a:prstGeom prst="straightConnector1">
+            <a:avLst/>
+          </a:prstGeom>
+          <a:ln w="19050">
+            <a:solidFill>
+              <a:schemeClr val="tx1"/>
+            </a:solidFill>
+            <a:headEnd type="none" w="med" len="med"/>
+            <a:tailEnd type="arrow" w="med" len="med"/>
+          </a:ln>
+        </p:spPr>
+        <p:style>
+          <a:lnRef idx="1">
+            <a:schemeClr val="accent1"/>
+          </a:lnRef>
+          <a:fillRef idx="0">
+            <a:schemeClr val="accent1"/>
+          </a:fillRef>
+          <a:effectRef idx="0">
+            <a:schemeClr val="accent1"/>
+          </a:effectRef>
+          <a:fontRef idx="minor">
+            <a:schemeClr val="tx1"/>
+          </a:fontRef>
+        </p:style>
+      </p:cxnSp>
+      <p:cxnSp>
+        <p:nvCxnSpPr>
+          <p:cNvPr id="22" name="直線單箭頭接點 21"/>
+          <p:cNvCxnSpPr/>
+          <p:nvPr/>
+        </p:nvCxnSpPr>
+        <p:spPr>
+          <a:xfrm flipH="1">
+            <a:off x="9693582" y="5093744"/>
+            <a:ext cx="781866" cy="0"/>
+          </a:xfrm>
+          <a:prstGeom prst="straightConnector1">
+            <a:avLst/>
+          </a:prstGeom>
+          <a:ln w="19050">
+            <a:solidFill>
+              <a:schemeClr val="tx1"/>
+            </a:solidFill>
+            <a:headEnd type="none" w="med" len="med"/>
+            <a:tailEnd type="arrow" w="med" len="med"/>
+          </a:ln>
+        </p:spPr>
+        <p:style>
+          <a:lnRef idx="1">
+            <a:schemeClr val="accent1"/>
+          </a:lnRef>
+          <a:fillRef idx="0">
+            <a:schemeClr val="accent1"/>
+          </a:fillRef>
+          <a:effectRef idx="0">
+            <a:schemeClr val="accent1"/>
+          </a:effectRef>
+          <a:fontRef idx="minor">
+            <a:schemeClr val="tx1"/>
+          </a:fontRef>
+        </p:style>
+      </p:cxnSp>
+      <p:cxnSp>
+        <p:nvCxnSpPr>
+          <p:cNvPr id="23" name="直線單箭頭接點 22"/>
+          <p:cNvCxnSpPr/>
+          <p:nvPr/>
+        </p:nvCxnSpPr>
+        <p:spPr>
+          <a:xfrm>
+            <a:off x="1205613" y="4746813"/>
+            <a:ext cx="818474" cy="0"/>
+          </a:xfrm>
+          <a:prstGeom prst="straightConnector1">
+            <a:avLst/>
+          </a:prstGeom>
+          <a:ln w="19050">
+            <a:solidFill>
+              <a:schemeClr val="tx1"/>
+            </a:solidFill>
+            <a:headEnd type="none" w="med" len="med"/>
+            <a:tailEnd type="arrow" w="med" len="med"/>
+          </a:ln>
+        </p:spPr>
+        <p:style>
+          <a:lnRef idx="1">
+            <a:schemeClr val="accent1"/>
+          </a:lnRef>
+          <a:fillRef idx="0">
+            <a:schemeClr val="accent1"/>
+          </a:fillRef>
+          <a:effectRef idx="0">
+            <a:schemeClr val="accent1"/>
+          </a:effectRef>
+          <a:fontRef idx="minor">
+            <a:schemeClr val="tx1"/>
+          </a:fontRef>
+        </p:style>
+      </p:cxnSp>
+      <p:cxnSp>
+        <p:nvCxnSpPr>
+          <p:cNvPr id="24" name="直線單箭頭接點 23"/>
+          <p:cNvCxnSpPr/>
+          <p:nvPr/>
+        </p:nvCxnSpPr>
+        <p:spPr>
+          <a:xfrm flipH="1">
+            <a:off x="1223917" y="4963233"/>
+            <a:ext cx="781866" cy="0"/>
+          </a:xfrm>
+          <a:prstGeom prst="straightConnector1">
+            <a:avLst/>
+          </a:prstGeom>
+          <a:ln w="19050">
+            <a:solidFill>
+              <a:schemeClr val="tx1"/>
+            </a:solidFill>
+            <a:headEnd type="none" w="med" len="med"/>
+            <a:tailEnd type="arrow" w="med" len="med"/>
+          </a:ln>
+        </p:spPr>
+        <p:style>
+          <a:lnRef idx="1">
+            <a:schemeClr val="accent1"/>
+          </a:lnRef>
+          <a:fillRef idx="0">
+            <a:schemeClr val="accent1"/>
+          </a:fillRef>
+          <a:effectRef idx="0">
+            <a:schemeClr val="accent1"/>
+          </a:effectRef>
+          <a:fontRef idx="minor">
+            <a:schemeClr val="tx1"/>
+          </a:fontRef>
+        </p:style>
+      </p:cxnSp>
+      <p:sp>
+        <p:nvSpPr>
+          <p:cNvPr id="25" name="向上箭號 24"/>
+          <p:cNvSpPr/>
+          <p:nvPr/>
+        </p:nvSpPr>
+        <p:spPr>
+          <a:xfrm>
+            <a:off x="2406134" y="5315014"/>
+            <a:ext cx="398033" cy="726506"/>
+          </a:xfrm>
+          <a:prstGeom prst="upArrow">
+            <a:avLst/>
+          </a:prstGeom>
+        </p:spPr>
+        <p:style>
+          <a:lnRef idx="2">
+            <a:schemeClr val="accent6">
+              <a:shade val="50000"/>
+            </a:schemeClr>
+          </a:lnRef>
+          <a:fillRef idx="1">
+            <a:schemeClr val="accent6"/>
+          </a:fillRef>
+          <a:effectRef idx="0">
+            <a:schemeClr val="accent6"/>
+          </a:effectRef>
+          <a:fontRef idx="minor">
+            <a:schemeClr val="lt1"/>
+          </a:fontRef>
+        </p:style>
+        <p:txBody>
+          <a:bodyPr rtlCol="0" anchor="ctr"/>
+          <a:lstStyle/>
+          <a:p>
+            <a:pPr algn="ctr"/>
+            <a:endParaRPr lang="zh-TW" altLang="en-US"/>
+          </a:p>
+        </p:txBody>
+      </p:sp>
+      <p:sp>
+        <p:nvSpPr>
+          <p:cNvPr id="26" name="矩形 25"/>
+          <p:cNvSpPr/>
+          <p:nvPr/>
+        </p:nvSpPr>
+        <p:spPr>
+          <a:xfrm>
+            <a:off x="1250699" y="6041520"/>
+            <a:ext cx="2773965" cy="400110"/>
+          </a:xfrm>
+          <a:prstGeom prst="rect">
+            <a:avLst/>
+          </a:prstGeom>
+        </p:spPr>
+        <p:txBody>
+          <a:bodyPr wrap="none">
+            <a:spAutoFit/>
+          </a:bodyPr>
+          <a:lstStyle/>
+          <a:p>
+            <a:r>
+              <a:rPr lang="en-US" altLang="zh-TW" sz="2000" dirty="0" smtClean="0"/>
+              <a:t>HTML</a:t>
+            </a:r>
+            <a:r>
+              <a:rPr lang="zh-TW" altLang="en-US" sz="2000" dirty="0" smtClean="0"/>
+              <a:t>、</a:t>
+            </a:r>
+            <a:r>
+              <a:rPr lang="en-US" altLang="zh-TW" sz="2000" dirty="0" smtClean="0"/>
+              <a:t>CSS</a:t>
+            </a:r>
+            <a:r>
+              <a:rPr lang="zh-TW" altLang="en-US" sz="2000" dirty="0" smtClean="0"/>
+              <a:t>、</a:t>
+            </a:r>
+            <a:r>
+              <a:rPr lang="en-US" altLang="zh-TW" sz="2000" dirty="0"/>
+              <a:t> JavaScript</a:t>
+            </a:r>
+            <a:endParaRPr lang="zh-TW" altLang="en-US" sz="2000" dirty="0"/>
+          </a:p>
+        </p:txBody>
+      </p:sp>
+      <p:sp>
+        <p:nvSpPr>
+          <p:cNvPr id="27" name="向上箭號 26"/>
+          <p:cNvSpPr/>
+          <p:nvPr/>
+        </p:nvSpPr>
+        <p:spPr>
+          <a:xfrm>
+            <a:off x="9059294" y="5529146"/>
+            <a:ext cx="398033" cy="647817"/>
+          </a:xfrm>
+          <a:prstGeom prst="upArrow">
+            <a:avLst/>
+          </a:prstGeom>
+        </p:spPr>
+        <p:style>
+          <a:lnRef idx="2">
+            <a:schemeClr val="accent6">
+              <a:shade val="50000"/>
+            </a:schemeClr>
+          </a:lnRef>
+          <a:fillRef idx="1">
+            <a:schemeClr val="accent6"/>
+          </a:fillRef>
+          <a:effectRef idx="0">
+            <a:schemeClr val="accent6"/>
+          </a:effectRef>
+          <a:fontRef idx="minor">
+            <a:schemeClr val="lt1"/>
+          </a:fontRef>
+        </p:style>
+        <p:txBody>
+          <a:bodyPr rtlCol="0" anchor="ctr"/>
+          <a:lstStyle/>
+          <a:p>
+            <a:pPr algn="ctr"/>
+            <a:endParaRPr lang="zh-TW" altLang="en-US"/>
+          </a:p>
+        </p:txBody>
+      </p:sp>
+      <p:sp>
+        <p:nvSpPr>
+          <p:cNvPr id="28" name="矩形 27"/>
+          <p:cNvSpPr/>
+          <p:nvPr/>
+        </p:nvSpPr>
+        <p:spPr>
+          <a:xfrm>
+            <a:off x="7664060" y="6187052"/>
+            <a:ext cx="2602187" cy="400110"/>
+          </a:xfrm>
+          <a:prstGeom prst="rect">
+            <a:avLst/>
+          </a:prstGeom>
+        </p:spPr>
+        <p:txBody>
+          <a:bodyPr wrap="none">
+            <a:spAutoFit/>
+          </a:bodyPr>
+          <a:lstStyle/>
+          <a:p>
+            <a:r>
+              <a:rPr lang="en-US" altLang="zh-TW" sz="2000" dirty="0"/>
+              <a:t>C#(Asp.net</a:t>
+            </a:r>
+            <a:r>
+              <a:rPr lang="zh-TW" altLang="en-US" sz="2000" dirty="0"/>
+              <a:t> </a:t>
+            </a:r>
+            <a:r>
+              <a:rPr lang="en-US" altLang="zh-TW" sz="2000" dirty="0"/>
+              <a:t>Web Form)</a:t>
+            </a:r>
+            <a:r>
+              <a:rPr lang="zh-TW" altLang="en-US" sz="2000" dirty="0"/>
+              <a:t> </a:t>
+            </a:r>
+          </a:p>
+        </p:txBody>
+      </p:sp>
+      <p:sp>
+        <p:nvSpPr>
+          <p:cNvPr id="29" name="向上箭號 28"/>
+          <p:cNvSpPr/>
+          <p:nvPr/>
+        </p:nvSpPr>
+        <p:spPr>
+          <a:xfrm>
+            <a:off x="10739862" y="5531220"/>
+            <a:ext cx="398033" cy="647817"/>
+          </a:xfrm>
+          <a:prstGeom prst="upArrow">
+            <a:avLst/>
+          </a:prstGeom>
+        </p:spPr>
+        <p:style>
+          <a:lnRef idx="2">
+            <a:schemeClr val="accent6">
+              <a:shade val="50000"/>
+            </a:schemeClr>
+          </a:lnRef>
+          <a:fillRef idx="1">
+            <a:schemeClr val="accent6"/>
+          </a:fillRef>
+          <a:effectRef idx="0">
+            <a:schemeClr val="accent6"/>
+          </a:effectRef>
+          <a:fontRef idx="minor">
+            <a:schemeClr val="lt1"/>
+          </a:fontRef>
+        </p:style>
+        <p:txBody>
+          <a:bodyPr rtlCol="0" anchor="ctr"/>
+          <a:lstStyle/>
+          <a:p>
+            <a:pPr algn="ctr"/>
+            <a:endParaRPr lang="zh-TW" altLang="en-US"/>
+          </a:p>
+        </p:txBody>
+      </p:sp>
+      <p:sp>
+        <p:nvSpPr>
+          <p:cNvPr id="30" name="矩形 29"/>
+          <p:cNvSpPr/>
+          <p:nvPr/>
+        </p:nvSpPr>
+        <p:spPr>
+          <a:xfrm>
+            <a:off x="10513618" y="6176963"/>
+            <a:ext cx="1511952" cy="400110"/>
+          </a:xfrm>
+          <a:prstGeom prst="rect">
+            <a:avLst/>
+          </a:prstGeom>
+        </p:spPr>
+        <p:txBody>
+          <a:bodyPr wrap="none">
+            <a:spAutoFit/>
+          </a:bodyPr>
+          <a:lstStyle/>
+          <a:p>
+            <a:r>
+              <a:rPr lang="en-US" altLang="zh-TW" sz="2000" dirty="0"/>
+              <a:t>DB</a:t>
+            </a:r>
+            <a:r>
+              <a:rPr lang="zh-TW" altLang="en-US" sz="2000" dirty="0"/>
+              <a:t> </a:t>
+            </a:r>
+            <a:r>
+              <a:rPr lang="en-US" altLang="zh-TW" sz="2000" dirty="0"/>
+              <a:t>(MS-SQL)</a:t>
+            </a:r>
+            <a:endParaRPr lang="zh-TW" altLang="en-US" sz="2000" dirty="0"/>
           </a:p>
         </p:txBody>
       </p:sp>
     </p:spTree>
     <p:extLst>
       <p:ext uri="{BB962C8B-B14F-4D97-AF65-F5344CB8AC3E}">
-        <p14:creationId xmlns:p14="http://schemas.microsoft.com/office/powerpoint/2010/main" val="3575554709"/>
+        <p14:creationId xmlns:p14="http://schemas.microsoft.com/office/powerpoint/2010/main" val="3386783531"/>
       </p:ext>
     </p:extLst>
   </p:cSld>
@@ -6068,18 +7437,14 @@
           <a:lstStyle/>
           <a:p>
             <a:r>
-              <a:rPr lang="zh-TW" altLang="en-US" b="1" dirty="0" smtClean="0"/>
-              <a:t>常見的 </a:t>
-            </a:r>
-            <a:r>
-              <a:rPr lang="en-US" altLang="zh-TW" b="1" dirty="0" smtClean="0"/>
-              <a:t>HTTP </a:t>
-            </a:r>
-            <a:r>
-              <a:rPr lang="en-US" altLang="zh-TW" b="1" dirty="0"/>
-              <a:t>Method</a:t>
-            </a:r>
-            <a:endParaRPr lang="zh-TW" altLang="en-US" b="1" dirty="0"/>
+              <a:rPr lang="zh-TW" altLang="en-US" dirty="0"/>
+              <a:t>後</a:t>
+            </a:r>
+            <a:r>
+              <a:rPr lang="zh-TW" altLang="en-US" dirty="0" smtClean="0"/>
+              <a:t>端</a:t>
+            </a:r>
+            <a:endParaRPr lang="zh-TW" altLang="en-US" dirty="0"/>
           </a:p>
         </p:txBody>
       </p:sp>
@@ -6098,122 +7463,37 @@
           <a:bodyPr/>
           <a:lstStyle/>
           <a:p>
-            <a:pPr marL="0" indent="0">
-              <a:buNone/>
-            </a:pPr>
             <a:r>
               <a:rPr lang="en-US" altLang="zh-TW" dirty="0" smtClean="0"/>
-              <a:t>HTTP </a:t>
-            </a:r>
-            <a:r>
-              <a:rPr lang="zh-TW" altLang="en-US" dirty="0"/>
-              <a:t>定義了一組能令給定資源，執行特定操作的</a:t>
-            </a:r>
-            <a:r>
-              <a:rPr lang="zh-TW" altLang="en-US" b="1" dirty="0"/>
-              <a:t>請求方法</a:t>
-            </a:r>
-            <a:r>
-              <a:rPr lang="zh-TW" altLang="en-US" dirty="0"/>
-              <a:t>（</a:t>
-            </a:r>
-            <a:r>
-              <a:rPr lang="en-US" altLang="zh-TW" dirty="0"/>
-              <a:t>request methods</a:t>
+              <a:t>Asp.net </a:t>
+            </a:r>
+            <a:r>
+              <a:rPr lang="en-US" altLang="zh-TW" dirty="0" err="1" smtClean="0"/>
+              <a:t>WebForm</a:t>
+            </a:r>
+            <a:endParaRPr lang="en-US" altLang="zh-TW" dirty="0"/>
+          </a:p>
+          <a:p>
+            <a:r>
+              <a:rPr lang="en-US" altLang="zh-TW" dirty="0" smtClean="0"/>
+              <a:t>MS</a:t>
             </a:r>
             <a:r>
               <a:rPr lang="zh-TW" altLang="en-US" dirty="0" smtClean="0"/>
-              <a:t>）</a:t>
-            </a:r>
-            <a:endParaRPr lang="en-US" altLang="zh-TW" dirty="0" smtClean="0"/>
-          </a:p>
-          <a:p>
-            <a:pPr marL="0" indent="0">
-              <a:buNone/>
-            </a:pPr>
+              <a:t> </a:t>
+            </a:r>
+            <a:r>
+              <a:rPr lang="en-US" altLang="zh-TW" dirty="0" smtClean="0"/>
+              <a:t>SQL</a:t>
+            </a:r>
             <a:endParaRPr lang="en-US" altLang="zh-TW" dirty="0"/>
-          </a:p>
-          <a:p>
-            <a:r>
-              <a:rPr lang="en-US" altLang="zh-TW" b="1" dirty="0" smtClean="0"/>
-              <a:t>GET</a:t>
-            </a:r>
-            <a:r>
-              <a:rPr lang="zh-TW" altLang="en-US" dirty="0"/>
-              <a:t>：向指定的資源發出「顯示」請求</a:t>
-            </a:r>
-            <a:r>
-              <a:rPr lang="zh-TW" altLang="en-US" dirty="0" smtClean="0"/>
-              <a:t>。</a:t>
-            </a:r>
-            <a:endParaRPr lang="en-US" altLang="zh-TW" dirty="0" smtClean="0"/>
-          </a:p>
-          <a:p>
-            <a:r>
-              <a:rPr lang="en-US" altLang="zh-TW" b="1" dirty="0" smtClean="0"/>
-              <a:t>POST</a:t>
-            </a:r>
-            <a:r>
-              <a:rPr lang="zh-TW" altLang="en-US" dirty="0"/>
-              <a:t>：向指定資源提交資料，並且</a:t>
-            </a:r>
-            <a:r>
-              <a:rPr lang="en-US" altLang="zh-TW" dirty="0"/>
-              <a:t>Body</a:t>
-            </a:r>
-            <a:r>
-              <a:rPr lang="zh-TW" altLang="en-US" dirty="0"/>
-              <a:t>中可帶傳輸的資料</a:t>
-            </a:r>
-            <a:r>
-              <a:rPr lang="zh-TW" altLang="en-US" dirty="0" smtClean="0"/>
-              <a:t>。</a:t>
-            </a:r>
-            <a:endParaRPr lang="en-US" altLang="zh-TW" dirty="0" smtClean="0"/>
-          </a:p>
-          <a:p>
-            <a:r>
-              <a:rPr lang="en-US" altLang="zh-TW" dirty="0" smtClean="0"/>
-              <a:t>PUT</a:t>
-            </a:r>
-            <a:r>
-              <a:rPr lang="zh-TW" altLang="en-US" dirty="0"/>
-              <a:t>：上傳或取代指定的資源</a:t>
-            </a:r>
-            <a:r>
-              <a:rPr lang="zh-TW" altLang="en-US" dirty="0" smtClean="0"/>
-              <a:t>。</a:t>
-            </a:r>
-            <a:endParaRPr lang="en-US" altLang="zh-TW" dirty="0" smtClean="0"/>
-          </a:p>
-          <a:p>
-            <a:r>
-              <a:rPr lang="en-US" altLang="zh-TW" dirty="0" smtClean="0"/>
-              <a:t>DELETE</a:t>
-            </a:r>
-            <a:r>
-              <a:rPr lang="zh-TW" altLang="en-US" dirty="0"/>
-              <a:t>：刪除指定的資源</a:t>
-            </a:r>
-            <a:r>
-              <a:rPr lang="zh-TW" altLang="en-US" dirty="0" smtClean="0"/>
-              <a:t>。</a:t>
-            </a:r>
-            <a:endParaRPr lang="en-US" altLang="zh-TW" dirty="0" smtClean="0"/>
-          </a:p>
-          <a:p>
-            <a:r>
-              <a:rPr lang="en-US" altLang="zh-TW" dirty="0" smtClean="0"/>
-              <a:t>…</a:t>
-            </a:r>
-            <a:endParaRPr lang="zh-TW" altLang="en-US" dirty="0"/>
           </a:p>
         </p:txBody>
       </p:sp>
     </p:spTree>
     <p:extLst>
       <p:ext uri="{BB962C8B-B14F-4D97-AF65-F5344CB8AC3E}">
-        <p14:creationId xmlns:p14="http://schemas.microsoft.com/office/powerpoint/2010/main" val="960925944"/>
+        <p14:creationId xmlns:p14="http://schemas.microsoft.com/office/powerpoint/2010/main" val="1376430804"/>
       </p:ext>
     </p:extLst>
   </p:cSld>
@@ -6256,44 +7536,133 @@
           <a:lstStyle/>
           <a:p>
             <a:r>
+              <a:rPr lang="en-US" altLang="zh-TW" dirty="0"/>
+              <a:t>Asp.net </a:t>
+            </a:r>
+            <a:r>
+              <a:rPr lang="en-US" altLang="zh-TW" dirty="0" err="1" smtClean="0"/>
+              <a:t>WebForm</a:t>
+            </a:r>
+            <a:endParaRPr lang="zh-TW" altLang="en-US" dirty="0"/>
+          </a:p>
+        </p:txBody>
+      </p:sp>
+      <p:sp>
+        <p:nvSpPr>
+          <p:cNvPr id="3" name="內容版面配置區 2"/>
+          <p:cNvSpPr>
+            <a:spLocks noGrp="1"/>
+          </p:cNvSpPr>
+          <p:nvPr>
+            <p:ph idx="1"/>
+          </p:nvPr>
+        </p:nvSpPr>
+        <p:spPr/>
+        <p:txBody>
+          <a:bodyPr/>
+          <a:lstStyle/>
+          <a:p>
+            <a:r>
+              <a:rPr lang="en-US" altLang="zh-TW" dirty="0"/>
+              <a:t>ASP.NET Web form </a:t>
+            </a:r>
+            <a:r>
               <a:rPr lang="zh-TW" altLang="en-US" dirty="0"/>
-              <a:t>練習 新增專案查看開發人員工具</a:t>
-            </a:r>
-          </a:p>
-        </p:txBody>
-      </p:sp>
-      <p:sp>
-        <p:nvSpPr>
-          <p:cNvPr id="3" name="內容版面配置區 2"/>
-          <p:cNvSpPr>
-            <a:spLocks noGrp="1"/>
-          </p:cNvSpPr>
-          <p:nvPr>
-            <p:ph idx="1"/>
-          </p:nvPr>
-        </p:nvSpPr>
-        <p:spPr/>
-        <p:txBody>
-          <a:bodyPr/>
-          <a:lstStyle/>
-          <a:p>
-            <a:pPr marL="228600" lvl="1">
-              <a:spcBef>
-                <a:spcPts val="1000"/>
-              </a:spcBef>
-            </a:pPr>
+              <a:t>是 </a:t>
+            </a:r>
+            <a:r>
+              <a:rPr lang="en-US" altLang="zh-TW" dirty="0"/>
+              <a:t>ASP.NET web </a:t>
+            </a:r>
+            <a:r>
+              <a:rPr lang="zh-TW" altLang="en-US" dirty="0"/>
+              <a:t>應用程式架構的</a:t>
+            </a:r>
             <a:r>
               <a:rPr lang="zh-TW" altLang="en-US" dirty="0" smtClean="0"/>
-              <a:t>網頁交換差異</a:t>
-            </a:r>
-            <a:endParaRPr lang="zh-TW" altLang="en-US" dirty="0"/>
+              <a:t>一部分。 </a:t>
+            </a:r>
+            <a:r>
+              <a:rPr lang="zh-TW" altLang="en-US" dirty="0"/>
+              <a:t>這是您可以用來建立 </a:t>
+            </a:r>
+            <a:r>
+              <a:rPr lang="en-US" altLang="zh-TW" dirty="0"/>
+              <a:t>ASP.NET web </a:t>
+            </a:r>
+            <a:r>
+              <a:rPr lang="zh-TW" altLang="en-US" dirty="0"/>
+              <a:t>應用程式的四種程式設計模型之一，而其他則是 </a:t>
+            </a:r>
+            <a:r>
+              <a:rPr lang="en-US" altLang="zh-TW" dirty="0"/>
+              <a:t>ASP.NET MVC</a:t>
+            </a:r>
+            <a:r>
+              <a:rPr lang="zh-TW" altLang="en-US" dirty="0"/>
+              <a:t>、</a:t>
+            </a:r>
+            <a:r>
+              <a:rPr lang="en-US" altLang="zh-TW" dirty="0"/>
+              <a:t>ASP.NET Web Pages </a:t>
+            </a:r>
+            <a:r>
+              <a:rPr lang="zh-TW" altLang="en-US" dirty="0"/>
+              <a:t>和 </a:t>
+            </a:r>
+            <a:r>
+              <a:rPr lang="en-US" altLang="zh-TW" dirty="0"/>
+              <a:t>ASP.NET </a:t>
+            </a:r>
+            <a:r>
+              <a:rPr lang="zh-TW" altLang="en-US" dirty="0"/>
+              <a:t>單一頁面</a:t>
+            </a:r>
+            <a:r>
+              <a:rPr lang="zh-TW" altLang="en-US" dirty="0" smtClean="0"/>
+              <a:t>應用程式。</a:t>
+            </a:r>
+            <a:endParaRPr lang="en-US" altLang="zh-TW" dirty="0" smtClean="0"/>
+          </a:p>
+          <a:p>
+            <a:endParaRPr lang="en-US" altLang="zh-TW" dirty="0" smtClean="0"/>
+          </a:p>
+          <a:p>
+            <a:r>
+              <a:rPr lang="zh-TW" altLang="en-US" dirty="0" smtClean="0"/>
+              <a:t>使用語言</a:t>
+            </a:r>
+            <a:endParaRPr lang="en-US" altLang="zh-TW" dirty="0" smtClean="0"/>
+          </a:p>
+          <a:p>
+            <a:pPr lvl="1"/>
+            <a:r>
+              <a:rPr lang="zh-TW" altLang="en-US" dirty="0" smtClean="0"/>
+              <a:t> </a:t>
+            </a:r>
+            <a:r>
+              <a:rPr lang="en-US" altLang="zh-TW" dirty="0" smtClean="0">
+                <a:solidFill>
+                  <a:srgbClr val="FF0000"/>
+                </a:solidFill>
+              </a:rPr>
+              <a:t>C#</a:t>
+            </a:r>
+            <a:r>
+              <a:rPr lang="zh-TW" altLang="en-US" dirty="0" smtClean="0"/>
+              <a:t>、</a:t>
+            </a:r>
+            <a:r>
+              <a:rPr lang="en-US" altLang="zh-TW" dirty="0" smtClean="0"/>
+              <a:t>VB</a:t>
+            </a:r>
           </a:p>
         </p:txBody>
       </p:sp>
     </p:spTree>
     <p:extLst>
       <p:ext uri="{BB962C8B-B14F-4D97-AF65-F5344CB8AC3E}">
-        <p14:creationId xmlns:p14="http://schemas.microsoft.com/office/powerpoint/2010/main" val="2906641071"/>
+        <p14:creationId xmlns:p14="http://schemas.microsoft.com/office/powerpoint/2010/main" val="2570265896"/>
       </p:ext>
     </p:extLst>
   </p:cSld>
@@ -6336,10 +7705,10 @@
           <a:lstStyle/>
           <a:p>
             <a:r>
-              <a:rPr lang="en-US" altLang="zh-TW" b="1" dirty="0"/>
-              <a:t>HTTP Code</a:t>
-            </a:r>
-            <a:endParaRPr lang="zh-TW" altLang="en-US" b="1" dirty="0"/>
+              <a:rPr lang="zh-TW" altLang="en-US" dirty="0" smtClean="0"/>
+              <a:t>練習 新增專案查看開發人員工具</a:t>
+            </a:r>
+            <a:endParaRPr lang="zh-TW" altLang="en-US" dirty="0"/>
           </a:p>
         </p:txBody>
       </p:sp>
@@ -6359,53 +7728,49 @@
           <a:lstStyle/>
           <a:p>
             <a:r>
-              <a:rPr lang="zh-TW" altLang="en-US" dirty="0"/>
-              <a:t>資訊回應 </a:t>
-            </a:r>
-            <a:r>
-              <a:rPr lang="en-US" altLang="zh-TW" dirty="0"/>
-              <a:t>(Informational responses, 100–199),</a:t>
-            </a:r>
-          </a:p>
-          <a:p>
-            <a:r>
-              <a:rPr lang="zh-TW" altLang="en-US" dirty="0"/>
-              <a:t>成功回應 </a:t>
-            </a:r>
-            <a:r>
-              <a:rPr lang="en-US" altLang="zh-TW" dirty="0"/>
-              <a:t>(Successful responses, 200–299),</a:t>
-            </a:r>
-          </a:p>
-          <a:p>
-            <a:r>
-              <a:rPr lang="zh-TW" altLang="en-US" dirty="0"/>
-              <a:t>重定向 </a:t>
-            </a:r>
-            <a:r>
-              <a:rPr lang="en-US" altLang="zh-TW" dirty="0"/>
-              <a:t>(Redirects, 300–399),</a:t>
-            </a:r>
-          </a:p>
-          <a:p>
-            <a:r>
-              <a:rPr lang="zh-TW" altLang="en-US" dirty="0"/>
-              <a:t>用戶端錯誤 </a:t>
-            </a:r>
-            <a:r>
-              <a:rPr lang="en-US" altLang="zh-TW" dirty="0"/>
-              <a:t>(Client errors, 400–499),</a:t>
-            </a:r>
-          </a:p>
-          <a:p>
-            <a:r>
-              <a:rPr lang="zh-TW" altLang="en-US" dirty="0"/>
-              <a:t>伺服器端錯誤 </a:t>
-            </a:r>
-            <a:r>
-              <a:rPr lang="en-US" altLang="zh-TW" dirty="0"/>
-              <a:t>(Server errors, 500–599).</a:t>
-            </a:r>
+              <a:rPr lang="zh-TW" altLang="en-US" dirty="0" smtClean="0"/>
+              <a:t>開啟</a:t>
+            </a:r>
+            <a:r>
+              <a:rPr lang="en-US" altLang="zh-TW" dirty="0" smtClean="0"/>
+              <a:t>VS2019</a:t>
+            </a:r>
+          </a:p>
+          <a:p>
+            <a:r>
+              <a:rPr lang="zh-TW" altLang="en-US" dirty="0" smtClean="0"/>
+              <a:t>新增</a:t>
+            </a:r>
+            <a:r>
+              <a:rPr lang="en-US" altLang="zh-TW" dirty="0" err="1" smtClean="0"/>
+              <a:t>WebForm</a:t>
+            </a:r>
+            <a:r>
+              <a:rPr lang="zh-TW" altLang="en-US" dirty="0" smtClean="0"/>
+              <a:t>專案</a:t>
+            </a:r>
+            <a:endParaRPr lang="en-US" altLang="zh-TW" dirty="0" smtClean="0"/>
+          </a:p>
+          <a:p>
+            <a:r>
+              <a:rPr lang="zh-TW" altLang="en-US" dirty="0" smtClean="0"/>
+              <a:t>加入</a:t>
+            </a:r>
+            <a:r>
+              <a:rPr lang="en-US" altLang="zh-TW" dirty="0" smtClean="0"/>
+              <a:t>page</a:t>
+            </a:r>
+          </a:p>
+          <a:p>
+            <a:pPr lvl="1"/>
+            <a:r>
+              <a:rPr lang="zh-TW" altLang="en-US" dirty="0" smtClean="0"/>
+              <a:t>空白</a:t>
+            </a:r>
+            <a:endParaRPr lang="en-US" altLang="zh-TW" dirty="0" smtClean="0"/>
+          </a:p>
+          <a:p>
+            <a:pPr lvl="1"/>
             <a:endParaRPr lang="zh-TW" altLang="en-US" dirty="0"/>
           </a:p>
         </p:txBody>
@@ -6413,7 +7778,7 @@
     </p:spTree>
     <p:extLst>
       <p:ext uri="{BB962C8B-B14F-4D97-AF65-F5344CB8AC3E}">
-        <p14:creationId xmlns:p14="http://schemas.microsoft.com/office/powerpoint/2010/main" val="3094440724"/>
+        <p14:creationId xmlns:p14="http://schemas.microsoft.com/office/powerpoint/2010/main" val="3575554709"/>
       </p:ext>
     </p:extLst>
   </p:cSld>
@@ -6456,9 +7821,18 @@
           <a:lstStyle/>
           <a:p>
             <a:r>
+              <a:rPr lang="en-US" altLang="zh-TW" dirty="0"/>
+              <a:t>MS</a:t>
+            </a:r>
+            <a:r>
               <a:rPr lang="zh-TW" altLang="en-US" dirty="0"/>
-              <a:t>練習 新增專案查看開發人員工具</a:t>
-            </a:r>
+              <a:t> </a:t>
+            </a:r>
+            <a:r>
+              <a:rPr lang="en-US" altLang="zh-TW" dirty="0" smtClean="0"/>
+              <a:t>SQL</a:t>
+            </a:r>
+            <a:endParaRPr lang="zh-TW" altLang="en-US" dirty="0"/>
           </a:p>
         </p:txBody>
       </p:sp>
@@ -6477,92 +7851,14 @@
           <a:bodyPr/>
           <a:lstStyle/>
           <a:p>
-            <a:pPr marL="228600" lvl="1">
-              <a:spcBef>
-                <a:spcPts val="1000"/>
-              </a:spcBef>
-            </a:pPr>
-            <a:r>
-              <a:rPr lang="zh-TW" altLang="en-US" dirty="0" smtClean="0"/>
-              <a:t>測試成功</a:t>
-            </a:r>
-            <a:endParaRPr lang="en-US" altLang="zh-TW" dirty="0" smtClean="0"/>
-          </a:p>
-          <a:p>
-            <a:pPr marL="228600" lvl="1">
-              <a:spcBef>
-                <a:spcPts val="1000"/>
-              </a:spcBef>
-            </a:pPr>
-            <a:r>
-              <a:rPr lang="zh-TW" altLang="en-US" dirty="0" smtClean="0"/>
-              <a:t>測試重定向 </a:t>
-            </a:r>
-            <a:r>
-              <a:rPr lang="en-US" altLang="zh-TW" dirty="0" smtClean="0"/>
-              <a:t>200</a:t>
-            </a:r>
-          </a:p>
-          <a:p>
-            <a:pPr marL="228600" lvl="1">
-              <a:spcBef>
-                <a:spcPts val="1000"/>
-              </a:spcBef>
-            </a:pPr>
-            <a:r>
-              <a:rPr lang="zh-TW" altLang="en-US" dirty="0"/>
-              <a:t>測試</a:t>
-            </a:r>
-            <a:r>
-              <a:rPr lang="zh-TW" altLang="en-US" dirty="0" smtClean="0"/>
-              <a:t>端錯誤 </a:t>
-            </a:r>
-            <a:r>
-              <a:rPr lang="en-US" altLang="zh-TW" dirty="0" smtClean="0"/>
-              <a:t>404</a:t>
-            </a:r>
-          </a:p>
-          <a:p>
-            <a:pPr marL="228600" lvl="1">
-              <a:spcBef>
-                <a:spcPts val="1000"/>
-              </a:spcBef>
-            </a:pPr>
-            <a:r>
-              <a:rPr lang="zh-TW" altLang="en-US" dirty="0"/>
-              <a:t>測試</a:t>
-            </a:r>
-            <a:r>
-              <a:rPr lang="zh-TW" altLang="en-US" dirty="0" smtClean="0"/>
-              <a:t>伺服器</a:t>
-            </a:r>
-            <a:r>
-              <a:rPr lang="zh-TW" altLang="en-US" dirty="0"/>
-              <a:t>端</a:t>
-            </a:r>
-            <a:r>
-              <a:rPr lang="zh-TW" altLang="en-US" dirty="0" smtClean="0"/>
-              <a:t>錯誤 </a:t>
-            </a:r>
-            <a:r>
-              <a:rPr lang="en-US" altLang="zh-TW" dirty="0" smtClean="0"/>
-              <a:t>500</a:t>
-            </a:r>
-          </a:p>
-          <a:p>
-            <a:pPr marL="228600" lvl="1">
-              <a:spcBef>
-                <a:spcPts val="1000"/>
-              </a:spcBef>
-            </a:pPr>
-            <a:endParaRPr lang="zh-TW" altLang="en-US" dirty="0"/>
+            <a:endParaRPr lang="zh-TW" altLang="en-US"/>
           </a:p>
         </p:txBody>
       </p:sp>
     </p:spTree>
     <p:extLst>
       <p:ext uri="{BB962C8B-B14F-4D97-AF65-F5344CB8AC3E}">
-        <p14:creationId xmlns:p14="http://schemas.microsoft.com/office/powerpoint/2010/main" val="1947028154"/>
+        <p14:creationId xmlns:p14="http://schemas.microsoft.com/office/powerpoint/2010/main" val="3713027451"/>
       </p:ext>
     </p:extLst>
   </p:cSld>
@@ -6605,44 +7901,103 @@
           <a:lstStyle/>
           <a:p>
             <a:r>
+              <a:rPr lang="zh-TW" altLang="en-US" dirty="0"/>
+              <a:t>前</a:t>
+            </a:r>
+            <a:r>
+              <a:rPr lang="zh-TW" altLang="en-US" dirty="0" smtClean="0"/>
+              <a:t>端基礎</a:t>
+            </a:r>
+            <a:r>
+              <a:rPr lang="en-US" altLang="zh-TW" dirty="0"/>
+              <a:t>_</a:t>
+            </a:r>
+            <a:r>
               <a:rPr lang="en-US" altLang="zh-TW" dirty="0" smtClean="0"/>
-              <a:t>HTTP</a:t>
+              <a:t>HTML</a:t>
+            </a:r>
+            <a:endParaRPr lang="zh-TW" altLang="en-US" dirty="0"/>
+          </a:p>
+        </p:txBody>
+      </p:sp>
+      <p:sp>
+        <p:nvSpPr>
+          <p:cNvPr id="3" name="內容版面配置區 2"/>
+          <p:cNvSpPr>
+            <a:spLocks noGrp="1"/>
+          </p:cNvSpPr>
+          <p:nvPr>
+            <p:ph idx="1"/>
+          </p:nvPr>
+        </p:nvSpPr>
+        <p:spPr/>
+        <p:txBody>
+          <a:bodyPr/>
+          <a:lstStyle/>
+          <a:p>
+            <a:r>
+              <a:rPr lang="en-US" altLang="zh-TW" dirty="0" smtClean="0"/>
+              <a:t>HTML</a:t>
+            </a:r>
+            <a:r>
+              <a:rPr lang="zh-TW" altLang="en-US" dirty="0"/>
+              <a:t>（</a:t>
+            </a:r>
+            <a:r>
+              <a:rPr lang="en-US" altLang="zh-TW" b="1" dirty="0"/>
+              <a:t>H</a:t>
+            </a:r>
+            <a:r>
+              <a:rPr lang="en-US" altLang="zh-TW" dirty="0"/>
+              <a:t>ypertext </a:t>
+            </a:r>
+            <a:r>
+              <a:rPr lang="en-US" altLang="zh-TW" b="1" dirty="0"/>
+              <a:t>M</a:t>
+            </a:r>
+            <a:r>
+              <a:rPr lang="en-US" altLang="zh-TW" dirty="0"/>
+              <a:t>arkup </a:t>
+            </a:r>
+            <a:r>
+              <a:rPr lang="en-US" altLang="zh-TW" b="1" dirty="0"/>
+              <a:t>L</a:t>
+            </a:r>
+            <a:r>
+              <a:rPr lang="en-US" altLang="zh-TW" dirty="0"/>
+              <a:t>anguage</a:t>
+            </a:r>
+            <a:r>
+              <a:rPr lang="zh-TW" altLang="en-US" dirty="0"/>
+              <a:t>），中文全名為「超文字標示語言」，是一種用來組織架構並呈現網頁內容的程式語言</a:t>
             </a:r>
             <a:r>
               <a:rPr lang="zh-TW" altLang="en-US" dirty="0" smtClean="0"/>
-              <a:t>與</a:t>
-            </a:r>
-            <a:r>
-              <a:rPr lang="en-US" altLang="zh-TW" dirty="0" smtClean="0"/>
-              <a:t>HTTPS</a:t>
-            </a:r>
-            <a:endParaRPr lang="zh-TW" altLang="en-US" dirty="0"/>
-          </a:p>
-        </p:txBody>
-      </p:sp>
-      <p:sp>
-        <p:nvSpPr>
-          <p:cNvPr id="3" name="內容版面配置區 2"/>
-          <p:cNvSpPr>
-            <a:spLocks noGrp="1"/>
-          </p:cNvSpPr>
-          <p:nvPr>
-            <p:ph idx="1"/>
-          </p:nvPr>
-        </p:nvSpPr>
-        <p:spPr/>
-        <p:txBody>
-          <a:bodyPr/>
-          <a:lstStyle/>
-          <a:p>
-            <a:endParaRPr lang="zh-TW" altLang="en-US"/>
+              <a:t>。</a:t>
+            </a:r>
+            <a:endParaRPr lang="en-US" altLang="zh-TW" dirty="0" smtClean="0"/>
+          </a:p>
+          <a:p>
+            <a:r>
+              <a:rPr lang="zh-TW" altLang="en-US" dirty="0" smtClean="0"/>
+              <a:t>網頁</a:t>
+            </a:r>
+            <a:r>
+              <a:rPr lang="zh-TW" altLang="en-US" dirty="0"/>
+              <a:t>內容的組成，可能包含了段落、清單、圖片或</a:t>
+            </a:r>
+            <a:r>
+              <a:rPr lang="zh-TW" altLang="en-US" dirty="0" smtClean="0"/>
+              <a:t>表格等。</a:t>
+            </a:r>
+            <a:endParaRPr lang="en-US" altLang="zh-TW" dirty="0" smtClean="0"/>
           </a:p>
         </p:txBody>
       </p:sp>
     </p:spTree>
     <p:extLst>
       <p:ext uri="{BB962C8B-B14F-4D97-AF65-F5344CB8AC3E}">
-        <p14:creationId xmlns:p14="http://schemas.microsoft.com/office/powerpoint/2010/main" val="4022362455"/>
+        <p14:creationId xmlns:p14="http://schemas.microsoft.com/office/powerpoint/2010/main" val="3054099825"/>
       </p:ext>
     </p:extLst>
   </p:cSld>

--- a/投影片/1.網頁基礎.pptx
+++ b/投影片/1.網頁基礎.pptx
@@ -24,14 +24,19 @@
     <p:sldId id="279" r:id="rId18"/>
     <p:sldId id="280" r:id="rId19"/>
     <p:sldId id="281" r:id="rId20"/>
-    <p:sldId id="282" r:id="rId21"/>
-    <p:sldId id="283" r:id="rId22"/>
-    <p:sldId id="285" r:id="rId23"/>
-    <p:sldId id="284" r:id="rId24"/>
-    <p:sldId id="286" r:id="rId25"/>
-    <p:sldId id="287" r:id="rId26"/>
-    <p:sldId id="288" r:id="rId27"/>
-    <p:sldId id="289" r:id="rId28"/>
+    <p:sldId id="290" r:id="rId21"/>
+    <p:sldId id="282" r:id="rId22"/>
+    <p:sldId id="283" r:id="rId23"/>
+    <p:sldId id="293" r:id="rId24"/>
+    <p:sldId id="291" r:id="rId25"/>
+    <p:sldId id="292" r:id="rId26"/>
+    <p:sldId id="294" r:id="rId27"/>
+    <p:sldId id="285" r:id="rId28"/>
+    <p:sldId id="284" r:id="rId29"/>
+    <p:sldId id="286" r:id="rId30"/>
+    <p:sldId id="287" r:id="rId31"/>
+    <p:sldId id="288" r:id="rId32"/>
+    <p:sldId id="289" r:id="rId33"/>
   </p:sldIdLst>
   <p:sldSz cx="12192000" cy="6858000"/>
   <p:notesSz cx="6858000" cy="9144000"/>
@@ -172,7 +177,7 @@
           <a:p>
             <a:fld id="{31CDE89B-FBD9-4E23-BEEB-B0C8819124B3}" type="datetimeFigureOut">
               <a:rPr lang="zh-TW" altLang="en-US" smtClean="0"/>
-              <a:t>2022/2/12</a:t>
+              <a:t>2022/2/21</a:t>
             </a:fld>
             <a:endParaRPr lang="zh-TW" altLang="en-US"/>
           </a:p>
@@ -3043,7 +3048,7 @@
           <a:p>
             <a:fld id="{31CDE89B-FBD9-4E23-BEEB-B0C8819124B3}" type="datetimeFigureOut">
               <a:rPr lang="zh-TW" altLang="en-US" smtClean="0"/>
-              <a:t>2022/2/12</a:t>
+              <a:t>2022/2/21</a:t>
             </a:fld>
             <a:endParaRPr lang="zh-TW" altLang="en-US"/>
           </a:p>
@@ -3235,7 +3240,7 @@
           <a:p>
             <a:fld id="{31CDE89B-FBD9-4E23-BEEB-B0C8819124B3}" type="datetimeFigureOut">
               <a:rPr lang="zh-TW" altLang="en-US" smtClean="0"/>
-              <a:t>2022/2/12</a:t>
+              <a:t>2022/2/21</a:t>
             </a:fld>
             <a:endParaRPr lang="zh-TW" altLang="en-US"/>
           </a:p>
@@ -3431,7 +3436,7 @@
           <a:p>
             <a:fld id="{31CDE89B-FBD9-4E23-BEEB-B0C8819124B3}" type="datetimeFigureOut">
               <a:rPr lang="zh-TW" altLang="en-US" smtClean="0"/>
-              <a:t>2022/2/12</a:t>
+              <a:t>2022/2/21</a:t>
             </a:fld>
             <a:endParaRPr lang="zh-TW" altLang="en-US"/>
           </a:p>
@@ -4527,7 +4532,7 @@
           <a:p>
             <a:fld id="{31CDE89B-FBD9-4E23-BEEB-B0C8819124B3}" type="datetimeFigureOut">
               <a:rPr lang="zh-TW" altLang="en-US" smtClean="0"/>
-              <a:t>2022/2/12</a:t>
+              <a:t>2022/2/21</a:t>
             </a:fld>
             <a:endParaRPr lang="zh-TW" altLang="en-US"/>
           </a:p>
@@ -4776,7 +4781,7 @@
           <a:p>
             <a:fld id="{31CDE89B-FBD9-4E23-BEEB-B0C8819124B3}" type="datetimeFigureOut">
               <a:rPr lang="zh-TW" altLang="en-US" smtClean="0"/>
-              <a:t>2022/2/12</a:t>
+              <a:t>2022/2/21</a:t>
             </a:fld>
             <a:endParaRPr lang="zh-TW" altLang="en-US"/>
           </a:p>
@@ -5155,7 +5160,7 @@
           <a:p>
             <a:fld id="{31CDE89B-FBD9-4E23-BEEB-B0C8819124B3}" type="datetimeFigureOut">
               <a:rPr lang="zh-TW" altLang="en-US" smtClean="0"/>
-              <a:t>2022/2/12</a:t>
+              <a:t>2022/2/21</a:t>
             </a:fld>
             <a:endParaRPr lang="zh-TW" altLang="en-US"/>
           </a:p>
@@ -5285,7 +5290,7 @@
           <a:p>
             <a:fld id="{31CDE89B-FBD9-4E23-BEEB-B0C8819124B3}" type="datetimeFigureOut">
               <a:rPr lang="zh-TW" altLang="en-US" smtClean="0"/>
-              <a:t>2022/2/12</a:t>
+              <a:t>2022/2/21</a:t>
             </a:fld>
             <a:endParaRPr lang="zh-TW" altLang="en-US"/>
           </a:p>
@@ -5392,7 +5397,7 @@
           <a:p>
             <a:fld id="{31CDE89B-FBD9-4E23-BEEB-B0C8819124B3}" type="datetimeFigureOut">
               <a:rPr lang="zh-TW" altLang="en-US" smtClean="0"/>
-              <a:t>2022/2/12</a:t>
+              <a:t>2022/2/21</a:t>
             </a:fld>
             <a:endParaRPr lang="zh-TW" altLang="en-US"/>
           </a:p>
@@ -5681,7 +5686,7 @@
           <a:p>
             <a:fld id="{31CDE89B-FBD9-4E23-BEEB-B0C8819124B3}" type="datetimeFigureOut">
               <a:rPr lang="zh-TW" altLang="en-US" smtClean="0"/>
-              <a:t>2022/2/12</a:t>
+              <a:t>2022/2/21</a:t>
             </a:fld>
             <a:endParaRPr lang="zh-TW" altLang="en-US"/>
           </a:p>
@@ -5946,7 +5951,7 @@
           <a:p>
             <a:fld id="{31CDE89B-FBD9-4E23-BEEB-B0C8819124B3}" type="datetimeFigureOut">
               <a:rPr lang="zh-TW" altLang="en-US" smtClean="0"/>
-              <a:t>2022/2/12</a:t>
+              <a:t>2022/2/21</a:t>
             </a:fld>
             <a:endParaRPr lang="zh-TW" altLang="en-US"/>
           </a:p>
@@ -6171,7 +6176,7 @@
           <a:p>
             <a:fld id="{31CDE89B-FBD9-4E23-BEEB-B0C8819124B3}" type="datetimeFigureOut">
               <a:rPr lang="zh-TW" altLang="en-US" smtClean="0"/>
-              <a:t>2022/2/12</a:t>
+              <a:t>2022/2/21</a:t>
             </a:fld>
             <a:endParaRPr lang="zh-TW" altLang="en-US"/>
           </a:p>
@@ -7284,12 +7289,16 @@
               <a:t>The closing tag</a:t>
             </a:r>
             <a:r>
-              <a:rPr lang="zh-TW" altLang="en-US" b="1" dirty="0"/>
+              <a:rPr lang="zh-TW" altLang="en-US" b="1" dirty="0" smtClean="0"/>
               <a:t>）：</a:t>
             </a:r>
             <a:r>
-              <a:rPr lang="zh-TW" altLang="en-US" dirty="0"/>
-              <a:t> 與起始標籤一樣，只是在元素名稱前面多了個</a:t>
+              <a:rPr lang="zh-TW" altLang="en-US" dirty="0" smtClean="0"/>
+              <a:t>與</a:t>
+            </a:r>
+            <a:r>
+              <a:rPr lang="zh-TW" altLang="en-US" dirty="0"/>
+              <a:t>起始標籤一樣，只是在元素名稱前面多了個</a:t>
             </a:r>
             <a:r>
               <a:rPr lang="zh-TW" altLang="en-US" i="1" dirty="0"/>
@@ -7319,12 +7328,16 @@
               <a:t>The content</a:t>
             </a:r>
             <a:r>
-              <a:rPr lang="zh-TW" altLang="en-US" b="1" dirty="0"/>
+              <a:rPr lang="zh-TW" altLang="en-US" b="1" dirty="0" smtClean="0"/>
               <a:t>）：</a:t>
             </a:r>
             <a:r>
-              <a:rPr lang="zh-TW" altLang="en-US" dirty="0"/>
-              <a:t> 這個元素的內容，內容可以是文字或標籤。</a:t>
+              <a:rPr lang="zh-TW" altLang="en-US" dirty="0" smtClean="0"/>
+              <a:t>這個</a:t>
+            </a:r>
+            <a:r>
+              <a:rPr lang="zh-TW" altLang="en-US" dirty="0"/>
+              <a:t>元素的內容，內容可以是文字或標籤。</a:t>
             </a:r>
           </a:p>
           <a:p>
@@ -7338,12 +7351,16 @@
               <a:t>The element</a:t>
             </a:r>
             <a:r>
-              <a:rPr lang="zh-TW" altLang="en-US" b="1" dirty="0"/>
+              <a:rPr lang="zh-TW" altLang="en-US" b="1" dirty="0" smtClean="0"/>
               <a:t>）：</a:t>
             </a:r>
             <a:r>
-              <a:rPr lang="zh-TW" altLang="en-US" dirty="0"/>
-              <a:t> 由起始標籤、結束標籤、內容所組成。</a:t>
+              <a:rPr lang="zh-TW" altLang="en-US" dirty="0" smtClean="0"/>
+              <a:t>由</a:t>
+            </a:r>
+            <a:r>
+              <a:rPr lang="zh-TW" altLang="en-US" dirty="0"/>
+              <a:t>起始標籤、結束標籤、內容所組成。</a:t>
             </a:r>
           </a:p>
           <a:p>
@@ -7352,6 +7369,36 @@
           </a:p>
         </p:txBody>
       </p:sp>
+      <p:pic>
+        <p:nvPicPr>
+          <p:cNvPr id="4" name="圖片 3" descr="畫面剪輯"/>
+          <p:cNvPicPr>
+            <a:picLocks noChangeAspect="1"/>
+          </p:cNvPicPr>
+          <p:nvPr/>
+        </p:nvPicPr>
+        <p:blipFill>
+          <a:blip r:embed="rId2">
+            <a:extLst>
+              <a:ext uri="{28A0092B-C50C-407E-A947-70E740481C1C}">
+                <a14:useLocalDpi xmlns:a14="http://schemas.microsoft.com/office/drawing/2010/main" val="0"/>
+              </a:ext>
+            </a:extLst>
+          </a:blip>
+          <a:stretch>
+            <a:fillRect/>
+          </a:stretch>
+        </p:blipFill>
+        <p:spPr>
+          <a:xfrm>
+            <a:off x="1373399" y="5561867"/>
+            <a:ext cx="5766996" cy="354396"/>
+          </a:xfrm>
+          <a:prstGeom prst="rect">
+            <a:avLst/>
+          </a:prstGeom>
+        </p:spPr>
+      </p:pic>
     </p:spTree>
     <p:extLst>
       <p:ext uri="{BB962C8B-B14F-4D97-AF65-F5344CB8AC3E}">
@@ -7908,7 +7955,7 @@
             <a:pPr lvl="1"/>
             <a:r>
               <a:rPr lang="en-US" altLang="zh-TW" dirty="0" err="1" smtClean="0"/>
-              <a:t>youtube</a:t>
+              <a:t>Youtube</a:t>
             </a:r>
             <a:r>
               <a:rPr lang="zh-TW" altLang="en-US" dirty="0" smtClean="0"/>
@@ -7927,8 +7974,8 @@
           <a:p>
             <a:pPr lvl="1"/>
             <a:r>
-              <a:rPr lang="en-US" altLang="zh-TW" dirty="0" err="1" smtClean="0"/>
-              <a:t>facebook</a:t>
+              <a:rPr lang="en-US" altLang="zh-TW" dirty="0" smtClean="0"/>
+              <a:t>Facebook</a:t>
             </a:r>
             <a:r>
               <a:rPr lang="zh-TW" altLang="en-US" dirty="0" smtClean="0"/>
@@ -8223,14 +8270,72 @@
           <a:p>
             <a:r>
               <a:rPr lang="zh-TW" altLang="en-US" dirty="0"/>
-              <a:t>標籤選擇器</a:t>
+              <a:t>標籤選擇</a:t>
+            </a:r>
+            <a:r>
+              <a:rPr lang="zh-TW" altLang="en-US" dirty="0" smtClean="0"/>
+              <a:t>器</a:t>
+            </a:r>
+            <a:endParaRPr lang="en-US" altLang="zh-TW" dirty="0" smtClean="0"/>
+          </a:p>
+          <a:p>
+            <a:pPr marL="457200" lvl="1" indent="0">
+              <a:buNone/>
+            </a:pPr>
+            <a:r>
+              <a:rPr lang="zh-TW" altLang="en-US" dirty="0" smtClean="0"/>
+              <a:t>標籤</a:t>
+            </a:r>
+            <a:r>
+              <a:rPr lang="en-US" altLang="zh-TW" dirty="0" smtClean="0"/>
+              <a:t>{</a:t>
+            </a:r>
+          </a:p>
+          <a:p>
+            <a:pPr marL="457200" lvl="1" indent="0">
+              <a:buNone/>
+            </a:pPr>
+            <a:r>
+              <a:rPr lang="en-US" altLang="zh-TW" dirty="0" smtClean="0"/>
+              <a:t>}</a:t>
             </a:r>
             <a:endParaRPr lang="en-US" altLang="zh-TW" dirty="0"/>
           </a:p>
           <a:p>
             <a:r>
               <a:rPr lang="zh-TW" altLang="en-US" dirty="0"/>
-              <a:t>類別選擇器</a:t>
+              <a:t>類別選擇</a:t>
+            </a:r>
+            <a:r>
+              <a:rPr lang="zh-TW" altLang="en-US" dirty="0" smtClean="0"/>
+              <a:t>器</a:t>
+            </a:r>
+            <a:endParaRPr lang="en-US" altLang="zh-TW" dirty="0" smtClean="0"/>
+          </a:p>
+          <a:p>
+            <a:pPr marL="457200" lvl="1" indent="0">
+              <a:buNone/>
+            </a:pPr>
+            <a:r>
+              <a:rPr lang="en-US" altLang="zh-TW" dirty="0" smtClean="0"/>
+              <a:t>.</a:t>
+            </a:r>
+            <a:r>
+              <a:rPr lang="zh-TW" altLang="en-US" dirty="0" smtClean="0"/>
+              <a:t>類別</a:t>
+            </a:r>
+            <a:r>
+              <a:rPr lang="en-US" altLang="zh-TW" dirty="0" smtClean="0"/>
+              <a:t>{</a:t>
+            </a:r>
+          </a:p>
+          <a:p>
+            <a:pPr marL="457200" lvl="1" indent="0">
+              <a:buNone/>
+            </a:pPr>
+            <a:r>
+              <a:rPr lang="en-US" altLang="zh-TW" dirty="0" smtClean="0"/>
+              <a:t>}</a:t>
             </a:r>
             <a:endParaRPr lang="en-US" altLang="zh-TW" dirty="0"/>
           </a:p>
@@ -8241,7 +8346,30 @@
             </a:r>
             <a:r>
               <a:rPr lang="zh-TW" altLang="en-US" dirty="0"/>
-              <a:t>選擇器</a:t>
+              <a:t>選擇</a:t>
+            </a:r>
+            <a:r>
+              <a:rPr lang="zh-TW" altLang="en-US" dirty="0" smtClean="0"/>
+              <a:t>器</a:t>
+            </a:r>
+            <a:endParaRPr lang="en-US" altLang="zh-TW" dirty="0" smtClean="0"/>
+          </a:p>
+          <a:p>
+            <a:pPr marL="457200" lvl="1" indent="0">
+              <a:buNone/>
+            </a:pPr>
+            <a:r>
+              <a:rPr lang="en-US" altLang="zh-TW" dirty="0" smtClean="0"/>
+              <a:t>#ID{</a:t>
+            </a:r>
+          </a:p>
+          <a:p>
+            <a:pPr marL="457200" lvl="1" indent="0">
+              <a:buNone/>
+            </a:pPr>
+            <a:r>
+              <a:rPr lang="en-US" altLang="zh-TW" dirty="0" smtClean="0"/>
+              <a:t>}</a:t>
             </a:r>
             <a:endParaRPr lang="en-US" altLang="zh-TW" dirty="0"/>
           </a:p>
@@ -8329,60 +8457,41 @@
           <a:lstStyle/>
           <a:p>
             <a:r>
-              <a:rPr lang="zh-TW" altLang="en-US" dirty="0"/>
-              <a:t>網頁基礎</a:t>
-            </a:r>
-          </a:p>
-          <a:p>
-            <a:pPr lvl="1"/>
-            <a:r>
-              <a:rPr lang="en-US" altLang="zh-TW" dirty="0"/>
-              <a:t>HTTP</a:t>
+              <a:rPr lang="en-US" altLang="zh-TW" dirty="0"/>
+              <a:t>Client &amp; </a:t>
+            </a:r>
+            <a:r>
+              <a:rPr lang="en-US" altLang="zh-TW" dirty="0" smtClean="0"/>
+              <a:t>Server</a:t>
+            </a:r>
+          </a:p>
+          <a:p>
+            <a:pPr marL="685800" lvl="2">
+              <a:spcBef>
+                <a:spcPts val="1000"/>
+              </a:spcBef>
+            </a:pPr>
+            <a:r>
+              <a:rPr lang="en-US" altLang="zh-TW" dirty="0"/>
+              <a:t>Request</a:t>
             </a:r>
             <a:r>
               <a:rPr lang="zh-TW" altLang="en-US" dirty="0"/>
               <a:t>、</a:t>
             </a:r>
             <a:r>
-              <a:rPr lang="en-US" altLang="zh-TW" dirty="0"/>
-              <a:t>Request</a:t>
-            </a:r>
-            <a:r>
-              <a:rPr lang="zh-TW" altLang="en-US" dirty="0"/>
-              <a:t>、</a:t>
-            </a:r>
-            <a:r>
-              <a:rPr lang="en-US" altLang="zh-TW" dirty="0"/>
+              <a:rPr lang="en-US" altLang="zh-TW" dirty="0" smtClean="0"/>
               <a:t>Response</a:t>
             </a:r>
           </a:p>
           <a:p>
-            <a:pPr lvl="1"/>
-            <a:r>
-              <a:rPr lang="en-US" altLang="zh-TW" dirty="0"/>
-              <a:t>HTTP Method</a:t>
-            </a:r>
-            <a:r>
-              <a:rPr lang="zh-TW" altLang="en-US" dirty="0"/>
-              <a:t>、 </a:t>
-            </a:r>
-            <a:r>
-              <a:rPr lang="en-US" altLang="zh-TW" dirty="0"/>
-              <a:t>HTTP Code</a:t>
-            </a:r>
-            <a:r>
-              <a:rPr lang="zh-TW" altLang="en-US" dirty="0"/>
-              <a:t>、</a:t>
-            </a:r>
-            <a:r>
-              <a:rPr lang="en-US" altLang="zh-TW" dirty="0"/>
-              <a:t>HTTPS</a:t>
-            </a:r>
-          </a:p>
-          <a:p>
-            <a:r>
-              <a:rPr lang="zh-TW" altLang="en-US" dirty="0"/>
-              <a:t>後端</a:t>
+            <a:r>
+              <a:rPr lang="zh-TW" altLang="en-US" dirty="0" smtClean="0"/>
+              <a:t>後</a:t>
+            </a:r>
+            <a:r>
+              <a:rPr lang="zh-TW" altLang="en-US" dirty="0"/>
+              <a:t>端</a:t>
             </a:r>
           </a:p>
           <a:p>
@@ -8443,9 +8552,39 @@
           </a:p>
           <a:p>
             <a:r>
-              <a:rPr lang="en-US" altLang="zh-TW" dirty="0"/>
+              <a:rPr lang="en-US" altLang="zh-TW" dirty="0" smtClean="0"/>
               <a:t>HTTP</a:t>
             </a:r>
+          </a:p>
+          <a:p>
+            <a:pPr lvl="1"/>
+            <a:r>
+              <a:rPr lang="en-US" altLang="zh-TW" dirty="0" smtClean="0"/>
+              <a:t>HTTP </a:t>
+            </a:r>
+            <a:r>
+              <a:rPr lang="en-US" altLang="zh-TW" dirty="0"/>
+              <a:t>Method</a:t>
+            </a:r>
+            <a:r>
+              <a:rPr lang="zh-TW" altLang="en-US" dirty="0"/>
+              <a:t>、 </a:t>
+            </a:r>
+            <a:r>
+              <a:rPr lang="en-US" altLang="zh-TW" dirty="0"/>
+              <a:t>HTTP Code</a:t>
+            </a:r>
+            <a:r>
+              <a:rPr lang="zh-TW" altLang="en-US" dirty="0"/>
+              <a:t>、</a:t>
+            </a:r>
+            <a:r>
+              <a:rPr lang="en-US" altLang="zh-TW" dirty="0"/>
+              <a:t>HTTPS</a:t>
+            </a:r>
+          </a:p>
+          <a:p>
+            <a:pPr lvl="1"/>
             <a:endParaRPr lang="en-US" altLang="zh-TW" dirty="0"/>
           </a:p>
         </p:txBody>
@@ -8516,7 +8655,11 @@
           <a:p>
             <a:r>
               <a:rPr lang="en-US" altLang="zh-TW" dirty="0"/>
-              <a:t>JavaScript</a:t>
+              <a:t>External </a:t>
+            </a:r>
+            <a:r>
+              <a:rPr lang="en-US" altLang="zh-TW" dirty="0" smtClean="0"/>
+              <a:t>CSS</a:t>
             </a:r>
             <a:endParaRPr lang="zh-TW" altLang="en-US" dirty="0"/>
           </a:p>
@@ -8539,73 +8682,24 @@
           <a:p>
             <a:r>
               <a:rPr lang="en-US" altLang="zh-TW" dirty="0"/>
-              <a:t>JavaScript (</a:t>
-            </a:r>
-            <a:r>
-              <a:rPr lang="zh-TW" altLang="en-US" dirty="0"/>
-              <a:t>簡稱 </a:t>
-            </a:r>
-            <a:r>
-              <a:rPr lang="en-US" altLang="zh-TW" dirty="0"/>
-              <a:t>JS) </a:t>
-            </a:r>
-            <a:r>
-              <a:rPr lang="zh-TW" altLang="en-US" dirty="0"/>
-              <a:t>是具有一級函數 </a:t>
-            </a:r>
-            <a:r>
-              <a:rPr lang="en-US" altLang="zh-TW" dirty="0"/>
-              <a:t>(First-class functions) </a:t>
-            </a:r>
-            <a:r>
-              <a:rPr lang="zh-TW" altLang="en-US" dirty="0"/>
-              <a:t>的輕量級、直譯式或即時編譯（</a:t>
-            </a:r>
-            <a:r>
-              <a:rPr lang="en-US" altLang="zh-TW" dirty="0"/>
-              <a:t>JIT-compiled</a:t>
-            </a:r>
-            <a:r>
-              <a:rPr lang="zh-TW" altLang="en-US" dirty="0"/>
-              <a:t>）的程式語言。</a:t>
-            </a:r>
-            <a:endParaRPr lang="en-US" altLang="zh-TW" dirty="0"/>
-          </a:p>
-          <a:p>
-            <a:endParaRPr lang="en-US" altLang="zh-TW" dirty="0" smtClean="0"/>
-          </a:p>
-          <a:p>
-            <a:r>
-              <a:rPr lang="zh-TW" altLang="en-US" dirty="0" smtClean="0"/>
-              <a:t>它</a:t>
-            </a:r>
-            <a:r>
-              <a:rPr lang="zh-TW" altLang="en-US" dirty="0"/>
-              <a:t>因為用作網頁的腳本語言而大為知名，但也用於許多非瀏覽器的環境，像是 </a:t>
-            </a:r>
-            <a:r>
-              <a:rPr lang="en-US" altLang="zh-TW" dirty="0"/>
-              <a:t>node.js</a:t>
-            </a:r>
-            <a:r>
-              <a:rPr lang="zh-TW" altLang="en-US" dirty="0"/>
-              <a:t>、</a:t>
-            </a:r>
-            <a:r>
-              <a:rPr lang="en-US" altLang="zh-TW" dirty="0"/>
-              <a:t>Apache </a:t>
+              <a:t>&lt;link </a:t>
             </a:r>
             <a:r>
               <a:rPr lang="en-US" altLang="zh-TW" dirty="0" err="1"/>
-              <a:t>CouchDB</a:t>
-            </a:r>
-            <a:r>
-              <a:rPr lang="zh-TW" altLang="en-US" dirty="0"/>
-              <a:t>。</a:t>
-            </a:r>
-            <a:endParaRPr lang="en-US" altLang="zh-TW" dirty="0"/>
-          </a:p>
-          <a:p>
+              <a:t>rel</a:t>
+            </a:r>
+            <a:r>
+              <a:rPr lang="en-US" altLang="zh-TW" dirty="0"/>
+              <a:t>="stylesheet" </a:t>
+            </a:r>
+            <a:r>
+              <a:rPr lang="en-US" altLang="zh-TW" dirty="0" err="1"/>
+              <a:t>href</a:t>
+            </a:r>
+            <a:r>
+              <a:rPr lang="en-US" altLang="zh-TW" dirty="0"/>
+              <a:t>="mystyle.css"&gt;</a:t>
+            </a:r>
             <a:endParaRPr lang="zh-TW" altLang="en-US" dirty="0"/>
           </a:p>
         </p:txBody>
@@ -8613,7 +8707,7 @@
     </p:spTree>
     <p:extLst>
       <p:ext uri="{BB962C8B-B14F-4D97-AF65-F5344CB8AC3E}">
-        <p14:creationId xmlns:p14="http://schemas.microsoft.com/office/powerpoint/2010/main" val="1123210416"/>
+        <p14:creationId xmlns:p14="http://schemas.microsoft.com/office/powerpoint/2010/main" val="1533467057"/>
       </p:ext>
     </p:extLst>
   </p:cSld>
@@ -8691,29 +8785,72 @@
           <a:lstStyle/>
           <a:p>
             <a:r>
-              <a:rPr lang="zh-TW" altLang="en-US" dirty="0"/>
-              <a:t>變數型別</a:t>
+              <a:rPr lang="en-US" altLang="zh-TW" dirty="0"/>
+              <a:t>JavaScript (</a:t>
+            </a:r>
+            <a:r>
+              <a:rPr lang="zh-TW" altLang="en-US" dirty="0"/>
+              <a:t>簡稱 </a:t>
+            </a:r>
+            <a:r>
+              <a:rPr lang="en-US" altLang="zh-TW" dirty="0"/>
+              <a:t>JS) </a:t>
+            </a:r>
+            <a:r>
+              <a:rPr lang="zh-TW" altLang="en-US" dirty="0"/>
+              <a:t>是具有一級函數 </a:t>
+            </a:r>
+            <a:r>
+              <a:rPr lang="en-US" altLang="zh-TW" dirty="0"/>
+              <a:t>(First-class functions) </a:t>
+            </a:r>
+            <a:r>
+              <a:rPr lang="zh-TW" altLang="en-US" dirty="0"/>
+              <a:t>的輕量級、直譯式或即時編譯（</a:t>
+            </a:r>
+            <a:r>
+              <a:rPr lang="en-US" altLang="zh-TW" dirty="0"/>
+              <a:t>JIT-compiled</a:t>
+            </a:r>
+            <a:r>
+              <a:rPr lang="zh-TW" altLang="en-US" dirty="0"/>
+              <a:t>）的程式語言。</a:t>
             </a:r>
             <a:endParaRPr lang="en-US" altLang="zh-TW" dirty="0"/>
           </a:p>
           <a:p>
-            <a:r>
-              <a:rPr lang="en-US" altLang="zh-TW" dirty="0"/>
-              <a:t>Function</a:t>
-            </a:r>
-          </a:p>
-          <a:p>
-            <a:r>
-              <a:rPr lang="zh-TW" altLang="en-US" dirty="0"/>
-              <a:t>事件</a:t>
+            <a:endParaRPr lang="en-US" altLang="zh-TW" dirty="0" smtClean="0"/>
+          </a:p>
+          <a:p>
+            <a:r>
+              <a:rPr lang="zh-TW" altLang="en-US" dirty="0" smtClean="0"/>
+              <a:t>它</a:t>
+            </a:r>
+            <a:r>
+              <a:rPr lang="zh-TW" altLang="en-US" dirty="0"/>
+              <a:t>因為用作網頁的腳本語言而大為知名，但也用於許多非瀏覽器的環境，像是 </a:t>
+            </a:r>
+            <a:r>
+              <a:rPr lang="en-US" altLang="zh-TW" dirty="0"/>
+              <a:t>node.js</a:t>
+            </a:r>
+            <a:r>
+              <a:rPr lang="zh-TW" altLang="en-US" dirty="0"/>
+              <a:t>、</a:t>
+            </a:r>
+            <a:r>
+              <a:rPr lang="en-US" altLang="zh-TW" dirty="0"/>
+              <a:t>Apache </a:t>
+            </a:r>
+            <a:r>
+              <a:rPr lang="en-US" altLang="zh-TW" dirty="0" err="1"/>
+              <a:t>CouchDB</a:t>
+            </a:r>
+            <a:r>
+              <a:rPr lang="zh-TW" altLang="en-US" dirty="0"/>
+              <a:t>。</a:t>
             </a:r>
             <a:endParaRPr lang="en-US" altLang="zh-TW" dirty="0"/>
-          </a:p>
-          <a:p>
-            <a:r>
-              <a:rPr lang="en-US" altLang="zh-TW" dirty="0"/>
-              <a:t>Dom</a:t>
-            </a:r>
           </a:p>
           <a:p>
             <a:endParaRPr lang="zh-TW" altLang="en-US" dirty="0"/>
@@ -8723,7 +8860,7 @@
     </p:spTree>
     <p:extLst>
       <p:ext uri="{BB962C8B-B14F-4D97-AF65-F5344CB8AC3E}">
-        <p14:creationId xmlns:p14="http://schemas.microsoft.com/office/powerpoint/2010/main" val="1182673784"/>
+        <p14:creationId xmlns:p14="http://schemas.microsoft.com/office/powerpoint/2010/main" val="1123210416"/>
       </p:ext>
     </p:extLst>
   </p:cSld>
@@ -8779,7 +8916,7 @@
           <a:p>
             <a:r>
               <a:rPr lang="en-US" altLang="zh-TW" dirty="0"/>
-              <a:t>HTTP</a:t>
+              <a:t>JavaScript</a:t>
             </a:r>
             <a:endParaRPr lang="zh-TW" altLang="en-US" dirty="0"/>
           </a:p>
@@ -8801,59 +8938,43 @@
           <a:lstStyle/>
           <a:p>
             <a:r>
-              <a:rPr lang="zh-TW" altLang="en-US" dirty="0"/>
-              <a:t>超文本傳輸協定 </a:t>
-            </a:r>
-            <a:r>
-              <a:rPr lang="en-US" altLang="zh-TW" dirty="0"/>
-              <a:t>(HTTP) </a:t>
-            </a:r>
-            <a:r>
-              <a:rPr lang="zh-TW" altLang="en-US" dirty="0"/>
-              <a:t>是一種用來傳輸超媒體文件 </a:t>
-            </a:r>
-            <a:r>
-              <a:rPr lang="en-US" altLang="zh-TW" dirty="0"/>
-              <a:t>(</a:t>
-            </a:r>
-            <a:r>
-              <a:rPr lang="zh-TW" altLang="en-US" dirty="0"/>
-              <a:t>像是</a:t>
-            </a:r>
-            <a:r>
-              <a:rPr lang="en-US" altLang="zh-TW" dirty="0"/>
-              <a:t>HTML</a:t>
-            </a:r>
-            <a:r>
-              <a:rPr lang="zh-TW" altLang="en-US" dirty="0"/>
-              <a:t>文件</a:t>
-            </a:r>
-            <a:r>
-              <a:rPr lang="en-US" altLang="zh-TW" dirty="0"/>
-              <a:t>) </a:t>
-            </a:r>
-            <a:r>
-              <a:rPr lang="zh-TW" altLang="en-US" dirty="0"/>
-              <a:t>的應用層協定，被設計來讓瀏覽器和伺服器進行溝通，但也可做其他用途</a:t>
-            </a:r>
-            <a:r>
               <a:rPr lang="zh-TW" altLang="en-US" dirty="0" smtClean="0"/>
-              <a:t>。</a:t>
-            </a:r>
-            <a:endParaRPr lang="en-US" altLang="zh-TW" dirty="0" smtClean="0"/>
-          </a:p>
-          <a:p>
-            <a:pPr marL="0" indent="0">
-              <a:buNone/>
-            </a:pPr>
+              <a:t>變數</a:t>
+            </a:r>
+            <a:r>
+              <a:rPr lang="zh-TW" altLang="en-US" dirty="0"/>
+              <a:t>型別</a:t>
+            </a:r>
             <a:endParaRPr lang="en-US" altLang="zh-TW" dirty="0"/>
+          </a:p>
+          <a:p>
+            <a:r>
+              <a:rPr lang="en-US" altLang="zh-TW" dirty="0"/>
+              <a:t>Function</a:t>
+            </a:r>
+          </a:p>
+          <a:p>
+            <a:r>
+              <a:rPr lang="zh-TW" altLang="en-US" dirty="0"/>
+              <a:t>事件</a:t>
+            </a:r>
+            <a:endParaRPr lang="en-US" altLang="zh-TW" dirty="0"/>
+          </a:p>
+          <a:p>
+            <a:r>
+              <a:rPr lang="en-US" altLang="zh-TW" dirty="0"/>
+              <a:t>Dom</a:t>
+            </a:r>
+          </a:p>
+          <a:p>
+            <a:endParaRPr lang="zh-TW" altLang="en-US" dirty="0"/>
           </a:p>
         </p:txBody>
       </p:sp>
     </p:spTree>
     <p:extLst>
       <p:ext uri="{BB962C8B-B14F-4D97-AF65-F5344CB8AC3E}">
-        <p14:creationId xmlns:p14="http://schemas.microsoft.com/office/powerpoint/2010/main" val="2816390433"/>
+        <p14:creationId xmlns:p14="http://schemas.microsoft.com/office/powerpoint/2010/main" val="1182673784"/>
       </p:ext>
     </p:extLst>
   </p:cSld>
@@ -8908,14 +9029,13 @@
           <a:lstStyle/>
           <a:p>
             <a:r>
-              <a:rPr lang="zh-TW" altLang="en-US" dirty="0"/>
-              <a:t>常見的 </a:t>
-            </a:r>
-            <a:r>
-              <a:rPr lang="en-US" altLang="zh-TW" dirty="0"/>
-              <a:t>HTTP Method</a:t>
-            </a:r>
-            <a:endParaRPr lang="zh-TW" altLang="en-US" dirty="0"/>
+              <a:rPr lang="en-US" altLang="zh-TW" dirty="0"/>
+              <a:t>JavaScript</a:t>
+            </a:r>
+            <a:r>
+              <a:rPr lang="zh-TW" altLang="en-US" dirty="0"/>
+              <a:t> 練習</a:t>
+            </a:r>
           </a:p>
         </p:txBody>
       </p:sp>
@@ -8929,119 +9049,15 @@
             <p:ph idx="1"/>
           </p:nvPr>
         </p:nvSpPr>
-        <p:spPr>
-          <a:xfrm>
-            <a:off x="1223930" y="1666876"/>
-            <a:ext cx="10285201" cy="4510088"/>
-          </a:xfrm>
-        </p:spPr>
+        <p:spPr/>
         <p:txBody>
           <a:bodyPr/>
           <a:lstStyle/>
           <a:p>
-            <a:pPr marL="0" indent="0">
-              <a:buNone/>
-            </a:pPr>
-            <a:r>
-              <a:rPr lang="en-US" altLang="zh-TW" dirty="0"/>
-              <a:t>HTTP </a:t>
-            </a:r>
-            <a:r>
-              <a:rPr lang="zh-TW" altLang="en-US" dirty="0"/>
-              <a:t>定義了一組能令給定資源，執行特定操作的</a:t>
-            </a:r>
-            <a:r>
-              <a:rPr lang="zh-TW" altLang="en-US" b="1" dirty="0"/>
-              <a:t>請求方法</a:t>
-            </a:r>
-            <a:r>
-              <a:rPr lang="zh-TW" altLang="en-US" dirty="0"/>
-              <a:t>（</a:t>
-            </a:r>
-            <a:r>
-              <a:rPr lang="en-US" altLang="zh-TW" dirty="0"/>
-              <a:t>request methods</a:t>
-            </a:r>
-            <a:r>
-              <a:rPr lang="zh-TW" altLang="en-US" dirty="0"/>
-              <a:t>）</a:t>
-            </a:r>
-            <a:endParaRPr lang="en-US" altLang="zh-TW" dirty="0"/>
-          </a:p>
-          <a:p>
-            <a:pPr marL="0" indent="0">
-              <a:buNone/>
-            </a:pPr>
-            <a:endParaRPr lang="en-US" altLang="zh-TW" dirty="0"/>
-          </a:p>
-          <a:p>
-            <a:r>
-              <a:rPr lang="en-US" altLang="zh-TW" b="1" dirty="0">
-                <a:solidFill>
-                  <a:srgbClr val="FF0000"/>
-                </a:solidFill>
-              </a:rPr>
-              <a:t>GET</a:t>
-            </a:r>
-            <a:r>
-              <a:rPr lang="zh-TW" altLang="en-US" dirty="0"/>
-              <a:t>：向指定的資源發出「顯示」請求。</a:t>
-            </a:r>
-            <a:endParaRPr lang="en-US" altLang="zh-TW" dirty="0"/>
-          </a:p>
-          <a:p>
-            <a:r>
-              <a:rPr lang="en-US" altLang="zh-TW" b="1" dirty="0">
-                <a:solidFill>
-                  <a:srgbClr val="FF0000"/>
-                </a:solidFill>
-              </a:rPr>
-              <a:t>POST</a:t>
-            </a:r>
-            <a:r>
-              <a:rPr lang="zh-TW" altLang="en-US" dirty="0"/>
-              <a:t>：向指定資源提交資料，並且</a:t>
-            </a:r>
-            <a:r>
-              <a:rPr lang="en-US" altLang="zh-TW" dirty="0"/>
-              <a:t>Body</a:t>
-            </a:r>
-            <a:r>
-              <a:rPr lang="zh-TW" altLang="en-US" dirty="0"/>
-              <a:t>中可帶傳輸的資料。</a:t>
-            </a:r>
-            <a:endParaRPr lang="en-US" altLang="zh-TW" dirty="0"/>
-          </a:p>
-          <a:p>
-            <a:r>
-              <a:rPr lang="en-US" altLang="zh-TW" dirty="0"/>
-              <a:t>PUT</a:t>
-            </a:r>
-            <a:r>
-              <a:rPr lang="zh-TW" altLang="en-US" dirty="0"/>
-              <a:t>：上傳或取代指定的資源。</a:t>
-            </a:r>
-            <a:endParaRPr lang="en-US" altLang="zh-TW" dirty="0"/>
-          </a:p>
-          <a:p>
-            <a:r>
-              <a:rPr lang="en-US" altLang="zh-TW" dirty="0"/>
-              <a:t>DELETE</a:t>
-            </a:r>
-            <a:r>
-              <a:rPr lang="zh-TW" altLang="en-US" dirty="0"/>
-              <a:t>：刪除指定的資源。</a:t>
-            </a:r>
-            <a:endParaRPr lang="en-US" altLang="zh-TW" dirty="0"/>
-          </a:p>
-          <a:p>
-            <a:r>
-              <a:rPr lang="en-US" altLang="zh-TW" dirty="0"/>
-              <a:t>…</a:t>
-            </a:r>
-            <a:endParaRPr lang="zh-TW" altLang="en-US" dirty="0"/>
-          </a:p>
-          <a:p>
+            <a:r>
+              <a:rPr lang="zh-TW" altLang="en-US" dirty="0" smtClean="0"/>
+              <a:t>變換三個連結顏色</a:t>
+            </a:r>
             <a:endParaRPr lang="zh-TW" altLang="en-US" dirty="0"/>
           </a:p>
         </p:txBody>
@@ -9049,7 +9065,7 @@
     </p:spTree>
     <p:extLst>
       <p:ext uri="{BB962C8B-B14F-4D97-AF65-F5344CB8AC3E}">
-        <p14:creationId xmlns:p14="http://schemas.microsoft.com/office/powerpoint/2010/main" val="925217329"/>
+        <p14:creationId xmlns:p14="http://schemas.microsoft.com/office/powerpoint/2010/main" val="3358253045"/>
       </p:ext>
     </p:extLst>
   </p:cSld>
@@ -9104,16 +9120,12 @@
           <a:lstStyle/>
           <a:p>
             <a:r>
+              <a:rPr lang="en-US" altLang="zh-TW" dirty="0" smtClean="0"/>
+              <a:t>JavaScript</a:t>
+            </a:r>
+            <a:r>
               <a:rPr lang="zh-TW" altLang="en-US" dirty="0" smtClean="0"/>
-              <a:t>練習查看網頁請求使用</a:t>
-            </a:r>
-            <a:r>
-              <a:rPr lang="zh-TW" altLang="en-US" dirty="0"/>
-              <a:t>的 </a:t>
-            </a:r>
-            <a:r>
-              <a:rPr lang="en-US" altLang="zh-TW" dirty="0"/>
-              <a:t>HTTP Method</a:t>
+              <a:t> 練習</a:t>
             </a:r>
             <a:endParaRPr lang="zh-TW" altLang="en-US" dirty="0"/>
           </a:p>
@@ -9131,91 +9143,131 @@
         </p:nvSpPr>
         <p:spPr/>
         <p:txBody>
-          <a:bodyPr/>
+          <a:bodyPr>
+            <a:normAutofit/>
+          </a:bodyPr>
           <a:lstStyle/>
           <a:p>
             <a:r>
               <a:rPr lang="zh-TW" altLang="en-US" dirty="0" smtClean="0"/>
-              <a:t>新增一個空白網頁</a:t>
-            </a:r>
-            <a:endParaRPr lang="en-US" altLang="zh-TW" dirty="0" smtClean="0"/>
-          </a:p>
-          <a:p>
-            <a:r>
-              <a:rPr lang="zh-TW" altLang="en-US" dirty="0"/>
-              <a:t>加入一顆</a:t>
-            </a:r>
-            <a:r>
-              <a:rPr lang="en-US" altLang="zh-TW" dirty="0"/>
-              <a:t>asp </a:t>
+              <a:t>新增</a:t>
             </a:r>
             <a:r>
               <a:rPr lang="en-US" altLang="zh-TW" dirty="0" smtClean="0"/>
               <a:t>button</a:t>
             </a:r>
+            <a:endParaRPr lang="en-US" altLang="zh-TW" dirty="0"/>
+          </a:p>
+          <a:p>
+            <a:pPr marL="457200" lvl="1" indent="0">
+              <a:buNone/>
+            </a:pPr>
+            <a:r>
+              <a:rPr lang="en-US" altLang="zh-TW" dirty="0" smtClean="0"/>
+              <a:t>&lt;input </a:t>
+            </a:r>
+            <a:r>
+              <a:rPr lang="en-US" altLang="zh-TW" dirty="0"/>
+              <a:t>type="button" id="</a:t>
+            </a:r>
+            <a:r>
+              <a:rPr lang="en-US" altLang="zh-TW" dirty="0" err="1"/>
+              <a:t>btn</a:t>
+            </a:r>
+            <a:r>
+              <a:rPr lang="en-US" altLang="zh-TW" dirty="0"/>
+              <a:t>" value="</a:t>
+            </a:r>
+            <a:r>
+              <a:rPr lang="zh-TW" altLang="en-US" dirty="0"/>
+              <a:t>顏色交換</a:t>
+            </a:r>
+            <a:r>
+              <a:rPr lang="en-US" altLang="zh-TW" dirty="0"/>
+              <a:t>"</a:t>
+            </a:r>
+            <a:r>
+              <a:rPr lang="zh-TW" altLang="en-US" dirty="0"/>
+              <a:t> </a:t>
+            </a:r>
+            <a:r>
+              <a:rPr lang="en-US" altLang="zh-TW" dirty="0" smtClean="0"/>
+              <a:t>/&gt;</a:t>
+            </a:r>
+          </a:p>
+          <a:p>
+            <a:endParaRPr lang="en-US" altLang="zh-TW" dirty="0" smtClean="0"/>
           </a:p>
           <a:p>
             <a:r>
               <a:rPr lang="zh-TW" altLang="en-US" dirty="0" smtClean="0"/>
-              <a:t>雙擊</a:t>
+              <a:t>在</a:t>
             </a:r>
             <a:r>
               <a:rPr lang="en-US" altLang="zh-TW" dirty="0" smtClean="0"/>
-              <a:t>button</a:t>
+              <a:t>.</a:t>
+            </a:r>
+            <a:r>
+              <a:rPr lang="en-US" altLang="zh-TW" dirty="0" err="1" smtClean="0"/>
+              <a:t>aspx</a:t>
             </a:r>
             <a:r>
               <a:rPr lang="zh-TW" altLang="en-US" dirty="0" smtClean="0"/>
-              <a:t> 建立事件</a:t>
+              <a:t>文件中的</a:t>
+            </a:r>
+            <a:r>
+              <a:rPr lang="en-US" altLang="zh-TW" dirty="0" smtClean="0"/>
+              <a:t>JavaScript</a:t>
+            </a:r>
+            <a:r>
+              <a:rPr lang="zh-TW" altLang="en-US" dirty="0" smtClean="0"/>
+              <a:t>的程式碼要寫在</a:t>
+            </a:r>
+            <a:r>
+              <a:rPr lang="en-US" altLang="zh-TW" dirty="0" smtClean="0"/>
+              <a:t>script</a:t>
+            </a:r>
+            <a:r>
+              <a:rPr lang="zh-TW" altLang="en-US" dirty="0" smtClean="0"/>
+              <a:t>標籤裡</a:t>
             </a:r>
             <a:endParaRPr lang="en-US" altLang="zh-TW" dirty="0" smtClean="0"/>
           </a:p>
           <a:p>
-            <a:r>
-              <a:rPr lang="zh-TW" altLang="en-US" dirty="0"/>
-              <a:t>開啟</a:t>
+            <a:pPr marL="457200" lvl="1" indent="0">
+              <a:buNone/>
+            </a:pPr>
+            <a:r>
+              <a:rPr lang="en-US" altLang="zh-TW" dirty="0"/>
+              <a:t>&lt;script</a:t>
+            </a:r>
+            <a:r>
+              <a:rPr lang="en-US" altLang="zh-TW" dirty="0" smtClean="0"/>
+              <a:t>&gt;</a:t>
+            </a:r>
+            <a:r>
+              <a:rPr lang="en-US" altLang="zh-TW" dirty="0"/>
+              <a:t> </a:t>
+            </a:r>
+            <a:r>
+              <a:rPr lang="en-US" altLang="zh-TW" dirty="0" smtClean="0"/>
+              <a:t>JS</a:t>
             </a:r>
             <a:r>
               <a:rPr lang="zh-TW" altLang="en-US" dirty="0" smtClean="0"/>
-              <a:t>網頁開啟開發人員模式查看</a:t>
+              <a:t>程式碼 </a:t>
             </a:r>
             <a:r>
               <a:rPr lang="en-US" altLang="zh-TW" dirty="0" smtClean="0"/>
-              <a:t>Network</a:t>
-            </a:r>
-          </a:p>
-          <a:p>
-            <a:r>
-              <a:rPr lang="zh-TW" altLang="en-US" dirty="0"/>
-              <a:t>點</a:t>
-            </a:r>
-            <a:r>
-              <a:rPr lang="zh-TW" altLang="en-US" dirty="0" smtClean="0"/>
-              <a:t>擊</a:t>
-            </a:r>
-            <a:r>
-              <a:rPr lang="en-US" altLang="zh-TW" dirty="0" smtClean="0"/>
-              <a:t>button</a:t>
-            </a:r>
-            <a:r>
-              <a:rPr lang="zh-TW" altLang="en-US" dirty="0" smtClean="0"/>
-              <a:t> 並查看</a:t>
-            </a:r>
-            <a:r>
-              <a:rPr lang="en-US" altLang="zh-TW" dirty="0" smtClean="0"/>
-              <a:t>Network</a:t>
-            </a:r>
-            <a:r>
-              <a:rPr lang="zh-TW" altLang="en-US" dirty="0" smtClean="0"/>
-              <a:t>變化</a:t>
-            </a:r>
-            <a:endParaRPr lang="en-US" altLang="zh-TW" dirty="0" smtClean="0"/>
+              <a:t>&lt;/script&gt;</a:t>
+            </a:r>
           </a:p>
         </p:txBody>
       </p:sp>
     </p:spTree>
     <p:extLst>
       <p:ext uri="{BB962C8B-B14F-4D97-AF65-F5344CB8AC3E}">
-        <p14:creationId xmlns:p14="http://schemas.microsoft.com/office/powerpoint/2010/main" val="1802513902"/>
+        <p14:creationId xmlns:p14="http://schemas.microsoft.com/office/powerpoint/2010/main" val="197988338"/>
       </p:ext>
     </p:extLst>
   </p:cSld>
@@ -9270,16 +9322,12 @@
           <a:lstStyle/>
           <a:p>
             <a:r>
-              <a:rPr lang="zh-TW" altLang="en-US" dirty="0"/>
-              <a:t>常見的 </a:t>
-            </a:r>
-            <a:r>
               <a:rPr lang="en-US" altLang="zh-TW" dirty="0" smtClean="0"/>
-              <a:t>HTTP </a:t>
-            </a:r>
-            <a:r>
-              <a:rPr lang="en-US" altLang="zh-TW" dirty="0"/>
-              <a:t>Code</a:t>
+              <a:t>JavaScript</a:t>
+            </a:r>
+            <a:r>
+              <a:rPr lang="zh-TW" altLang="en-US" dirty="0" smtClean="0"/>
+              <a:t> 練習</a:t>
             </a:r>
             <a:endParaRPr lang="zh-TW" altLang="en-US" dirty="0"/>
           </a:p>
@@ -9297,86 +9345,123 @@
         </p:nvSpPr>
         <p:spPr/>
         <p:txBody>
-          <a:bodyPr/>
+          <a:bodyPr>
+            <a:normAutofit/>
+          </a:bodyPr>
           <a:lstStyle/>
           <a:p>
             <a:r>
-              <a:rPr lang="en-US" altLang="zh-TW" dirty="0"/>
-              <a:t>HTTP </a:t>
-            </a:r>
-            <a:r>
-              <a:rPr lang="zh-TW" altLang="en-US" dirty="0"/>
-              <a:t>狀態碼表明一個 </a:t>
-            </a:r>
-            <a:r>
-              <a:rPr lang="en-US" altLang="zh-TW" dirty="0"/>
-              <a:t>HTTP </a:t>
-            </a:r>
-            <a:r>
-              <a:rPr lang="zh-TW" altLang="en-US" dirty="0"/>
-              <a:t>要求是否已經被完成。回應分為五種：</a:t>
-            </a:r>
-          </a:p>
-          <a:p>
-            <a:endParaRPr lang="zh-TW" altLang="en-US" dirty="0"/>
-          </a:p>
-          <a:p>
-            <a:r>
-              <a:rPr lang="zh-TW" altLang="en-US" dirty="0"/>
-              <a:t>資訊回應 </a:t>
-            </a:r>
-            <a:r>
-              <a:rPr lang="en-US" altLang="zh-TW" dirty="0"/>
-              <a:t>(Informational responses, 100–199),</a:t>
-            </a:r>
-          </a:p>
-          <a:p>
-            <a:r>
-              <a:rPr lang="zh-TW" altLang="en-US" dirty="0"/>
-              <a:t>成功回應 </a:t>
-            </a:r>
-            <a:r>
-              <a:rPr lang="en-US" altLang="zh-TW" dirty="0"/>
-              <a:t>(Successful responses, 200–299),</a:t>
-            </a:r>
-          </a:p>
-          <a:p>
-            <a:r>
-              <a:rPr lang="zh-TW" altLang="en-US" dirty="0"/>
-              <a:t>重定向 </a:t>
-            </a:r>
-            <a:r>
-              <a:rPr lang="en-US" altLang="zh-TW" dirty="0"/>
-              <a:t>(Redirects, 300–399),</a:t>
-            </a:r>
-          </a:p>
-          <a:p>
-            <a:r>
-              <a:rPr lang="zh-TW" altLang="en-US" dirty="0"/>
-              <a:t>用戶端錯誤 </a:t>
-            </a:r>
-            <a:r>
-              <a:rPr lang="en-US" altLang="zh-TW" dirty="0"/>
-              <a:t>(Client errors, 400–499),</a:t>
-            </a:r>
-          </a:p>
-          <a:p>
-            <a:r>
-              <a:rPr lang="zh-TW" altLang="en-US" dirty="0"/>
-              <a:t>伺服器端錯誤 </a:t>
-            </a:r>
-            <a:r>
-              <a:rPr lang="en-US" altLang="zh-TW" dirty="0"/>
-              <a:t>(Server errors, 500–599).</a:t>
-            </a:r>
-            <a:endParaRPr lang="zh-TW" altLang="en-US" dirty="0"/>
+              <a:rPr lang="zh-TW" altLang="en-US" dirty="0" smtClean="0"/>
+              <a:t>透過</a:t>
+            </a:r>
+            <a:r>
+              <a:rPr lang="en-US" altLang="zh-TW" dirty="0" err="1" smtClean="0"/>
+              <a:t>document.querySelector</a:t>
+            </a:r>
+            <a:r>
+              <a:rPr lang="zh-TW" altLang="en-US" dirty="0" smtClean="0"/>
+              <a:t>的</a:t>
+            </a:r>
+            <a:r>
+              <a:rPr lang="en-US" altLang="zh-TW" dirty="0" smtClean="0"/>
+              <a:t>Function</a:t>
+            </a:r>
+            <a:r>
+              <a:rPr lang="zh-TW" altLang="en-US" dirty="0" smtClean="0"/>
+              <a:t>取得</a:t>
+            </a:r>
+            <a:r>
+              <a:rPr lang="en-US" altLang="zh-TW" dirty="0" err="1" smtClean="0"/>
+              <a:t>btn</a:t>
+            </a:r>
+            <a:r>
+              <a:rPr lang="zh-TW" altLang="en-US" dirty="0" smtClean="0"/>
+              <a:t>元素，並將其存入變數中</a:t>
+            </a:r>
+            <a:endParaRPr lang="en-US" altLang="zh-TW" dirty="0"/>
+          </a:p>
+          <a:p>
+            <a:pPr marL="457200" lvl="1" indent="0">
+              <a:buNone/>
+            </a:pPr>
+            <a:r>
+              <a:rPr lang="en-US" altLang="zh-TW" dirty="0" err="1" smtClean="0"/>
+              <a:t>var</a:t>
+            </a:r>
+            <a:r>
+              <a:rPr lang="en-US" altLang="zh-TW" dirty="0" smtClean="0"/>
+              <a:t> </a:t>
+            </a:r>
+            <a:r>
+              <a:rPr lang="en-US" altLang="zh-TW" dirty="0" err="1"/>
+              <a:t>btn</a:t>
+            </a:r>
+            <a:r>
+              <a:rPr lang="en-US" altLang="zh-TW" dirty="0"/>
+              <a:t> = </a:t>
+            </a:r>
+            <a:r>
+              <a:rPr lang="en-US" altLang="zh-TW" dirty="0" err="1"/>
+              <a:t>document.querySelector</a:t>
+            </a:r>
+            <a:r>
+              <a:rPr lang="en-US" altLang="zh-TW" dirty="0"/>
+              <a:t>('#</a:t>
+            </a:r>
+            <a:r>
+              <a:rPr lang="en-US" altLang="zh-TW" dirty="0" err="1"/>
+              <a:t>btn</a:t>
+            </a:r>
+            <a:r>
+              <a:rPr lang="en-US" altLang="zh-TW" dirty="0" smtClean="0"/>
+              <a:t>');</a:t>
+            </a:r>
+          </a:p>
+          <a:p>
+            <a:endParaRPr lang="en-US" altLang="zh-TW" dirty="0" smtClean="0"/>
+          </a:p>
+          <a:p>
+            <a:r>
+              <a:rPr lang="zh-TW" altLang="en-US" dirty="0" smtClean="0"/>
+              <a:t>使用</a:t>
+            </a:r>
+            <a:r>
+              <a:rPr lang="en-US" altLang="zh-TW" dirty="0" smtClean="0"/>
+              <a:t>console.log</a:t>
+            </a:r>
+            <a:r>
+              <a:rPr lang="zh-TW" altLang="en-US" dirty="0" smtClean="0"/>
+              <a:t>印出變數</a:t>
+            </a:r>
+            <a:r>
+              <a:rPr lang="en-US" altLang="zh-TW" dirty="0" err="1"/>
+              <a:t>btn</a:t>
+            </a:r>
+            <a:endParaRPr lang="en-US" altLang="zh-TW" dirty="0"/>
+          </a:p>
+          <a:p>
+            <a:pPr marL="457200" lvl="1" indent="0">
+              <a:buNone/>
+            </a:pPr>
+            <a:r>
+              <a:rPr lang="en-US" altLang="zh-TW" dirty="0" smtClean="0"/>
+              <a:t>console.log(</a:t>
+            </a:r>
+            <a:r>
+              <a:rPr lang="en-US" altLang="zh-TW" dirty="0" err="1" smtClean="0"/>
+              <a:t>btn</a:t>
+            </a:r>
+            <a:r>
+              <a:rPr lang="en-US" altLang="zh-TW" dirty="0" smtClean="0"/>
+              <a:t>);</a:t>
+            </a:r>
           </a:p>
         </p:txBody>
       </p:sp>
     </p:spTree>
     <p:extLst>
       <p:ext uri="{BB962C8B-B14F-4D97-AF65-F5344CB8AC3E}">
-        <p14:creationId xmlns:p14="http://schemas.microsoft.com/office/powerpoint/2010/main" val="3583541424"/>
+        <p14:creationId xmlns:p14="http://schemas.microsoft.com/office/powerpoint/2010/main" val="131928682"/>
       </p:ext>
     </p:extLst>
   </p:cSld>
@@ -9431,92 +9516,49 @@
           <a:lstStyle/>
           <a:p>
             <a:r>
-              <a:rPr lang="zh-TW" altLang="en-US" dirty="0"/>
-              <a:t>常見的 </a:t>
-            </a:r>
-            <a:r>
-              <a:rPr lang="en-US" altLang="zh-TW" dirty="0"/>
-              <a:t>HTTP Code</a:t>
-            </a:r>
-            <a:endParaRPr lang="zh-TW" altLang="en-US" dirty="0"/>
-          </a:p>
-        </p:txBody>
-      </p:sp>
-      <p:sp>
-        <p:nvSpPr>
-          <p:cNvPr id="3" name="內容版面配置區 2"/>
-          <p:cNvSpPr>
-            <a:spLocks noGrp="1"/>
-          </p:cNvSpPr>
+              <a:rPr lang="en-US" altLang="zh-TW" dirty="0"/>
+              <a:t>JavaScript</a:t>
+            </a:r>
+            <a:r>
+              <a:rPr lang="zh-TW" altLang="en-US" dirty="0"/>
+              <a:t> 練習</a:t>
+            </a:r>
+          </a:p>
+        </p:txBody>
+      </p:sp>
+      <p:pic>
+        <p:nvPicPr>
+          <p:cNvPr id="4" name="內容版面配置區 3" descr="畫面剪輯"/>
+          <p:cNvPicPr>
+            <a:picLocks noGrp="1" noChangeAspect="1"/>
+          </p:cNvPicPr>
           <p:nvPr>
             <p:ph idx="1"/>
           </p:nvPr>
-        </p:nvSpPr>
-        <p:spPr/>
-        <p:txBody>
-          <a:bodyPr/>
-          <a:lstStyle/>
-          <a:p>
-            <a:r>
-              <a:rPr lang="zh-TW" altLang="en-US" dirty="0"/>
-              <a:t>測試成功</a:t>
-            </a:r>
-            <a:r>
-              <a:rPr lang="en-US" altLang="zh-TW" dirty="0"/>
-              <a:t>200</a:t>
-            </a:r>
-          </a:p>
-          <a:p>
-            <a:r>
-              <a:rPr lang="zh-TW" altLang="en-US" dirty="0"/>
-              <a:t>測試重定向 </a:t>
-            </a:r>
-            <a:r>
-              <a:rPr lang="en-US" altLang="zh-TW" dirty="0"/>
-              <a:t>300</a:t>
-            </a:r>
-          </a:p>
-          <a:p>
-            <a:r>
-              <a:rPr lang="zh-TW" altLang="en-US" dirty="0" smtClean="0"/>
-              <a:t>測試</a:t>
-            </a:r>
-            <a:r>
-              <a:rPr lang="zh-TW" altLang="en-US" dirty="0"/>
-              <a:t>用戶</a:t>
-            </a:r>
-            <a:r>
-              <a:rPr lang="zh-TW" altLang="en-US" dirty="0" smtClean="0"/>
-              <a:t>端</a:t>
-            </a:r>
-            <a:r>
-              <a:rPr lang="zh-TW" altLang="en-US" dirty="0"/>
-              <a:t>錯誤 </a:t>
-            </a:r>
-            <a:r>
-              <a:rPr lang="en-US" altLang="zh-TW" dirty="0"/>
-              <a:t>404</a:t>
-            </a:r>
-          </a:p>
-          <a:p>
-            <a:r>
-              <a:rPr lang="zh-TW" altLang="en-US" dirty="0"/>
-              <a:t>測試伺服器端錯誤 </a:t>
-            </a:r>
-            <a:r>
-              <a:rPr lang="en-US" altLang="zh-TW" dirty="0"/>
-              <a:t>500</a:t>
-            </a:r>
-          </a:p>
-          <a:p>
-            <a:endParaRPr lang="zh-TW" altLang="en-US" dirty="0"/>
-          </a:p>
-        </p:txBody>
-      </p:sp>
+        </p:nvPicPr>
+        <p:blipFill>
+          <a:blip r:embed="rId2">
+            <a:extLst>
+              <a:ext uri="{28A0092B-C50C-407E-A947-70E740481C1C}">
+                <a14:useLocalDpi xmlns:a14="http://schemas.microsoft.com/office/drawing/2010/main" val="0"/>
+              </a:ext>
+            </a:extLst>
+          </a:blip>
+          <a:stretch>
+            <a:fillRect/>
+          </a:stretch>
+        </p:blipFill>
+        <p:spPr>
+          <a:xfrm>
+            <a:off x="1223930" y="1693978"/>
+            <a:ext cx="6027616" cy="3734501"/>
+          </a:xfrm>
+        </p:spPr>
+      </p:pic>
     </p:spTree>
     <p:extLst>
       <p:ext uri="{BB962C8B-B14F-4D97-AF65-F5344CB8AC3E}">
-        <p14:creationId xmlns:p14="http://schemas.microsoft.com/office/powerpoint/2010/main" val="214573572"/>
+        <p14:creationId xmlns:p14="http://schemas.microsoft.com/office/powerpoint/2010/main" val="2511128843"/>
       </p:ext>
     </p:extLst>
   </p:cSld>
@@ -9574,14 +9616,6 @@
               <a:rPr lang="en-US" altLang="zh-TW" dirty="0"/>
               <a:t>HTTP</a:t>
             </a:r>
-            <a:r>
-              <a:rPr lang="zh-TW" altLang="en-US" dirty="0"/>
-              <a:t>與</a:t>
-            </a:r>
-            <a:r>
-              <a:rPr lang="en-US" altLang="zh-TW" dirty="0"/>
-              <a:t>HTTPS</a:t>
-            </a:r>
             <a:endParaRPr lang="zh-TW" altLang="en-US" dirty="0"/>
           </a:p>
         </p:txBody>
@@ -9603,51 +9637,39 @@
           <a:p>
             <a:r>
               <a:rPr lang="zh-TW" altLang="en-US" dirty="0"/>
-              <a:t>超文本傳輸安全協定（英語：</a:t>
-            </a:r>
-            <a:r>
-              <a:rPr lang="en-US" altLang="zh-TW" dirty="0" err="1"/>
-              <a:t>HyperText</a:t>
-            </a:r>
-            <a:r>
-              <a:rPr lang="en-US" altLang="zh-TW" dirty="0"/>
-              <a:t> Transfer Protocol Secure</a:t>
-            </a:r>
-            <a:r>
-              <a:rPr lang="zh-TW" altLang="en-US" dirty="0"/>
-              <a:t>，縮寫：</a:t>
-            </a:r>
-            <a:r>
-              <a:rPr lang="en-US" altLang="zh-TW" dirty="0"/>
-              <a:t>HTTPS</a:t>
-            </a:r>
-            <a:r>
-              <a:rPr lang="zh-TW" altLang="en-US" dirty="0"/>
-              <a:t>；常稱為</a:t>
-            </a:r>
-            <a:r>
-              <a:rPr lang="en-US" altLang="zh-TW" dirty="0"/>
-              <a:t>HTTP over TLS</a:t>
-            </a:r>
-            <a:r>
-              <a:rPr lang="zh-TW" altLang="en-US" dirty="0"/>
-              <a:t>、</a:t>
-            </a:r>
-            <a:r>
-              <a:rPr lang="en-US" altLang="zh-TW" dirty="0"/>
-              <a:t>HTTP over SSL</a:t>
-            </a:r>
-            <a:r>
-              <a:rPr lang="zh-TW" altLang="en-US" dirty="0"/>
-              <a:t>或</a:t>
-            </a:r>
-            <a:r>
-              <a:rPr lang="en-US" altLang="zh-TW" dirty="0"/>
-              <a:t>HTTP Secure</a:t>
-            </a:r>
-            <a:r>
-              <a:rPr lang="zh-TW" altLang="en-US" dirty="0"/>
-              <a:t>）是一種透過計算機網路進行安全通訊的傳輸協定</a:t>
+              <a:t>超文本傳輸協定 </a:t>
+            </a:r>
+            <a:r>
+              <a:rPr lang="en-US" altLang="zh-TW" dirty="0"/>
+              <a:t>(HTTP) </a:t>
+            </a:r>
+            <a:r>
+              <a:rPr lang="zh-TW" altLang="en-US" dirty="0"/>
+              <a:t>是一種用來傳輸超媒體文件 </a:t>
+            </a:r>
+            <a:r>
+              <a:rPr lang="en-US" altLang="zh-TW" dirty="0"/>
+              <a:t>(</a:t>
+            </a:r>
+            <a:r>
+              <a:rPr lang="zh-TW" altLang="en-US" dirty="0"/>
+              <a:t>像是</a:t>
+            </a:r>
+            <a:r>
+              <a:rPr lang="en-US" altLang="zh-TW" dirty="0"/>
+              <a:t>HTML</a:t>
+            </a:r>
+            <a:r>
+              <a:rPr lang="zh-TW" altLang="en-US" dirty="0"/>
+              <a:t>文件</a:t>
+            </a:r>
+            <a:r>
+              <a:rPr lang="en-US" altLang="zh-TW" dirty="0"/>
+              <a:t>) </a:t>
+            </a:r>
+            <a:r>
+              <a:rPr lang="zh-TW" altLang="en-US" dirty="0"/>
+              <a:t>的應用層協定，被設計來讓瀏覽器和伺服器進行溝通，但也可做其他用途</a:t>
             </a:r>
             <a:r>
               <a:rPr lang="zh-TW" altLang="en-US" dirty="0" smtClean="0"/>
@@ -9656,52 +9678,379 @@
             <a:endParaRPr lang="en-US" altLang="zh-TW" dirty="0" smtClean="0"/>
           </a:p>
           <a:p>
-            <a:r>
-              <a:rPr lang="en-US" altLang="zh-TW" dirty="0" smtClean="0"/>
-              <a:t>HTTPS</a:t>
-            </a:r>
-            <a:r>
-              <a:rPr lang="zh-TW" altLang="en-US" dirty="0"/>
-              <a:t>經由</a:t>
-            </a:r>
-            <a:r>
-              <a:rPr lang="en-US" altLang="zh-TW" dirty="0"/>
-              <a:t>HTTP</a:t>
-            </a:r>
-            <a:r>
-              <a:rPr lang="zh-TW" altLang="en-US" dirty="0"/>
-              <a:t>進行通訊，但利用</a:t>
-            </a:r>
-            <a:r>
-              <a:rPr lang="en-US" altLang="zh-TW" dirty="0"/>
-              <a:t>SSL/TLS</a:t>
-            </a:r>
-            <a:r>
-              <a:rPr lang="zh-TW" altLang="en-US" dirty="0"/>
-              <a:t>來加密封包</a:t>
-            </a:r>
-            <a:r>
-              <a:rPr lang="zh-TW" altLang="en-US" dirty="0" smtClean="0"/>
-              <a:t>。</a:t>
-            </a:r>
-            <a:endParaRPr lang="en-US" altLang="zh-TW" dirty="0" smtClean="0"/>
-          </a:p>
-          <a:p>
-            <a:r>
-              <a:rPr lang="en-US" altLang="zh-TW" dirty="0" smtClean="0"/>
-              <a:t>HTTPS</a:t>
-            </a:r>
-            <a:r>
-              <a:rPr lang="zh-TW" altLang="en-US" dirty="0"/>
-              <a:t>開發的主要目的，是提供對網站伺服器的身分認證，保護交換資料的隱私與完整性。</a:t>
-            </a:r>
+            <a:pPr marL="0" indent="0">
+              <a:buNone/>
+            </a:pPr>
+            <a:endParaRPr lang="en-US" altLang="zh-TW" dirty="0"/>
           </a:p>
         </p:txBody>
       </p:sp>
     </p:spTree>
     <p:extLst>
       <p:ext uri="{BB962C8B-B14F-4D97-AF65-F5344CB8AC3E}">
-        <p14:creationId xmlns:p14="http://schemas.microsoft.com/office/powerpoint/2010/main" val="135691715"/>
+        <p14:creationId xmlns:p14="http://schemas.microsoft.com/office/powerpoint/2010/main" val="2816390433"/>
+      </p:ext>
+    </p:extLst>
+  </p:cSld>
+  <p:clrMapOvr>
+    <a:masterClrMapping/>
+  </p:clrMapOvr>
+  <mc:AlternateContent xmlns:mc="http://schemas.openxmlformats.org/markup-compatibility/2006" xmlns:p14="http://schemas.microsoft.com/office/powerpoint/2010/main">
+    <mc:Choice Requires="p14">
+      <p:transition spd="slow" p14:dur="1500">
+        <p:random/>
+      </p:transition>
+    </mc:Choice>
+    <mc:Fallback xmlns="">
+      <p:transition spd="slow">
+        <p:random/>
+      </p:transition>
+    </mc:Fallback>
+  </mc:AlternateContent>
+</p:sld>
+</file>
+
+<file path=ppt/slides/slide28.xml><?xml version="1.0" encoding="utf-8"?>
+<p:sld xmlns:a="http://schemas.openxmlformats.org/drawingml/2006/main" xmlns:r="http://schemas.openxmlformats.org/officeDocument/2006/relationships" xmlns:p="http://schemas.openxmlformats.org/presentationml/2006/main">
+  <p:cSld>
+    <p:spTree>
+      <p:nvGrpSpPr>
+        <p:cNvPr id="1" name=""/>
+        <p:cNvGrpSpPr/>
+        <p:nvPr/>
+      </p:nvGrpSpPr>
+      <p:grpSpPr>
+        <a:xfrm>
+          <a:off x="0" y="0"/>
+          <a:ext cx="0" cy="0"/>
+          <a:chOff x="0" y="0"/>
+          <a:chExt cx="0" cy="0"/>
+        </a:xfrm>
+      </p:grpSpPr>
+      <p:sp>
+        <p:nvSpPr>
+          <p:cNvPr id="2" name="標題 1"/>
+          <p:cNvSpPr>
+            <a:spLocks noGrp="1"/>
+          </p:cNvSpPr>
+          <p:nvPr>
+            <p:ph type="title"/>
+          </p:nvPr>
+        </p:nvSpPr>
+        <p:spPr/>
+        <p:txBody>
+          <a:bodyPr/>
+          <a:lstStyle/>
+          <a:p>
+            <a:r>
+              <a:rPr lang="zh-TW" altLang="en-US" dirty="0"/>
+              <a:t>常見的 </a:t>
+            </a:r>
+            <a:r>
+              <a:rPr lang="en-US" altLang="zh-TW" dirty="0"/>
+              <a:t>HTTP Method</a:t>
+            </a:r>
+            <a:endParaRPr lang="zh-TW" altLang="en-US" dirty="0"/>
+          </a:p>
+        </p:txBody>
+      </p:sp>
+      <p:sp>
+        <p:nvSpPr>
+          <p:cNvPr id="3" name="內容版面配置區 2"/>
+          <p:cNvSpPr>
+            <a:spLocks noGrp="1"/>
+          </p:cNvSpPr>
+          <p:nvPr>
+            <p:ph idx="1"/>
+          </p:nvPr>
+        </p:nvSpPr>
+        <p:spPr>
+          <a:xfrm>
+            <a:off x="1223930" y="1666876"/>
+            <a:ext cx="10285201" cy="4510088"/>
+          </a:xfrm>
+        </p:spPr>
+        <p:txBody>
+          <a:bodyPr/>
+          <a:lstStyle/>
+          <a:p>
+            <a:pPr marL="0" indent="0">
+              <a:buNone/>
+            </a:pPr>
+            <a:r>
+              <a:rPr lang="en-US" altLang="zh-TW" dirty="0"/>
+              <a:t>HTTP </a:t>
+            </a:r>
+            <a:r>
+              <a:rPr lang="zh-TW" altLang="en-US" dirty="0"/>
+              <a:t>定義了一組能令給定資源，執行特定操作的</a:t>
+            </a:r>
+            <a:r>
+              <a:rPr lang="zh-TW" altLang="en-US" b="1" dirty="0"/>
+              <a:t>請求方法</a:t>
+            </a:r>
+            <a:r>
+              <a:rPr lang="zh-TW" altLang="en-US" dirty="0"/>
+              <a:t>（</a:t>
+            </a:r>
+            <a:r>
+              <a:rPr lang="en-US" altLang="zh-TW" dirty="0"/>
+              <a:t>request methods</a:t>
+            </a:r>
+            <a:r>
+              <a:rPr lang="zh-TW" altLang="en-US" dirty="0"/>
+              <a:t>）</a:t>
+            </a:r>
+            <a:endParaRPr lang="en-US" altLang="zh-TW" dirty="0"/>
+          </a:p>
+          <a:p>
+            <a:pPr marL="0" indent="0">
+              <a:buNone/>
+            </a:pPr>
+            <a:endParaRPr lang="en-US" altLang="zh-TW" dirty="0"/>
+          </a:p>
+          <a:p>
+            <a:r>
+              <a:rPr lang="en-US" altLang="zh-TW" b="1" dirty="0">
+                <a:solidFill>
+                  <a:srgbClr val="FF0000"/>
+                </a:solidFill>
+              </a:rPr>
+              <a:t>GET</a:t>
+            </a:r>
+            <a:r>
+              <a:rPr lang="zh-TW" altLang="en-US" dirty="0"/>
+              <a:t>：向指定的資源發出「顯示」請求。</a:t>
+            </a:r>
+            <a:endParaRPr lang="en-US" altLang="zh-TW" dirty="0"/>
+          </a:p>
+          <a:p>
+            <a:r>
+              <a:rPr lang="en-US" altLang="zh-TW" b="1" dirty="0">
+                <a:solidFill>
+                  <a:srgbClr val="FF0000"/>
+                </a:solidFill>
+              </a:rPr>
+              <a:t>POST</a:t>
+            </a:r>
+            <a:r>
+              <a:rPr lang="zh-TW" altLang="en-US" dirty="0"/>
+              <a:t>：向指定資源提交資料，並且</a:t>
+            </a:r>
+            <a:r>
+              <a:rPr lang="en-US" altLang="zh-TW" dirty="0"/>
+              <a:t>Body</a:t>
+            </a:r>
+            <a:r>
+              <a:rPr lang="zh-TW" altLang="en-US" dirty="0"/>
+              <a:t>中可帶傳輸的資料。</a:t>
+            </a:r>
+            <a:endParaRPr lang="en-US" altLang="zh-TW" dirty="0"/>
+          </a:p>
+          <a:p>
+            <a:r>
+              <a:rPr lang="en-US" altLang="zh-TW" dirty="0"/>
+              <a:t>PUT</a:t>
+            </a:r>
+            <a:r>
+              <a:rPr lang="zh-TW" altLang="en-US" dirty="0"/>
+              <a:t>：上傳或取代指定的資源。</a:t>
+            </a:r>
+            <a:endParaRPr lang="en-US" altLang="zh-TW" dirty="0"/>
+          </a:p>
+          <a:p>
+            <a:r>
+              <a:rPr lang="en-US" altLang="zh-TW" dirty="0"/>
+              <a:t>DELETE</a:t>
+            </a:r>
+            <a:r>
+              <a:rPr lang="zh-TW" altLang="en-US" dirty="0"/>
+              <a:t>：刪除指定的資源。</a:t>
+            </a:r>
+            <a:endParaRPr lang="en-US" altLang="zh-TW" dirty="0"/>
+          </a:p>
+          <a:p>
+            <a:r>
+              <a:rPr lang="en-US" altLang="zh-TW" dirty="0"/>
+              <a:t>…</a:t>
+            </a:r>
+            <a:endParaRPr lang="zh-TW" altLang="en-US" dirty="0"/>
+          </a:p>
+          <a:p>
+            <a:endParaRPr lang="zh-TW" altLang="en-US" dirty="0"/>
+          </a:p>
+        </p:txBody>
+      </p:sp>
+    </p:spTree>
+    <p:extLst>
+      <p:ext uri="{BB962C8B-B14F-4D97-AF65-F5344CB8AC3E}">
+        <p14:creationId xmlns:p14="http://schemas.microsoft.com/office/powerpoint/2010/main" val="925217329"/>
+      </p:ext>
+    </p:extLst>
+  </p:cSld>
+  <p:clrMapOvr>
+    <a:masterClrMapping/>
+  </p:clrMapOvr>
+  <mc:AlternateContent xmlns:mc="http://schemas.openxmlformats.org/markup-compatibility/2006" xmlns:p14="http://schemas.microsoft.com/office/powerpoint/2010/main">
+    <mc:Choice Requires="p14">
+      <p:transition spd="slow" p14:dur="1500">
+        <p:random/>
+      </p:transition>
+    </mc:Choice>
+    <mc:Fallback xmlns="">
+      <p:transition spd="slow">
+        <p:random/>
+      </p:transition>
+    </mc:Fallback>
+  </mc:AlternateContent>
+</p:sld>
+</file>
+
+<file path=ppt/slides/slide29.xml><?xml version="1.0" encoding="utf-8"?>
+<p:sld xmlns:a="http://schemas.openxmlformats.org/drawingml/2006/main" xmlns:r="http://schemas.openxmlformats.org/officeDocument/2006/relationships" xmlns:p="http://schemas.openxmlformats.org/presentationml/2006/main">
+  <p:cSld>
+    <p:spTree>
+      <p:nvGrpSpPr>
+        <p:cNvPr id="1" name=""/>
+        <p:cNvGrpSpPr/>
+        <p:nvPr/>
+      </p:nvGrpSpPr>
+      <p:grpSpPr>
+        <a:xfrm>
+          <a:off x="0" y="0"/>
+          <a:ext cx="0" cy="0"/>
+          <a:chOff x="0" y="0"/>
+          <a:chExt cx="0" cy="0"/>
+        </a:xfrm>
+      </p:grpSpPr>
+      <p:sp>
+        <p:nvSpPr>
+          <p:cNvPr id="2" name="標題 1"/>
+          <p:cNvSpPr>
+            <a:spLocks noGrp="1"/>
+          </p:cNvSpPr>
+          <p:nvPr>
+            <p:ph type="title"/>
+          </p:nvPr>
+        </p:nvSpPr>
+        <p:spPr/>
+        <p:txBody>
+          <a:bodyPr/>
+          <a:lstStyle/>
+          <a:p>
+            <a:r>
+              <a:rPr lang="zh-TW" altLang="en-US" dirty="0" smtClean="0"/>
+              <a:t>練習查看網頁請求使用</a:t>
+            </a:r>
+            <a:r>
+              <a:rPr lang="zh-TW" altLang="en-US" dirty="0"/>
+              <a:t>的 </a:t>
+            </a:r>
+            <a:r>
+              <a:rPr lang="en-US" altLang="zh-TW" dirty="0"/>
+              <a:t>HTTP Method</a:t>
+            </a:r>
+            <a:endParaRPr lang="zh-TW" altLang="en-US" dirty="0"/>
+          </a:p>
+        </p:txBody>
+      </p:sp>
+      <p:sp>
+        <p:nvSpPr>
+          <p:cNvPr id="3" name="內容版面配置區 2"/>
+          <p:cNvSpPr>
+            <a:spLocks noGrp="1"/>
+          </p:cNvSpPr>
+          <p:nvPr>
+            <p:ph idx="1"/>
+          </p:nvPr>
+        </p:nvSpPr>
+        <p:spPr/>
+        <p:txBody>
+          <a:bodyPr/>
+          <a:lstStyle/>
+          <a:p>
+            <a:r>
+              <a:rPr lang="zh-TW" altLang="en-US" dirty="0" smtClean="0"/>
+              <a:t>新增一個空白網頁</a:t>
+            </a:r>
+            <a:endParaRPr lang="en-US" altLang="zh-TW" dirty="0" smtClean="0"/>
+          </a:p>
+          <a:p>
+            <a:r>
+              <a:rPr lang="zh-TW" altLang="en-US" dirty="0"/>
+              <a:t>加入一顆</a:t>
+            </a:r>
+            <a:r>
+              <a:rPr lang="en-US" altLang="zh-TW" dirty="0"/>
+              <a:t>asp </a:t>
+            </a:r>
+            <a:r>
+              <a:rPr lang="en-US" altLang="zh-TW" dirty="0" smtClean="0"/>
+              <a:t>button</a:t>
+            </a:r>
+          </a:p>
+          <a:p>
+            <a:r>
+              <a:rPr lang="zh-TW" altLang="en-US" dirty="0" smtClean="0"/>
+              <a:t>雙擊</a:t>
+            </a:r>
+            <a:r>
+              <a:rPr lang="en-US" altLang="zh-TW" dirty="0" smtClean="0"/>
+              <a:t>button</a:t>
+            </a:r>
+            <a:r>
+              <a:rPr lang="zh-TW" altLang="en-US" dirty="0" smtClean="0"/>
+              <a:t> 建立事件</a:t>
+            </a:r>
+            <a:endParaRPr lang="en-US" altLang="zh-TW" dirty="0" smtClean="0"/>
+          </a:p>
+          <a:p>
+            <a:r>
+              <a:rPr lang="zh-TW" altLang="en-US" dirty="0"/>
+              <a:t>開啟</a:t>
+            </a:r>
+            <a:r>
+              <a:rPr lang="zh-TW" altLang="en-US" dirty="0" smtClean="0"/>
+              <a:t>網頁開啟開發人員模式查看</a:t>
+            </a:r>
+            <a:r>
+              <a:rPr lang="en-US" altLang="zh-TW" dirty="0" smtClean="0"/>
+              <a:t>Network</a:t>
+            </a:r>
+          </a:p>
+          <a:p>
+            <a:r>
+              <a:rPr lang="zh-TW" altLang="en-US" dirty="0"/>
+              <a:t>點</a:t>
+            </a:r>
+            <a:r>
+              <a:rPr lang="zh-TW" altLang="en-US" dirty="0" smtClean="0"/>
+              <a:t>擊</a:t>
+            </a:r>
+            <a:r>
+              <a:rPr lang="en-US" altLang="zh-TW" dirty="0" smtClean="0"/>
+              <a:t>button</a:t>
+            </a:r>
+            <a:r>
+              <a:rPr lang="zh-TW" altLang="en-US" dirty="0" smtClean="0"/>
+              <a:t> 並查看</a:t>
+            </a:r>
+            <a:r>
+              <a:rPr lang="en-US" altLang="zh-TW" dirty="0" smtClean="0"/>
+              <a:t>Network</a:t>
+            </a:r>
+            <a:r>
+              <a:rPr lang="zh-TW" altLang="en-US" dirty="0" smtClean="0"/>
+              <a:t>變化</a:t>
+            </a:r>
+            <a:endParaRPr lang="en-US" altLang="zh-TW" dirty="0" smtClean="0"/>
+          </a:p>
+        </p:txBody>
+      </p:sp>
+    </p:spTree>
+    <p:extLst>
+      <p:ext uri="{BB962C8B-B14F-4D97-AF65-F5344CB8AC3E}">
+        <p14:creationId xmlns:p14="http://schemas.microsoft.com/office/powerpoint/2010/main" val="1802513902"/>
       </p:ext>
     </p:extLst>
   </p:cSld>
@@ -10652,6 +11001,492 @@
 </p:sld>
 </file>
 
+<file path=ppt/slides/slide30.xml><?xml version="1.0" encoding="utf-8"?>
+<p:sld xmlns:a="http://schemas.openxmlformats.org/drawingml/2006/main" xmlns:r="http://schemas.openxmlformats.org/officeDocument/2006/relationships" xmlns:p="http://schemas.openxmlformats.org/presentationml/2006/main">
+  <p:cSld>
+    <p:spTree>
+      <p:nvGrpSpPr>
+        <p:cNvPr id="1" name=""/>
+        <p:cNvGrpSpPr/>
+        <p:nvPr/>
+      </p:nvGrpSpPr>
+      <p:grpSpPr>
+        <a:xfrm>
+          <a:off x="0" y="0"/>
+          <a:ext cx="0" cy="0"/>
+          <a:chOff x="0" y="0"/>
+          <a:chExt cx="0" cy="0"/>
+        </a:xfrm>
+      </p:grpSpPr>
+      <p:sp>
+        <p:nvSpPr>
+          <p:cNvPr id="2" name="標題 1"/>
+          <p:cNvSpPr>
+            <a:spLocks noGrp="1"/>
+          </p:cNvSpPr>
+          <p:nvPr>
+            <p:ph type="title"/>
+          </p:nvPr>
+        </p:nvSpPr>
+        <p:spPr/>
+        <p:txBody>
+          <a:bodyPr/>
+          <a:lstStyle/>
+          <a:p>
+            <a:r>
+              <a:rPr lang="zh-TW" altLang="en-US" dirty="0"/>
+              <a:t>常見的 </a:t>
+            </a:r>
+            <a:r>
+              <a:rPr lang="en-US" altLang="zh-TW" dirty="0" smtClean="0"/>
+              <a:t>HTTP </a:t>
+            </a:r>
+            <a:r>
+              <a:rPr lang="en-US" altLang="zh-TW" dirty="0"/>
+              <a:t>Code</a:t>
+            </a:r>
+            <a:endParaRPr lang="zh-TW" altLang="en-US" dirty="0"/>
+          </a:p>
+        </p:txBody>
+      </p:sp>
+      <p:sp>
+        <p:nvSpPr>
+          <p:cNvPr id="3" name="內容版面配置區 2"/>
+          <p:cNvSpPr>
+            <a:spLocks noGrp="1"/>
+          </p:cNvSpPr>
+          <p:nvPr>
+            <p:ph idx="1"/>
+          </p:nvPr>
+        </p:nvSpPr>
+        <p:spPr/>
+        <p:txBody>
+          <a:bodyPr/>
+          <a:lstStyle/>
+          <a:p>
+            <a:r>
+              <a:rPr lang="en-US" altLang="zh-TW" dirty="0"/>
+              <a:t>HTTP </a:t>
+            </a:r>
+            <a:r>
+              <a:rPr lang="zh-TW" altLang="en-US" dirty="0"/>
+              <a:t>狀態碼表明一個 </a:t>
+            </a:r>
+            <a:r>
+              <a:rPr lang="en-US" altLang="zh-TW" dirty="0"/>
+              <a:t>HTTP </a:t>
+            </a:r>
+            <a:r>
+              <a:rPr lang="zh-TW" altLang="en-US" dirty="0"/>
+              <a:t>要求是否已經被完成。回應分為五種：</a:t>
+            </a:r>
+          </a:p>
+          <a:p>
+            <a:endParaRPr lang="zh-TW" altLang="en-US" dirty="0"/>
+          </a:p>
+          <a:p>
+            <a:r>
+              <a:rPr lang="zh-TW" altLang="en-US" dirty="0"/>
+              <a:t>資訊回應 </a:t>
+            </a:r>
+            <a:r>
+              <a:rPr lang="en-US" altLang="zh-TW" dirty="0"/>
+              <a:t>(Informational responses, 100–199),</a:t>
+            </a:r>
+          </a:p>
+          <a:p>
+            <a:r>
+              <a:rPr lang="zh-TW" altLang="en-US" dirty="0"/>
+              <a:t>成功回應 </a:t>
+            </a:r>
+            <a:r>
+              <a:rPr lang="en-US" altLang="zh-TW" dirty="0"/>
+              <a:t>(Successful responses, 200–299),</a:t>
+            </a:r>
+          </a:p>
+          <a:p>
+            <a:r>
+              <a:rPr lang="zh-TW" altLang="en-US" dirty="0"/>
+              <a:t>重定向 </a:t>
+            </a:r>
+            <a:r>
+              <a:rPr lang="en-US" altLang="zh-TW" dirty="0"/>
+              <a:t>(Redirects, 300–399),</a:t>
+            </a:r>
+          </a:p>
+          <a:p>
+            <a:r>
+              <a:rPr lang="zh-TW" altLang="en-US" dirty="0"/>
+              <a:t>用戶端錯誤 </a:t>
+            </a:r>
+            <a:r>
+              <a:rPr lang="en-US" altLang="zh-TW" dirty="0"/>
+              <a:t>(Client errors, 400–499),</a:t>
+            </a:r>
+          </a:p>
+          <a:p>
+            <a:r>
+              <a:rPr lang="zh-TW" altLang="en-US" dirty="0"/>
+              <a:t>伺服器端錯誤 </a:t>
+            </a:r>
+            <a:r>
+              <a:rPr lang="en-US" altLang="zh-TW" dirty="0"/>
+              <a:t>(Server errors, 500–599).</a:t>
+            </a:r>
+            <a:endParaRPr lang="zh-TW" altLang="en-US" dirty="0"/>
+          </a:p>
+        </p:txBody>
+      </p:sp>
+    </p:spTree>
+    <p:extLst>
+      <p:ext uri="{BB962C8B-B14F-4D97-AF65-F5344CB8AC3E}">
+        <p14:creationId xmlns:p14="http://schemas.microsoft.com/office/powerpoint/2010/main" val="3583541424"/>
+      </p:ext>
+    </p:extLst>
+  </p:cSld>
+  <p:clrMapOvr>
+    <a:masterClrMapping/>
+  </p:clrMapOvr>
+  <mc:AlternateContent xmlns:mc="http://schemas.openxmlformats.org/markup-compatibility/2006" xmlns:p14="http://schemas.microsoft.com/office/powerpoint/2010/main">
+    <mc:Choice Requires="p14">
+      <p:transition spd="slow" p14:dur="1500">
+        <p:random/>
+      </p:transition>
+    </mc:Choice>
+    <mc:Fallback xmlns="">
+      <p:transition spd="slow">
+        <p:random/>
+      </p:transition>
+    </mc:Fallback>
+  </mc:AlternateContent>
+</p:sld>
+</file>
+
+<file path=ppt/slides/slide31.xml><?xml version="1.0" encoding="utf-8"?>
+<p:sld xmlns:a="http://schemas.openxmlformats.org/drawingml/2006/main" xmlns:r="http://schemas.openxmlformats.org/officeDocument/2006/relationships" xmlns:p="http://schemas.openxmlformats.org/presentationml/2006/main">
+  <p:cSld>
+    <p:spTree>
+      <p:nvGrpSpPr>
+        <p:cNvPr id="1" name=""/>
+        <p:cNvGrpSpPr/>
+        <p:nvPr/>
+      </p:nvGrpSpPr>
+      <p:grpSpPr>
+        <a:xfrm>
+          <a:off x="0" y="0"/>
+          <a:ext cx="0" cy="0"/>
+          <a:chOff x="0" y="0"/>
+          <a:chExt cx="0" cy="0"/>
+        </a:xfrm>
+      </p:grpSpPr>
+      <p:sp>
+        <p:nvSpPr>
+          <p:cNvPr id="2" name="標題 1"/>
+          <p:cNvSpPr>
+            <a:spLocks noGrp="1"/>
+          </p:cNvSpPr>
+          <p:nvPr>
+            <p:ph type="title"/>
+          </p:nvPr>
+        </p:nvSpPr>
+        <p:spPr/>
+        <p:txBody>
+          <a:bodyPr/>
+          <a:lstStyle/>
+          <a:p>
+            <a:r>
+              <a:rPr lang="zh-TW" altLang="en-US" dirty="0"/>
+              <a:t>常見的 </a:t>
+            </a:r>
+            <a:r>
+              <a:rPr lang="en-US" altLang="zh-TW" dirty="0"/>
+              <a:t>HTTP Code</a:t>
+            </a:r>
+            <a:endParaRPr lang="zh-TW" altLang="en-US" dirty="0"/>
+          </a:p>
+        </p:txBody>
+      </p:sp>
+      <p:sp>
+        <p:nvSpPr>
+          <p:cNvPr id="3" name="內容版面配置區 2"/>
+          <p:cNvSpPr>
+            <a:spLocks noGrp="1"/>
+          </p:cNvSpPr>
+          <p:nvPr>
+            <p:ph idx="1"/>
+          </p:nvPr>
+        </p:nvSpPr>
+        <p:spPr/>
+        <p:txBody>
+          <a:bodyPr/>
+          <a:lstStyle/>
+          <a:p>
+            <a:r>
+              <a:rPr lang="zh-TW" altLang="en-US" dirty="0"/>
+              <a:t>測試成功</a:t>
+            </a:r>
+            <a:r>
+              <a:rPr lang="en-US" altLang="zh-TW" dirty="0"/>
+              <a:t>200</a:t>
+            </a:r>
+          </a:p>
+          <a:p>
+            <a:r>
+              <a:rPr lang="zh-TW" altLang="en-US" dirty="0"/>
+              <a:t>測試重定向 </a:t>
+            </a:r>
+            <a:r>
+              <a:rPr lang="en-US" altLang="zh-TW" dirty="0"/>
+              <a:t>300</a:t>
+            </a:r>
+          </a:p>
+          <a:p>
+            <a:r>
+              <a:rPr lang="zh-TW" altLang="en-US" dirty="0" smtClean="0"/>
+              <a:t>測試</a:t>
+            </a:r>
+            <a:r>
+              <a:rPr lang="zh-TW" altLang="en-US" dirty="0"/>
+              <a:t>用戶</a:t>
+            </a:r>
+            <a:r>
+              <a:rPr lang="zh-TW" altLang="en-US" dirty="0" smtClean="0"/>
+              <a:t>端</a:t>
+            </a:r>
+            <a:r>
+              <a:rPr lang="zh-TW" altLang="en-US" dirty="0"/>
+              <a:t>錯誤 </a:t>
+            </a:r>
+            <a:r>
+              <a:rPr lang="en-US" altLang="zh-TW" dirty="0"/>
+              <a:t>404</a:t>
+            </a:r>
+          </a:p>
+          <a:p>
+            <a:r>
+              <a:rPr lang="zh-TW" altLang="en-US" dirty="0"/>
+              <a:t>測試伺服器端錯誤 </a:t>
+            </a:r>
+            <a:r>
+              <a:rPr lang="en-US" altLang="zh-TW" dirty="0"/>
+              <a:t>500</a:t>
+            </a:r>
+          </a:p>
+          <a:p>
+            <a:endParaRPr lang="zh-TW" altLang="en-US" dirty="0"/>
+          </a:p>
+        </p:txBody>
+      </p:sp>
+    </p:spTree>
+    <p:extLst>
+      <p:ext uri="{BB962C8B-B14F-4D97-AF65-F5344CB8AC3E}">
+        <p14:creationId xmlns:p14="http://schemas.microsoft.com/office/powerpoint/2010/main" val="214573572"/>
+      </p:ext>
+    </p:extLst>
+  </p:cSld>
+  <p:clrMapOvr>
+    <a:masterClrMapping/>
+  </p:clrMapOvr>
+  <mc:AlternateContent xmlns:mc="http://schemas.openxmlformats.org/markup-compatibility/2006" xmlns:p14="http://schemas.microsoft.com/office/powerpoint/2010/main">
+    <mc:Choice Requires="p14">
+      <p:transition spd="slow" p14:dur="1500">
+        <p:random/>
+      </p:transition>
+    </mc:Choice>
+    <mc:Fallback xmlns="">
+      <p:transition spd="slow">
+        <p:random/>
+      </p:transition>
+    </mc:Fallback>
+  </mc:AlternateContent>
+</p:sld>
+</file>
+
+<file path=ppt/slides/slide32.xml><?xml version="1.0" encoding="utf-8"?>
+<p:sld xmlns:a="http://schemas.openxmlformats.org/drawingml/2006/main" xmlns:r="http://schemas.openxmlformats.org/officeDocument/2006/relationships" xmlns:p="http://schemas.openxmlformats.org/presentationml/2006/main">
+  <p:cSld>
+    <p:spTree>
+      <p:nvGrpSpPr>
+        <p:cNvPr id="1" name=""/>
+        <p:cNvGrpSpPr/>
+        <p:nvPr/>
+      </p:nvGrpSpPr>
+      <p:grpSpPr>
+        <a:xfrm>
+          <a:off x="0" y="0"/>
+          <a:ext cx="0" cy="0"/>
+          <a:chOff x="0" y="0"/>
+          <a:chExt cx="0" cy="0"/>
+        </a:xfrm>
+      </p:grpSpPr>
+      <p:sp>
+        <p:nvSpPr>
+          <p:cNvPr id="2" name="標題 1"/>
+          <p:cNvSpPr>
+            <a:spLocks noGrp="1"/>
+          </p:cNvSpPr>
+          <p:nvPr>
+            <p:ph type="title"/>
+          </p:nvPr>
+        </p:nvSpPr>
+        <p:spPr/>
+        <p:txBody>
+          <a:bodyPr/>
+          <a:lstStyle/>
+          <a:p>
+            <a:r>
+              <a:rPr lang="en-US" altLang="zh-TW" dirty="0"/>
+              <a:t>HTTP</a:t>
+            </a:r>
+            <a:r>
+              <a:rPr lang="zh-TW" altLang="en-US" dirty="0"/>
+              <a:t>與</a:t>
+            </a:r>
+            <a:r>
+              <a:rPr lang="en-US" altLang="zh-TW" dirty="0"/>
+              <a:t>HTTPS</a:t>
+            </a:r>
+            <a:endParaRPr lang="zh-TW" altLang="en-US" dirty="0"/>
+          </a:p>
+        </p:txBody>
+      </p:sp>
+      <p:sp>
+        <p:nvSpPr>
+          <p:cNvPr id="3" name="內容版面配置區 2"/>
+          <p:cNvSpPr>
+            <a:spLocks noGrp="1"/>
+          </p:cNvSpPr>
+          <p:nvPr>
+            <p:ph idx="1"/>
+          </p:nvPr>
+        </p:nvSpPr>
+        <p:spPr/>
+        <p:txBody>
+          <a:bodyPr/>
+          <a:lstStyle/>
+          <a:p>
+            <a:r>
+              <a:rPr lang="zh-TW" altLang="en-US" dirty="0"/>
+              <a:t>超文本傳輸安全協定（英語：</a:t>
+            </a:r>
+            <a:r>
+              <a:rPr lang="en-US" altLang="zh-TW" dirty="0" err="1"/>
+              <a:t>HyperText</a:t>
+            </a:r>
+            <a:r>
+              <a:rPr lang="en-US" altLang="zh-TW" dirty="0"/>
+              <a:t> Transfer Protocol Secure</a:t>
+            </a:r>
+            <a:r>
+              <a:rPr lang="zh-TW" altLang="en-US" dirty="0"/>
+              <a:t>，縮寫：</a:t>
+            </a:r>
+            <a:r>
+              <a:rPr lang="en-US" altLang="zh-TW" dirty="0"/>
+              <a:t>HTTPS</a:t>
+            </a:r>
+            <a:r>
+              <a:rPr lang="zh-TW" altLang="en-US" dirty="0"/>
+              <a:t>；常稱為</a:t>
+            </a:r>
+            <a:r>
+              <a:rPr lang="en-US" altLang="zh-TW" dirty="0"/>
+              <a:t>HTTP over TLS</a:t>
+            </a:r>
+            <a:r>
+              <a:rPr lang="zh-TW" altLang="en-US" dirty="0"/>
+              <a:t>、</a:t>
+            </a:r>
+            <a:r>
+              <a:rPr lang="en-US" altLang="zh-TW" dirty="0"/>
+              <a:t>HTTP over SSL</a:t>
+            </a:r>
+            <a:r>
+              <a:rPr lang="zh-TW" altLang="en-US" dirty="0"/>
+              <a:t>或</a:t>
+            </a:r>
+            <a:r>
+              <a:rPr lang="en-US" altLang="zh-TW" dirty="0"/>
+              <a:t>HTTP Secure</a:t>
+            </a:r>
+            <a:r>
+              <a:rPr lang="zh-TW" altLang="en-US" dirty="0"/>
+              <a:t>）是一種透過計算機網路進行安全通訊的傳輸協定</a:t>
+            </a:r>
+            <a:r>
+              <a:rPr lang="zh-TW" altLang="en-US" dirty="0" smtClean="0"/>
+              <a:t>。</a:t>
+            </a:r>
+            <a:endParaRPr lang="en-US" altLang="zh-TW" dirty="0" smtClean="0"/>
+          </a:p>
+          <a:p>
+            <a:r>
+              <a:rPr lang="en-US" altLang="zh-TW" dirty="0" smtClean="0"/>
+              <a:t>HTTPS</a:t>
+            </a:r>
+            <a:r>
+              <a:rPr lang="zh-TW" altLang="en-US" dirty="0"/>
+              <a:t>經由</a:t>
+            </a:r>
+            <a:r>
+              <a:rPr lang="en-US" altLang="zh-TW" dirty="0"/>
+              <a:t>HTTP</a:t>
+            </a:r>
+            <a:r>
+              <a:rPr lang="zh-TW" altLang="en-US" dirty="0"/>
+              <a:t>進行通訊，但利用</a:t>
+            </a:r>
+            <a:r>
+              <a:rPr lang="en-US" altLang="zh-TW" dirty="0"/>
+              <a:t>SSL/TLS</a:t>
+            </a:r>
+            <a:r>
+              <a:rPr lang="zh-TW" altLang="en-US" dirty="0"/>
+              <a:t>來加密封包</a:t>
+            </a:r>
+            <a:r>
+              <a:rPr lang="zh-TW" altLang="en-US" dirty="0" smtClean="0"/>
+              <a:t>。</a:t>
+            </a:r>
+            <a:endParaRPr lang="en-US" altLang="zh-TW" dirty="0" smtClean="0"/>
+          </a:p>
+          <a:p>
+            <a:r>
+              <a:rPr lang="en-US" altLang="zh-TW" dirty="0" smtClean="0"/>
+              <a:t>HTTPS</a:t>
+            </a:r>
+            <a:r>
+              <a:rPr lang="zh-TW" altLang="en-US" dirty="0"/>
+              <a:t>開發的主要目的，是提供對網站伺服器的身分認證，保護交換資料的隱私與完整性。</a:t>
+            </a:r>
+          </a:p>
+        </p:txBody>
+      </p:sp>
+    </p:spTree>
+    <p:extLst>
+      <p:ext uri="{BB962C8B-B14F-4D97-AF65-F5344CB8AC3E}">
+        <p14:creationId xmlns:p14="http://schemas.microsoft.com/office/powerpoint/2010/main" val="135691715"/>
+      </p:ext>
+    </p:extLst>
+  </p:cSld>
+  <p:clrMapOvr>
+    <a:masterClrMapping/>
+  </p:clrMapOvr>
+  <mc:AlternateContent xmlns:mc="http://schemas.openxmlformats.org/markup-compatibility/2006" xmlns:p14="http://schemas.microsoft.com/office/powerpoint/2010/main">
+    <mc:Choice Requires="p14">
+      <p:transition spd="slow" p14:dur="1500">
+        <p:random/>
+      </p:transition>
+    </mc:Choice>
+    <mc:Fallback xmlns="">
+      <p:transition spd="slow">
+        <p:random/>
+      </p:transition>
+    </mc:Fallback>
+  </mc:AlternateContent>
+</p:sld>
+</file>
+
 <file path=ppt/slides/slide4.xml><?xml version="1.0" encoding="utf-8"?>
 <p:sld xmlns:a="http://schemas.openxmlformats.org/drawingml/2006/main" xmlns:r="http://schemas.openxmlformats.org/officeDocument/2006/relationships" xmlns:p="http://schemas.openxmlformats.org/presentationml/2006/main">
   <p:cSld>
@@ -11166,12 +12001,16 @@
               <a:t> </a:t>
             </a:r>
             <a:r>
-              <a:rPr lang="en-US" altLang="zh-TW" dirty="0"/>
+              <a:rPr lang="en-US" altLang="zh-TW" dirty="0" smtClean="0"/>
               <a:t>Web Form)</a:t>
             </a:r>
             <a:r>
-              <a:rPr lang="zh-TW" altLang="en-US" dirty="0"/>
-              <a:t> ：互動</a:t>
+              <a:rPr lang="zh-TW" altLang="en-US" dirty="0" smtClean="0"/>
+              <a:t> </a:t>
+            </a:r>
+            <a:r>
+              <a:rPr lang="zh-TW" altLang="en-US" dirty="0"/>
+              <a:t>：互動</a:t>
             </a:r>
             <a:r>
               <a:rPr lang="zh-TW" altLang="en-US" dirty="0" smtClean="0"/>
@@ -11195,7 +12034,11 @@
             </a:r>
             <a:r>
               <a:rPr lang="zh-TW" altLang="en-US" dirty="0" smtClean="0"/>
-              <a:t>：資料管理</a:t>
+              <a:t>：</a:t>
+            </a:r>
+            <a:r>
+              <a:rPr lang="zh-TW" altLang="en-US" dirty="0" smtClean="0"/>
+              <a:t>資料管理</a:t>
             </a:r>
             <a:endParaRPr lang="en-US" altLang="zh-TW" dirty="0" smtClean="0"/>
           </a:p>

--- a/投影片/1.網頁基礎.pptx
+++ b/投影片/1.網頁基礎.pptx
@@ -28,7 +28,7 @@
     <p:sldId id="282" r:id="rId22"/>
     <p:sldId id="283" r:id="rId23"/>
     <p:sldId id="293" r:id="rId24"/>
-    <p:sldId id="291" r:id="rId25"/>
+    <p:sldId id="295" r:id="rId25"/>
     <p:sldId id="292" r:id="rId26"/>
     <p:sldId id="294" r:id="rId27"/>
     <p:sldId id="285" r:id="rId28"/>
@@ -177,7 +177,7 @@
           <a:p>
             <a:fld id="{31CDE89B-FBD9-4E23-BEEB-B0C8819124B3}" type="datetimeFigureOut">
               <a:rPr lang="zh-TW" altLang="en-US" smtClean="0"/>
-              <a:t>2022/2/21</a:t>
+              <a:t>2022/2/22</a:t>
             </a:fld>
             <a:endParaRPr lang="zh-TW" altLang="en-US"/>
           </a:p>
@@ -3048,7 +3048,7 @@
           <a:p>
             <a:fld id="{31CDE89B-FBD9-4E23-BEEB-B0C8819124B3}" type="datetimeFigureOut">
               <a:rPr lang="zh-TW" altLang="en-US" smtClean="0"/>
-              <a:t>2022/2/21</a:t>
+              <a:t>2022/2/22</a:t>
             </a:fld>
             <a:endParaRPr lang="zh-TW" altLang="en-US"/>
           </a:p>
@@ -3240,7 +3240,7 @@
           <a:p>
             <a:fld id="{31CDE89B-FBD9-4E23-BEEB-B0C8819124B3}" type="datetimeFigureOut">
               <a:rPr lang="zh-TW" altLang="en-US" smtClean="0"/>
-              <a:t>2022/2/21</a:t>
+              <a:t>2022/2/22</a:t>
             </a:fld>
             <a:endParaRPr lang="zh-TW" altLang="en-US"/>
           </a:p>
@@ -3436,7 +3436,7 @@
           <a:p>
             <a:fld id="{31CDE89B-FBD9-4E23-BEEB-B0C8819124B3}" type="datetimeFigureOut">
               <a:rPr lang="zh-TW" altLang="en-US" smtClean="0"/>
-              <a:t>2022/2/21</a:t>
+              <a:t>2022/2/22</a:t>
             </a:fld>
             <a:endParaRPr lang="zh-TW" altLang="en-US"/>
           </a:p>
@@ -4532,7 +4532,7 @@
           <a:p>
             <a:fld id="{31CDE89B-FBD9-4E23-BEEB-B0C8819124B3}" type="datetimeFigureOut">
               <a:rPr lang="zh-TW" altLang="en-US" smtClean="0"/>
-              <a:t>2022/2/21</a:t>
+              <a:t>2022/2/22</a:t>
             </a:fld>
             <a:endParaRPr lang="zh-TW" altLang="en-US"/>
           </a:p>
@@ -4781,7 +4781,7 @@
           <a:p>
             <a:fld id="{31CDE89B-FBD9-4E23-BEEB-B0C8819124B3}" type="datetimeFigureOut">
               <a:rPr lang="zh-TW" altLang="en-US" smtClean="0"/>
-              <a:t>2022/2/21</a:t>
+              <a:t>2022/2/22</a:t>
             </a:fld>
             <a:endParaRPr lang="zh-TW" altLang="en-US"/>
           </a:p>
@@ -5160,7 +5160,7 @@
           <a:p>
             <a:fld id="{31CDE89B-FBD9-4E23-BEEB-B0C8819124B3}" type="datetimeFigureOut">
               <a:rPr lang="zh-TW" altLang="en-US" smtClean="0"/>
-              <a:t>2022/2/21</a:t>
+              <a:t>2022/2/22</a:t>
             </a:fld>
             <a:endParaRPr lang="zh-TW" altLang="en-US"/>
           </a:p>
@@ -5290,7 +5290,7 @@
           <a:p>
             <a:fld id="{31CDE89B-FBD9-4E23-BEEB-B0C8819124B3}" type="datetimeFigureOut">
               <a:rPr lang="zh-TW" altLang="en-US" smtClean="0"/>
-              <a:t>2022/2/21</a:t>
+              <a:t>2022/2/22</a:t>
             </a:fld>
             <a:endParaRPr lang="zh-TW" altLang="en-US"/>
           </a:p>
@@ -5397,7 +5397,7 @@
           <a:p>
             <a:fld id="{31CDE89B-FBD9-4E23-BEEB-B0C8819124B3}" type="datetimeFigureOut">
               <a:rPr lang="zh-TW" altLang="en-US" smtClean="0"/>
-              <a:t>2022/2/21</a:t>
+              <a:t>2022/2/22</a:t>
             </a:fld>
             <a:endParaRPr lang="zh-TW" altLang="en-US"/>
           </a:p>
@@ -5686,7 +5686,7 @@
           <a:p>
             <a:fld id="{31CDE89B-FBD9-4E23-BEEB-B0C8819124B3}" type="datetimeFigureOut">
               <a:rPr lang="zh-TW" altLang="en-US" smtClean="0"/>
-              <a:t>2022/2/21</a:t>
+              <a:t>2022/2/22</a:t>
             </a:fld>
             <a:endParaRPr lang="zh-TW" altLang="en-US"/>
           </a:p>
@@ -5951,7 +5951,7 @@
           <a:p>
             <a:fld id="{31CDE89B-FBD9-4E23-BEEB-B0C8819124B3}" type="datetimeFigureOut">
               <a:rPr lang="zh-TW" altLang="en-US" smtClean="0"/>
-              <a:t>2022/2/21</a:t>
+              <a:t>2022/2/22</a:t>
             </a:fld>
             <a:endParaRPr lang="zh-TW" altLang="en-US"/>
           </a:p>
@@ -6176,7 +6176,7 @@
           <a:p>
             <a:fld id="{31CDE89B-FBD9-4E23-BEEB-B0C8819124B3}" type="datetimeFigureOut">
               <a:rPr lang="zh-TW" altLang="en-US" smtClean="0"/>
-              <a:t>2022/2/21</a:t>
+              <a:t>2022/2/22</a:t>
             </a:fld>
             <a:endParaRPr lang="zh-TW" altLang="en-US"/>
           </a:p>
@@ -7457,8 +7457,12 @@
           <a:lstStyle/>
           <a:p>
             <a:r>
+              <a:rPr lang="zh-TW" altLang="en-US" smtClean="0"/>
+              <a:t>練習在</a:t>
+            </a:r>
+            <a:r>
               <a:rPr lang="zh-TW" altLang="en-US" dirty="0" smtClean="0"/>
-              <a:t>練習在空白網頁加入一個超連結連到</a:t>
+              <a:t>空白網頁加入一個超連結連到</a:t>
             </a:r>
             <a:r>
               <a:rPr lang="en-US" altLang="zh-TW" dirty="0" err="1" smtClean="0"/>
@@ -8466,25 +8470,6 @@
             </a:r>
           </a:p>
           <a:p>
-            <a:pPr marL="685800" lvl="2">
-              <a:spcBef>
-                <a:spcPts val="1000"/>
-              </a:spcBef>
-            </a:pPr>
-            <a:r>
-              <a:rPr lang="en-US" altLang="zh-TW" dirty="0"/>
-              <a:t>Request</a:t>
-            </a:r>
-            <a:r>
-              <a:rPr lang="zh-TW" altLang="en-US" dirty="0"/>
-              <a:t>、</a:t>
-            </a:r>
-            <a:r>
-              <a:rPr lang="en-US" altLang="zh-TW" dirty="0" smtClean="0"/>
-              <a:t>Response</a:t>
-            </a:r>
-          </a:p>
-          <a:p>
             <a:r>
               <a:rPr lang="zh-TW" altLang="en-US" dirty="0" smtClean="0"/>
               <a:t>後</a:t>
@@ -8955,8 +8940,8 @@
           </a:p>
           <a:p>
             <a:r>
-              <a:rPr lang="zh-TW" altLang="en-US" dirty="0"/>
-              <a:t>事件</a:t>
+              <a:rPr lang="zh-TW" altLang="en-US" dirty="0" smtClean="0"/>
+              <a:t>事件偵聽</a:t>
             </a:r>
             <a:endParaRPr lang="en-US" altLang="zh-TW" dirty="0"/>
           </a:p>
@@ -9051,13 +9036,75 @@
         </p:nvSpPr>
         <p:spPr/>
         <p:txBody>
-          <a:bodyPr/>
+          <a:bodyPr>
+            <a:normAutofit/>
+          </a:bodyPr>
           <a:lstStyle/>
           <a:p>
             <a:r>
+              <a:rPr lang="zh-TW" altLang="en-US" dirty="0"/>
+              <a:t>按顏色</a:t>
+            </a:r>
+            <a:r>
               <a:rPr lang="zh-TW" altLang="en-US" dirty="0" smtClean="0"/>
-              <a:t>變換三個連結顏色</a:t>
-            </a:r>
+              <a:t>交換按鈕，變換</a:t>
+            </a:r>
+            <a:r>
+              <a:rPr lang="zh-TW" altLang="en-US" dirty="0" smtClean="0"/>
+              <a:t>三個連結</a:t>
+            </a:r>
+            <a:r>
+              <a:rPr lang="zh-TW" altLang="en-US" dirty="0" smtClean="0"/>
+              <a:t>顏色</a:t>
+            </a:r>
+            <a:endParaRPr lang="en-US" altLang="zh-TW" dirty="0" smtClean="0"/>
+          </a:p>
+          <a:p>
+            <a:pPr marL="0" indent="0">
+              <a:buNone/>
+            </a:pPr>
+            <a:endParaRPr lang="en-US" altLang="zh-TW" dirty="0" smtClean="0"/>
+          </a:p>
+          <a:p>
+            <a:r>
+              <a:rPr lang="zh-TW" altLang="en-US" dirty="0"/>
+              <a:t>重點</a:t>
+            </a:r>
+            <a:endParaRPr lang="en-US" altLang="zh-TW" dirty="0" smtClean="0"/>
+          </a:p>
+          <a:p>
+            <a:pPr lvl="1"/>
+            <a:r>
+              <a:rPr lang="zh-TW" altLang="en-US" dirty="0" smtClean="0"/>
+              <a:t>操作</a:t>
+            </a:r>
+            <a:r>
+              <a:rPr lang="en-US" altLang="zh-TW" dirty="0" smtClean="0"/>
+              <a:t>DOM</a:t>
+            </a:r>
+            <a:r>
+              <a:rPr lang="zh-TW" altLang="en-US" dirty="0" smtClean="0"/>
+              <a:t>物件</a:t>
+            </a:r>
+            <a:endParaRPr lang="en-US" altLang="zh-TW" dirty="0" smtClean="0"/>
+          </a:p>
+          <a:p>
+            <a:pPr lvl="1"/>
+            <a:r>
+              <a:rPr lang="zh-TW" altLang="en-US" dirty="0" smtClean="0"/>
+              <a:t>流程控制</a:t>
+            </a:r>
+            <a:endParaRPr lang="en-US" altLang="zh-TW" dirty="0" smtClean="0"/>
+          </a:p>
+          <a:p>
+            <a:pPr lvl="1"/>
+            <a:r>
+              <a:rPr lang="zh-TW" altLang="en-US" dirty="0" smtClean="0"/>
+              <a:t>事件偵聽</a:t>
+            </a:r>
+            <a:endParaRPr lang="en-US" altLang="zh-TW" dirty="0" smtClean="0"/>
+          </a:p>
+          <a:p>
             <a:endParaRPr lang="zh-TW" altLang="en-US" dirty="0"/>
           </a:p>
         </p:txBody>
@@ -9120,14 +9167,13 @@
           <a:lstStyle/>
           <a:p>
             <a:r>
-              <a:rPr lang="en-US" altLang="zh-TW" dirty="0" smtClean="0"/>
+              <a:rPr lang="en-US" altLang="zh-TW" dirty="0"/>
               <a:t>JavaScript</a:t>
             </a:r>
             <a:r>
-              <a:rPr lang="zh-TW" altLang="en-US" dirty="0" smtClean="0"/>
+              <a:rPr lang="zh-TW" altLang="en-US" dirty="0"/>
               <a:t> 練習</a:t>
             </a:r>
-            <a:endParaRPr lang="zh-TW" altLang="en-US" dirty="0"/>
           </a:p>
         </p:txBody>
       </p:sp>
@@ -9143,32 +9189,25 @@
         </p:nvSpPr>
         <p:spPr/>
         <p:txBody>
-          <a:bodyPr>
-            <a:normAutofit/>
-          </a:bodyPr>
+          <a:bodyPr/>
           <a:lstStyle/>
           <a:p>
             <a:r>
-              <a:rPr lang="zh-TW" altLang="en-US" dirty="0" smtClean="0"/>
+              <a:rPr lang="zh-TW" altLang="en-US" dirty="0"/>
               <a:t>新增</a:t>
             </a:r>
             <a:r>
-              <a:rPr lang="en-US" altLang="zh-TW" dirty="0" smtClean="0"/>
+              <a:rPr lang="en-US" altLang="zh-TW" dirty="0"/>
               <a:t>button</a:t>
             </a:r>
-            <a:endParaRPr lang="en-US" altLang="zh-TW" dirty="0"/>
           </a:p>
           <a:p>
             <a:pPr marL="457200" lvl="1" indent="0">
               <a:buNone/>
             </a:pPr>
             <a:r>
-              <a:rPr lang="en-US" altLang="zh-TW" dirty="0" smtClean="0"/>
-              <a:t>&lt;input </a:t>
-            </a:r>
-            <a:r>
-              <a:rPr lang="en-US" altLang="zh-TW" dirty="0"/>
-              <a:t>type="button" id="</a:t>
+              <a:rPr lang="en-US" altLang="zh-TW" dirty="0"/>
+              <a:t>&lt;input type="button" id="</a:t>
             </a:r>
             <a:r>
               <a:rPr lang="en-US" altLang="zh-TW" dirty="0" err="1"/>
@@ -9191,83 +9230,98 @@
               <a:t> </a:t>
             </a:r>
             <a:r>
-              <a:rPr lang="en-US" altLang="zh-TW" dirty="0" smtClean="0"/>
+              <a:rPr lang="en-US" altLang="zh-TW" dirty="0"/>
               <a:t>/&gt;</a:t>
             </a:r>
           </a:p>
           <a:p>
-            <a:endParaRPr lang="en-US" altLang="zh-TW" dirty="0" smtClean="0"/>
-          </a:p>
-          <a:p>
-            <a:r>
-              <a:rPr lang="zh-TW" altLang="en-US" dirty="0" smtClean="0"/>
-              <a:t>在</a:t>
-            </a:r>
-            <a:r>
-              <a:rPr lang="en-US" altLang="zh-TW" dirty="0" smtClean="0"/>
-              <a:t>.</a:t>
-            </a:r>
-            <a:r>
-              <a:rPr lang="en-US" altLang="zh-TW" dirty="0" err="1" smtClean="0"/>
-              <a:t>aspx</a:t>
-            </a:r>
-            <a:r>
-              <a:rPr lang="zh-TW" altLang="en-US" dirty="0" smtClean="0"/>
-              <a:t>文件中的</a:t>
-            </a:r>
-            <a:r>
-              <a:rPr lang="en-US" altLang="zh-TW" dirty="0" smtClean="0"/>
-              <a:t>JavaScript</a:t>
-            </a:r>
-            <a:r>
-              <a:rPr lang="zh-TW" altLang="en-US" dirty="0" smtClean="0"/>
-              <a:t>的程式碼要寫在</a:t>
-            </a:r>
-            <a:r>
-              <a:rPr lang="en-US" altLang="zh-TW" dirty="0" smtClean="0"/>
-              <a:t>script</a:t>
-            </a:r>
-            <a:r>
-              <a:rPr lang="zh-TW" altLang="en-US" dirty="0" smtClean="0"/>
-              <a:t>標籤裡</a:t>
-            </a:r>
-            <a:endParaRPr lang="en-US" altLang="zh-TW" dirty="0" smtClean="0"/>
-          </a:p>
-          <a:p>
-            <a:pPr marL="457200" lvl="1" indent="0">
-              <a:buNone/>
-            </a:pPr>
-            <a:r>
-              <a:rPr lang="en-US" altLang="zh-TW" dirty="0"/>
-              <a:t>&lt;script</a:t>
-            </a:r>
-            <a:r>
-              <a:rPr lang="en-US" altLang="zh-TW" dirty="0" smtClean="0"/>
-              <a:t>&gt;</a:t>
-            </a:r>
-            <a:r>
-              <a:rPr lang="en-US" altLang="zh-TW" dirty="0"/>
-              <a:t> </a:t>
-            </a:r>
-            <a:r>
-              <a:rPr lang="en-US" altLang="zh-TW" dirty="0" smtClean="0"/>
-              <a:t>JS</a:t>
-            </a:r>
-            <a:r>
-              <a:rPr lang="zh-TW" altLang="en-US" dirty="0" smtClean="0"/>
-              <a:t>程式碼 </a:t>
-            </a:r>
-            <a:r>
-              <a:rPr lang="en-US" altLang="zh-TW" dirty="0" smtClean="0"/>
-              <a:t>&lt;/script&gt;</a:t>
-            </a:r>
+            <a:endParaRPr lang="en-US" altLang="zh-TW" dirty="0"/>
+          </a:p>
+          <a:p>
+            <a:endParaRPr lang="zh-TW" altLang="en-US" dirty="0"/>
+          </a:p>
+        </p:txBody>
+      </p:sp>
+      <p:pic>
+        <p:nvPicPr>
+          <p:cNvPr id="4" name="圖片 3" descr="畫面剪輯"/>
+          <p:cNvPicPr>
+            <a:picLocks noChangeAspect="1"/>
+          </p:cNvPicPr>
+          <p:nvPr/>
+        </p:nvPicPr>
+        <p:blipFill>
+          <a:blip r:embed="rId2">
+            <a:extLst>
+              <a:ext uri="{28A0092B-C50C-407E-A947-70E740481C1C}">
+                <a14:useLocalDpi xmlns:a14="http://schemas.microsoft.com/office/drawing/2010/main" val="0"/>
+              </a:ext>
+            </a:extLst>
+          </a:blip>
+          <a:stretch>
+            <a:fillRect/>
+          </a:stretch>
+        </p:blipFill>
+        <p:spPr>
+          <a:xfrm>
+            <a:off x="1294133" y="2740120"/>
+            <a:ext cx="3664729" cy="3219213"/>
+          </a:xfrm>
+          <a:prstGeom prst="rect">
+            <a:avLst/>
+          </a:prstGeom>
+        </p:spPr>
+      </p:pic>
+      <p:sp>
+        <p:nvSpPr>
+          <p:cNvPr id="5" name="矩形 4"/>
+          <p:cNvSpPr/>
+          <p:nvPr/>
+        </p:nvSpPr>
+        <p:spPr>
+          <a:xfrm>
+            <a:off x="1294133" y="5275386"/>
+            <a:ext cx="1194090" cy="518746"/>
+          </a:xfrm>
+          <a:prstGeom prst="rect">
+            <a:avLst/>
+          </a:prstGeom>
+          <a:noFill/>
+          <a:ln w="38100">
+            <a:solidFill>
+              <a:srgbClr val="FF0000"/>
+            </a:solidFill>
+          </a:ln>
+        </p:spPr>
+        <p:style>
+          <a:lnRef idx="2">
+            <a:schemeClr val="accent1">
+              <a:shade val="50000"/>
+            </a:schemeClr>
+          </a:lnRef>
+          <a:fillRef idx="1">
+            <a:schemeClr val="accent1"/>
+          </a:fillRef>
+          <a:effectRef idx="0">
+            <a:schemeClr val="accent1"/>
+          </a:effectRef>
+          <a:fontRef idx="minor">
+            <a:schemeClr val="lt1"/>
+          </a:fontRef>
+        </p:style>
+        <p:txBody>
+          <a:bodyPr rtlCol="0" anchor="ctr"/>
+          <a:lstStyle/>
+          <a:p>
+            <a:pPr algn="ctr"/>
+            <a:endParaRPr lang="zh-TW" altLang="en-US"/>
           </a:p>
         </p:txBody>
       </p:sp>
     </p:spTree>
     <p:extLst>
       <p:ext uri="{BB962C8B-B14F-4D97-AF65-F5344CB8AC3E}">
-        <p14:creationId xmlns:p14="http://schemas.microsoft.com/office/powerpoint/2010/main" val="197988338"/>
+        <p14:creationId xmlns:p14="http://schemas.microsoft.com/office/powerpoint/2010/main" val="2241830571"/>
       </p:ext>
     </p:extLst>
   </p:cSld>
@@ -9351,6 +9405,100 @@
           <a:lstStyle/>
           <a:p>
             <a:r>
+              <a:rPr lang="zh-TW" altLang="en-US" dirty="0"/>
+              <a:t>在</a:t>
+            </a:r>
+            <a:r>
+              <a:rPr lang="en-US" altLang="zh-TW" dirty="0"/>
+              <a:t>.</a:t>
+            </a:r>
+            <a:r>
+              <a:rPr lang="en-US" altLang="zh-TW" dirty="0" err="1"/>
+              <a:t>aspx</a:t>
+            </a:r>
+            <a:r>
+              <a:rPr lang="zh-TW" altLang="en-US" dirty="0"/>
+              <a:t>文件中的</a:t>
+            </a:r>
+            <a:r>
+              <a:rPr lang="en-US" altLang="zh-TW" dirty="0"/>
+              <a:t>JavaScript</a:t>
+            </a:r>
+            <a:r>
+              <a:rPr lang="zh-TW" altLang="en-US" dirty="0"/>
+              <a:t>的程式碼要寫在</a:t>
+            </a:r>
+            <a:r>
+              <a:rPr lang="en-US" altLang="zh-TW" dirty="0"/>
+              <a:t>script</a:t>
+            </a:r>
+            <a:r>
+              <a:rPr lang="zh-TW" altLang="en-US" dirty="0"/>
+              <a:t>標籤裡</a:t>
+            </a:r>
+            <a:endParaRPr lang="en-US" altLang="zh-TW" dirty="0"/>
+          </a:p>
+          <a:p>
+            <a:pPr marL="457200" lvl="1" indent="0">
+              <a:buNone/>
+            </a:pPr>
+            <a:r>
+              <a:rPr lang="en-US" altLang="zh-TW" dirty="0"/>
+              <a:t>&lt;script&gt; </a:t>
+            </a:r>
+            <a:r>
+              <a:rPr lang="en-US" altLang="zh-TW" dirty="0">
+                <a:solidFill>
+                  <a:srgbClr val="FF0000"/>
+                </a:solidFill>
+              </a:rPr>
+              <a:t>JS</a:t>
+            </a:r>
+            <a:r>
+              <a:rPr lang="zh-TW" altLang="en-US" dirty="0">
+                <a:solidFill>
+                  <a:srgbClr val="FF0000"/>
+                </a:solidFill>
+              </a:rPr>
+              <a:t>程式碼</a:t>
+            </a:r>
+            <a:r>
+              <a:rPr lang="zh-TW" altLang="en-US" dirty="0"/>
+              <a:t> </a:t>
+            </a:r>
+            <a:r>
+              <a:rPr lang="en-US" altLang="zh-TW" dirty="0"/>
+              <a:t>&lt;/script</a:t>
+            </a:r>
+            <a:r>
+              <a:rPr lang="en-US" altLang="zh-TW" dirty="0" smtClean="0"/>
+              <a:t>&gt;</a:t>
+            </a:r>
+            <a:endParaRPr lang="en-US" altLang="zh-TW" dirty="0" smtClean="0"/>
+          </a:p>
+          <a:p>
+            <a:endParaRPr lang="en-US" altLang="zh-TW" dirty="0"/>
+          </a:p>
+          <a:p>
+            <a:r>
+              <a:rPr lang="zh-TW" altLang="en-US" dirty="0"/>
+              <a:t>操作</a:t>
+            </a:r>
+            <a:r>
+              <a:rPr lang="en-US" altLang="zh-TW" dirty="0"/>
+              <a:t>DOM</a:t>
+            </a:r>
+            <a:r>
+              <a:rPr lang="zh-TW" altLang="en-US" dirty="0"/>
+              <a:t>物件</a:t>
+            </a:r>
+            <a:endParaRPr lang="en-US" altLang="zh-TW" dirty="0" smtClean="0"/>
+          </a:p>
+          <a:p>
+            <a:pPr marL="457200" lvl="1" indent="0">
+              <a:buNone/>
+            </a:pPr>
+            <a:r>
               <a:rPr lang="zh-TW" altLang="en-US" dirty="0" smtClean="0"/>
               <a:t>透過</a:t>
             </a:r>
@@ -9378,7 +9526,7 @@
               <a:rPr lang="zh-TW" altLang="en-US" dirty="0" smtClean="0"/>
               <a:t>元素，並將其存入變數中</a:t>
             </a:r>
-            <a:endParaRPr lang="en-US" altLang="zh-TW" dirty="0"/>
+            <a:endParaRPr lang="en-US" altLang="zh-TW" dirty="0" smtClean="0"/>
           </a:p>
           <a:p>
             <a:pPr marL="457200" lvl="1" indent="0">
@@ -9528,7 +9676,7 @@
       </p:sp>
       <p:pic>
         <p:nvPicPr>
-          <p:cNvPr id="4" name="內容版面配置區 3" descr="畫面剪輯"/>
+          <p:cNvPr id="9" name="內容版面配置區 8" descr="畫面剪輯"/>
           <p:cNvPicPr>
             <a:picLocks noGrp="1" noChangeAspect="1"/>
           </p:cNvPicPr>
@@ -9550,8 +9698,8 @@
         </p:blipFill>
         <p:spPr>
           <a:xfrm>
-            <a:off x="1223930" y="1693978"/>
-            <a:ext cx="6027616" cy="3734501"/>
+            <a:off x="1223930" y="1735857"/>
+            <a:ext cx="6258781" cy="3864117"/>
           </a:xfrm>
         </p:spPr>
       </p:pic>
@@ -12034,11 +12182,7 @@
             </a:r>
             <a:r>
               <a:rPr lang="zh-TW" altLang="en-US" dirty="0" smtClean="0"/>
-              <a:t>：</a:t>
-            </a:r>
-            <a:r>
-              <a:rPr lang="zh-TW" altLang="en-US" dirty="0" smtClean="0"/>
-              <a:t>資料管理</a:t>
+              <a:t>：資料管理</a:t>
             </a:r>
             <a:endParaRPr lang="en-US" altLang="zh-TW" dirty="0" smtClean="0"/>
           </a:p>
